--- a/pep-0602-example-release-calendar.pptx
+++ b/pep-0602-example-release-calendar.pptx
@@ -2,12 +2,12 @@
 <file path=ppt/presentation.xml><?xml version="1.0" encoding="utf-8"?>
 <p:presentation xmlns:a="http://schemas.openxmlformats.org/drawingml/2006/main" xmlns:r="http://schemas.openxmlformats.org/officeDocument/2006/relationships" xmlns:p="http://schemas.openxmlformats.org/presentationml/2006/main" saveSubsetFonts="1" autoCompressPictures="0">
   <p:sldMasterIdLst>
-    <p:sldMasterId id="2147483648" r:id="rId1"/>
+    <p:sldMasterId id="2147483660" r:id="rId1"/>
   </p:sldMasterIdLst>
   <p:sldIdLst>
     <p:sldId id="256" r:id="rId2"/>
   </p:sldIdLst>
-  <p:sldSz cx="12192000" cy="6858000"/>
+  <p:sldSz cx="12960350" cy="6858000"/>
   <p:notesSz cx="6858000" cy="9144000"/>
   <p:defaultTextStyle>
     <a:defPPr>
@@ -104,6 +104,11 @@
       </a:defRPr>
     </a:lvl9pPr>
   </p:defaultTextStyle>
+  <p:extLst>
+    <p:ext uri="{EFAFB233-063F-42B5-8137-9DF3F51BA10A}">
+      <p15:sldGuideLst xmlns:p15="http://schemas.microsoft.com/office/powerpoint/2012/main"/>
+    </p:ext>
+  </p:extLst>
 </p:presentation>
 </file>
 
@@ -126,13 +131,7 @@
       </p:grpSpPr>
       <p:sp>
         <p:nvSpPr>
-          <p:cNvPr id="2" name="Title 1">
-            <a:extLst>
-              <a:ext uri="{FF2B5EF4-FFF2-40B4-BE49-F238E27FC236}">
-                <a16:creationId xmlns:a16="http://schemas.microsoft.com/office/drawing/2014/main" id="{F165210A-D79B-FA42-9C08-7DCE5E303C22}"/>
-              </a:ext>
-            </a:extLst>
-          </p:cNvPr>
+          <p:cNvPr id="2" name="Title 1"/>
           <p:cNvSpPr>
             <a:spLocks noGrp="1"/>
           </p:cNvSpPr>
@@ -142,8 +141,8 @@
         </p:nvSpPr>
         <p:spPr>
           <a:xfrm>
-            <a:off x="1524000" y="1122363"/>
-            <a:ext cx="9144000" cy="2387600"/>
+            <a:off x="1620044" y="1122363"/>
+            <a:ext cx="9720263" cy="2387600"/>
           </a:xfrm>
         </p:spPr>
         <p:txBody>
@@ -158,18 +157,13 @@
               <a:rPr lang="en-US"/>
               <a:t>Click to edit Master title style</a:t>
             </a:r>
-          </a:p>
-        </p:txBody>
-      </p:sp>
-      <p:sp>
-        <p:nvSpPr>
-          <p:cNvPr id="3" name="Subtitle 2">
-            <a:extLst>
-              <a:ext uri="{FF2B5EF4-FFF2-40B4-BE49-F238E27FC236}">
-                <a16:creationId xmlns:a16="http://schemas.microsoft.com/office/drawing/2014/main" id="{F6FDD35C-E52B-F94C-A15A-B2131A14C389}"/>
-              </a:ext>
-            </a:extLst>
-          </p:cNvPr>
+            <a:endParaRPr lang="en-US" dirty="0"/>
+          </a:p>
+        </p:txBody>
+      </p:sp>
+      <p:sp>
+        <p:nvSpPr>
+          <p:cNvPr id="3" name="Subtitle 2"/>
           <p:cNvSpPr>
             <a:spLocks noGrp="1"/>
           </p:cNvSpPr>
@@ -179,8 +173,8 @@
         </p:nvSpPr>
         <p:spPr>
           <a:xfrm>
-            <a:off x="1524000" y="3602038"/>
-            <a:ext cx="9144000" cy="1655762"/>
+            <a:off x="1620044" y="3602038"/>
+            <a:ext cx="9720263" cy="1655762"/>
           </a:xfrm>
         </p:spPr>
         <p:txBody>
@@ -228,18 +222,13 @@
               <a:rPr lang="en-US"/>
               <a:t>Click to edit Master subtitle style</a:t>
             </a:r>
-          </a:p>
-        </p:txBody>
-      </p:sp>
-      <p:sp>
-        <p:nvSpPr>
-          <p:cNvPr id="4" name="Date Placeholder 3">
-            <a:extLst>
-              <a:ext uri="{FF2B5EF4-FFF2-40B4-BE49-F238E27FC236}">
-                <a16:creationId xmlns:a16="http://schemas.microsoft.com/office/drawing/2014/main" id="{F87A7680-F30C-8F49-9109-80916CB1CBD9}"/>
-              </a:ext>
-            </a:extLst>
-          </p:cNvPr>
+            <a:endParaRPr lang="en-US" dirty="0"/>
+          </a:p>
+        </p:txBody>
+      </p:sp>
+      <p:sp>
+        <p:nvSpPr>
+          <p:cNvPr id="4" name="Date Placeholder 3"/>
           <p:cNvSpPr>
             <a:spLocks noGrp="1"/>
           </p:cNvSpPr>
@@ -254,7 +243,7 @@
           <a:p>
             <a:fld id="{F9799CEE-6B71-6241-B003-A86B3CA3EA7C}" type="datetimeFigureOut">
               <a:rPr lang="en-US" smtClean="0"/>
-              <a:t>9/9/19</a:t>
+              <a:t>9/12/19</a:t>
             </a:fld>
             <a:endParaRPr lang="en-US"/>
           </a:p>
@@ -262,13 +251,7 @@
       </p:sp>
       <p:sp>
         <p:nvSpPr>
-          <p:cNvPr id="5" name="Footer Placeholder 4">
-            <a:extLst>
-              <a:ext uri="{FF2B5EF4-FFF2-40B4-BE49-F238E27FC236}">
-                <a16:creationId xmlns:a16="http://schemas.microsoft.com/office/drawing/2014/main" id="{B2318B3D-ECF1-004B-BFAC-818418B16DDD}"/>
-              </a:ext>
-            </a:extLst>
-          </p:cNvPr>
+          <p:cNvPr id="5" name="Footer Placeholder 4"/>
           <p:cNvSpPr>
             <a:spLocks noGrp="1"/>
           </p:cNvSpPr>
@@ -287,13 +270,7 @@
       </p:sp>
       <p:sp>
         <p:nvSpPr>
-          <p:cNvPr id="6" name="Slide Number Placeholder 5">
-            <a:extLst>
-              <a:ext uri="{FF2B5EF4-FFF2-40B4-BE49-F238E27FC236}">
-                <a16:creationId xmlns:a16="http://schemas.microsoft.com/office/drawing/2014/main" id="{78A6B980-7478-4843-90B8-3D6886A50591}"/>
-              </a:ext>
-            </a:extLst>
-          </p:cNvPr>
+          <p:cNvPr id="6" name="Slide Number Placeholder 5"/>
           <p:cNvSpPr>
             <a:spLocks noGrp="1"/>
           </p:cNvSpPr>
@@ -317,7 +294,7 @@
     </p:spTree>
     <p:extLst>
       <p:ext uri="{BB962C8B-B14F-4D97-AF65-F5344CB8AC3E}">
-        <p14:creationId xmlns:p14="http://schemas.microsoft.com/office/powerpoint/2010/main" val="1789170847"/>
+        <p14:creationId xmlns:p14="http://schemas.microsoft.com/office/powerpoint/2010/main" val="2952832841"/>
       </p:ext>
     </p:extLst>
   </p:cSld>
@@ -346,13 +323,7 @@
       </p:grpSpPr>
       <p:sp>
         <p:nvSpPr>
-          <p:cNvPr id="2" name="Title 1">
-            <a:extLst>
-              <a:ext uri="{FF2B5EF4-FFF2-40B4-BE49-F238E27FC236}">
-                <a16:creationId xmlns:a16="http://schemas.microsoft.com/office/drawing/2014/main" id="{FB72363A-7F1E-5B42-8397-5B2B911ADE4A}"/>
-              </a:ext>
-            </a:extLst>
-          </p:cNvPr>
+          <p:cNvPr id="2" name="Title 1"/>
           <p:cNvSpPr>
             <a:spLocks noGrp="1"/>
           </p:cNvSpPr>
@@ -369,18 +340,13 @@
               <a:rPr lang="en-US"/>
               <a:t>Click to edit Master title style</a:t>
             </a:r>
-          </a:p>
-        </p:txBody>
-      </p:sp>
-      <p:sp>
-        <p:nvSpPr>
-          <p:cNvPr id="3" name="Vertical Text Placeholder 2">
-            <a:extLst>
-              <a:ext uri="{FF2B5EF4-FFF2-40B4-BE49-F238E27FC236}">
-                <a16:creationId xmlns:a16="http://schemas.microsoft.com/office/drawing/2014/main" id="{31EEF7FE-0AAF-4840-8DA0-3A0D1AFC1342}"/>
-              </a:ext>
-            </a:extLst>
-          </p:cNvPr>
+            <a:endParaRPr lang="en-US" dirty="0"/>
+          </a:p>
+        </p:txBody>
+      </p:sp>
+      <p:sp>
+        <p:nvSpPr>
+          <p:cNvPr id="3" name="Vertical Text Placeholder 2"/>
           <p:cNvSpPr>
             <a:spLocks noGrp="1"/>
           </p:cNvSpPr>
@@ -426,18 +392,13 @@
               <a:rPr lang="en-US"/>
               <a:t>Fifth level</a:t>
             </a:r>
-          </a:p>
-        </p:txBody>
-      </p:sp>
-      <p:sp>
-        <p:nvSpPr>
-          <p:cNvPr id="4" name="Date Placeholder 3">
-            <a:extLst>
-              <a:ext uri="{FF2B5EF4-FFF2-40B4-BE49-F238E27FC236}">
-                <a16:creationId xmlns:a16="http://schemas.microsoft.com/office/drawing/2014/main" id="{5A632252-5578-E441-9A91-B82B4E67055A}"/>
-              </a:ext>
-            </a:extLst>
-          </p:cNvPr>
+            <a:endParaRPr lang="en-US" dirty="0"/>
+          </a:p>
+        </p:txBody>
+      </p:sp>
+      <p:sp>
+        <p:nvSpPr>
+          <p:cNvPr id="4" name="Date Placeholder 3"/>
           <p:cNvSpPr>
             <a:spLocks noGrp="1"/>
           </p:cNvSpPr>
@@ -452,7 +413,7 @@
           <a:p>
             <a:fld id="{F9799CEE-6B71-6241-B003-A86B3CA3EA7C}" type="datetimeFigureOut">
               <a:rPr lang="en-US" smtClean="0"/>
-              <a:t>9/9/19</a:t>
+              <a:t>9/12/19</a:t>
             </a:fld>
             <a:endParaRPr lang="en-US"/>
           </a:p>
@@ -460,13 +421,7 @@
       </p:sp>
       <p:sp>
         <p:nvSpPr>
-          <p:cNvPr id="5" name="Footer Placeholder 4">
-            <a:extLst>
-              <a:ext uri="{FF2B5EF4-FFF2-40B4-BE49-F238E27FC236}">
-                <a16:creationId xmlns:a16="http://schemas.microsoft.com/office/drawing/2014/main" id="{B59D97DA-F1BF-334D-A28C-555194FD5A54}"/>
-              </a:ext>
-            </a:extLst>
-          </p:cNvPr>
+          <p:cNvPr id="5" name="Footer Placeholder 4"/>
           <p:cNvSpPr>
             <a:spLocks noGrp="1"/>
           </p:cNvSpPr>
@@ -485,13 +440,7 @@
       </p:sp>
       <p:sp>
         <p:nvSpPr>
-          <p:cNvPr id="6" name="Slide Number Placeholder 5">
-            <a:extLst>
-              <a:ext uri="{FF2B5EF4-FFF2-40B4-BE49-F238E27FC236}">
-                <a16:creationId xmlns:a16="http://schemas.microsoft.com/office/drawing/2014/main" id="{4D2FF75A-91F8-E748-97F0-2A44C585E887}"/>
-              </a:ext>
-            </a:extLst>
-          </p:cNvPr>
+          <p:cNvPr id="6" name="Slide Number Placeholder 5"/>
           <p:cNvSpPr>
             <a:spLocks noGrp="1"/>
           </p:cNvSpPr>
@@ -515,7 +464,7 @@
     </p:spTree>
     <p:extLst>
       <p:ext uri="{BB962C8B-B14F-4D97-AF65-F5344CB8AC3E}">
-        <p14:creationId xmlns:p14="http://schemas.microsoft.com/office/powerpoint/2010/main" val="1636568439"/>
+        <p14:creationId xmlns:p14="http://schemas.microsoft.com/office/powerpoint/2010/main" val="1201349813"/>
       </p:ext>
     </p:extLst>
   </p:cSld>
@@ -544,13 +493,7 @@
       </p:grpSpPr>
       <p:sp>
         <p:nvSpPr>
-          <p:cNvPr id="2" name="Vertical Title 1">
-            <a:extLst>
-              <a:ext uri="{FF2B5EF4-FFF2-40B4-BE49-F238E27FC236}">
-                <a16:creationId xmlns:a16="http://schemas.microsoft.com/office/drawing/2014/main" id="{7C322318-C9DE-6841-8BCE-5E34358D300E}"/>
-              </a:ext>
-            </a:extLst>
-          </p:cNvPr>
+          <p:cNvPr id="2" name="Vertical Title 1"/>
           <p:cNvSpPr>
             <a:spLocks noGrp="1"/>
           </p:cNvSpPr>
@@ -560,8 +503,8 @@
         </p:nvSpPr>
         <p:spPr>
           <a:xfrm>
-            <a:off x="8724900" y="365125"/>
-            <a:ext cx="2628900" cy="5811838"/>
+            <a:off x="9274751" y="365125"/>
+            <a:ext cx="2794575" cy="5811838"/>
           </a:xfrm>
         </p:spPr>
         <p:txBody>
@@ -572,18 +515,13 @@
               <a:rPr lang="en-US"/>
               <a:t>Click to edit Master title style</a:t>
             </a:r>
-          </a:p>
-        </p:txBody>
-      </p:sp>
-      <p:sp>
-        <p:nvSpPr>
-          <p:cNvPr id="3" name="Vertical Text Placeholder 2">
-            <a:extLst>
-              <a:ext uri="{FF2B5EF4-FFF2-40B4-BE49-F238E27FC236}">
-                <a16:creationId xmlns:a16="http://schemas.microsoft.com/office/drawing/2014/main" id="{BC76A21E-AD2E-1C4D-BA12-F48FA6B96991}"/>
-              </a:ext>
-            </a:extLst>
-          </p:cNvPr>
+            <a:endParaRPr lang="en-US" dirty="0"/>
+          </a:p>
+        </p:txBody>
+      </p:sp>
+      <p:sp>
+        <p:nvSpPr>
+          <p:cNvPr id="3" name="Vertical Text Placeholder 2"/>
           <p:cNvSpPr>
             <a:spLocks noGrp="1"/>
           </p:cNvSpPr>
@@ -593,8 +531,8 @@
         </p:nvSpPr>
         <p:spPr>
           <a:xfrm>
-            <a:off x="838200" y="365125"/>
-            <a:ext cx="7734300" cy="5811838"/>
+            <a:off x="891024" y="365125"/>
+            <a:ext cx="8221722" cy="5811838"/>
           </a:xfrm>
         </p:spPr>
         <p:txBody>
@@ -634,18 +572,13 @@
               <a:rPr lang="en-US"/>
               <a:t>Fifth level</a:t>
             </a:r>
-          </a:p>
-        </p:txBody>
-      </p:sp>
-      <p:sp>
-        <p:nvSpPr>
-          <p:cNvPr id="4" name="Date Placeholder 3">
-            <a:extLst>
-              <a:ext uri="{FF2B5EF4-FFF2-40B4-BE49-F238E27FC236}">
-                <a16:creationId xmlns:a16="http://schemas.microsoft.com/office/drawing/2014/main" id="{779950C1-D36A-1A41-A382-175939B68CFC}"/>
-              </a:ext>
-            </a:extLst>
-          </p:cNvPr>
+            <a:endParaRPr lang="en-US" dirty="0"/>
+          </a:p>
+        </p:txBody>
+      </p:sp>
+      <p:sp>
+        <p:nvSpPr>
+          <p:cNvPr id="4" name="Date Placeholder 3"/>
           <p:cNvSpPr>
             <a:spLocks noGrp="1"/>
           </p:cNvSpPr>
@@ -660,7 +593,7 @@
           <a:p>
             <a:fld id="{F9799CEE-6B71-6241-B003-A86B3CA3EA7C}" type="datetimeFigureOut">
               <a:rPr lang="en-US" smtClean="0"/>
-              <a:t>9/9/19</a:t>
+              <a:t>9/12/19</a:t>
             </a:fld>
             <a:endParaRPr lang="en-US"/>
           </a:p>
@@ -668,13 +601,7 @@
       </p:sp>
       <p:sp>
         <p:nvSpPr>
-          <p:cNvPr id="5" name="Footer Placeholder 4">
-            <a:extLst>
-              <a:ext uri="{FF2B5EF4-FFF2-40B4-BE49-F238E27FC236}">
-                <a16:creationId xmlns:a16="http://schemas.microsoft.com/office/drawing/2014/main" id="{0CD44FD2-5F28-0D44-9521-CD0E4E22B1B1}"/>
-              </a:ext>
-            </a:extLst>
-          </p:cNvPr>
+          <p:cNvPr id="5" name="Footer Placeholder 4"/>
           <p:cNvSpPr>
             <a:spLocks noGrp="1"/>
           </p:cNvSpPr>
@@ -693,13 +620,7 @@
       </p:sp>
       <p:sp>
         <p:nvSpPr>
-          <p:cNvPr id="6" name="Slide Number Placeholder 5">
-            <a:extLst>
-              <a:ext uri="{FF2B5EF4-FFF2-40B4-BE49-F238E27FC236}">
-                <a16:creationId xmlns:a16="http://schemas.microsoft.com/office/drawing/2014/main" id="{F99D36D4-7D57-C04E-9236-54CBBDB19E53}"/>
-              </a:ext>
-            </a:extLst>
-          </p:cNvPr>
+          <p:cNvPr id="6" name="Slide Number Placeholder 5"/>
           <p:cNvSpPr>
             <a:spLocks noGrp="1"/>
           </p:cNvSpPr>
@@ -723,7 +644,7 @@
     </p:spTree>
     <p:extLst>
       <p:ext uri="{BB962C8B-B14F-4D97-AF65-F5344CB8AC3E}">
-        <p14:creationId xmlns:p14="http://schemas.microsoft.com/office/powerpoint/2010/main" val="2428335329"/>
+        <p14:creationId xmlns:p14="http://schemas.microsoft.com/office/powerpoint/2010/main" val="4048663463"/>
       </p:ext>
     </p:extLst>
   </p:cSld>
@@ -752,13 +673,7 @@
       </p:grpSpPr>
       <p:sp>
         <p:nvSpPr>
-          <p:cNvPr id="2" name="Title 1">
-            <a:extLst>
-              <a:ext uri="{FF2B5EF4-FFF2-40B4-BE49-F238E27FC236}">
-                <a16:creationId xmlns:a16="http://schemas.microsoft.com/office/drawing/2014/main" id="{154FE7DC-2B84-8C4E-B276-F278902868DF}"/>
-              </a:ext>
-            </a:extLst>
-          </p:cNvPr>
+          <p:cNvPr id="2" name="Title 1"/>
           <p:cNvSpPr>
             <a:spLocks noGrp="1"/>
           </p:cNvSpPr>
@@ -775,18 +690,13 @@
               <a:rPr lang="en-US"/>
               <a:t>Click to edit Master title style</a:t>
             </a:r>
-          </a:p>
-        </p:txBody>
-      </p:sp>
-      <p:sp>
-        <p:nvSpPr>
-          <p:cNvPr id="3" name="Content Placeholder 2">
-            <a:extLst>
-              <a:ext uri="{FF2B5EF4-FFF2-40B4-BE49-F238E27FC236}">
-                <a16:creationId xmlns:a16="http://schemas.microsoft.com/office/drawing/2014/main" id="{B0D8FFE3-A563-9147-A642-2E4D315AE190}"/>
-              </a:ext>
-            </a:extLst>
-          </p:cNvPr>
+            <a:endParaRPr lang="en-US" dirty="0"/>
+          </a:p>
+        </p:txBody>
+      </p:sp>
+      <p:sp>
+        <p:nvSpPr>
+          <p:cNvPr id="3" name="Content Placeholder 2"/>
           <p:cNvSpPr>
             <a:spLocks noGrp="1"/>
           </p:cNvSpPr>
@@ -832,18 +742,13 @@
               <a:rPr lang="en-US"/>
               <a:t>Fifth level</a:t>
             </a:r>
-          </a:p>
-        </p:txBody>
-      </p:sp>
-      <p:sp>
-        <p:nvSpPr>
-          <p:cNvPr id="4" name="Date Placeholder 3">
-            <a:extLst>
-              <a:ext uri="{FF2B5EF4-FFF2-40B4-BE49-F238E27FC236}">
-                <a16:creationId xmlns:a16="http://schemas.microsoft.com/office/drawing/2014/main" id="{599A79A3-E599-A04D-90CC-335C3225D7EB}"/>
-              </a:ext>
-            </a:extLst>
-          </p:cNvPr>
+            <a:endParaRPr lang="en-US" dirty="0"/>
+          </a:p>
+        </p:txBody>
+      </p:sp>
+      <p:sp>
+        <p:nvSpPr>
+          <p:cNvPr id="4" name="Date Placeholder 3"/>
           <p:cNvSpPr>
             <a:spLocks noGrp="1"/>
           </p:cNvSpPr>
@@ -858,7 +763,7 @@
           <a:p>
             <a:fld id="{F9799CEE-6B71-6241-B003-A86B3CA3EA7C}" type="datetimeFigureOut">
               <a:rPr lang="en-US" smtClean="0"/>
-              <a:t>9/9/19</a:t>
+              <a:t>9/12/19</a:t>
             </a:fld>
             <a:endParaRPr lang="en-US"/>
           </a:p>
@@ -866,13 +771,7 @@
       </p:sp>
       <p:sp>
         <p:nvSpPr>
-          <p:cNvPr id="5" name="Footer Placeholder 4">
-            <a:extLst>
-              <a:ext uri="{FF2B5EF4-FFF2-40B4-BE49-F238E27FC236}">
-                <a16:creationId xmlns:a16="http://schemas.microsoft.com/office/drawing/2014/main" id="{5E3B0F63-A811-884E-B62C-499975934E2A}"/>
-              </a:ext>
-            </a:extLst>
-          </p:cNvPr>
+          <p:cNvPr id="5" name="Footer Placeholder 4"/>
           <p:cNvSpPr>
             <a:spLocks noGrp="1"/>
           </p:cNvSpPr>
@@ -891,13 +790,7 @@
       </p:sp>
       <p:sp>
         <p:nvSpPr>
-          <p:cNvPr id="6" name="Slide Number Placeholder 5">
-            <a:extLst>
-              <a:ext uri="{FF2B5EF4-FFF2-40B4-BE49-F238E27FC236}">
-                <a16:creationId xmlns:a16="http://schemas.microsoft.com/office/drawing/2014/main" id="{68063843-97C3-0848-B6EE-3933FD5001CA}"/>
-              </a:ext>
-            </a:extLst>
-          </p:cNvPr>
+          <p:cNvPr id="6" name="Slide Number Placeholder 5"/>
           <p:cNvSpPr>
             <a:spLocks noGrp="1"/>
           </p:cNvSpPr>
@@ -921,7 +814,7 @@
     </p:spTree>
     <p:extLst>
       <p:ext uri="{BB962C8B-B14F-4D97-AF65-F5344CB8AC3E}">
-        <p14:creationId xmlns:p14="http://schemas.microsoft.com/office/powerpoint/2010/main" val="182241855"/>
+        <p14:creationId xmlns:p14="http://schemas.microsoft.com/office/powerpoint/2010/main" val="4242951436"/>
       </p:ext>
     </p:extLst>
   </p:cSld>
@@ -950,13 +843,7 @@
       </p:grpSpPr>
       <p:sp>
         <p:nvSpPr>
-          <p:cNvPr id="2" name="Title 1">
-            <a:extLst>
-              <a:ext uri="{FF2B5EF4-FFF2-40B4-BE49-F238E27FC236}">
-                <a16:creationId xmlns:a16="http://schemas.microsoft.com/office/drawing/2014/main" id="{7C7554FD-0A7B-A149-BEF2-D1626F5229D3}"/>
-              </a:ext>
-            </a:extLst>
-          </p:cNvPr>
+          <p:cNvPr id="2" name="Title 1"/>
           <p:cNvSpPr>
             <a:spLocks noGrp="1"/>
           </p:cNvSpPr>
@@ -966,8 +853,8 @@
         </p:nvSpPr>
         <p:spPr>
           <a:xfrm>
-            <a:off x="831850" y="1709738"/>
-            <a:ext cx="10515600" cy="2852737"/>
+            <a:off x="884274" y="1709739"/>
+            <a:ext cx="11178302" cy="2852737"/>
           </a:xfrm>
         </p:spPr>
         <p:txBody>
@@ -982,18 +869,13 @@
               <a:rPr lang="en-US"/>
               <a:t>Click to edit Master title style</a:t>
             </a:r>
-          </a:p>
-        </p:txBody>
-      </p:sp>
-      <p:sp>
-        <p:nvSpPr>
-          <p:cNvPr id="3" name="Text Placeholder 2">
-            <a:extLst>
-              <a:ext uri="{FF2B5EF4-FFF2-40B4-BE49-F238E27FC236}">
-                <a16:creationId xmlns:a16="http://schemas.microsoft.com/office/drawing/2014/main" id="{B22777E0-C699-0E48-94F0-318E6D05CDC4}"/>
-              </a:ext>
-            </a:extLst>
-          </p:cNvPr>
+            <a:endParaRPr lang="en-US" dirty="0"/>
+          </a:p>
+        </p:txBody>
+      </p:sp>
+      <p:sp>
+        <p:nvSpPr>
+          <p:cNvPr id="3" name="Text Placeholder 2"/>
           <p:cNvSpPr>
             <a:spLocks noGrp="1"/>
           </p:cNvSpPr>
@@ -1003,8 +885,8 @@
         </p:nvSpPr>
         <p:spPr>
           <a:xfrm>
-            <a:off x="831850" y="4589463"/>
-            <a:ext cx="10515600" cy="1500187"/>
+            <a:off x="884274" y="4589464"/>
+            <a:ext cx="11178302" cy="1500187"/>
           </a:xfrm>
         </p:spPr>
         <p:txBody>
@@ -1112,13 +994,7 @@
       </p:sp>
       <p:sp>
         <p:nvSpPr>
-          <p:cNvPr id="4" name="Date Placeholder 3">
-            <a:extLst>
-              <a:ext uri="{FF2B5EF4-FFF2-40B4-BE49-F238E27FC236}">
-                <a16:creationId xmlns:a16="http://schemas.microsoft.com/office/drawing/2014/main" id="{B8BA6723-7691-B249-B357-AD173167C186}"/>
-              </a:ext>
-            </a:extLst>
-          </p:cNvPr>
+          <p:cNvPr id="4" name="Date Placeholder 3"/>
           <p:cNvSpPr>
             <a:spLocks noGrp="1"/>
           </p:cNvSpPr>
@@ -1133,7 +1009,7 @@
           <a:p>
             <a:fld id="{F9799CEE-6B71-6241-B003-A86B3CA3EA7C}" type="datetimeFigureOut">
               <a:rPr lang="en-US" smtClean="0"/>
-              <a:t>9/9/19</a:t>
+              <a:t>9/12/19</a:t>
             </a:fld>
             <a:endParaRPr lang="en-US"/>
           </a:p>
@@ -1141,13 +1017,7 @@
       </p:sp>
       <p:sp>
         <p:nvSpPr>
-          <p:cNvPr id="5" name="Footer Placeholder 4">
-            <a:extLst>
-              <a:ext uri="{FF2B5EF4-FFF2-40B4-BE49-F238E27FC236}">
-                <a16:creationId xmlns:a16="http://schemas.microsoft.com/office/drawing/2014/main" id="{148EC1D6-459E-9749-B8A8-EF1D7D89EDB1}"/>
-              </a:ext>
-            </a:extLst>
-          </p:cNvPr>
+          <p:cNvPr id="5" name="Footer Placeholder 4"/>
           <p:cNvSpPr>
             <a:spLocks noGrp="1"/>
           </p:cNvSpPr>
@@ -1166,13 +1036,7 @@
       </p:sp>
       <p:sp>
         <p:nvSpPr>
-          <p:cNvPr id="6" name="Slide Number Placeholder 5">
-            <a:extLst>
-              <a:ext uri="{FF2B5EF4-FFF2-40B4-BE49-F238E27FC236}">
-                <a16:creationId xmlns:a16="http://schemas.microsoft.com/office/drawing/2014/main" id="{CCB8E94D-F764-0440-9049-B0D3B59CEB53}"/>
-              </a:ext>
-            </a:extLst>
-          </p:cNvPr>
+          <p:cNvPr id="6" name="Slide Number Placeholder 5"/>
           <p:cNvSpPr>
             <a:spLocks noGrp="1"/>
           </p:cNvSpPr>
@@ -1196,7 +1060,7 @@
     </p:spTree>
     <p:extLst>
       <p:ext uri="{BB962C8B-B14F-4D97-AF65-F5344CB8AC3E}">
-        <p14:creationId xmlns:p14="http://schemas.microsoft.com/office/powerpoint/2010/main" val="3005573756"/>
+        <p14:creationId xmlns:p14="http://schemas.microsoft.com/office/powerpoint/2010/main" val="3044751099"/>
       </p:ext>
     </p:extLst>
   </p:cSld>
@@ -1225,13 +1089,7 @@
       </p:grpSpPr>
       <p:sp>
         <p:nvSpPr>
-          <p:cNvPr id="2" name="Title 1">
-            <a:extLst>
-              <a:ext uri="{FF2B5EF4-FFF2-40B4-BE49-F238E27FC236}">
-                <a16:creationId xmlns:a16="http://schemas.microsoft.com/office/drawing/2014/main" id="{0DE2A115-6A04-514D-A700-3B747F28D1B3}"/>
-              </a:ext>
-            </a:extLst>
-          </p:cNvPr>
+          <p:cNvPr id="2" name="Title 1"/>
           <p:cNvSpPr>
             <a:spLocks noGrp="1"/>
           </p:cNvSpPr>
@@ -1248,18 +1106,13 @@
               <a:rPr lang="en-US"/>
               <a:t>Click to edit Master title style</a:t>
             </a:r>
-          </a:p>
-        </p:txBody>
-      </p:sp>
-      <p:sp>
-        <p:nvSpPr>
-          <p:cNvPr id="3" name="Content Placeholder 2">
-            <a:extLst>
-              <a:ext uri="{FF2B5EF4-FFF2-40B4-BE49-F238E27FC236}">
-                <a16:creationId xmlns:a16="http://schemas.microsoft.com/office/drawing/2014/main" id="{616C1E48-4245-DB4E-BD99-FD40280B71E6}"/>
-              </a:ext>
-            </a:extLst>
-          </p:cNvPr>
+            <a:endParaRPr lang="en-US" dirty="0"/>
+          </a:p>
+        </p:txBody>
+      </p:sp>
+      <p:sp>
+        <p:nvSpPr>
+          <p:cNvPr id="3" name="Content Placeholder 2"/>
           <p:cNvSpPr>
             <a:spLocks noGrp="1"/>
           </p:cNvSpPr>
@@ -1269,8 +1122,8 @@
         </p:nvSpPr>
         <p:spPr>
           <a:xfrm>
-            <a:off x="838200" y="1825625"/>
-            <a:ext cx="5181600" cy="4351338"/>
+            <a:off x="891024" y="1825625"/>
+            <a:ext cx="5508149" cy="4351338"/>
           </a:xfrm>
         </p:spPr>
         <p:txBody>
@@ -1310,18 +1163,13 @@
               <a:rPr lang="en-US"/>
               <a:t>Fifth level</a:t>
             </a:r>
-          </a:p>
-        </p:txBody>
-      </p:sp>
-      <p:sp>
-        <p:nvSpPr>
-          <p:cNvPr id="4" name="Content Placeholder 3">
-            <a:extLst>
-              <a:ext uri="{FF2B5EF4-FFF2-40B4-BE49-F238E27FC236}">
-                <a16:creationId xmlns:a16="http://schemas.microsoft.com/office/drawing/2014/main" id="{D8F73E64-E444-C644-8028-3DC767079D27}"/>
-              </a:ext>
-            </a:extLst>
-          </p:cNvPr>
+            <a:endParaRPr lang="en-US" dirty="0"/>
+          </a:p>
+        </p:txBody>
+      </p:sp>
+      <p:sp>
+        <p:nvSpPr>
+          <p:cNvPr id="4" name="Content Placeholder 3"/>
           <p:cNvSpPr>
             <a:spLocks noGrp="1"/>
           </p:cNvSpPr>
@@ -1331,8 +1179,8 @@
         </p:nvSpPr>
         <p:spPr>
           <a:xfrm>
-            <a:off x="6172200" y="1825625"/>
-            <a:ext cx="5181600" cy="4351338"/>
+            <a:off x="6561177" y="1825625"/>
+            <a:ext cx="5508149" cy="4351338"/>
           </a:xfrm>
         </p:spPr>
         <p:txBody>
@@ -1372,18 +1220,13 @@
               <a:rPr lang="en-US"/>
               <a:t>Fifth level</a:t>
             </a:r>
-          </a:p>
-        </p:txBody>
-      </p:sp>
-      <p:sp>
-        <p:nvSpPr>
-          <p:cNvPr id="5" name="Date Placeholder 4">
-            <a:extLst>
-              <a:ext uri="{FF2B5EF4-FFF2-40B4-BE49-F238E27FC236}">
-                <a16:creationId xmlns:a16="http://schemas.microsoft.com/office/drawing/2014/main" id="{F6A6DF07-EA31-954A-97D7-6C37F4083B53}"/>
-              </a:ext>
-            </a:extLst>
-          </p:cNvPr>
+            <a:endParaRPr lang="en-US" dirty="0"/>
+          </a:p>
+        </p:txBody>
+      </p:sp>
+      <p:sp>
+        <p:nvSpPr>
+          <p:cNvPr id="5" name="Date Placeholder 4"/>
           <p:cNvSpPr>
             <a:spLocks noGrp="1"/>
           </p:cNvSpPr>
@@ -1398,7 +1241,7 @@
           <a:p>
             <a:fld id="{F9799CEE-6B71-6241-B003-A86B3CA3EA7C}" type="datetimeFigureOut">
               <a:rPr lang="en-US" smtClean="0"/>
-              <a:t>9/9/19</a:t>
+              <a:t>9/12/19</a:t>
             </a:fld>
             <a:endParaRPr lang="en-US"/>
           </a:p>
@@ -1406,13 +1249,7 @@
       </p:sp>
       <p:sp>
         <p:nvSpPr>
-          <p:cNvPr id="6" name="Footer Placeholder 5">
-            <a:extLst>
-              <a:ext uri="{FF2B5EF4-FFF2-40B4-BE49-F238E27FC236}">
-                <a16:creationId xmlns:a16="http://schemas.microsoft.com/office/drawing/2014/main" id="{EC169B9F-AD10-E842-8FF2-894AF7D47F65}"/>
-              </a:ext>
-            </a:extLst>
-          </p:cNvPr>
+          <p:cNvPr id="6" name="Footer Placeholder 5"/>
           <p:cNvSpPr>
             <a:spLocks noGrp="1"/>
           </p:cNvSpPr>
@@ -1431,13 +1268,7 @@
       </p:sp>
       <p:sp>
         <p:nvSpPr>
-          <p:cNvPr id="7" name="Slide Number Placeholder 6">
-            <a:extLst>
-              <a:ext uri="{FF2B5EF4-FFF2-40B4-BE49-F238E27FC236}">
-                <a16:creationId xmlns:a16="http://schemas.microsoft.com/office/drawing/2014/main" id="{B76D8FD2-92B6-924D-BA6B-1B224DE7B860}"/>
-              </a:ext>
-            </a:extLst>
-          </p:cNvPr>
+          <p:cNvPr id="7" name="Slide Number Placeholder 6"/>
           <p:cNvSpPr>
             <a:spLocks noGrp="1"/>
           </p:cNvSpPr>
@@ -1461,7 +1292,7 @@
     </p:spTree>
     <p:extLst>
       <p:ext uri="{BB962C8B-B14F-4D97-AF65-F5344CB8AC3E}">
-        <p14:creationId xmlns:p14="http://schemas.microsoft.com/office/powerpoint/2010/main" val="692922898"/>
+        <p14:creationId xmlns:p14="http://schemas.microsoft.com/office/powerpoint/2010/main" val="2238189190"/>
       </p:ext>
     </p:extLst>
   </p:cSld>
@@ -1490,13 +1321,7 @@
       </p:grpSpPr>
       <p:sp>
         <p:nvSpPr>
-          <p:cNvPr id="2" name="Title 1">
-            <a:extLst>
-              <a:ext uri="{FF2B5EF4-FFF2-40B4-BE49-F238E27FC236}">
-                <a16:creationId xmlns:a16="http://schemas.microsoft.com/office/drawing/2014/main" id="{5CFF7AE8-AA8A-D34F-8AAF-B48F1176C5F0}"/>
-              </a:ext>
-            </a:extLst>
-          </p:cNvPr>
+          <p:cNvPr id="2" name="Title 1"/>
           <p:cNvSpPr>
             <a:spLocks noGrp="1"/>
           </p:cNvSpPr>
@@ -1506,8 +1331,8 @@
         </p:nvSpPr>
         <p:spPr>
           <a:xfrm>
-            <a:off x="839788" y="365125"/>
-            <a:ext cx="10515600" cy="1325563"/>
+            <a:off x="892712" y="365126"/>
+            <a:ext cx="11178302" cy="1325563"/>
           </a:xfrm>
         </p:spPr>
         <p:txBody>
@@ -1518,18 +1343,13 @@
               <a:rPr lang="en-US"/>
               <a:t>Click to edit Master title style</a:t>
             </a:r>
-          </a:p>
-        </p:txBody>
-      </p:sp>
-      <p:sp>
-        <p:nvSpPr>
-          <p:cNvPr id="3" name="Text Placeholder 2">
-            <a:extLst>
-              <a:ext uri="{FF2B5EF4-FFF2-40B4-BE49-F238E27FC236}">
-                <a16:creationId xmlns:a16="http://schemas.microsoft.com/office/drawing/2014/main" id="{DE2A92C2-64AC-164D-A814-B59F3318B494}"/>
-              </a:ext>
-            </a:extLst>
-          </p:cNvPr>
+            <a:endParaRPr lang="en-US" dirty="0"/>
+          </a:p>
+        </p:txBody>
+      </p:sp>
+      <p:sp>
+        <p:nvSpPr>
+          <p:cNvPr id="3" name="Text Placeholder 2"/>
           <p:cNvSpPr>
             <a:spLocks noGrp="1"/>
           </p:cNvSpPr>
@@ -1539,8 +1359,8 @@
         </p:nvSpPr>
         <p:spPr>
           <a:xfrm>
-            <a:off x="839788" y="1681163"/>
-            <a:ext cx="5157787" cy="823912"/>
+            <a:off x="892713" y="1681163"/>
+            <a:ext cx="5482835" cy="823912"/>
           </a:xfrm>
         </p:spPr>
         <p:txBody>
@@ -1594,13 +1414,7 @@
       </p:sp>
       <p:sp>
         <p:nvSpPr>
-          <p:cNvPr id="4" name="Content Placeholder 3">
-            <a:extLst>
-              <a:ext uri="{FF2B5EF4-FFF2-40B4-BE49-F238E27FC236}">
-                <a16:creationId xmlns:a16="http://schemas.microsoft.com/office/drawing/2014/main" id="{B125334B-74F7-544C-A5C5-117229608F63}"/>
-              </a:ext>
-            </a:extLst>
-          </p:cNvPr>
+          <p:cNvPr id="4" name="Content Placeholder 3"/>
           <p:cNvSpPr>
             <a:spLocks noGrp="1"/>
           </p:cNvSpPr>
@@ -1610,8 +1424,8 @@
         </p:nvSpPr>
         <p:spPr>
           <a:xfrm>
-            <a:off x="839788" y="2505075"/>
-            <a:ext cx="5157787" cy="3684588"/>
+            <a:off x="892713" y="2505075"/>
+            <a:ext cx="5482835" cy="3684588"/>
           </a:xfrm>
         </p:spPr>
         <p:txBody>
@@ -1651,18 +1465,13 @@
               <a:rPr lang="en-US"/>
               <a:t>Fifth level</a:t>
             </a:r>
-          </a:p>
-        </p:txBody>
-      </p:sp>
-      <p:sp>
-        <p:nvSpPr>
-          <p:cNvPr id="5" name="Text Placeholder 4">
-            <a:extLst>
-              <a:ext uri="{FF2B5EF4-FFF2-40B4-BE49-F238E27FC236}">
-                <a16:creationId xmlns:a16="http://schemas.microsoft.com/office/drawing/2014/main" id="{C387A2E7-26C4-DB42-A133-02C2598FBEBB}"/>
-              </a:ext>
-            </a:extLst>
-          </p:cNvPr>
+            <a:endParaRPr lang="en-US" dirty="0"/>
+          </a:p>
+        </p:txBody>
+      </p:sp>
+      <p:sp>
+        <p:nvSpPr>
+          <p:cNvPr id="5" name="Text Placeholder 4"/>
           <p:cNvSpPr>
             <a:spLocks noGrp="1"/>
           </p:cNvSpPr>
@@ -1672,8 +1481,8 @@
         </p:nvSpPr>
         <p:spPr>
           <a:xfrm>
-            <a:off x="6172200" y="1681163"/>
-            <a:ext cx="5183188" cy="823912"/>
+            <a:off x="6561177" y="1681163"/>
+            <a:ext cx="5509837" cy="823912"/>
           </a:xfrm>
         </p:spPr>
         <p:txBody>
@@ -1727,13 +1536,7 @@
       </p:sp>
       <p:sp>
         <p:nvSpPr>
-          <p:cNvPr id="6" name="Content Placeholder 5">
-            <a:extLst>
-              <a:ext uri="{FF2B5EF4-FFF2-40B4-BE49-F238E27FC236}">
-                <a16:creationId xmlns:a16="http://schemas.microsoft.com/office/drawing/2014/main" id="{B9FA0DD5-97C7-914F-8ECC-67EAD0D7CAB9}"/>
-              </a:ext>
-            </a:extLst>
-          </p:cNvPr>
+          <p:cNvPr id="6" name="Content Placeholder 5"/>
           <p:cNvSpPr>
             <a:spLocks noGrp="1"/>
           </p:cNvSpPr>
@@ -1743,8 +1546,8 @@
         </p:nvSpPr>
         <p:spPr>
           <a:xfrm>
-            <a:off x="6172200" y="2505075"/>
-            <a:ext cx="5183188" cy="3684588"/>
+            <a:off x="6561177" y="2505075"/>
+            <a:ext cx="5509837" cy="3684588"/>
           </a:xfrm>
         </p:spPr>
         <p:txBody>
@@ -1784,18 +1587,13 @@
               <a:rPr lang="en-US"/>
               <a:t>Fifth level</a:t>
             </a:r>
-          </a:p>
-        </p:txBody>
-      </p:sp>
-      <p:sp>
-        <p:nvSpPr>
-          <p:cNvPr id="7" name="Date Placeholder 6">
-            <a:extLst>
-              <a:ext uri="{FF2B5EF4-FFF2-40B4-BE49-F238E27FC236}">
-                <a16:creationId xmlns:a16="http://schemas.microsoft.com/office/drawing/2014/main" id="{9541FFD2-C047-C048-9F48-FE0AE0D6400B}"/>
-              </a:ext>
-            </a:extLst>
-          </p:cNvPr>
+            <a:endParaRPr lang="en-US" dirty="0"/>
+          </a:p>
+        </p:txBody>
+      </p:sp>
+      <p:sp>
+        <p:nvSpPr>
+          <p:cNvPr id="7" name="Date Placeholder 6"/>
           <p:cNvSpPr>
             <a:spLocks noGrp="1"/>
           </p:cNvSpPr>
@@ -1810,7 +1608,7 @@
           <a:p>
             <a:fld id="{F9799CEE-6B71-6241-B003-A86B3CA3EA7C}" type="datetimeFigureOut">
               <a:rPr lang="en-US" smtClean="0"/>
-              <a:t>9/9/19</a:t>
+              <a:t>9/12/19</a:t>
             </a:fld>
             <a:endParaRPr lang="en-US"/>
           </a:p>
@@ -1818,13 +1616,7 @@
       </p:sp>
       <p:sp>
         <p:nvSpPr>
-          <p:cNvPr id="8" name="Footer Placeholder 7">
-            <a:extLst>
-              <a:ext uri="{FF2B5EF4-FFF2-40B4-BE49-F238E27FC236}">
-                <a16:creationId xmlns:a16="http://schemas.microsoft.com/office/drawing/2014/main" id="{C675EDC1-69C0-E347-8023-1ABDDA823780}"/>
-              </a:ext>
-            </a:extLst>
-          </p:cNvPr>
+          <p:cNvPr id="8" name="Footer Placeholder 7"/>
           <p:cNvSpPr>
             <a:spLocks noGrp="1"/>
           </p:cNvSpPr>
@@ -1843,13 +1635,7 @@
       </p:sp>
       <p:sp>
         <p:nvSpPr>
-          <p:cNvPr id="9" name="Slide Number Placeholder 8">
-            <a:extLst>
-              <a:ext uri="{FF2B5EF4-FFF2-40B4-BE49-F238E27FC236}">
-                <a16:creationId xmlns:a16="http://schemas.microsoft.com/office/drawing/2014/main" id="{616FB9B4-6810-0940-89A4-59CAC67679C8}"/>
-              </a:ext>
-            </a:extLst>
-          </p:cNvPr>
+          <p:cNvPr id="9" name="Slide Number Placeholder 8"/>
           <p:cNvSpPr>
             <a:spLocks noGrp="1"/>
           </p:cNvSpPr>
@@ -1873,7 +1659,7 @@
     </p:spTree>
     <p:extLst>
       <p:ext uri="{BB962C8B-B14F-4D97-AF65-F5344CB8AC3E}">
-        <p14:creationId xmlns:p14="http://schemas.microsoft.com/office/powerpoint/2010/main" val="3236236922"/>
+        <p14:creationId xmlns:p14="http://schemas.microsoft.com/office/powerpoint/2010/main" val="2163899759"/>
       </p:ext>
     </p:extLst>
   </p:cSld>
@@ -1902,13 +1688,7 @@
       </p:grpSpPr>
       <p:sp>
         <p:nvSpPr>
-          <p:cNvPr id="2" name="Title 1">
-            <a:extLst>
-              <a:ext uri="{FF2B5EF4-FFF2-40B4-BE49-F238E27FC236}">
-                <a16:creationId xmlns:a16="http://schemas.microsoft.com/office/drawing/2014/main" id="{33573CBC-E2E9-8A4A-94E8-21998D14186B}"/>
-              </a:ext>
-            </a:extLst>
-          </p:cNvPr>
+          <p:cNvPr id="2" name="Title 1"/>
           <p:cNvSpPr>
             <a:spLocks noGrp="1"/>
           </p:cNvSpPr>
@@ -1925,18 +1705,13 @@
               <a:rPr lang="en-US"/>
               <a:t>Click to edit Master title style</a:t>
             </a:r>
-          </a:p>
-        </p:txBody>
-      </p:sp>
-      <p:sp>
-        <p:nvSpPr>
-          <p:cNvPr id="3" name="Date Placeholder 2">
-            <a:extLst>
-              <a:ext uri="{FF2B5EF4-FFF2-40B4-BE49-F238E27FC236}">
-                <a16:creationId xmlns:a16="http://schemas.microsoft.com/office/drawing/2014/main" id="{4CAE7E55-54CF-B345-9197-213807C697DB}"/>
-              </a:ext>
-            </a:extLst>
-          </p:cNvPr>
+            <a:endParaRPr lang="en-US" dirty="0"/>
+          </a:p>
+        </p:txBody>
+      </p:sp>
+      <p:sp>
+        <p:nvSpPr>
+          <p:cNvPr id="3" name="Date Placeholder 2"/>
           <p:cNvSpPr>
             <a:spLocks noGrp="1"/>
           </p:cNvSpPr>
@@ -1951,7 +1726,7 @@
           <a:p>
             <a:fld id="{F9799CEE-6B71-6241-B003-A86B3CA3EA7C}" type="datetimeFigureOut">
               <a:rPr lang="en-US" smtClean="0"/>
-              <a:t>9/9/19</a:t>
+              <a:t>9/12/19</a:t>
             </a:fld>
             <a:endParaRPr lang="en-US"/>
           </a:p>
@@ -1959,13 +1734,7 @@
       </p:sp>
       <p:sp>
         <p:nvSpPr>
-          <p:cNvPr id="4" name="Footer Placeholder 3">
-            <a:extLst>
-              <a:ext uri="{FF2B5EF4-FFF2-40B4-BE49-F238E27FC236}">
-                <a16:creationId xmlns:a16="http://schemas.microsoft.com/office/drawing/2014/main" id="{5F7389F5-83CB-0445-B937-AE00B67E618D}"/>
-              </a:ext>
-            </a:extLst>
-          </p:cNvPr>
+          <p:cNvPr id="4" name="Footer Placeholder 3"/>
           <p:cNvSpPr>
             <a:spLocks noGrp="1"/>
           </p:cNvSpPr>
@@ -1984,13 +1753,7 @@
       </p:sp>
       <p:sp>
         <p:nvSpPr>
-          <p:cNvPr id="5" name="Slide Number Placeholder 4">
-            <a:extLst>
-              <a:ext uri="{FF2B5EF4-FFF2-40B4-BE49-F238E27FC236}">
-                <a16:creationId xmlns:a16="http://schemas.microsoft.com/office/drawing/2014/main" id="{521276E0-E97C-5B46-919B-7404E7EDAA80}"/>
-              </a:ext>
-            </a:extLst>
-          </p:cNvPr>
+          <p:cNvPr id="5" name="Slide Number Placeholder 4"/>
           <p:cNvSpPr>
             <a:spLocks noGrp="1"/>
           </p:cNvSpPr>
@@ -2014,7 +1777,7 @@
     </p:spTree>
     <p:extLst>
       <p:ext uri="{BB962C8B-B14F-4D97-AF65-F5344CB8AC3E}">
-        <p14:creationId xmlns:p14="http://schemas.microsoft.com/office/powerpoint/2010/main" val="3096400841"/>
+        <p14:creationId xmlns:p14="http://schemas.microsoft.com/office/powerpoint/2010/main" val="896053248"/>
       </p:ext>
     </p:extLst>
   </p:cSld>
@@ -2043,13 +1806,7 @@
       </p:grpSpPr>
       <p:sp>
         <p:nvSpPr>
-          <p:cNvPr id="2" name="Date Placeholder 1">
-            <a:extLst>
-              <a:ext uri="{FF2B5EF4-FFF2-40B4-BE49-F238E27FC236}">
-                <a16:creationId xmlns:a16="http://schemas.microsoft.com/office/drawing/2014/main" id="{F0956A35-3887-6948-90DD-2C9A3383805A}"/>
-              </a:ext>
-            </a:extLst>
-          </p:cNvPr>
+          <p:cNvPr id="2" name="Date Placeholder 1"/>
           <p:cNvSpPr>
             <a:spLocks noGrp="1"/>
           </p:cNvSpPr>
@@ -2064,7 +1821,7 @@
           <a:p>
             <a:fld id="{F9799CEE-6B71-6241-B003-A86B3CA3EA7C}" type="datetimeFigureOut">
               <a:rPr lang="en-US" smtClean="0"/>
-              <a:t>9/9/19</a:t>
+              <a:t>9/12/19</a:t>
             </a:fld>
             <a:endParaRPr lang="en-US"/>
           </a:p>
@@ -2072,13 +1829,7 @@
       </p:sp>
       <p:sp>
         <p:nvSpPr>
-          <p:cNvPr id="3" name="Footer Placeholder 2">
-            <a:extLst>
-              <a:ext uri="{FF2B5EF4-FFF2-40B4-BE49-F238E27FC236}">
-                <a16:creationId xmlns:a16="http://schemas.microsoft.com/office/drawing/2014/main" id="{B4841859-AB62-594F-A25E-7E828BCC914C}"/>
-              </a:ext>
-            </a:extLst>
-          </p:cNvPr>
+          <p:cNvPr id="3" name="Footer Placeholder 2"/>
           <p:cNvSpPr>
             <a:spLocks noGrp="1"/>
           </p:cNvSpPr>
@@ -2097,13 +1848,7 @@
       </p:sp>
       <p:sp>
         <p:nvSpPr>
-          <p:cNvPr id="4" name="Slide Number Placeholder 3">
-            <a:extLst>
-              <a:ext uri="{FF2B5EF4-FFF2-40B4-BE49-F238E27FC236}">
-                <a16:creationId xmlns:a16="http://schemas.microsoft.com/office/drawing/2014/main" id="{CC9613D9-D6B2-6F47-A004-823082641571}"/>
-              </a:ext>
-            </a:extLst>
-          </p:cNvPr>
+          <p:cNvPr id="4" name="Slide Number Placeholder 3"/>
           <p:cNvSpPr>
             <a:spLocks noGrp="1"/>
           </p:cNvSpPr>
@@ -2127,7 +1872,7 @@
     </p:spTree>
     <p:extLst>
       <p:ext uri="{BB962C8B-B14F-4D97-AF65-F5344CB8AC3E}">
-        <p14:creationId xmlns:p14="http://schemas.microsoft.com/office/powerpoint/2010/main" val="3226218501"/>
+        <p14:creationId xmlns:p14="http://schemas.microsoft.com/office/powerpoint/2010/main" val="2082980875"/>
       </p:ext>
     </p:extLst>
   </p:cSld>
@@ -2156,13 +1901,7 @@
       </p:grpSpPr>
       <p:sp>
         <p:nvSpPr>
-          <p:cNvPr id="2" name="Title 1">
-            <a:extLst>
-              <a:ext uri="{FF2B5EF4-FFF2-40B4-BE49-F238E27FC236}">
-                <a16:creationId xmlns:a16="http://schemas.microsoft.com/office/drawing/2014/main" id="{1187C73E-27A7-3E46-9B5E-C738E9C43C02}"/>
-              </a:ext>
-            </a:extLst>
-          </p:cNvPr>
+          <p:cNvPr id="2" name="Title 1"/>
           <p:cNvSpPr>
             <a:spLocks noGrp="1"/>
           </p:cNvSpPr>
@@ -2172,8 +1911,8 @@
         </p:nvSpPr>
         <p:spPr>
           <a:xfrm>
-            <a:off x="839788" y="457200"/>
-            <a:ext cx="3932237" cy="1600200"/>
+            <a:off x="892713" y="457200"/>
+            <a:ext cx="4180050" cy="1600200"/>
           </a:xfrm>
         </p:spPr>
         <p:txBody>
@@ -2188,18 +1927,13 @@
               <a:rPr lang="en-US"/>
               <a:t>Click to edit Master title style</a:t>
             </a:r>
-          </a:p>
-        </p:txBody>
-      </p:sp>
-      <p:sp>
-        <p:nvSpPr>
-          <p:cNvPr id="3" name="Content Placeholder 2">
-            <a:extLst>
-              <a:ext uri="{FF2B5EF4-FFF2-40B4-BE49-F238E27FC236}">
-                <a16:creationId xmlns:a16="http://schemas.microsoft.com/office/drawing/2014/main" id="{88C61D16-A05A-9E48-AA38-2D1F1F580A14}"/>
-              </a:ext>
-            </a:extLst>
-          </p:cNvPr>
+            <a:endParaRPr lang="en-US" dirty="0"/>
+          </a:p>
+        </p:txBody>
+      </p:sp>
+      <p:sp>
+        <p:nvSpPr>
+          <p:cNvPr id="3" name="Content Placeholder 2"/>
           <p:cNvSpPr>
             <a:spLocks noGrp="1"/>
           </p:cNvSpPr>
@@ -2209,8 +1943,8 @@
         </p:nvSpPr>
         <p:spPr>
           <a:xfrm>
-            <a:off x="5183188" y="987425"/>
-            <a:ext cx="6172200" cy="4873625"/>
+            <a:off x="5509837" y="987426"/>
+            <a:ext cx="6561177" cy="4873625"/>
           </a:xfrm>
         </p:spPr>
         <p:txBody>
@@ -2278,18 +2012,13 @@
               <a:rPr lang="en-US"/>
               <a:t>Fifth level</a:t>
             </a:r>
-          </a:p>
-        </p:txBody>
-      </p:sp>
-      <p:sp>
-        <p:nvSpPr>
-          <p:cNvPr id="4" name="Text Placeholder 3">
-            <a:extLst>
-              <a:ext uri="{FF2B5EF4-FFF2-40B4-BE49-F238E27FC236}">
-                <a16:creationId xmlns:a16="http://schemas.microsoft.com/office/drawing/2014/main" id="{70F317BB-BD97-4E40-8540-46D9B6324494}"/>
-              </a:ext>
-            </a:extLst>
-          </p:cNvPr>
+            <a:endParaRPr lang="en-US" dirty="0"/>
+          </a:p>
+        </p:txBody>
+      </p:sp>
+      <p:sp>
+        <p:nvSpPr>
+          <p:cNvPr id="4" name="Text Placeholder 3"/>
           <p:cNvSpPr>
             <a:spLocks noGrp="1"/>
           </p:cNvSpPr>
@@ -2299,8 +2028,8 @@
         </p:nvSpPr>
         <p:spPr>
           <a:xfrm>
-            <a:off x="839788" y="2057400"/>
-            <a:ext cx="3932237" cy="3811588"/>
+            <a:off x="892713" y="2057400"/>
+            <a:ext cx="4180050" cy="3811588"/>
           </a:xfrm>
         </p:spPr>
         <p:txBody>
@@ -2354,13 +2083,7 @@
       </p:sp>
       <p:sp>
         <p:nvSpPr>
-          <p:cNvPr id="5" name="Date Placeholder 4">
-            <a:extLst>
-              <a:ext uri="{FF2B5EF4-FFF2-40B4-BE49-F238E27FC236}">
-                <a16:creationId xmlns:a16="http://schemas.microsoft.com/office/drawing/2014/main" id="{7A706818-7C7D-1547-BC9F-3CB30051D517}"/>
-              </a:ext>
-            </a:extLst>
-          </p:cNvPr>
+          <p:cNvPr id="5" name="Date Placeholder 4"/>
           <p:cNvSpPr>
             <a:spLocks noGrp="1"/>
           </p:cNvSpPr>
@@ -2375,7 +2098,7 @@
           <a:p>
             <a:fld id="{F9799CEE-6B71-6241-B003-A86B3CA3EA7C}" type="datetimeFigureOut">
               <a:rPr lang="en-US" smtClean="0"/>
-              <a:t>9/9/19</a:t>
+              <a:t>9/12/19</a:t>
             </a:fld>
             <a:endParaRPr lang="en-US"/>
           </a:p>
@@ -2383,13 +2106,7 @@
       </p:sp>
       <p:sp>
         <p:nvSpPr>
-          <p:cNvPr id="6" name="Footer Placeholder 5">
-            <a:extLst>
-              <a:ext uri="{FF2B5EF4-FFF2-40B4-BE49-F238E27FC236}">
-                <a16:creationId xmlns:a16="http://schemas.microsoft.com/office/drawing/2014/main" id="{36E6BFED-FE58-0F40-B9E0-CC532D888723}"/>
-              </a:ext>
-            </a:extLst>
-          </p:cNvPr>
+          <p:cNvPr id="6" name="Footer Placeholder 5"/>
           <p:cNvSpPr>
             <a:spLocks noGrp="1"/>
           </p:cNvSpPr>
@@ -2408,13 +2125,7 @@
       </p:sp>
       <p:sp>
         <p:nvSpPr>
-          <p:cNvPr id="7" name="Slide Number Placeholder 6">
-            <a:extLst>
-              <a:ext uri="{FF2B5EF4-FFF2-40B4-BE49-F238E27FC236}">
-                <a16:creationId xmlns:a16="http://schemas.microsoft.com/office/drawing/2014/main" id="{1384D1DE-B0CB-4C4A-9F61-D67BE2AB3745}"/>
-              </a:ext>
-            </a:extLst>
-          </p:cNvPr>
+          <p:cNvPr id="7" name="Slide Number Placeholder 6"/>
           <p:cNvSpPr>
             <a:spLocks noGrp="1"/>
           </p:cNvSpPr>
@@ -2438,7 +2149,7 @@
     </p:spTree>
     <p:extLst>
       <p:ext uri="{BB962C8B-B14F-4D97-AF65-F5344CB8AC3E}">
-        <p14:creationId xmlns:p14="http://schemas.microsoft.com/office/powerpoint/2010/main" val="4112151444"/>
+        <p14:creationId xmlns:p14="http://schemas.microsoft.com/office/powerpoint/2010/main" val="659903233"/>
       </p:ext>
     </p:extLst>
   </p:cSld>
@@ -2467,13 +2178,7 @@
       </p:grpSpPr>
       <p:sp>
         <p:nvSpPr>
-          <p:cNvPr id="2" name="Title 1">
-            <a:extLst>
-              <a:ext uri="{FF2B5EF4-FFF2-40B4-BE49-F238E27FC236}">
-                <a16:creationId xmlns:a16="http://schemas.microsoft.com/office/drawing/2014/main" id="{4207C6DC-EA9C-024E-8A9D-36470B85E404}"/>
-              </a:ext>
-            </a:extLst>
-          </p:cNvPr>
+          <p:cNvPr id="2" name="Title 1"/>
           <p:cNvSpPr>
             <a:spLocks noGrp="1"/>
           </p:cNvSpPr>
@@ -2483,8 +2188,8 @@
         </p:nvSpPr>
         <p:spPr>
           <a:xfrm>
-            <a:off x="839788" y="457200"/>
-            <a:ext cx="3932237" cy="1600200"/>
+            <a:off x="892713" y="457200"/>
+            <a:ext cx="4180050" cy="1600200"/>
           </a:xfrm>
         </p:spPr>
         <p:txBody>
@@ -2499,20 +2204,15 @@
               <a:rPr lang="en-US"/>
               <a:t>Click to edit Master title style</a:t>
             </a:r>
-          </a:p>
-        </p:txBody>
-      </p:sp>
-      <p:sp>
-        <p:nvSpPr>
-          <p:cNvPr id="3" name="Picture Placeholder 2">
-            <a:extLst>
-              <a:ext uri="{FF2B5EF4-FFF2-40B4-BE49-F238E27FC236}">
-                <a16:creationId xmlns:a16="http://schemas.microsoft.com/office/drawing/2014/main" id="{78ED227C-493D-A844-AB5F-CA56B577356B}"/>
-              </a:ext>
-            </a:extLst>
-          </p:cNvPr>
+            <a:endParaRPr lang="en-US" dirty="0"/>
+          </a:p>
+        </p:txBody>
+      </p:sp>
+      <p:sp>
+        <p:nvSpPr>
+          <p:cNvPr id="3" name="Picture Placeholder 2"/>
           <p:cNvSpPr>
-            <a:spLocks noGrp="1"/>
+            <a:spLocks noGrp="1" noChangeAspect="1"/>
           </p:cNvSpPr>
           <p:nvPr>
             <p:ph type="pic" idx="1"/>
@@ -2520,12 +2220,12 @@
         </p:nvSpPr>
         <p:spPr>
           <a:xfrm>
-            <a:off x="5183188" y="987425"/>
-            <a:ext cx="6172200" cy="4873625"/>
-          </a:xfrm>
-        </p:spPr>
-        <p:txBody>
-          <a:bodyPr/>
+            <a:off x="5509837" y="987426"/>
+            <a:ext cx="6561177" cy="4873625"/>
+          </a:xfrm>
+        </p:spPr>
+        <p:txBody>
+          <a:bodyPr anchor="t"/>
           <a:lstStyle>
             <a:lvl1pPr marL="0" indent="0">
               <a:buNone/>
@@ -2565,19 +2265,17 @@
             </a:lvl9pPr>
           </a:lstStyle>
           <a:p>
-            <a:endParaRPr lang="en-US"/>
-          </a:p>
-        </p:txBody>
-      </p:sp>
-      <p:sp>
-        <p:nvSpPr>
-          <p:cNvPr id="4" name="Text Placeholder 3">
-            <a:extLst>
-              <a:ext uri="{FF2B5EF4-FFF2-40B4-BE49-F238E27FC236}">
-                <a16:creationId xmlns:a16="http://schemas.microsoft.com/office/drawing/2014/main" id="{7F4C83D7-03D9-924A-A140-A231A7868766}"/>
-              </a:ext>
-            </a:extLst>
-          </p:cNvPr>
+            <a:r>
+              <a:rPr lang="en-US"/>
+              <a:t>Click icon to add picture</a:t>
+            </a:r>
+            <a:endParaRPr lang="en-US" dirty="0"/>
+          </a:p>
+        </p:txBody>
+      </p:sp>
+      <p:sp>
+        <p:nvSpPr>
+          <p:cNvPr id="4" name="Text Placeholder 3"/>
           <p:cNvSpPr>
             <a:spLocks noGrp="1"/>
           </p:cNvSpPr>
@@ -2587,8 +2285,8 @@
         </p:nvSpPr>
         <p:spPr>
           <a:xfrm>
-            <a:off x="839788" y="2057400"/>
-            <a:ext cx="3932237" cy="3811588"/>
+            <a:off x="892713" y="2057400"/>
+            <a:ext cx="4180050" cy="3811588"/>
           </a:xfrm>
         </p:spPr>
         <p:txBody>
@@ -2642,13 +2340,7 @@
       </p:sp>
       <p:sp>
         <p:nvSpPr>
-          <p:cNvPr id="5" name="Date Placeholder 4">
-            <a:extLst>
-              <a:ext uri="{FF2B5EF4-FFF2-40B4-BE49-F238E27FC236}">
-                <a16:creationId xmlns:a16="http://schemas.microsoft.com/office/drawing/2014/main" id="{341A052D-084B-024B-A7C6-B86B73F0401D}"/>
-              </a:ext>
-            </a:extLst>
-          </p:cNvPr>
+          <p:cNvPr id="5" name="Date Placeholder 4"/>
           <p:cNvSpPr>
             <a:spLocks noGrp="1"/>
           </p:cNvSpPr>
@@ -2663,7 +2355,7 @@
           <a:p>
             <a:fld id="{F9799CEE-6B71-6241-B003-A86B3CA3EA7C}" type="datetimeFigureOut">
               <a:rPr lang="en-US" smtClean="0"/>
-              <a:t>9/9/19</a:t>
+              <a:t>9/12/19</a:t>
             </a:fld>
             <a:endParaRPr lang="en-US"/>
           </a:p>
@@ -2671,13 +2363,7 @@
       </p:sp>
       <p:sp>
         <p:nvSpPr>
-          <p:cNvPr id="6" name="Footer Placeholder 5">
-            <a:extLst>
-              <a:ext uri="{FF2B5EF4-FFF2-40B4-BE49-F238E27FC236}">
-                <a16:creationId xmlns:a16="http://schemas.microsoft.com/office/drawing/2014/main" id="{FEB8CC40-BA87-AB40-BC9C-C2E5FBF8629C}"/>
-              </a:ext>
-            </a:extLst>
-          </p:cNvPr>
+          <p:cNvPr id="6" name="Footer Placeholder 5"/>
           <p:cNvSpPr>
             <a:spLocks noGrp="1"/>
           </p:cNvSpPr>
@@ -2696,13 +2382,7 @@
       </p:sp>
       <p:sp>
         <p:nvSpPr>
-          <p:cNvPr id="7" name="Slide Number Placeholder 6">
-            <a:extLst>
-              <a:ext uri="{FF2B5EF4-FFF2-40B4-BE49-F238E27FC236}">
-                <a16:creationId xmlns:a16="http://schemas.microsoft.com/office/drawing/2014/main" id="{DE8D85E5-FFC1-3040-A8D7-FE21A803AD72}"/>
-              </a:ext>
-            </a:extLst>
-          </p:cNvPr>
+          <p:cNvPr id="7" name="Slide Number Placeholder 6"/>
           <p:cNvSpPr>
             <a:spLocks noGrp="1"/>
           </p:cNvSpPr>
@@ -2726,7 +2406,7 @@
     </p:spTree>
     <p:extLst>
       <p:ext uri="{BB962C8B-B14F-4D97-AF65-F5344CB8AC3E}">
-        <p14:creationId xmlns:p14="http://schemas.microsoft.com/office/powerpoint/2010/main" val="2577978742"/>
+        <p14:creationId xmlns:p14="http://schemas.microsoft.com/office/powerpoint/2010/main" val="3209151278"/>
       </p:ext>
     </p:extLst>
   </p:cSld>
@@ -2760,13 +2440,7 @@
       </p:grpSpPr>
       <p:sp>
         <p:nvSpPr>
-          <p:cNvPr id="2" name="Title Placeholder 1">
-            <a:extLst>
-              <a:ext uri="{FF2B5EF4-FFF2-40B4-BE49-F238E27FC236}">
-                <a16:creationId xmlns:a16="http://schemas.microsoft.com/office/drawing/2014/main" id="{00F04C4B-EEA1-FC45-B26C-DB3E37588157}"/>
-              </a:ext>
-            </a:extLst>
-          </p:cNvPr>
+          <p:cNvPr id="2" name="Title Placeholder 1"/>
           <p:cNvSpPr>
             <a:spLocks noGrp="1"/>
           </p:cNvSpPr>
@@ -2776,8 +2450,8 @@
         </p:nvSpPr>
         <p:spPr>
           <a:xfrm>
-            <a:off x="838200" y="365125"/>
-            <a:ext cx="10515600" cy="1325563"/>
+            <a:off x="891024" y="365126"/>
+            <a:ext cx="11178302" cy="1325563"/>
           </a:xfrm>
           <a:prstGeom prst="rect">
             <a:avLst/>
@@ -2793,18 +2467,13 @@
               <a:rPr lang="en-US"/>
               <a:t>Click to edit Master title style</a:t>
             </a:r>
-          </a:p>
-        </p:txBody>
-      </p:sp>
-      <p:sp>
-        <p:nvSpPr>
-          <p:cNvPr id="3" name="Text Placeholder 2">
-            <a:extLst>
-              <a:ext uri="{FF2B5EF4-FFF2-40B4-BE49-F238E27FC236}">
-                <a16:creationId xmlns:a16="http://schemas.microsoft.com/office/drawing/2014/main" id="{C2D807D3-DF9B-9540-9075-0FBE823F5D36}"/>
-              </a:ext>
-            </a:extLst>
-          </p:cNvPr>
+            <a:endParaRPr lang="en-US" dirty="0"/>
+          </a:p>
+        </p:txBody>
+      </p:sp>
+      <p:sp>
+        <p:nvSpPr>
+          <p:cNvPr id="3" name="Text Placeholder 2"/>
           <p:cNvSpPr>
             <a:spLocks noGrp="1"/>
           </p:cNvSpPr>
@@ -2814,8 +2483,8 @@
         </p:nvSpPr>
         <p:spPr>
           <a:xfrm>
-            <a:off x="838200" y="1825625"/>
-            <a:ext cx="10515600" cy="4351338"/>
+            <a:off x="891024" y="1825625"/>
+            <a:ext cx="11178302" cy="4351338"/>
           </a:xfrm>
           <a:prstGeom prst="rect">
             <a:avLst/>
@@ -2860,18 +2529,13 @@
               <a:rPr lang="en-US"/>
               <a:t>Fifth level</a:t>
             </a:r>
-          </a:p>
-        </p:txBody>
-      </p:sp>
-      <p:sp>
-        <p:nvSpPr>
-          <p:cNvPr id="4" name="Date Placeholder 3">
-            <a:extLst>
-              <a:ext uri="{FF2B5EF4-FFF2-40B4-BE49-F238E27FC236}">
-                <a16:creationId xmlns:a16="http://schemas.microsoft.com/office/drawing/2014/main" id="{ED8FBBF6-49B6-E149-A655-103A2A53B707}"/>
-              </a:ext>
-            </a:extLst>
-          </p:cNvPr>
+            <a:endParaRPr lang="en-US" dirty="0"/>
+          </a:p>
+        </p:txBody>
+      </p:sp>
+      <p:sp>
+        <p:nvSpPr>
+          <p:cNvPr id="4" name="Date Placeholder 3"/>
           <p:cNvSpPr>
             <a:spLocks noGrp="1"/>
           </p:cNvSpPr>
@@ -2881,8 +2545,8 @@
         </p:nvSpPr>
         <p:spPr>
           <a:xfrm>
-            <a:off x="838200" y="6356350"/>
-            <a:ext cx="2743200" cy="365125"/>
+            <a:off x="891024" y="6356351"/>
+            <a:ext cx="2916079" cy="365125"/>
           </a:xfrm>
           <a:prstGeom prst="rect">
             <a:avLst/>
@@ -2904,7 +2568,7 @@
           <a:p>
             <a:fld id="{F9799CEE-6B71-6241-B003-A86B3CA3EA7C}" type="datetimeFigureOut">
               <a:rPr lang="en-US" smtClean="0"/>
-              <a:t>9/9/19</a:t>
+              <a:t>9/12/19</a:t>
             </a:fld>
             <a:endParaRPr lang="en-US"/>
           </a:p>
@@ -2912,13 +2576,7 @@
       </p:sp>
       <p:sp>
         <p:nvSpPr>
-          <p:cNvPr id="5" name="Footer Placeholder 4">
-            <a:extLst>
-              <a:ext uri="{FF2B5EF4-FFF2-40B4-BE49-F238E27FC236}">
-                <a16:creationId xmlns:a16="http://schemas.microsoft.com/office/drawing/2014/main" id="{DA2DA09A-344F-A44A-8E0B-039288C5CB6E}"/>
-              </a:ext>
-            </a:extLst>
-          </p:cNvPr>
+          <p:cNvPr id="5" name="Footer Placeholder 4"/>
           <p:cNvSpPr>
             <a:spLocks noGrp="1"/>
           </p:cNvSpPr>
@@ -2928,8 +2586,8 @@
         </p:nvSpPr>
         <p:spPr>
           <a:xfrm>
-            <a:off x="4038600" y="6356350"/>
-            <a:ext cx="4114800" cy="365125"/>
+            <a:off x="4293116" y="6356351"/>
+            <a:ext cx="4374118" cy="365125"/>
           </a:xfrm>
           <a:prstGeom prst="rect">
             <a:avLst/>
@@ -2955,13 +2613,7 @@
       </p:sp>
       <p:sp>
         <p:nvSpPr>
-          <p:cNvPr id="6" name="Slide Number Placeholder 5">
-            <a:extLst>
-              <a:ext uri="{FF2B5EF4-FFF2-40B4-BE49-F238E27FC236}">
-                <a16:creationId xmlns:a16="http://schemas.microsoft.com/office/drawing/2014/main" id="{C7E0AB02-17BA-9043-B792-44D3EEBB7065}"/>
-              </a:ext>
-            </a:extLst>
-          </p:cNvPr>
+          <p:cNvPr id="6" name="Slide Number Placeholder 5"/>
           <p:cNvSpPr>
             <a:spLocks noGrp="1"/>
           </p:cNvSpPr>
@@ -2971,8 +2623,8 @@
         </p:nvSpPr>
         <p:spPr>
           <a:xfrm>
-            <a:off x="8610600" y="6356350"/>
-            <a:ext cx="2743200" cy="365125"/>
+            <a:off x="9153247" y="6356351"/>
+            <a:ext cx="2916079" cy="365125"/>
           </a:xfrm>
           <a:prstGeom prst="rect">
             <a:avLst/>
@@ -3003,23 +2655,23 @@
     </p:spTree>
     <p:extLst>
       <p:ext uri="{BB962C8B-B14F-4D97-AF65-F5344CB8AC3E}">
-        <p14:creationId xmlns:p14="http://schemas.microsoft.com/office/powerpoint/2010/main" val="4271503352"/>
+        <p14:creationId xmlns:p14="http://schemas.microsoft.com/office/powerpoint/2010/main" val="2733307068"/>
       </p:ext>
     </p:extLst>
   </p:cSld>
   <p:clrMap bg1="lt1" tx1="dk1" bg2="lt2" tx2="dk2" accent1="accent1" accent2="accent2" accent3="accent3" accent4="accent4" accent5="accent5" accent6="accent6" hlink="hlink" folHlink="folHlink"/>
   <p:sldLayoutIdLst>
-    <p:sldLayoutId id="2147483649" r:id="rId1"/>
-    <p:sldLayoutId id="2147483650" r:id="rId2"/>
-    <p:sldLayoutId id="2147483651" r:id="rId3"/>
-    <p:sldLayoutId id="2147483652" r:id="rId4"/>
-    <p:sldLayoutId id="2147483653" r:id="rId5"/>
-    <p:sldLayoutId id="2147483654" r:id="rId6"/>
-    <p:sldLayoutId id="2147483655" r:id="rId7"/>
-    <p:sldLayoutId id="2147483656" r:id="rId8"/>
-    <p:sldLayoutId id="2147483657" r:id="rId9"/>
-    <p:sldLayoutId id="2147483658" r:id="rId10"/>
-    <p:sldLayoutId id="2147483659" r:id="rId11"/>
+    <p:sldLayoutId id="2147483661" r:id="rId1"/>
+    <p:sldLayoutId id="2147483662" r:id="rId2"/>
+    <p:sldLayoutId id="2147483663" r:id="rId3"/>
+    <p:sldLayoutId id="2147483664" r:id="rId4"/>
+    <p:sldLayoutId id="2147483665" r:id="rId5"/>
+    <p:sldLayoutId id="2147483666" r:id="rId6"/>
+    <p:sldLayoutId id="2147483667" r:id="rId7"/>
+    <p:sldLayoutId id="2147483668" r:id="rId8"/>
+    <p:sldLayoutId id="2147483669" r:id="rId9"/>
+    <p:sldLayoutId id="2147483670" r:id="rId10"/>
+    <p:sldLayoutId id="2147483671" r:id="rId11"/>
   </p:sldLayoutIdLst>
   <p:txStyles>
     <p:titleStyle>
@@ -3207,7 +2859,7 @@
     </p:bodyStyle>
     <p:otherStyle>
       <a:defPPr>
-        <a:defRPr lang="pl-PL"/>
+        <a:defRPr lang="en-US"/>
       </a:defPPr>
       <a:lvl1pPr marL="0" algn="l" defTabSz="914400" rtl="0" eaLnBrk="1" latinLnBrk="0" hangingPunct="1">
         <a:defRPr sz="1800" kern="1200">
@@ -3323,10 +2975,10 @@
       </p:grpSpPr>
       <p:cxnSp>
         <p:nvCxnSpPr>
-          <p:cNvPr id="7" name="Straight Connector 6">
-            <a:extLst>
-              <a:ext uri="{FF2B5EF4-FFF2-40B4-BE49-F238E27FC236}">
-                <a16:creationId xmlns:a16="http://schemas.microsoft.com/office/drawing/2014/main" id="{CB1ADB13-C584-2D4C-B1D9-386700B59F57}"/>
+          <p:cNvPr id="271" name="Straight Connector 270">
+            <a:extLst>
+              <a:ext uri="{FF2B5EF4-FFF2-40B4-BE49-F238E27FC236}">
+                <a16:creationId xmlns:a16="http://schemas.microsoft.com/office/drawing/2014/main" id="{EB72A350-E47B-E348-BF08-D498873BDFE4}"/>
               </a:ext>
             </a:extLst>
           </p:cNvPr>
@@ -3337,7 +2989,196 @@
         </p:nvCxnSpPr>
         <p:spPr>
           <a:xfrm>
-            <a:off x="246658" y="703875"/>
+            <a:off x="12100030" y="703874"/>
+            <a:ext cx="0" cy="5910720"/>
+          </a:xfrm>
+          <a:prstGeom prst="line">
+            <a:avLst/>
+          </a:prstGeom>
+          <a:ln w="9525" cap="flat" cmpd="sng" algn="ctr">
+            <a:solidFill>
+              <a:schemeClr val="accent3"/>
+            </a:solidFill>
+            <a:prstDash val="dash"/>
+            <a:round/>
+            <a:headEnd type="none" w="med" len="med"/>
+            <a:tailEnd type="none" w="med" len="med"/>
+          </a:ln>
+        </p:spPr>
+        <p:style>
+          <a:lnRef idx="0">
+            <a:scrgbClr r="0" g="0" b="0"/>
+          </a:lnRef>
+          <a:fillRef idx="0">
+            <a:scrgbClr r="0" g="0" b="0"/>
+          </a:fillRef>
+          <a:effectRef idx="0">
+            <a:scrgbClr r="0" g="0" b="0"/>
+          </a:effectRef>
+          <a:fontRef idx="minor">
+            <a:schemeClr val="tx1"/>
+          </a:fontRef>
+        </p:style>
+      </p:cxnSp>
+      <p:cxnSp>
+        <p:nvCxnSpPr>
+          <p:cNvPr id="272" name="Straight Connector 271">
+            <a:extLst>
+              <a:ext uri="{FF2B5EF4-FFF2-40B4-BE49-F238E27FC236}">
+                <a16:creationId xmlns:a16="http://schemas.microsoft.com/office/drawing/2014/main" id="{C0E929B6-4506-BA46-94CC-54DDE9B6A0F6}"/>
+              </a:ext>
+            </a:extLst>
+          </p:cNvPr>
+          <p:cNvCxnSpPr>
+            <a:cxnSpLocks/>
+          </p:cNvCxnSpPr>
+          <p:nvPr/>
+        </p:nvCxnSpPr>
+        <p:spPr>
+          <a:xfrm>
+            <a:off x="12398798" y="706222"/>
+            <a:ext cx="0" cy="5910720"/>
+          </a:xfrm>
+          <a:prstGeom prst="line">
+            <a:avLst/>
+          </a:prstGeom>
+          <a:ln>
+            <a:prstDash val="dash"/>
+          </a:ln>
+        </p:spPr>
+        <p:style>
+          <a:lnRef idx="1">
+            <a:schemeClr val="accent1"/>
+          </a:lnRef>
+          <a:fillRef idx="0">
+            <a:schemeClr val="accent1"/>
+          </a:fillRef>
+          <a:effectRef idx="0">
+            <a:schemeClr val="accent1"/>
+          </a:effectRef>
+          <a:fontRef idx="minor">
+            <a:schemeClr val="tx1"/>
+          </a:fontRef>
+        </p:style>
+      </p:cxnSp>
+      <p:cxnSp>
+        <p:nvCxnSpPr>
+          <p:cNvPr id="273" name="Straight Connector 272">
+            <a:extLst>
+              <a:ext uri="{FF2B5EF4-FFF2-40B4-BE49-F238E27FC236}">
+                <a16:creationId xmlns:a16="http://schemas.microsoft.com/office/drawing/2014/main" id="{848F81CC-4E56-254A-81CF-4D358ACD5213}"/>
+              </a:ext>
+            </a:extLst>
+          </p:cNvPr>
+          <p:cNvCxnSpPr>
+            <a:cxnSpLocks/>
+          </p:cNvCxnSpPr>
+          <p:nvPr/>
+        </p:nvCxnSpPr>
+        <p:spPr>
+          <a:xfrm>
+            <a:off x="12676092" y="706222"/>
+            <a:ext cx="0" cy="5910720"/>
+          </a:xfrm>
+          <a:prstGeom prst="line">
+            <a:avLst/>
+          </a:prstGeom>
+          <a:ln w="9525" cap="flat" cmpd="sng" algn="ctr">
+            <a:solidFill>
+              <a:schemeClr val="accent3"/>
+            </a:solidFill>
+            <a:prstDash val="dash"/>
+            <a:round/>
+            <a:headEnd type="none" w="med" len="med"/>
+            <a:tailEnd type="none" w="med" len="med"/>
+          </a:ln>
+        </p:spPr>
+        <p:style>
+          <a:lnRef idx="0">
+            <a:scrgbClr r="0" g="0" b="0"/>
+          </a:lnRef>
+          <a:fillRef idx="0">
+            <a:scrgbClr r="0" g="0" b="0"/>
+          </a:fillRef>
+          <a:effectRef idx="0">
+            <a:scrgbClr r="0" g="0" b="0"/>
+          </a:effectRef>
+          <a:fontRef idx="minor">
+            <a:schemeClr val="tx1"/>
+          </a:fontRef>
+        </p:style>
+      </p:cxnSp>
+      <p:sp>
+        <p:nvSpPr>
+          <p:cNvPr id="304" name="Rectangle 303">
+            <a:extLst>
+              <a:ext uri="{FF2B5EF4-FFF2-40B4-BE49-F238E27FC236}">
+                <a16:creationId xmlns:a16="http://schemas.microsoft.com/office/drawing/2014/main" id="{B903AA6C-CDE0-964C-BD2E-AE4BA4E45CCA}"/>
+              </a:ext>
+            </a:extLst>
+          </p:cNvPr>
+          <p:cNvSpPr/>
+          <p:nvPr/>
+        </p:nvSpPr>
+        <p:spPr>
+          <a:xfrm>
+            <a:off x="0" y="1156824"/>
+            <a:ext cx="284848" cy="970659"/>
+          </a:xfrm>
+          <a:prstGeom prst="rect">
+            <a:avLst/>
+          </a:prstGeom>
+          <a:solidFill>
+            <a:schemeClr val="bg1">
+              <a:lumMod val="85000"/>
+            </a:schemeClr>
+          </a:solidFill>
+          <a:ln>
+            <a:noFill/>
+          </a:ln>
+        </p:spPr>
+        <p:style>
+          <a:lnRef idx="2">
+            <a:schemeClr val="accent1">
+              <a:shade val="50000"/>
+            </a:schemeClr>
+          </a:lnRef>
+          <a:fillRef idx="1">
+            <a:schemeClr val="accent1"/>
+          </a:fillRef>
+          <a:effectRef idx="0">
+            <a:schemeClr val="accent1"/>
+          </a:effectRef>
+          <a:fontRef idx="minor">
+            <a:schemeClr val="lt1"/>
+          </a:fontRef>
+        </p:style>
+        <p:txBody>
+          <a:bodyPr rtlCol="0" anchor="ctr"/>
+          <a:lstStyle/>
+          <a:p>
+            <a:pPr algn="ctr"/>
+            <a:endParaRPr lang="en-US"/>
+          </a:p>
+        </p:txBody>
+      </p:sp>
+      <p:cxnSp>
+        <p:nvCxnSpPr>
+          <p:cNvPr id="7" name="Straight Connector 6">
+            <a:extLst>
+              <a:ext uri="{FF2B5EF4-FFF2-40B4-BE49-F238E27FC236}">
+                <a16:creationId xmlns:a16="http://schemas.microsoft.com/office/drawing/2014/main" id="{CB1ADB13-C584-2D4C-B1D9-386700B59F57}"/>
+              </a:ext>
+            </a:extLst>
+          </p:cNvPr>
+          <p:cNvCxnSpPr>
+            <a:cxnSpLocks/>
+          </p:cNvCxnSpPr>
+          <p:nvPr/>
+        </p:nvCxnSpPr>
+        <p:spPr>
+          <a:xfrm>
+            <a:off x="280836" y="703874"/>
             <a:ext cx="0" cy="5910720"/>
           </a:xfrm>
           <a:prstGeom prst="line">
@@ -3378,7 +3219,7 @@
         </p:nvCxnSpPr>
         <p:spPr>
           <a:xfrm>
-            <a:off x="537281" y="703875"/>
+            <a:off x="571459" y="703874"/>
             <a:ext cx="0" cy="5910720"/>
           </a:xfrm>
           <a:prstGeom prst="line">
@@ -3425,7 +3266,7 @@
         </p:nvCxnSpPr>
         <p:spPr>
           <a:xfrm>
-            <a:off x="827904" y="703875"/>
+            <a:off x="862082" y="703874"/>
             <a:ext cx="0" cy="5910720"/>
           </a:xfrm>
           <a:prstGeom prst="line">
@@ -3466,7 +3307,7 @@
         </p:nvCxnSpPr>
         <p:spPr>
           <a:xfrm>
-            <a:off x="1118527" y="703875"/>
+            <a:off x="1152705" y="703874"/>
             <a:ext cx="0" cy="5910720"/>
           </a:xfrm>
           <a:prstGeom prst="line">
@@ -3513,7 +3354,7 @@
         </p:nvCxnSpPr>
         <p:spPr>
           <a:xfrm>
-            <a:off x="1409150" y="703875"/>
+            <a:off x="1443328" y="703874"/>
             <a:ext cx="0" cy="5910720"/>
           </a:xfrm>
           <a:prstGeom prst="line">
@@ -3554,7 +3395,7 @@
         </p:nvCxnSpPr>
         <p:spPr>
           <a:xfrm>
-            <a:off x="1690978" y="703875"/>
+            <a:off x="1725156" y="703874"/>
             <a:ext cx="0" cy="5910720"/>
           </a:xfrm>
           <a:prstGeom prst="line">
@@ -3601,7 +3442,7 @@
         </p:nvCxnSpPr>
         <p:spPr>
           <a:xfrm>
-            <a:off x="1989739" y="703875"/>
+            <a:off x="2023917" y="703874"/>
             <a:ext cx="0" cy="5910720"/>
           </a:xfrm>
           <a:prstGeom prst="line">
@@ -3642,7 +3483,7 @@
         </p:nvCxnSpPr>
         <p:spPr>
           <a:xfrm>
-            <a:off x="2280362" y="703875"/>
+            <a:off x="2314540" y="703874"/>
             <a:ext cx="0" cy="5910720"/>
           </a:xfrm>
           <a:prstGeom prst="line">
@@ -3689,7 +3530,7 @@
         </p:nvCxnSpPr>
         <p:spPr>
           <a:xfrm>
-            <a:off x="2550901" y="703875"/>
+            <a:off x="2585079" y="703874"/>
             <a:ext cx="0" cy="5910720"/>
           </a:xfrm>
           <a:prstGeom prst="line">
@@ -3730,7 +3571,7 @@
         </p:nvCxnSpPr>
         <p:spPr>
           <a:xfrm>
-            <a:off x="2841524" y="703875"/>
+            <a:off x="2875702" y="703874"/>
             <a:ext cx="0" cy="5910720"/>
           </a:xfrm>
           <a:prstGeom prst="line">
@@ -3777,7 +3618,7 @@
         </p:nvCxnSpPr>
         <p:spPr>
           <a:xfrm>
-            <a:off x="3132147" y="703875"/>
+            <a:off x="3166325" y="703874"/>
             <a:ext cx="0" cy="5910720"/>
           </a:xfrm>
           <a:prstGeom prst="line">
@@ -3818,7 +3659,7 @@
         </p:nvCxnSpPr>
         <p:spPr>
           <a:xfrm>
-            <a:off x="3422770" y="703875"/>
+            <a:off x="3456948" y="703874"/>
             <a:ext cx="0" cy="5910720"/>
           </a:xfrm>
           <a:prstGeom prst="line">
@@ -3865,7 +3706,7 @@
         </p:nvCxnSpPr>
         <p:spPr>
           <a:xfrm>
-            <a:off x="3713393" y="703875"/>
+            <a:off x="3747571" y="703874"/>
             <a:ext cx="0" cy="5910720"/>
           </a:xfrm>
           <a:prstGeom prst="line">
@@ -3906,7 +3747,7 @@
         </p:nvCxnSpPr>
         <p:spPr>
           <a:xfrm>
-            <a:off x="4004016" y="703875"/>
+            <a:off x="4038194" y="703874"/>
             <a:ext cx="0" cy="5910720"/>
           </a:xfrm>
           <a:prstGeom prst="line">
@@ -3953,7 +3794,7 @@
         </p:nvCxnSpPr>
         <p:spPr>
           <a:xfrm>
-            <a:off x="4294639" y="703875"/>
+            <a:off x="4328817" y="703874"/>
             <a:ext cx="0" cy="5910720"/>
           </a:xfrm>
           <a:prstGeom prst="line">
@@ -3994,7 +3835,7 @@
         </p:nvCxnSpPr>
         <p:spPr>
           <a:xfrm>
-            <a:off x="4585262" y="703875"/>
+            <a:off x="4619440" y="703874"/>
             <a:ext cx="0" cy="5910720"/>
           </a:xfrm>
           <a:prstGeom prst="line">
@@ -4041,7 +3882,7 @@
         </p:nvCxnSpPr>
         <p:spPr>
           <a:xfrm>
-            <a:off x="4875885" y="703875"/>
+            <a:off x="4910063" y="703874"/>
             <a:ext cx="0" cy="5910720"/>
           </a:xfrm>
           <a:prstGeom prst="line">
@@ -4082,7 +3923,7 @@
         </p:nvCxnSpPr>
         <p:spPr>
           <a:xfrm>
-            <a:off x="5157713" y="703875"/>
+            <a:off x="5191891" y="703874"/>
             <a:ext cx="0" cy="5910720"/>
           </a:xfrm>
           <a:prstGeom prst="line">
@@ -4129,7 +3970,7 @@
         </p:nvCxnSpPr>
         <p:spPr>
           <a:xfrm>
-            <a:off x="5456474" y="703875"/>
+            <a:off x="5490652" y="703874"/>
             <a:ext cx="0" cy="5910720"/>
           </a:xfrm>
           <a:prstGeom prst="line">
@@ -4170,7 +4011,7 @@
         </p:nvCxnSpPr>
         <p:spPr>
           <a:xfrm>
-            <a:off x="5747097" y="703875"/>
+            <a:off x="5781275" y="703874"/>
             <a:ext cx="0" cy="5910720"/>
           </a:xfrm>
           <a:prstGeom prst="line">
@@ -4217,7 +4058,7 @@
         </p:nvCxnSpPr>
         <p:spPr>
           <a:xfrm>
-            <a:off x="6017636" y="703875"/>
+            <a:off x="6051814" y="703874"/>
             <a:ext cx="0" cy="5910720"/>
           </a:xfrm>
           <a:prstGeom prst="line">
@@ -4258,7 +4099,7 @@
         </p:nvCxnSpPr>
         <p:spPr>
           <a:xfrm>
-            <a:off x="6308259" y="703875"/>
+            <a:off x="6342437" y="703874"/>
             <a:ext cx="0" cy="5910720"/>
           </a:xfrm>
           <a:prstGeom prst="line">
@@ -4305,7 +4146,7 @@
         </p:nvCxnSpPr>
         <p:spPr>
           <a:xfrm>
-            <a:off x="6598882" y="703875"/>
+            <a:off x="6633060" y="703874"/>
             <a:ext cx="0" cy="5910720"/>
           </a:xfrm>
           <a:prstGeom prst="line">
@@ -4346,7 +4187,7 @@
         </p:nvCxnSpPr>
         <p:spPr>
           <a:xfrm>
-            <a:off x="6889505" y="703875"/>
+            <a:off x="6923683" y="703874"/>
             <a:ext cx="0" cy="5910720"/>
           </a:xfrm>
           <a:prstGeom prst="line">
@@ -4393,7 +4234,7 @@
         </p:nvCxnSpPr>
         <p:spPr>
           <a:xfrm>
-            <a:off x="7173039" y="703875"/>
+            <a:off x="7207217" y="703874"/>
             <a:ext cx="0" cy="5910720"/>
           </a:xfrm>
           <a:prstGeom prst="line">
@@ -4434,7 +4275,7 @@
         </p:nvCxnSpPr>
         <p:spPr>
           <a:xfrm>
-            <a:off x="7463662" y="703875"/>
+            <a:off x="7497840" y="703874"/>
             <a:ext cx="0" cy="5910720"/>
           </a:xfrm>
           <a:prstGeom prst="line">
@@ -4481,7 +4322,7 @@
         </p:nvCxnSpPr>
         <p:spPr>
           <a:xfrm>
-            <a:off x="7754285" y="703875"/>
+            <a:off x="7788463" y="703874"/>
             <a:ext cx="0" cy="5910720"/>
           </a:xfrm>
           <a:prstGeom prst="line">
@@ -4522,7 +4363,7 @@
         </p:nvCxnSpPr>
         <p:spPr>
           <a:xfrm>
-            <a:off x="8044908" y="703875"/>
+            <a:off x="8079086" y="703874"/>
             <a:ext cx="0" cy="5910720"/>
           </a:xfrm>
           <a:prstGeom prst="line">
@@ -4569,7 +4410,7 @@
         </p:nvCxnSpPr>
         <p:spPr>
           <a:xfrm>
-            <a:off x="8335531" y="703875"/>
+            <a:off x="8369709" y="703874"/>
             <a:ext cx="0" cy="5910720"/>
           </a:xfrm>
           <a:prstGeom prst="line">
@@ -4610,7 +4451,7 @@
         </p:nvCxnSpPr>
         <p:spPr>
           <a:xfrm>
-            <a:off x="8617359" y="703875"/>
+            <a:off x="8651537" y="703874"/>
             <a:ext cx="0" cy="5910720"/>
           </a:xfrm>
           <a:prstGeom prst="line">
@@ -4657,7 +4498,7 @@
         </p:nvCxnSpPr>
         <p:spPr>
           <a:xfrm>
-            <a:off x="8916120" y="703875"/>
+            <a:off x="8950298" y="703874"/>
             <a:ext cx="0" cy="5910720"/>
           </a:xfrm>
           <a:prstGeom prst="line">
@@ -4698,7 +4539,7 @@
         </p:nvCxnSpPr>
         <p:spPr>
           <a:xfrm>
-            <a:off x="9206743" y="703875"/>
+            <a:off x="9240921" y="703874"/>
             <a:ext cx="0" cy="5910720"/>
           </a:xfrm>
           <a:prstGeom prst="line">
@@ -4745,7 +4586,7 @@
         </p:nvCxnSpPr>
         <p:spPr>
           <a:xfrm>
-            <a:off x="9477282" y="703875"/>
+            <a:off x="9511460" y="703874"/>
             <a:ext cx="0" cy="5910720"/>
           </a:xfrm>
           <a:prstGeom prst="line">
@@ -4786,7 +4627,7 @@
         </p:nvCxnSpPr>
         <p:spPr>
           <a:xfrm>
-            <a:off x="9767905" y="703875"/>
+            <a:off x="9802083" y="703874"/>
             <a:ext cx="0" cy="5910720"/>
           </a:xfrm>
           <a:prstGeom prst="line">
@@ -4833,7 +4674,7 @@
         </p:nvCxnSpPr>
         <p:spPr>
           <a:xfrm>
-            <a:off x="10058528" y="703875"/>
+            <a:off x="10092706" y="703874"/>
             <a:ext cx="0" cy="5910720"/>
           </a:xfrm>
           <a:prstGeom prst="line">
@@ -4874,7 +4715,7 @@
         </p:nvCxnSpPr>
         <p:spPr>
           <a:xfrm>
-            <a:off x="10349151" y="703875"/>
+            <a:off x="10383329" y="703874"/>
             <a:ext cx="0" cy="5910720"/>
           </a:xfrm>
           <a:prstGeom prst="line">
@@ -4919,7 +4760,7 @@
         </p:nvSpPr>
         <p:spPr>
           <a:xfrm>
-            <a:off x="248656" y="748012"/>
+            <a:off x="282834" y="748012"/>
             <a:ext cx="1160494" cy="1379471"/>
           </a:xfrm>
           <a:prstGeom prst="rect">
@@ -4981,7 +4822,7 @@
         </p:nvSpPr>
         <p:spPr>
           <a:xfrm>
-            <a:off x="1409149" y="748012"/>
+            <a:off x="1443328" y="748012"/>
             <a:ext cx="2025829" cy="1379471"/>
           </a:xfrm>
           <a:prstGeom prst="rect">
@@ -5036,7 +4877,7 @@
         </p:nvSpPr>
         <p:spPr>
           <a:xfrm>
-            <a:off x="3431566" y="748010"/>
+            <a:off x="3465745" y="748010"/>
             <a:ext cx="1148317" cy="1379475"/>
           </a:xfrm>
           <a:prstGeom prst="rect">
@@ -5090,7 +4931,7 @@
         </p:nvSpPr>
         <p:spPr>
           <a:xfrm>
-            <a:off x="4582598" y="745067"/>
+            <a:off x="4616777" y="745067"/>
             <a:ext cx="299721" cy="1382417"/>
           </a:xfrm>
           <a:prstGeom prst="rect">
@@ -5144,7 +4985,7 @@
         </p:nvSpPr>
         <p:spPr>
           <a:xfrm rot="18000000">
-            <a:off x="-2612" y="229514"/>
+            <a:off x="31567" y="229514"/>
             <a:ext cx="675185" cy="307777"/>
           </a:xfrm>
           <a:prstGeom prst="rect">
@@ -5195,7 +5036,7 @@
         </p:nvSpPr>
         <p:spPr>
           <a:xfrm rot="18000000">
-            <a:off x="288011" y="224817"/>
+            <a:off x="322190" y="224817"/>
             <a:ext cx="675185" cy="307777"/>
           </a:xfrm>
           <a:prstGeom prst="rect">
@@ -5234,7 +5075,7 @@
         </p:nvSpPr>
         <p:spPr>
           <a:xfrm rot="18000000">
-            <a:off x="572588" y="220118"/>
+            <a:off x="606767" y="220118"/>
             <a:ext cx="675185" cy="307777"/>
           </a:xfrm>
           <a:prstGeom prst="rect">
@@ -5285,7 +5126,7 @@
         </p:nvSpPr>
         <p:spPr>
           <a:xfrm rot="18000000">
-            <a:off x="863211" y="229514"/>
+            <a:off x="897390" y="229514"/>
             <a:ext cx="675185" cy="307777"/>
           </a:xfrm>
           <a:prstGeom prst="rect">
@@ -5324,7 +5165,7 @@
         </p:nvSpPr>
         <p:spPr>
           <a:xfrm rot="18000000">
-            <a:off x="1153834" y="224817"/>
+            <a:off x="1188013" y="224817"/>
             <a:ext cx="675185" cy="307777"/>
           </a:xfrm>
           <a:prstGeom prst="rect">
@@ -5375,7 +5216,7 @@
         </p:nvSpPr>
         <p:spPr>
           <a:xfrm rot="18000000">
-            <a:off x="1438411" y="220118"/>
+            <a:off x="1472590" y="220118"/>
             <a:ext cx="675185" cy="307777"/>
           </a:xfrm>
           <a:prstGeom prst="rect">
@@ -5414,7 +5255,7 @@
         </p:nvSpPr>
         <p:spPr>
           <a:xfrm rot="18000000">
-            <a:off x="1728338" y="229514"/>
+            <a:off x="1762517" y="229514"/>
             <a:ext cx="675185" cy="307777"/>
           </a:xfrm>
           <a:prstGeom prst="rect">
@@ -5465,7 +5306,7 @@
         </p:nvSpPr>
         <p:spPr>
           <a:xfrm rot="18000000">
-            <a:off x="2018962" y="224817"/>
+            <a:off x="2053141" y="224817"/>
             <a:ext cx="675185" cy="307777"/>
           </a:xfrm>
           <a:prstGeom prst="rect">
@@ -5504,7 +5345,7 @@
         </p:nvSpPr>
         <p:spPr>
           <a:xfrm rot="18000000">
-            <a:off x="2303538" y="220118"/>
+            <a:off x="2337717" y="220118"/>
             <a:ext cx="675185" cy="307777"/>
           </a:xfrm>
           <a:prstGeom prst="rect">
@@ -5555,7 +5396,7 @@
         </p:nvSpPr>
         <p:spPr>
           <a:xfrm rot="18000000">
-            <a:off x="2594161" y="229514"/>
+            <a:off x="2628340" y="229514"/>
             <a:ext cx="675185" cy="307777"/>
           </a:xfrm>
           <a:prstGeom prst="rect">
@@ -5594,7 +5435,7 @@
         </p:nvSpPr>
         <p:spPr>
           <a:xfrm rot="18000000">
-            <a:off x="2884785" y="224817"/>
+            <a:off x="2918964" y="224817"/>
             <a:ext cx="675185" cy="307777"/>
           </a:xfrm>
           <a:prstGeom prst="rect">
@@ -5645,7 +5486,7 @@
         </p:nvSpPr>
         <p:spPr>
           <a:xfrm rot="18000000">
-            <a:off x="3169362" y="220118"/>
+            <a:off x="3203541" y="220118"/>
             <a:ext cx="675185" cy="307777"/>
           </a:xfrm>
           <a:prstGeom prst="rect">
@@ -5684,7 +5525,7 @@
         </p:nvSpPr>
         <p:spPr>
           <a:xfrm rot="18000000">
-            <a:off x="3458671" y="229513"/>
+            <a:off x="3492850" y="229513"/>
             <a:ext cx="675185" cy="307777"/>
           </a:xfrm>
           <a:prstGeom prst="rect">
@@ -5735,7 +5576,7 @@
         </p:nvSpPr>
         <p:spPr>
           <a:xfrm rot="18000000">
-            <a:off x="3749294" y="224816"/>
+            <a:off x="3783473" y="224816"/>
             <a:ext cx="675185" cy="307777"/>
           </a:xfrm>
           <a:prstGeom prst="rect">
@@ -5774,7 +5615,7 @@
         </p:nvSpPr>
         <p:spPr>
           <a:xfrm rot="18000000">
-            <a:off x="4033871" y="220117"/>
+            <a:off x="4068050" y="220117"/>
             <a:ext cx="675185" cy="307777"/>
           </a:xfrm>
           <a:prstGeom prst="rect">
@@ -5825,8 +5666,8 @@
         </p:nvSpPr>
         <p:spPr>
           <a:xfrm>
-            <a:off x="11792059" y="3641226"/>
-            <a:ext cx="399941" cy="965961"/>
+            <a:off x="11826238" y="3641226"/>
+            <a:ext cx="1134112" cy="965961"/>
           </a:xfrm>
           <a:prstGeom prst="rect">
             <a:avLst/>
@@ -5881,7 +5722,7 @@
         </p:nvSpPr>
         <p:spPr>
           <a:xfrm rot="18000000">
-            <a:off x="4324494" y="229513"/>
+            <a:off x="4358673" y="229513"/>
             <a:ext cx="675185" cy="307777"/>
           </a:xfrm>
           <a:prstGeom prst="rect">
@@ -5920,7 +5761,7 @@
         </p:nvSpPr>
         <p:spPr>
           <a:xfrm rot="18000000">
-            <a:off x="4615117" y="224816"/>
+            <a:off x="4649296" y="224816"/>
             <a:ext cx="675185" cy="307777"/>
           </a:xfrm>
           <a:prstGeom prst="rect">
@@ -5971,7 +5812,7 @@
         </p:nvSpPr>
         <p:spPr>
           <a:xfrm rot="18000000">
-            <a:off x="4899694" y="220117"/>
+            <a:off x="4933873" y="220117"/>
             <a:ext cx="675185" cy="307777"/>
           </a:xfrm>
           <a:prstGeom prst="rect">
@@ -6010,7 +5851,7 @@
         </p:nvSpPr>
         <p:spPr>
           <a:xfrm rot="18000000">
-            <a:off x="5189621" y="229513"/>
+            <a:off x="5223800" y="229513"/>
             <a:ext cx="675185" cy="307777"/>
           </a:xfrm>
           <a:prstGeom prst="rect">
@@ -6061,7 +5902,7 @@
         </p:nvSpPr>
         <p:spPr>
           <a:xfrm rot="18000000">
-            <a:off x="5480245" y="224816"/>
+            <a:off x="5514424" y="224816"/>
             <a:ext cx="675185" cy="307777"/>
           </a:xfrm>
           <a:prstGeom prst="rect">
@@ -6100,7 +5941,7 @@
         </p:nvSpPr>
         <p:spPr>
           <a:xfrm rot="18000000">
-            <a:off x="5764821" y="220117"/>
+            <a:off x="5799000" y="220117"/>
             <a:ext cx="675185" cy="307777"/>
           </a:xfrm>
           <a:prstGeom prst="rect">
@@ -6151,7 +5992,7 @@
         </p:nvSpPr>
         <p:spPr>
           <a:xfrm rot="18000000">
-            <a:off x="6055444" y="229513"/>
+            <a:off x="6089623" y="229513"/>
             <a:ext cx="675185" cy="307777"/>
           </a:xfrm>
           <a:prstGeom prst="rect">
@@ -6190,7 +6031,7 @@
         </p:nvSpPr>
         <p:spPr>
           <a:xfrm rot="18000000">
-            <a:off x="6346067" y="224816"/>
+            <a:off x="6380246" y="224816"/>
             <a:ext cx="675185" cy="307777"/>
           </a:xfrm>
           <a:prstGeom prst="rect">
@@ -6241,7 +6082,7 @@
         </p:nvSpPr>
         <p:spPr>
           <a:xfrm rot="18000000">
-            <a:off x="6630644" y="220117"/>
+            <a:off x="6664823" y="220117"/>
             <a:ext cx="675185" cy="307777"/>
           </a:xfrm>
           <a:prstGeom prst="rect">
@@ -6280,7 +6121,7 @@
         </p:nvSpPr>
         <p:spPr>
           <a:xfrm rot="18000000">
-            <a:off x="6915785" y="224815"/>
+            <a:off x="6949964" y="224815"/>
             <a:ext cx="675185" cy="307777"/>
           </a:xfrm>
           <a:prstGeom prst="rect">
@@ -6331,7 +6172,7 @@
         </p:nvSpPr>
         <p:spPr>
           <a:xfrm rot="18000000">
-            <a:off x="7206408" y="220118"/>
+            <a:off x="7240587" y="220118"/>
             <a:ext cx="675185" cy="307777"/>
           </a:xfrm>
           <a:prstGeom prst="rect">
@@ -6370,7 +6211,7 @@
         </p:nvSpPr>
         <p:spPr>
           <a:xfrm rot="18000000">
-            <a:off x="7490985" y="215419"/>
+            <a:off x="7525164" y="215419"/>
             <a:ext cx="675185" cy="307777"/>
           </a:xfrm>
           <a:prstGeom prst="rect">
@@ -6421,7 +6262,7 @@
         </p:nvSpPr>
         <p:spPr>
           <a:xfrm rot="18000000">
-            <a:off x="7781608" y="224815"/>
+            <a:off x="7815787" y="224815"/>
             <a:ext cx="675185" cy="307777"/>
           </a:xfrm>
           <a:prstGeom prst="rect">
@@ -6460,7 +6301,7 @@
         </p:nvSpPr>
         <p:spPr>
           <a:xfrm rot="18000000">
-            <a:off x="8072231" y="220118"/>
+            <a:off x="8106410" y="220118"/>
             <a:ext cx="675185" cy="307777"/>
           </a:xfrm>
           <a:prstGeom prst="rect">
@@ -6511,7 +6352,7 @@
         </p:nvSpPr>
         <p:spPr>
           <a:xfrm rot="18000000">
-            <a:off x="8356808" y="215419"/>
+            <a:off x="8390987" y="215419"/>
             <a:ext cx="675185" cy="307777"/>
           </a:xfrm>
           <a:prstGeom prst="rect">
@@ -6550,7 +6391,7 @@
         </p:nvSpPr>
         <p:spPr>
           <a:xfrm rot="18000000">
-            <a:off x="8646736" y="224815"/>
+            <a:off x="8680915" y="224815"/>
             <a:ext cx="675185" cy="307777"/>
           </a:xfrm>
           <a:prstGeom prst="rect">
@@ -6601,7 +6442,7 @@
         </p:nvSpPr>
         <p:spPr>
           <a:xfrm rot="18000000">
-            <a:off x="8937359" y="220118"/>
+            <a:off x="8971538" y="220118"/>
             <a:ext cx="675185" cy="307777"/>
           </a:xfrm>
           <a:prstGeom prst="rect">
@@ -6640,7 +6481,7 @@
         </p:nvSpPr>
         <p:spPr>
           <a:xfrm rot="18000000">
-            <a:off x="9221936" y="215419"/>
+            <a:off x="9256115" y="215419"/>
             <a:ext cx="675185" cy="307777"/>
           </a:xfrm>
           <a:prstGeom prst="rect">
@@ -6691,7 +6532,7 @@
         </p:nvSpPr>
         <p:spPr>
           <a:xfrm rot="18000000">
-            <a:off x="9512559" y="224815"/>
+            <a:off x="9546738" y="224815"/>
             <a:ext cx="675185" cy="307777"/>
           </a:xfrm>
           <a:prstGeom prst="rect">
@@ -6730,7 +6571,7 @@
         </p:nvSpPr>
         <p:spPr>
           <a:xfrm rot="18000000">
-            <a:off x="9803182" y="220118"/>
+            <a:off x="9837361" y="220118"/>
             <a:ext cx="675185" cy="307777"/>
           </a:xfrm>
           <a:prstGeom prst="rect">
@@ -6781,7 +6622,7 @@
         </p:nvSpPr>
         <p:spPr>
           <a:xfrm rot="18000000">
-            <a:off x="10087759" y="215419"/>
+            <a:off x="10121938" y="215419"/>
             <a:ext cx="675185" cy="307777"/>
           </a:xfrm>
           <a:prstGeom prst="rect">
@@ -6820,8 +6661,8 @@
         </p:nvSpPr>
         <p:spPr>
           <a:xfrm>
-            <a:off x="3431550" y="2402250"/>
-            <a:ext cx="1446026" cy="970659"/>
+            <a:off x="3456660" y="2402250"/>
+            <a:ext cx="1455094" cy="970659"/>
           </a:xfrm>
           <a:prstGeom prst="rect">
             <a:avLst/>
@@ -6878,7 +6719,7 @@
         </p:nvSpPr>
         <p:spPr>
           <a:xfrm>
-            <a:off x="4877575" y="2402250"/>
+            <a:off x="4911754" y="2402250"/>
             <a:ext cx="2025829" cy="970659"/>
           </a:xfrm>
           <a:prstGeom prst="rect">
@@ -6933,8 +6774,8 @@
         </p:nvSpPr>
         <p:spPr>
           <a:xfrm>
-            <a:off x="6899992" y="2402251"/>
-            <a:ext cx="1162492" cy="970659"/>
+            <a:off x="6934170" y="2402251"/>
+            <a:ext cx="1155646" cy="970659"/>
           </a:xfrm>
           <a:prstGeom prst="rect">
             <a:avLst/>
@@ -6987,8 +6828,8 @@
         </p:nvSpPr>
         <p:spPr>
           <a:xfrm>
-            <a:off x="8058147" y="2402250"/>
-            <a:ext cx="274875" cy="970659"/>
+            <a:off x="8079087" y="2402250"/>
+            <a:ext cx="288114" cy="970659"/>
           </a:xfrm>
           <a:prstGeom prst="rect">
             <a:avLst/>
@@ -7041,8 +6882,8 @@
         </p:nvSpPr>
         <p:spPr>
           <a:xfrm>
-            <a:off x="6896970" y="3645923"/>
-            <a:ext cx="1446026" cy="970659"/>
+            <a:off x="6917620" y="3645923"/>
+            <a:ext cx="1459555" cy="970659"/>
           </a:xfrm>
           <a:prstGeom prst="rect">
             <a:avLst/>
@@ -7099,8 +6940,8 @@
         </p:nvSpPr>
         <p:spPr>
           <a:xfrm>
-            <a:off x="8342995" y="3645923"/>
-            <a:ext cx="2025829" cy="970659"/>
+            <a:off x="8377174" y="3645923"/>
+            <a:ext cx="2009657" cy="970659"/>
           </a:xfrm>
           <a:prstGeom prst="rect">
             <a:avLst/>
@@ -7156,7 +6997,7 @@
         </p:nvCxnSpPr>
         <p:spPr>
           <a:xfrm>
-            <a:off x="10626066" y="703875"/>
+            <a:off x="10660244" y="703874"/>
             <a:ext cx="0" cy="5910720"/>
           </a:xfrm>
           <a:prstGeom prst="line">
@@ -7197,7 +7038,7 @@
         </p:nvCxnSpPr>
         <p:spPr>
           <a:xfrm>
-            <a:off x="10916689" y="703875"/>
+            <a:off x="10950867" y="703874"/>
             <a:ext cx="0" cy="5910720"/>
           </a:xfrm>
           <a:prstGeom prst="line">
@@ -7244,7 +7085,7 @@
         </p:nvCxnSpPr>
         <p:spPr>
           <a:xfrm>
-            <a:off x="11207312" y="703875"/>
+            <a:off x="11241490" y="703874"/>
             <a:ext cx="0" cy="5910720"/>
           </a:xfrm>
           <a:prstGeom prst="line">
@@ -7285,7 +7126,7 @@
         </p:nvCxnSpPr>
         <p:spPr>
           <a:xfrm>
-            <a:off x="11497935" y="703875"/>
+            <a:off x="11532113" y="703874"/>
             <a:ext cx="0" cy="5910720"/>
           </a:xfrm>
           <a:prstGeom prst="line">
@@ -7332,7 +7173,7 @@
         </p:nvCxnSpPr>
         <p:spPr>
           <a:xfrm>
-            <a:off x="11788558" y="703875"/>
+            <a:off x="11822736" y="703874"/>
             <a:ext cx="0" cy="5910720"/>
           </a:xfrm>
           <a:prstGeom prst="line">
@@ -7371,7 +7212,7 @@
         </p:nvSpPr>
         <p:spPr>
           <a:xfrm rot="18000000">
-            <a:off x="10371344" y="229513"/>
+            <a:off x="10405523" y="229513"/>
             <a:ext cx="675185" cy="307777"/>
           </a:xfrm>
           <a:prstGeom prst="rect">
@@ -7422,7 +7263,7 @@
         </p:nvSpPr>
         <p:spPr>
           <a:xfrm rot="18000000">
-            <a:off x="10661967" y="224816"/>
+            <a:off x="10696146" y="224816"/>
             <a:ext cx="675185" cy="307777"/>
           </a:xfrm>
           <a:prstGeom prst="rect">
@@ -7461,7 +7302,7 @@
         </p:nvSpPr>
         <p:spPr>
           <a:xfrm rot="18000000">
-            <a:off x="10946544" y="220117"/>
+            <a:off x="10980723" y="220117"/>
             <a:ext cx="675185" cy="307777"/>
           </a:xfrm>
           <a:prstGeom prst="rect">
@@ -7512,7 +7353,7 @@
         </p:nvSpPr>
         <p:spPr>
           <a:xfrm rot="18000000">
-            <a:off x="11237167" y="229513"/>
+            <a:off x="11271346" y="229513"/>
             <a:ext cx="675185" cy="307777"/>
           </a:xfrm>
           <a:prstGeom prst="rect">
@@ -7551,7 +7392,7 @@
         </p:nvSpPr>
         <p:spPr>
           <a:xfrm rot="18000000">
-            <a:off x="11527790" y="224816"/>
+            <a:off x="11561969" y="224816"/>
             <a:ext cx="675185" cy="307777"/>
           </a:xfrm>
           <a:prstGeom prst="rect">
@@ -7602,8 +7443,8 @@
         </p:nvSpPr>
         <p:spPr>
           <a:xfrm>
-            <a:off x="10351124" y="3645924"/>
-            <a:ext cx="1162492" cy="970659"/>
+            <a:off x="10385303" y="3645924"/>
+            <a:ext cx="1146811" cy="970659"/>
           </a:xfrm>
           <a:prstGeom prst="rect">
             <a:avLst/>
@@ -7656,8 +7497,8 @@
         </p:nvSpPr>
         <p:spPr>
           <a:xfrm>
-            <a:off x="11507106" y="3645923"/>
-            <a:ext cx="297132" cy="970659"/>
+            <a:off x="11532114" y="3645923"/>
+            <a:ext cx="306303" cy="970659"/>
           </a:xfrm>
           <a:prstGeom prst="rect">
             <a:avLst/>
@@ -7698,60 +7539,6 @@
       </p:sp>
       <p:sp>
         <p:nvSpPr>
-          <p:cNvPr id="304" name="Rectangle 303">
-            <a:extLst>
-              <a:ext uri="{FF2B5EF4-FFF2-40B4-BE49-F238E27FC236}">
-                <a16:creationId xmlns:a16="http://schemas.microsoft.com/office/drawing/2014/main" id="{B903AA6C-CDE0-964C-BD2E-AE4BA4E45CCA}"/>
-              </a:ext>
-            </a:extLst>
-          </p:cNvPr>
-          <p:cNvSpPr/>
-          <p:nvPr/>
-        </p:nvSpPr>
-        <p:spPr>
-          <a:xfrm>
-            <a:off x="-34178" y="1156824"/>
-            <a:ext cx="284848" cy="970659"/>
-          </a:xfrm>
-          <a:prstGeom prst="rect">
-            <a:avLst/>
-          </a:prstGeom>
-          <a:solidFill>
-            <a:schemeClr val="bg1">
-              <a:lumMod val="85000"/>
-            </a:schemeClr>
-          </a:solidFill>
-          <a:ln>
-            <a:noFill/>
-          </a:ln>
-        </p:spPr>
-        <p:style>
-          <a:lnRef idx="2">
-            <a:schemeClr val="accent1">
-              <a:shade val="50000"/>
-            </a:schemeClr>
-          </a:lnRef>
-          <a:fillRef idx="1">
-            <a:schemeClr val="accent1"/>
-          </a:fillRef>
-          <a:effectRef idx="0">
-            <a:schemeClr val="accent1"/>
-          </a:effectRef>
-          <a:fontRef idx="minor">
-            <a:schemeClr val="lt1"/>
-          </a:fontRef>
-        </p:style>
-        <p:txBody>
-          <a:bodyPr rtlCol="0" anchor="ctr"/>
-          <a:lstStyle/>
-          <a:p>
-            <a:pPr algn="ctr"/>
-            <a:endParaRPr lang="en-US"/>
-          </a:p>
-        </p:txBody>
-      </p:sp>
-      <p:sp>
-        <p:nvSpPr>
           <p:cNvPr id="305" name="TextBox 304">
             <a:extLst>
               <a:ext uri="{FF2B5EF4-FFF2-40B4-BE49-F238E27FC236}">
@@ -7764,7 +7551,7 @@
         </p:nvSpPr>
         <p:spPr>
           <a:xfrm>
-            <a:off x="4557868" y="1178087"/>
+            <a:off x="4592047" y="1178087"/>
             <a:ext cx="368039" cy="246221"/>
           </a:xfrm>
           <a:prstGeom prst="rect">
@@ -7799,7 +7586,7 @@
         </p:nvSpPr>
         <p:spPr>
           <a:xfrm>
-            <a:off x="4584549" y="1178087"/>
+            <a:off x="4618727" y="1178087"/>
             <a:ext cx="48106" cy="246221"/>
           </a:xfrm>
           <a:prstGeom prst="rect">
@@ -7851,7 +7638,7 @@
         </p:nvSpPr>
         <p:spPr>
           <a:xfrm>
-            <a:off x="4618247" y="1424738"/>
+            <a:off x="4652426" y="1424738"/>
             <a:ext cx="368039" cy="246221"/>
           </a:xfrm>
           <a:prstGeom prst="rect">
@@ -7886,7 +7673,7 @@
         </p:nvSpPr>
         <p:spPr>
           <a:xfrm>
-            <a:off x="4644928" y="1424738"/>
+            <a:off x="4679106" y="1424738"/>
             <a:ext cx="48106" cy="246221"/>
           </a:xfrm>
           <a:prstGeom prst="rect">
@@ -7938,7 +7725,7 @@
         </p:nvSpPr>
         <p:spPr>
           <a:xfrm>
-            <a:off x="2264191" y="1887283"/>
+            <a:off x="2298369" y="1887283"/>
             <a:ext cx="311304" cy="246221"/>
           </a:xfrm>
           <a:prstGeom prst="rect">
@@ -7973,7 +7760,7 @@
         </p:nvSpPr>
         <p:spPr>
           <a:xfrm>
-            <a:off x="2284093" y="1877123"/>
+            <a:off x="2318272" y="1877123"/>
             <a:ext cx="45719" cy="246221"/>
           </a:xfrm>
           <a:prstGeom prst="rect">
@@ -8027,7 +7814,7 @@
         </p:nvSpPr>
         <p:spPr>
           <a:xfrm>
-            <a:off x="2527584" y="1176879"/>
+            <a:off x="2561762" y="1176879"/>
             <a:ext cx="311304" cy="246221"/>
           </a:xfrm>
           <a:prstGeom prst="rect">
@@ -8062,7 +7849,7 @@
         </p:nvSpPr>
         <p:spPr>
           <a:xfrm>
-            <a:off x="2547486" y="1176879"/>
+            <a:off x="2581665" y="1176879"/>
             <a:ext cx="45719" cy="246221"/>
           </a:xfrm>
           <a:prstGeom prst="rect">
@@ -8116,7 +7903,7 @@
         </p:nvSpPr>
         <p:spPr>
           <a:xfrm>
-            <a:off x="2830927" y="1424738"/>
+            <a:off x="2865105" y="1424738"/>
             <a:ext cx="311304" cy="246221"/>
           </a:xfrm>
           <a:prstGeom prst="rect">
@@ -8151,7 +7938,7 @@
         </p:nvSpPr>
         <p:spPr>
           <a:xfrm>
-            <a:off x="2850829" y="1423100"/>
+            <a:off x="2885008" y="1423100"/>
             <a:ext cx="45719" cy="246221"/>
           </a:xfrm>
           <a:prstGeom prst="rect">
@@ -8205,7 +7992,7 @@
         </p:nvSpPr>
         <p:spPr>
           <a:xfrm>
-            <a:off x="3109614" y="1680585"/>
+            <a:off x="3143792" y="1680585"/>
             <a:ext cx="311304" cy="246221"/>
           </a:xfrm>
           <a:prstGeom prst="rect">
@@ -8240,7 +8027,7 @@
         </p:nvSpPr>
         <p:spPr>
           <a:xfrm>
-            <a:off x="3129516" y="1680585"/>
+            <a:off x="3163695" y="1680585"/>
             <a:ext cx="45719" cy="246221"/>
           </a:xfrm>
           <a:prstGeom prst="rect">
@@ -8294,7 +8081,7 @@
         </p:nvSpPr>
         <p:spPr>
           <a:xfrm>
-            <a:off x="3406856" y="1176879"/>
+            <a:off x="3441034" y="1176879"/>
             <a:ext cx="317716" cy="246221"/>
           </a:xfrm>
           <a:prstGeom prst="rect">
@@ -8329,7 +8116,7 @@
         </p:nvSpPr>
         <p:spPr>
           <a:xfrm>
-            <a:off x="3426758" y="1181692"/>
+            <a:off x="3460937" y="1181692"/>
             <a:ext cx="45719" cy="246221"/>
           </a:xfrm>
           <a:prstGeom prst="rect">
@@ -8383,7 +8170,7 @@
         </p:nvSpPr>
         <p:spPr>
           <a:xfrm>
-            <a:off x="3682625" y="1412266"/>
+            <a:off x="3716803" y="1412266"/>
             <a:ext cx="317716" cy="246221"/>
           </a:xfrm>
           <a:prstGeom prst="rect">
@@ -8418,7 +8205,7 @@
         </p:nvSpPr>
         <p:spPr>
           <a:xfrm>
-            <a:off x="3702527" y="1412266"/>
+            <a:off x="3736706" y="1412266"/>
             <a:ext cx="45719" cy="246221"/>
           </a:xfrm>
           <a:prstGeom prst="rect">
@@ -8472,7 +8259,7 @@
         </p:nvSpPr>
         <p:spPr>
           <a:xfrm>
-            <a:off x="3981385" y="1662327"/>
+            <a:off x="4015563" y="1662327"/>
             <a:ext cx="317716" cy="246221"/>
           </a:xfrm>
           <a:prstGeom prst="rect">
@@ -8507,7 +8294,7 @@
         </p:nvSpPr>
         <p:spPr>
           <a:xfrm>
-            <a:off x="4001287" y="1662327"/>
+            <a:off x="4035466" y="1662327"/>
             <a:ext cx="45719" cy="246221"/>
           </a:xfrm>
           <a:prstGeom prst="rect">
@@ -8561,7 +8348,7 @@
         </p:nvSpPr>
         <p:spPr>
           <a:xfrm>
-            <a:off x="4275668" y="1881262"/>
+            <a:off x="4309846" y="1881262"/>
             <a:ext cx="317716" cy="246221"/>
           </a:xfrm>
           <a:prstGeom prst="rect">
@@ -8596,7 +8383,7 @@
         </p:nvSpPr>
         <p:spPr>
           <a:xfrm>
-            <a:off x="4295570" y="1881262"/>
+            <a:off x="4329749" y="1881262"/>
             <a:ext cx="45719" cy="246221"/>
           </a:xfrm>
           <a:prstGeom prst="rect">
@@ -8650,7 +8437,7 @@
         </p:nvSpPr>
         <p:spPr>
           <a:xfrm>
-            <a:off x="1391069" y="1178087"/>
+            <a:off x="1425247" y="1178087"/>
             <a:ext cx="311304" cy="246221"/>
           </a:xfrm>
           <a:prstGeom prst="rect">
@@ -8685,7 +8472,7 @@
         </p:nvSpPr>
         <p:spPr>
           <a:xfrm>
-            <a:off x="1406158" y="1178087"/>
+            <a:off x="1440337" y="1178087"/>
             <a:ext cx="45719" cy="246221"/>
           </a:xfrm>
           <a:prstGeom prst="rect">
@@ -8739,7 +8526,7 @@
         </p:nvSpPr>
         <p:spPr>
           <a:xfrm>
-            <a:off x="1671148" y="1418287"/>
+            <a:off x="1705326" y="1418287"/>
             <a:ext cx="311304" cy="246221"/>
           </a:xfrm>
           <a:prstGeom prst="rect">
@@ -8774,7 +8561,7 @@
         </p:nvSpPr>
         <p:spPr>
           <a:xfrm>
-            <a:off x="1691050" y="1418287"/>
+            <a:off x="1725229" y="1418287"/>
             <a:ext cx="45719" cy="246221"/>
           </a:xfrm>
           <a:prstGeom prst="rect">
@@ -8828,7 +8615,7 @@
         </p:nvSpPr>
         <p:spPr>
           <a:xfrm>
-            <a:off x="1969908" y="1668348"/>
+            <a:off x="2004086" y="1668348"/>
             <a:ext cx="311304" cy="246221"/>
           </a:xfrm>
           <a:prstGeom prst="rect">
@@ -8863,7 +8650,7 @@
         </p:nvSpPr>
         <p:spPr>
           <a:xfrm>
-            <a:off x="1989810" y="1668348"/>
+            <a:off x="2023989" y="1668348"/>
             <a:ext cx="45719" cy="246221"/>
           </a:xfrm>
           <a:prstGeom prst="rect">
@@ -8917,7 +8704,7 @@
         </p:nvSpPr>
         <p:spPr>
           <a:xfrm>
-            <a:off x="8037046" y="2403772"/>
+            <a:off x="8071224" y="2403772"/>
             <a:ext cx="349776" cy="246221"/>
           </a:xfrm>
           <a:prstGeom prst="rect">
@@ -8952,7 +8739,7 @@
         </p:nvSpPr>
         <p:spPr>
           <a:xfrm>
-            <a:off x="8056948" y="2403772"/>
+            <a:off x="8091127" y="2403772"/>
             <a:ext cx="45719" cy="246221"/>
           </a:xfrm>
           <a:prstGeom prst="rect">
@@ -9004,7 +8791,7 @@
         </p:nvSpPr>
         <p:spPr>
           <a:xfrm>
-            <a:off x="8082765" y="2646718"/>
+            <a:off x="8116943" y="2646718"/>
             <a:ext cx="349776" cy="246221"/>
           </a:xfrm>
           <a:prstGeom prst="rect">
@@ -9039,7 +8826,7 @@
         </p:nvSpPr>
         <p:spPr>
           <a:xfrm>
-            <a:off x="8102667" y="2646718"/>
+            <a:off x="8136846" y="2646718"/>
             <a:ext cx="45719" cy="246221"/>
           </a:xfrm>
           <a:prstGeom prst="rect">
@@ -9091,7 +8878,7 @@
         </p:nvSpPr>
         <p:spPr>
           <a:xfrm>
-            <a:off x="5726907" y="3137407"/>
+            <a:off x="5761085" y="3137407"/>
             <a:ext cx="311304" cy="246221"/>
           </a:xfrm>
           <a:prstGeom prst="rect">
@@ -9126,7 +8913,7 @@
         </p:nvSpPr>
         <p:spPr>
           <a:xfrm>
-            <a:off x="5746809" y="3127247"/>
+            <a:off x="5780988" y="3127247"/>
             <a:ext cx="45719" cy="246221"/>
           </a:xfrm>
           <a:prstGeom prst="rect">
@@ -9180,7 +8967,7 @@
         </p:nvSpPr>
         <p:spPr>
           <a:xfrm>
-            <a:off x="6003020" y="2400497"/>
+            <a:off x="6037198" y="2400497"/>
             <a:ext cx="311304" cy="246221"/>
           </a:xfrm>
           <a:prstGeom prst="rect">
@@ -9215,7 +9002,7 @@
         </p:nvSpPr>
         <p:spPr>
           <a:xfrm>
-            <a:off x="6022922" y="2400497"/>
+            <a:off x="6057101" y="2400497"/>
             <a:ext cx="45719" cy="246221"/>
           </a:xfrm>
           <a:prstGeom prst="rect">
@@ -9269,7 +9056,7 @@
         </p:nvSpPr>
         <p:spPr>
           <a:xfrm>
-            <a:off x="6287962" y="2653168"/>
+            <a:off x="6322140" y="2653168"/>
             <a:ext cx="311304" cy="246221"/>
           </a:xfrm>
           <a:prstGeom prst="rect">
@@ -9304,7 +9091,7 @@
         </p:nvSpPr>
         <p:spPr>
           <a:xfrm>
-            <a:off x="6307864" y="2653168"/>
+            <a:off x="6342043" y="2653168"/>
             <a:ext cx="45719" cy="246221"/>
           </a:xfrm>
           <a:prstGeom prst="rect">
@@ -9358,7 +9145,7 @@
         </p:nvSpPr>
         <p:spPr>
           <a:xfrm>
-            <a:off x="6565517" y="2916598"/>
+            <a:off x="6599695" y="2916598"/>
             <a:ext cx="311304" cy="246221"/>
           </a:xfrm>
           <a:prstGeom prst="rect">
@@ -9393,7 +9180,7 @@
         </p:nvSpPr>
         <p:spPr>
           <a:xfrm>
-            <a:off x="6585419" y="2916598"/>
+            <a:off x="6619598" y="2916598"/>
             <a:ext cx="45719" cy="246221"/>
           </a:xfrm>
           <a:prstGeom prst="rect">
@@ -9447,7 +9234,7 @@
         </p:nvSpPr>
         <p:spPr>
           <a:xfrm>
-            <a:off x="6879195" y="2403279"/>
+            <a:off x="6913373" y="2403279"/>
             <a:ext cx="317716" cy="246221"/>
           </a:xfrm>
           <a:prstGeom prst="rect">
@@ -9482,7 +9269,7 @@
         </p:nvSpPr>
         <p:spPr>
           <a:xfrm>
-            <a:off x="6899097" y="2403279"/>
+            <a:off x="6933276" y="2403279"/>
             <a:ext cx="45719" cy="246221"/>
           </a:xfrm>
           <a:prstGeom prst="rect">
@@ -9536,7 +9323,7 @@
         </p:nvSpPr>
         <p:spPr>
           <a:xfrm>
-            <a:off x="7145341" y="2641126"/>
+            <a:off x="7179519" y="2641126"/>
             <a:ext cx="317716" cy="246221"/>
           </a:xfrm>
           <a:prstGeom prst="rect">
@@ -9571,7 +9358,7 @@
         </p:nvSpPr>
         <p:spPr>
           <a:xfrm>
-            <a:off x="7165243" y="2641126"/>
+            <a:off x="7199422" y="2641126"/>
             <a:ext cx="45719" cy="246221"/>
           </a:xfrm>
           <a:prstGeom prst="rect">
@@ -9625,7 +9412,7 @@
         </p:nvSpPr>
         <p:spPr>
           <a:xfrm>
-            <a:off x="7444101" y="2891187"/>
+            <a:off x="7478279" y="2891187"/>
             <a:ext cx="317716" cy="246221"/>
           </a:xfrm>
           <a:prstGeom prst="rect">
@@ -9660,7 +9447,7 @@
         </p:nvSpPr>
         <p:spPr>
           <a:xfrm>
-            <a:off x="7464003" y="2891187"/>
+            <a:off x="7498182" y="2891187"/>
             <a:ext cx="45719" cy="246221"/>
           </a:xfrm>
           <a:prstGeom prst="rect">
@@ -9714,7 +9501,7 @@
         </p:nvSpPr>
         <p:spPr>
           <a:xfrm>
-            <a:off x="7738384" y="3131386"/>
+            <a:off x="7772562" y="3131386"/>
             <a:ext cx="317716" cy="246221"/>
           </a:xfrm>
           <a:prstGeom prst="rect">
@@ -9749,7 +9536,7 @@
         </p:nvSpPr>
         <p:spPr>
           <a:xfrm>
-            <a:off x="7758286" y="3131386"/>
+            <a:off x="7792465" y="3131386"/>
             <a:ext cx="45719" cy="246221"/>
           </a:xfrm>
           <a:prstGeom prst="rect">
@@ -9803,7 +9590,7 @@
         </p:nvSpPr>
         <p:spPr>
           <a:xfrm>
-            <a:off x="4860546" y="2402950"/>
+            <a:off x="4894724" y="2402950"/>
             <a:ext cx="311304" cy="246221"/>
           </a:xfrm>
           <a:prstGeom prst="rect">
@@ -9838,7 +9625,7 @@
         </p:nvSpPr>
         <p:spPr>
           <a:xfrm>
-            <a:off x="4880448" y="2402950"/>
+            <a:off x="4914627" y="2402950"/>
             <a:ext cx="45719" cy="246221"/>
           </a:xfrm>
           <a:prstGeom prst="rect">
@@ -9892,7 +9679,7 @@
         </p:nvSpPr>
         <p:spPr>
           <a:xfrm>
-            <a:off x="5133864" y="2647147"/>
+            <a:off x="5168042" y="2647147"/>
             <a:ext cx="311304" cy="246221"/>
           </a:xfrm>
           <a:prstGeom prst="rect">
@@ -9927,7 +9714,7 @@
         </p:nvSpPr>
         <p:spPr>
           <a:xfrm>
-            <a:off x="5153766" y="2647147"/>
+            <a:off x="5187945" y="2647147"/>
             <a:ext cx="45719" cy="246221"/>
           </a:xfrm>
           <a:prstGeom prst="rect">
@@ -9981,7 +9768,7 @@
         </p:nvSpPr>
         <p:spPr>
           <a:xfrm>
-            <a:off x="5432624" y="2897208"/>
+            <a:off x="5466802" y="2897208"/>
             <a:ext cx="311304" cy="246221"/>
           </a:xfrm>
           <a:prstGeom prst="rect">
@@ -10016,7 +9803,7 @@
         </p:nvSpPr>
         <p:spPr>
           <a:xfrm>
-            <a:off x="5452526" y="2897208"/>
+            <a:off x="5486705" y="2897208"/>
             <a:ext cx="45719" cy="246221"/>
           </a:xfrm>
           <a:prstGeom prst="rect">
@@ -10070,8 +9857,8 @@
         </p:nvSpPr>
         <p:spPr>
           <a:xfrm>
-            <a:off x="11489573" y="3646825"/>
-            <a:ext cx="349776" cy="246221"/>
+            <a:off x="11523752" y="3646825"/>
+            <a:ext cx="346827" cy="246221"/>
           </a:xfrm>
           <a:prstGeom prst="rect">
             <a:avLst/>
@@ -10079,7 +9866,7 @@
           <a:noFill/>
         </p:spPr>
         <p:txBody>
-          <a:bodyPr wrap="none" rtlCol="0">
+          <a:bodyPr wrap="square" rtlCol="0">
             <a:spAutoFit/>
           </a:bodyPr>
           <a:lstStyle/>
@@ -10105,7 +9892,7 @@
         </p:nvSpPr>
         <p:spPr>
           <a:xfrm>
-            <a:off x="11509475" y="3646825"/>
+            <a:off x="11534081" y="3646825"/>
             <a:ext cx="45719" cy="246221"/>
           </a:xfrm>
           <a:prstGeom prst="rect">
@@ -10157,7 +9944,7 @@
         </p:nvSpPr>
         <p:spPr>
           <a:xfrm>
-            <a:off x="11762969" y="3641226"/>
+            <a:off x="11797148" y="3641226"/>
             <a:ext cx="511679" cy="246221"/>
           </a:xfrm>
           <a:prstGeom prst="rect">
@@ -10171,7 +9958,7 @@
           </a:ln>
         </p:spPr>
         <p:txBody>
-          <a:bodyPr wrap="none" rtlCol="0">
+          <a:bodyPr wrap="square" rtlCol="0">
             <a:spAutoFit/>
           </a:bodyPr>
           <a:lstStyle/>
@@ -10197,7 +9984,7 @@
         </p:nvSpPr>
         <p:spPr>
           <a:xfrm>
-            <a:off x="11782871" y="3641226"/>
+            <a:off x="11817050" y="3641226"/>
             <a:ext cx="45719" cy="246221"/>
           </a:xfrm>
           <a:prstGeom prst="rect">
@@ -10249,7 +10036,7 @@
         </p:nvSpPr>
         <p:spPr>
           <a:xfrm>
-            <a:off x="11534065" y="3888244"/>
+            <a:off x="11568243" y="3888244"/>
             <a:ext cx="349776" cy="246221"/>
           </a:xfrm>
           <a:prstGeom prst="rect">
@@ -10284,7 +10071,7 @@
         </p:nvSpPr>
         <p:spPr>
           <a:xfrm>
-            <a:off x="11563492" y="3891419"/>
+            <a:off x="11593122" y="3891419"/>
             <a:ext cx="45719" cy="246221"/>
           </a:xfrm>
           <a:prstGeom prst="rect">
@@ -10336,7 +10123,7 @@
         </p:nvSpPr>
         <p:spPr>
           <a:xfrm>
-            <a:off x="9188106" y="4386810"/>
+            <a:off x="9222284" y="4386810"/>
             <a:ext cx="311304" cy="246221"/>
           </a:xfrm>
           <a:prstGeom prst="rect">
@@ -10371,7 +10158,7 @@
         </p:nvSpPr>
         <p:spPr>
           <a:xfrm>
-            <a:off x="9208008" y="4366490"/>
+            <a:off x="9242187" y="4366490"/>
             <a:ext cx="45719" cy="246221"/>
           </a:xfrm>
           <a:prstGeom prst="rect">
@@ -10425,7 +10212,7 @@
         </p:nvSpPr>
         <p:spPr>
           <a:xfrm>
-            <a:off x="10330489" y="3647154"/>
+            <a:off x="10364667" y="3647154"/>
             <a:ext cx="317716" cy="246221"/>
           </a:xfrm>
           <a:prstGeom prst="rect">
@@ -10460,7 +10247,7 @@
         </p:nvSpPr>
         <p:spPr>
           <a:xfrm>
-            <a:off x="10350391" y="3647154"/>
+            <a:off x="10384570" y="3647154"/>
             <a:ext cx="45719" cy="246221"/>
           </a:xfrm>
           <a:prstGeom prst="rect">
@@ -10514,7 +10301,7 @@
         </p:nvSpPr>
         <p:spPr>
           <a:xfrm>
-            <a:off x="10606540" y="3890529"/>
+            <a:off x="10640718" y="3890529"/>
             <a:ext cx="317716" cy="246221"/>
           </a:xfrm>
           <a:prstGeom prst="rect">
@@ -10549,7 +10336,7 @@
         </p:nvSpPr>
         <p:spPr>
           <a:xfrm>
-            <a:off x="10626442" y="3890529"/>
+            <a:off x="10660621" y="3890529"/>
             <a:ext cx="45719" cy="246221"/>
           </a:xfrm>
           <a:prstGeom prst="rect">
@@ -10603,7 +10390,7 @@
         </p:nvSpPr>
         <p:spPr>
           <a:xfrm>
-            <a:off x="10894148" y="4140590"/>
+            <a:off x="10928326" y="4140590"/>
             <a:ext cx="317716" cy="246221"/>
           </a:xfrm>
           <a:prstGeom prst="rect">
@@ -10638,7 +10425,7 @@
         </p:nvSpPr>
         <p:spPr>
           <a:xfrm>
-            <a:off x="10914050" y="4140590"/>
+            <a:off x="10948229" y="4140590"/>
             <a:ext cx="45719" cy="246221"/>
           </a:xfrm>
           <a:prstGeom prst="rect">
@@ -10692,7 +10479,7 @@
         </p:nvSpPr>
         <p:spPr>
           <a:xfrm>
-            <a:off x="11188431" y="4380789"/>
+            <a:off x="11222609" y="4380789"/>
             <a:ext cx="317716" cy="246221"/>
           </a:xfrm>
           <a:prstGeom prst="rect">
@@ -10727,7 +10514,7 @@
         </p:nvSpPr>
         <p:spPr>
           <a:xfrm>
-            <a:off x="11208333" y="4380789"/>
+            <a:off x="11242512" y="4371163"/>
             <a:ext cx="45719" cy="246221"/>
           </a:xfrm>
           <a:prstGeom prst="rect">
@@ -10781,7 +10568,7 @@
         </p:nvSpPr>
         <p:spPr>
           <a:xfrm>
-            <a:off x="8325362" y="3650000"/>
+            <a:off x="8359540" y="3650000"/>
             <a:ext cx="311304" cy="246221"/>
           </a:xfrm>
           <a:prstGeom prst="rect">
@@ -10816,7 +10603,7 @@
         </p:nvSpPr>
         <p:spPr>
           <a:xfrm>
-            <a:off x="8342089" y="3646825"/>
+            <a:off x="8376268" y="3646825"/>
             <a:ext cx="45719" cy="246221"/>
           </a:xfrm>
           <a:prstGeom prst="rect">
@@ -10870,7 +10657,7 @@
         </p:nvSpPr>
         <p:spPr>
           <a:xfrm>
-            <a:off x="8595063" y="3896550"/>
+            <a:off x="8629241" y="3896550"/>
             <a:ext cx="311304" cy="246221"/>
           </a:xfrm>
           <a:prstGeom prst="rect">
@@ -10905,7 +10692,7 @@
         </p:nvSpPr>
         <p:spPr>
           <a:xfrm>
-            <a:off x="8614965" y="3896550"/>
+            <a:off x="8649144" y="3896550"/>
             <a:ext cx="45719" cy="246221"/>
           </a:xfrm>
           <a:prstGeom prst="rect">
@@ -10959,7 +10746,7 @@
         </p:nvSpPr>
         <p:spPr>
           <a:xfrm>
-            <a:off x="8893823" y="4146611"/>
+            <a:off x="8928001" y="4146611"/>
             <a:ext cx="311304" cy="246221"/>
           </a:xfrm>
           <a:prstGeom prst="rect">
@@ -10994,7 +10781,7 @@
         </p:nvSpPr>
         <p:spPr>
           <a:xfrm>
-            <a:off x="8913725" y="4146611"/>
+            <a:off x="8947904" y="4146611"/>
             <a:ext cx="45719" cy="246221"/>
           </a:xfrm>
           <a:prstGeom prst="rect">
@@ -11048,8 +10835,8 @@
         </p:nvSpPr>
         <p:spPr>
           <a:xfrm>
-            <a:off x="4878181" y="745531"/>
-            <a:ext cx="3458007" cy="1379471"/>
+            <a:off x="4912359" y="745531"/>
+            <a:ext cx="5470970" cy="1379471"/>
           </a:xfrm>
           <a:prstGeom prst="rect">
             <a:avLst/>
@@ -11104,7 +10891,7 @@
         </p:nvSpPr>
         <p:spPr>
           <a:xfrm>
-            <a:off x="4887928" y="1176989"/>
+            <a:off x="4922107" y="1176989"/>
             <a:ext cx="449721" cy="246221"/>
           </a:xfrm>
           <a:prstGeom prst="rect">
@@ -11141,7 +10928,7 @@
         </p:nvSpPr>
         <p:spPr>
           <a:xfrm>
-            <a:off x="4880815" y="1177637"/>
+            <a:off x="4914994" y="1177637"/>
             <a:ext cx="45719" cy="246221"/>
           </a:xfrm>
           <a:prstGeom prst="rect">
@@ -11193,7 +10980,7 @@
         </p:nvSpPr>
         <p:spPr>
           <a:xfrm>
-            <a:off x="9455188" y="3645537"/>
+            <a:off x="9489366" y="3645537"/>
             <a:ext cx="311304" cy="246221"/>
           </a:xfrm>
           <a:prstGeom prst="rect">
@@ -11228,7 +11015,7 @@
         </p:nvSpPr>
         <p:spPr>
           <a:xfrm>
-            <a:off x="9475090" y="3645537"/>
+            <a:off x="9509269" y="3645537"/>
             <a:ext cx="45719" cy="246221"/>
           </a:xfrm>
           <a:prstGeom prst="rect">
@@ -11282,7 +11069,7 @@
         </p:nvSpPr>
         <p:spPr>
           <a:xfrm>
-            <a:off x="9741803" y="3889083"/>
+            <a:off x="9775981" y="3889083"/>
             <a:ext cx="311304" cy="246221"/>
           </a:xfrm>
           <a:prstGeom prst="rect">
@@ -11317,7 +11104,7 @@
         </p:nvSpPr>
         <p:spPr>
           <a:xfrm>
-            <a:off x="9761705" y="3887445"/>
+            <a:off x="9795884" y="3887445"/>
             <a:ext cx="45719" cy="246221"/>
           </a:xfrm>
           <a:prstGeom prst="rect">
@@ -11371,7 +11158,7 @@
         </p:nvSpPr>
         <p:spPr>
           <a:xfrm>
-            <a:off x="10037218" y="4144930"/>
+            <a:off x="10071396" y="4144930"/>
             <a:ext cx="311304" cy="246221"/>
           </a:xfrm>
           <a:prstGeom prst="rect">
@@ -11406,7 +11193,7 @@
         </p:nvSpPr>
         <p:spPr>
           <a:xfrm>
-            <a:off x="10057120" y="4144930"/>
+            <a:off x="10091299" y="4144930"/>
             <a:ext cx="45719" cy="246221"/>
           </a:xfrm>
           <a:prstGeom prst="rect">
@@ -11461,9 +11248,9 @@
           <p:nvPr/>
         </p:nvCxnSpPr>
         <p:spPr>
-          <a:xfrm flipV="1">
-            <a:off x="4885986" y="1143822"/>
-            <a:ext cx="3408308" cy="7832"/>
+          <a:xfrm>
+            <a:off x="4910063" y="1160052"/>
+            <a:ext cx="5473266" cy="0"/>
           </a:xfrm>
           <a:prstGeom prst="straightConnector1">
             <a:avLst/>
@@ -11502,7 +11289,7 @@
         </p:nvCxnSpPr>
         <p:spPr>
           <a:xfrm>
-            <a:off x="248083" y="1160428"/>
+            <a:off x="282261" y="1160427"/>
             <a:ext cx="1159500" cy="0"/>
           </a:xfrm>
           <a:prstGeom prst="straightConnector1">
@@ -11542,7 +11329,7 @@
         </p:nvCxnSpPr>
         <p:spPr>
           <a:xfrm>
-            <a:off x="1430442" y="1160428"/>
+            <a:off x="1464621" y="1160427"/>
             <a:ext cx="1991901" cy="0"/>
           </a:xfrm>
           <a:prstGeom prst="straightConnector1">
@@ -11582,7 +11369,7 @@
         </p:nvCxnSpPr>
         <p:spPr>
           <a:xfrm>
-            <a:off x="3432991" y="1160428"/>
+            <a:off x="3467169" y="1160427"/>
             <a:ext cx="1161818" cy="0"/>
           </a:xfrm>
           <a:prstGeom prst="straightConnector1">
@@ -11624,8 +11411,8 @@
         </p:nvCxnSpPr>
         <p:spPr>
           <a:xfrm>
-            <a:off x="4581308" y="1156217"/>
-            <a:ext cx="302436" cy="0"/>
+            <a:off x="4615487" y="1161029"/>
+            <a:ext cx="294577" cy="0"/>
           </a:xfrm>
           <a:prstGeom prst="straightConnector1">
             <a:avLst/>
@@ -11650,6 +11437,1795 @@
           </a:fontRef>
         </p:style>
       </p:cxnSp>
+      <p:sp>
+        <p:nvSpPr>
+          <p:cNvPr id="535" name="TextBox 534">
+            <a:extLst>
+              <a:ext uri="{FF2B5EF4-FFF2-40B4-BE49-F238E27FC236}">
+                <a16:creationId xmlns:a16="http://schemas.microsoft.com/office/drawing/2014/main" id="{EEAFE8EB-54CE-3745-B137-FCDD76DDA093}"/>
+              </a:ext>
+            </a:extLst>
+          </p:cNvPr>
+          <p:cNvSpPr txBox="1"/>
+          <p:nvPr/>
+        </p:nvSpPr>
+        <p:spPr>
+          <a:xfrm>
+            <a:off x="400769" y="807653"/>
+            <a:ext cx="922626" cy="307777"/>
+          </a:xfrm>
+          <a:prstGeom prst="rect">
+            <a:avLst/>
+          </a:prstGeom>
+          <a:noFill/>
+        </p:spPr>
+        <p:txBody>
+          <a:bodyPr wrap="square" rtlCol="0">
+            <a:spAutoFit/>
+          </a:bodyPr>
+          <a:lstStyle/>
+          <a:p>
+            <a:pPr algn="ctr"/>
+            <a:r>
+              <a:rPr lang="en-US" sz="1400" dirty="0"/>
+              <a:t>Pre-alpha</a:t>
+            </a:r>
+          </a:p>
+        </p:txBody>
+      </p:sp>
+      <p:sp>
+        <p:nvSpPr>
+          <p:cNvPr id="536" name="TextBox 535">
+            <a:extLst>
+              <a:ext uri="{FF2B5EF4-FFF2-40B4-BE49-F238E27FC236}">
+                <a16:creationId xmlns:a16="http://schemas.microsoft.com/office/drawing/2014/main" id="{F658C049-E707-0040-883E-CA6064B7F2F4}"/>
+              </a:ext>
+            </a:extLst>
+          </p:cNvPr>
+          <p:cNvSpPr txBox="1"/>
+          <p:nvPr/>
+        </p:nvSpPr>
+        <p:spPr>
+          <a:xfrm>
+            <a:off x="1917887" y="809877"/>
+            <a:ext cx="1047838" cy="307777"/>
+          </a:xfrm>
+          <a:prstGeom prst="rect">
+            <a:avLst/>
+          </a:prstGeom>
+          <a:noFill/>
+        </p:spPr>
+        <p:txBody>
+          <a:bodyPr wrap="square" rtlCol="0">
+            <a:spAutoFit/>
+          </a:bodyPr>
+          <a:lstStyle/>
+          <a:p>
+            <a:pPr algn="ctr"/>
+            <a:r>
+              <a:rPr lang="en-US" sz="1400" dirty="0"/>
+              <a:t>Alpha</a:t>
+            </a:r>
+          </a:p>
+        </p:txBody>
+      </p:sp>
+      <p:sp>
+        <p:nvSpPr>
+          <p:cNvPr id="537" name="TextBox 536">
+            <a:extLst>
+              <a:ext uri="{FF2B5EF4-FFF2-40B4-BE49-F238E27FC236}">
+                <a16:creationId xmlns:a16="http://schemas.microsoft.com/office/drawing/2014/main" id="{B299BC2C-1E4D-D54B-9D1C-9C008F8DCCF0}"/>
+              </a:ext>
+            </a:extLst>
+          </p:cNvPr>
+          <p:cNvSpPr txBox="1"/>
+          <p:nvPr/>
+        </p:nvSpPr>
+        <p:spPr>
+          <a:xfrm>
+            <a:off x="3581174" y="808825"/>
+            <a:ext cx="894298" cy="307777"/>
+          </a:xfrm>
+          <a:prstGeom prst="rect">
+            <a:avLst/>
+          </a:prstGeom>
+          <a:noFill/>
+        </p:spPr>
+        <p:txBody>
+          <a:bodyPr wrap="square" rtlCol="0">
+            <a:spAutoFit/>
+          </a:bodyPr>
+          <a:lstStyle/>
+          <a:p>
+            <a:pPr algn="ctr"/>
+            <a:r>
+              <a:rPr lang="en-US" sz="1400" dirty="0"/>
+              <a:t>Beta</a:t>
+            </a:r>
+          </a:p>
+        </p:txBody>
+      </p:sp>
+      <p:sp>
+        <p:nvSpPr>
+          <p:cNvPr id="538" name="TextBox 537">
+            <a:extLst>
+              <a:ext uri="{FF2B5EF4-FFF2-40B4-BE49-F238E27FC236}">
+                <a16:creationId xmlns:a16="http://schemas.microsoft.com/office/drawing/2014/main" id="{84D24679-A66F-8E4E-A79A-E3EFB52DD621}"/>
+              </a:ext>
+            </a:extLst>
+          </p:cNvPr>
+          <p:cNvSpPr txBox="1"/>
+          <p:nvPr/>
+        </p:nvSpPr>
+        <p:spPr>
+          <a:xfrm>
+            <a:off x="4512506" y="811005"/>
+            <a:ext cx="489458" cy="307777"/>
+          </a:xfrm>
+          <a:prstGeom prst="rect">
+            <a:avLst/>
+          </a:prstGeom>
+          <a:noFill/>
+        </p:spPr>
+        <p:txBody>
+          <a:bodyPr wrap="square" rtlCol="0">
+            <a:spAutoFit/>
+          </a:bodyPr>
+          <a:lstStyle/>
+          <a:p>
+            <a:pPr algn="ctr"/>
+            <a:r>
+              <a:rPr lang="en-US" sz="1400" dirty="0"/>
+              <a:t>RC</a:t>
+            </a:r>
+          </a:p>
+        </p:txBody>
+      </p:sp>
+      <p:sp>
+        <p:nvSpPr>
+          <p:cNvPr id="539" name="TextBox 538">
+            <a:extLst>
+              <a:ext uri="{FF2B5EF4-FFF2-40B4-BE49-F238E27FC236}">
+                <a16:creationId xmlns:a16="http://schemas.microsoft.com/office/drawing/2014/main" id="{0050C14C-7087-BA4A-BDD4-139FE6FCB3D6}"/>
+              </a:ext>
+            </a:extLst>
+          </p:cNvPr>
+          <p:cNvSpPr txBox="1"/>
+          <p:nvPr/>
+        </p:nvSpPr>
+        <p:spPr>
+          <a:xfrm>
+            <a:off x="4908374" y="800845"/>
+            <a:ext cx="5184333" cy="307777"/>
+          </a:xfrm>
+          <a:prstGeom prst="rect">
+            <a:avLst/>
+          </a:prstGeom>
+          <a:noFill/>
+        </p:spPr>
+        <p:txBody>
+          <a:bodyPr wrap="square" rtlCol="0">
+            <a:spAutoFit/>
+          </a:bodyPr>
+          <a:lstStyle/>
+          <a:p>
+            <a:pPr algn="ctr"/>
+            <a:r>
+              <a:rPr lang="en-US" sz="1400" dirty="0"/>
+              <a:t>Full bugfix support</a:t>
+            </a:r>
+          </a:p>
+        </p:txBody>
+      </p:sp>
+      <p:sp>
+        <p:nvSpPr>
+          <p:cNvPr id="543" name="TextBox 542">
+            <a:extLst>
+              <a:ext uri="{FF2B5EF4-FFF2-40B4-BE49-F238E27FC236}">
+                <a16:creationId xmlns:a16="http://schemas.microsoft.com/office/drawing/2014/main" id="{D96E1B4C-3295-2C40-B144-E7B1DD33421D}"/>
+              </a:ext>
+            </a:extLst>
+          </p:cNvPr>
+          <p:cNvSpPr txBox="1"/>
+          <p:nvPr/>
+        </p:nvSpPr>
+        <p:spPr>
+          <a:xfrm>
+            <a:off x="10386830" y="802734"/>
+            <a:ext cx="2019180" cy="307777"/>
+          </a:xfrm>
+          <a:prstGeom prst="rect">
+            <a:avLst/>
+          </a:prstGeom>
+          <a:noFill/>
+        </p:spPr>
+        <p:txBody>
+          <a:bodyPr wrap="square" rtlCol="0">
+            <a:spAutoFit/>
+          </a:bodyPr>
+          <a:lstStyle/>
+          <a:p>
+            <a:r>
+              <a:rPr lang="en-US" sz="1400" dirty="0"/>
+              <a:t>3½ years of security fixes</a:t>
+            </a:r>
+          </a:p>
+        </p:txBody>
+      </p:sp>
+      <p:sp>
+        <p:nvSpPr>
+          <p:cNvPr id="545" name="Rectangle 544">
+            <a:extLst>
+              <a:ext uri="{FF2B5EF4-FFF2-40B4-BE49-F238E27FC236}">
+                <a16:creationId xmlns:a16="http://schemas.microsoft.com/office/drawing/2014/main" id="{46EC0B73-197B-C04D-91E1-7EF087705508}"/>
+              </a:ext>
+            </a:extLst>
+          </p:cNvPr>
+          <p:cNvSpPr/>
+          <p:nvPr/>
+        </p:nvSpPr>
+        <p:spPr>
+          <a:xfrm>
+            <a:off x="10381358" y="4889596"/>
+            <a:ext cx="1441379" cy="970659"/>
+          </a:xfrm>
+          <a:prstGeom prst="rect">
+            <a:avLst/>
+          </a:prstGeom>
+          <a:solidFill>
+            <a:schemeClr val="bg1">
+              <a:lumMod val="50000"/>
+              <a:alpha val="50000"/>
+            </a:schemeClr>
+          </a:solidFill>
+          <a:ln>
+            <a:noFill/>
+          </a:ln>
+        </p:spPr>
+        <p:style>
+          <a:lnRef idx="2">
+            <a:schemeClr val="accent1">
+              <a:shade val="50000"/>
+            </a:schemeClr>
+          </a:lnRef>
+          <a:fillRef idx="1">
+            <a:schemeClr val="accent1"/>
+          </a:fillRef>
+          <a:effectRef idx="0">
+            <a:schemeClr val="accent1"/>
+          </a:effectRef>
+          <a:fontRef idx="minor">
+            <a:schemeClr val="lt1"/>
+          </a:fontRef>
+        </p:style>
+        <p:txBody>
+          <a:bodyPr rtlCol="0" anchor="ctr"/>
+          <a:lstStyle/>
+          <a:p>
+            <a:pPr algn="ctr"/>
+            <a:r>
+              <a:rPr lang="en-US" sz="3200" b="1" dirty="0"/>
+              <a:t>3.12</a:t>
+            </a:r>
+          </a:p>
+        </p:txBody>
+      </p:sp>
+      <p:sp>
+        <p:nvSpPr>
+          <p:cNvPr id="548" name="TextBox 547">
+            <a:extLst>
+              <a:ext uri="{FF2B5EF4-FFF2-40B4-BE49-F238E27FC236}">
+                <a16:creationId xmlns:a16="http://schemas.microsoft.com/office/drawing/2014/main" id="{B0B3A5AD-55A4-5D4C-802C-01EDFEC5FE95}"/>
+              </a:ext>
+            </a:extLst>
+          </p:cNvPr>
+          <p:cNvSpPr txBox="1"/>
+          <p:nvPr/>
+        </p:nvSpPr>
+        <p:spPr>
+          <a:xfrm>
+            <a:off x="5495382" y="1422451"/>
+            <a:ext cx="449721" cy="230832"/>
+          </a:xfrm>
+          <a:prstGeom prst="rect">
+            <a:avLst/>
+          </a:prstGeom>
+          <a:solidFill>
+            <a:schemeClr val="accent6">
+              <a:lumMod val="20000"/>
+              <a:lumOff val="80000"/>
+            </a:schemeClr>
+          </a:solidFill>
+        </p:spPr>
+        <p:txBody>
+          <a:bodyPr wrap="square" rtlCol="0">
+            <a:spAutoFit/>
+          </a:bodyPr>
+          <a:lstStyle/>
+          <a:p>
+            <a:r>
+              <a:rPr lang="en-US" sz="900" dirty="0"/>
+              <a:t>3.9.1</a:t>
+            </a:r>
+          </a:p>
+        </p:txBody>
+      </p:sp>
+      <p:sp>
+        <p:nvSpPr>
+          <p:cNvPr id="549" name="Rectangle 548">
+            <a:extLst>
+              <a:ext uri="{FF2B5EF4-FFF2-40B4-BE49-F238E27FC236}">
+                <a16:creationId xmlns:a16="http://schemas.microsoft.com/office/drawing/2014/main" id="{DB7DCD76-3391-9A43-B51C-5E412263CAA4}"/>
+              </a:ext>
+            </a:extLst>
+          </p:cNvPr>
+          <p:cNvSpPr/>
+          <p:nvPr/>
+        </p:nvSpPr>
+        <p:spPr>
+          <a:xfrm>
+            <a:off x="5484409" y="1423100"/>
+            <a:ext cx="49579" cy="235387"/>
+          </a:xfrm>
+          <a:prstGeom prst="rect">
+            <a:avLst/>
+          </a:prstGeom>
+          <a:solidFill>
+            <a:schemeClr val="accent6">
+              <a:lumMod val="75000"/>
+            </a:schemeClr>
+          </a:solidFill>
+          <a:ln>
+            <a:noFill/>
+          </a:ln>
+        </p:spPr>
+        <p:style>
+          <a:lnRef idx="2">
+            <a:schemeClr val="accent1">
+              <a:shade val="50000"/>
+            </a:schemeClr>
+          </a:lnRef>
+          <a:fillRef idx="1">
+            <a:schemeClr val="accent1"/>
+          </a:fillRef>
+          <a:effectRef idx="0">
+            <a:schemeClr val="accent1"/>
+          </a:effectRef>
+          <a:fontRef idx="minor">
+            <a:schemeClr val="lt1"/>
+          </a:fontRef>
+        </p:style>
+        <p:txBody>
+          <a:bodyPr rtlCol="0" anchor="ctr"/>
+          <a:lstStyle/>
+          <a:p>
+            <a:pPr algn="ctr"/>
+            <a:endParaRPr lang="en-US"/>
+          </a:p>
+        </p:txBody>
+      </p:sp>
+      <p:sp>
+        <p:nvSpPr>
+          <p:cNvPr id="550" name="TextBox 549">
+            <a:extLst>
+              <a:ext uri="{FF2B5EF4-FFF2-40B4-BE49-F238E27FC236}">
+                <a16:creationId xmlns:a16="http://schemas.microsoft.com/office/drawing/2014/main" id="{E04CEA9E-9AF6-D240-BF33-604183A2BB20}"/>
+              </a:ext>
+            </a:extLst>
+          </p:cNvPr>
+          <p:cNvSpPr txBox="1"/>
+          <p:nvPr/>
+        </p:nvSpPr>
+        <p:spPr>
+          <a:xfrm>
+            <a:off x="6061116" y="1650908"/>
+            <a:ext cx="449721" cy="230832"/>
+          </a:xfrm>
+          <a:prstGeom prst="rect">
+            <a:avLst/>
+          </a:prstGeom>
+          <a:solidFill>
+            <a:schemeClr val="accent6">
+              <a:lumMod val="20000"/>
+              <a:lumOff val="80000"/>
+            </a:schemeClr>
+          </a:solidFill>
+        </p:spPr>
+        <p:txBody>
+          <a:bodyPr wrap="square" rtlCol="0">
+            <a:spAutoFit/>
+          </a:bodyPr>
+          <a:lstStyle/>
+          <a:p>
+            <a:r>
+              <a:rPr lang="en-US" sz="900" dirty="0"/>
+              <a:t>3.9.2</a:t>
+            </a:r>
+          </a:p>
+        </p:txBody>
+      </p:sp>
+      <p:sp>
+        <p:nvSpPr>
+          <p:cNvPr id="551" name="Rectangle 550">
+            <a:extLst>
+              <a:ext uri="{FF2B5EF4-FFF2-40B4-BE49-F238E27FC236}">
+                <a16:creationId xmlns:a16="http://schemas.microsoft.com/office/drawing/2014/main" id="{D43BA6A4-3CE3-5B4C-93EF-323B50590461}"/>
+              </a:ext>
+            </a:extLst>
+          </p:cNvPr>
+          <p:cNvSpPr/>
+          <p:nvPr/>
+        </p:nvSpPr>
+        <p:spPr>
+          <a:xfrm>
+            <a:off x="6054003" y="1651557"/>
+            <a:ext cx="45719" cy="234007"/>
+          </a:xfrm>
+          <a:prstGeom prst="rect">
+            <a:avLst/>
+          </a:prstGeom>
+          <a:solidFill>
+            <a:schemeClr val="accent6">
+              <a:lumMod val="75000"/>
+            </a:schemeClr>
+          </a:solidFill>
+          <a:ln>
+            <a:noFill/>
+          </a:ln>
+        </p:spPr>
+        <p:style>
+          <a:lnRef idx="2">
+            <a:schemeClr val="accent1">
+              <a:shade val="50000"/>
+            </a:schemeClr>
+          </a:lnRef>
+          <a:fillRef idx="1">
+            <a:schemeClr val="accent1"/>
+          </a:fillRef>
+          <a:effectRef idx="0">
+            <a:schemeClr val="accent1"/>
+          </a:effectRef>
+          <a:fontRef idx="minor">
+            <a:schemeClr val="lt1"/>
+          </a:fontRef>
+        </p:style>
+        <p:txBody>
+          <a:bodyPr rtlCol="0" anchor="ctr"/>
+          <a:lstStyle/>
+          <a:p>
+            <a:pPr algn="ctr"/>
+            <a:endParaRPr lang="en-US"/>
+          </a:p>
+        </p:txBody>
+      </p:sp>
+      <p:sp>
+        <p:nvSpPr>
+          <p:cNvPr id="552" name="TextBox 551">
+            <a:extLst>
+              <a:ext uri="{FF2B5EF4-FFF2-40B4-BE49-F238E27FC236}">
+                <a16:creationId xmlns:a16="http://schemas.microsoft.com/office/drawing/2014/main" id="{0E5D56AF-79E4-7F4E-AEBF-D01C143E10F8}"/>
+              </a:ext>
+            </a:extLst>
+          </p:cNvPr>
+          <p:cNvSpPr txBox="1"/>
+          <p:nvPr/>
+        </p:nvSpPr>
+        <p:spPr>
+          <a:xfrm>
+            <a:off x="6645496" y="1891195"/>
+            <a:ext cx="449721" cy="230832"/>
+          </a:xfrm>
+          <a:prstGeom prst="rect">
+            <a:avLst/>
+          </a:prstGeom>
+          <a:solidFill>
+            <a:schemeClr val="accent6">
+              <a:lumMod val="20000"/>
+              <a:lumOff val="80000"/>
+            </a:schemeClr>
+          </a:solidFill>
+        </p:spPr>
+        <p:txBody>
+          <a:bodyPr wrap="square" rtlCol="0">
+            <a:spAutoFit/>
+          </a:bodyPr>
+          <a:lstStyle/>
+          <a:p>
+            <a:r>
+              <a:rPr lang="en-US" sz="900" dirty="0"/>
+              <a:t>3.9.3</a:t>
+            </a:r>
+          </a:p>
+        </p:txBody>
+      </p:sp>
+      <p:sp>
+        <p:nvSpPr>
+          <p:cNvPr id="553" name="Rectangle 552">
+            <a:extLst>
+              <a:ext uri="{FF2B5EF4-FFF2-40B4-BE49-F238E27FC236}">
+                <a16:creationId xmlns:a16="http://schemas.microsoft.com/office/drawing/2014/main" id="{431E340D-0FBF-4C42-9DF6-361C005ECF56}"/>
+              </a:ext>
+            </a:extLst>
+          </p:cNvPr>
+          <p:cNvSpPr/>
+          <p:nvPr/>
+        </p:nvSpPr>
+        <p:spPr>
+          <a:xfrm>
+            <a:off x="6629561" y="1891843"/>
+            <a:ext cx="54541" cy="231500"/>
+          </a:xfrm>
+          <a:prstGeom prst="rect">
+            <a:avLst/>
+          </a:prstGeom>
+          <a:solidFill>
+            <a:schemeClr val="accent6">
+              <a:lumMod val="75000"/>
+            </a:schemeClr>
+          </a:solidFill>
+          <a:ln>
+            <a:noFill/>
+          </a:ln>
+        </p:spPr>
+        <p:style>
+          <a:lnRef idx="2">
+            <a:schemeClr val="accent1">
+              <a:shade val="50000"/>
+            </a:schemeClr>
+          </a:lnRef>
+          <a:fillRef idx="1">
+            <a:schemeClr val="accent1"/>
+          </a:fillRef>
+          <a:effectRef idx="0">
+            <a:schemeClr val="accent1"/>
+          </a:effectRef>
+          <a:fontRef idx="minor">
+            <a:schemeClr val="lt1"/>
+          </a:fontRef>
+        </p:style>
+        <p:txBody>
+          <a:bodyPr rtlCol="0" anchor="ctr"/>
+          <a:lstStyle/>
+          <a:p>
+            <a:pPr algn="ctr"/>
+            <a:endParaRPr lang="en-US"/>
+          </a:p>
+        </p:txBody>
+      </p:sp>
+      <p:sp>
+        <p:nvSpPr>
+          <p:cNvPr id="554" name="TextBox 553">
+            <a:extLst>
+              <a:ext uri="{FF2B5EF4-FFF2-40B4-BE49-F238E27FC236}">
+                <a16:creationId xmlns:a16="http://schemas.microsoft.com/office/drawing/2014/main" id="{8B120278-2EF0-6941-9023-6DE88B5E78C4}"/>
+              </a:ext>
+            </a:extLst>
+          </p:cNvPr>
+          <p:cNvSpPr txBox="1"/>
+          <p:nvPr/>
+        </p:nvSpPr>
+        <p:spPr>
+          <a:xfrm>
+            <a:off x="7225280" y="1197060"/>
+            <a:ext cx="449721" cy="230832"/>
+          </a:xfrm>
+          <a:prstGeom prst="rect">
+            <a:avLst/>
+          </a:prstGeom>
+          <a:solidFill>
+            <a:schemeClr val="accent6">
+              <a:lumMod val="20000"/>
+              <a:lumOff val="80000"/>
+            </a:schemeClr>
+          </a:solidFill>
+        </p:spPr>
+        <p:txBody>
+          <a:bodyPr wrap="square" rtlCol="0">
+            <a:spAutoFit/>
+          </a:bodyPr>
+          <a:lstStyle/>
+          <a:p>
+            <a:r>
+              <a:rPr lang="en-US" sz="900" dirty="0"/>
+              <a:t>3.9.4</a:t>
+            </a:r>
+          </a:p>
+        </p:txBody>
+      </p:sp>
+      <p:sp>
+        <p:nvSpPr>
+          <p:cNvPr id="555" name="Rectangle 554">
+            <a:extLst>
+              <a:ext uri="{FF2B5EF4-FFF2-40B4-BE49-F238E27FC236}">
+                <a16:creationId xmlns:a16="http://schemas.microsoft.com/office/drawing/2014/main" id="{6C7493A3-DA80-244C-B04D-BB5A195958A2}"/>
+              </a:ext>
+            </a:extLst>
+          </p:cNvPr>
+          <p:cNvSpPr/>
+          <p:nvPr/>
+        </p:nvSpPr>
+        <p:spPr>
+          <a:xfrm>
+            <a:off x="7214307" y="1197709"/>
+            <a:ext cx="49579" cy="235387"/>
+          </a:xfrm>
+          <a:prstGeom prst="rect">
+            <a:avLst/>
+          </a:prstGeom>
+          <a:solidFill>
+            <a:schemeClr val="accent6">
+              <a:lumMod val="75000"/>
+            </a:schemeClr>
+          </a:solidFill>
+          <a:ln>
+            <a:noFill/>
+          </a:ln>
+        </p:spPr>
+        <p:style>
+          <a:lnRef idx="2">
+            <a:schemeClr val="accent1">
+              <a:shade val="50000"/>
+            </a:schemeClr>
+          </a:lnRef>
+          <a:fillRef idx="1">
+            <a:schemeClr val="accent1"/>
+          </a:fillRef>
+          <a:effectRef idx="0">
+            <a:schemeClr val="accent1"/>
+          </a:effectRef>
+          <a:fontRef idx="minor">
+            <a:schemeClr val="lt1"/>
+          </a:fontRef>
+        </p:style>
+        <p:txBody>
+          <a:bodyPr rtlCol="0" anchor="ctr"/>
+          <a:lstStyle/>
+          <a:p>
+            <a:pPr algn="ctr"/>
+            <a:endParaRPr lang="en-US"/>
+          </a:p>
+        </p:txBody>
+      </p:sp>
+      <p:sp>
+        <p:nvSpPr>
+          <p:cNvPr id="556" name="TextBox 555">
+            <a:extLst>
+              <a:ext uri="{FF2B5EF4-FFF2-40B4-BE49-F238E27FC236}">
+                <a16:creationId xmlns:a16="http://schemas.microsoft.com/office/drawing/2014/main" id="{136D1BDD-37C1-A145-B225-C92CFF8FE10B}"/>
+              </a:ext>
+            </a:extLst>
+          </p:cNvPr>
+          <p:cNvSpPr txBox="1"/>
+          <p:nvPr/>
+        </p:nvSpPr>
+        <p:spPr>
+          <a:xfrm>
+            <a:off x="7799437" y="1422451"/>
+            <a:ext cx="449721" cy="230832"/>
+          </a:xfrm>
+          <a:prstGeom prst="rect">
+            <a:avLst/>
+          </a:prstGeom>
+          <a:solidFill>
+            <a:schemeClr val="accent6">
+              <a:lumMod val="20000"/>
+              <a:lumOff val="80000"/>
+            </a:schemeClr>
+          </a:solidFill>
+        </p:spPr>
+        <p:txBody>
+          <a:bodyPr wrap="square" rtlCol="0">
+            <a:spAutoFit/>
+          </a:bodyPr>
+          <a:lstStyle/>
+          <a:p>
+            <a:r>
+              <a:rPr lang="en-US" sz="900" dirty="0"/>
+              <a:t>3.9.5</a:t>
+            </a:r>
+          </a:p>
+        </p:txBody>
+      </p:sp>
+      <p:sp>
+        <p:nvSpPr>
+          <p:cNvPr id="557" name="Rectangle 556">
+            <a:extLst>
+              <a:ext uri="{FF2B5EF4-FFF2-40B4-BE49-F238E27FC236}">
+                <a16:creationId xmlns:a16="http://schemas.microsoft.com/office/drawing/2014/main" id="{E7652C49-821A-084B-B331-AA056ED6A5B2}"/>
+              </a:ext>
+            </a:extLst>
+          </p:cNvPr>
+          <p:cNvSpPr/>
+          <p:nvPr/>
+        </p:nvSpPr>
+        <p:spPr>
+          <a:xfrm>
+            <a:off x="7788464" y="1423100"/>
+            <a:ext cx="49579" cy="235387"/>
+          </a:xfrm>
+          <a:prstGeom prst="rect">
+            <a:avLst/>
+          </a:prstGeom>
+          <a:solidFill>
+            <a:schemeClr val="accent6">
+              <a:lumMod val="75000"/>
+            </a:schemeClr>
+          </a:solidFill>
+          <a:ln>
+            <a:noFill/>
+          </a:ln>
+        </p:spPr>
+        <p:style>
+          <a:lnRef idx="2">
+            <a:schemeClr val="accent1">
+              <a:shade val="50000"/>
+            </a:schemeClr>
+          </a:lnRef>
+          <a:fillRef idx="1">
+            <a:schemeClr val="accent1"/>
+          </a:fillRef>
+          <a:effectRef idx="0">
+            <a:schemeClr val="accent1"/>
+          </a:effectRef>
+          <a:fontRef idx="minor">
+            <a:schemeClr val="lt1"/>
+          </a:fontRef>
+        </p:style>
+        <p:txBody>
+          <a:bodyPr rtlCol="0" anchor="ctr"/>
+          <a:lstStyle/>
+          <a:p>
+            <a:pPr algn="ctr"/>
+            <a:endParaRPr lang="en-US"/>
+          </a:p>
+        </p:txBody>
+      </p:sp>
+      <p:sp>
+        <p:nvSpPr>
+          <p:cNvPr id="558" name="TextBox 557">
+            <a:extLst>
+              <a:ext uri="{FF2B5EF4-FFF2-40B4-BE49-F238E27FC236}">
+                <a16:creationId xmlns:a16="http://schemas.microsoft.com/office/drawing/2014/main" id="{425FD0FC-215A-4E42-8D8B-A8760A1766F0}"/>
+              </a:ext>
+            </a:extLst>
+          </p:cNvPr>
+          <p:cNvSpPr txBox="1"/>
+          <p:nvPr/>
+        </p:nvSpPr>
+        <p:spPr>
+          <a:xfrm>
+            <a:off x="8382395" y="1664545"/>
+            <a:ext cx="449721" cy="230832"/>
+          </a:xfrm>
+          <a:prstGeom prst="rect">
+            <a:avLst/>
+          </a:prstGeom>
+          <a:solidFill>
+            <a:schemeClr val="accent6">
+              <a:lumMod val="20000"/>
+              <a:lumOff val="80000"/>
+            </a:schemeClr>
+          </a:solidFill>
+        </p:spPr>
+        <p:txBody>
+          <a:bodyPr wrap="square" rtlCol="0">
+            <a:spAutoFit/>
+          </a:bodyPr>
+          <a:lstStyle/>
+          <a:p>
+            <a:r>
+              <a:rPr lang="en-US" sz="900" dirty="0"/>
+              <a:t>3.9.6</a:t>
+            </a:r>
+          </a:p>
+        </p:txBody>
+      </p:sp>
+      <p:sp>
+        <p:nvSpPr>
+          <p:cNvPr id="559" name="Rectangle 558">
+            <a:extLst>
+              <a:ext uri="{FF2B5EF4-FFF2-40B4-BE49-F238E27FC236}">
+                <a16:creationId xmlns:a16="http://schemas.microsoft.com/office/drawing/2014/main" id="{FA83C3EB-400F-804F-A5BA-CEEDAE251463}"/>
+              </a:ext>
+            </a:extLst>
+          </p:cNvPr>
+          <p:cNvSpPr/>
+          <p:nvPr/>
+        </p:nvSpPr>
+        <p:spPr>
+          <a:xfrm>
+            <a:off x="8375282" y="1665194"/>
+            <a:ext cx="45719" cy="234007"/>
+          </a:xfrm>
+          <a:prstGeom prst="rect">
+            <a:avLst/>
+          </a:prstGeom>
+          <a:solidFill>
+            <a:schemeClr val="accent6">
+              <a:lumMod val="75000"/>
+            </a:schemeClr>
+          </a:solidFill>
+          <a:ln>
+            <a:noFill/>
+          </a:ln>
+        </p:spPr>
+        <p:style>
+          <a:lnRef idx="2">
+            <a:schemeClr val="accent1">
+              <a:shade val="50000"/>
+            </a:schemeClr>
+          </a:lnRef>
+          <a:fillRef idx="1">
+            <a:schemeClr val="accent1"/>
+          </a:fillRef>
+          <a:effectRef idx="0">
+            <a:schemeClr val="accent1"/>
+          </a:effectRef>
+          <a:fontRef idx="minor">
+            <a:schemeClr val="lt1"/>
+          </a:fontRef>
+        </p:style>
+        <p:txBody>
+          <a:bodyPr rtlCol="0" anchor="ctr"/>
+          <a:lstStyle/>
+          <a:p>
+            <a:pPr algn="ctr"/>
+            <a:endParaRPr lang="en-US"/>
+          </a:p>
+        </p:txBody>
+      </p:sp>
+      <p:sp>
+        <p:nvSpPr>
+          <p:cNvPr id="560" name="TextBox 559">
+            <a:extLst>
+              <a:ext uri="{FF2B5EF4-FFF2-40B4-BE49-F238E27FC236}">
+                <a16:creationId xmlns:a16="http://schemas.microsoft.com/office/drawing/2014/main" id="{164B20C2-FC0A-9446-A480-109D8770D7AB}"/>
+              </a:ext>
+            </a:extLst>
+          </p:cNvPr>
+          <p:cNvSpPr txBox="1"/>
+          <p:nvPr/>
+        </p:nvSpPr>
+        <p:spPr>
+          <a:xfrm>
+            <a:off x="8966234" y="1891195"/>
+            <a:ext cx="449721" cy="230832"/>
+          </a:xfrm>
+          <a:prstGeom prst="rect">
+            <a:avLst/>
+          </a:prstGeom>
+          <a:solidFill>
+            <a:schemeClr val="accent6">
+              <a:lumMod val="20000"/>
+              <a:lumOff val="80000"/>
+            </a:schemeClr>
+          </a:solidFill>
+        </p:spPr>
+        <p:txBody>
+          <a:bodyPr wrap="square" rtlCol="0">
+            <a:spAutoFit/>
+          </a:bodyPr>
+          <a:lstStyle/>
+          <a:p>
+            <a:r>
+              <a:rPr lang="en-US" sz="900" dirty="0"/>
+              <a:t>3.9.7</a:t>
+            </a:r>
+          </a:p>
+        </p:txBody>
+      </p:sp>
+      <p:sp>
+        <p:nvSpPr>
+          <p:cNvPr id="561" name="Rectangle 560">
+            <a:extLst>
+              <a:ext uri="{FF2B5EF4-FFF2-40B4-BE49-F238E27FC236}">
+                <a16:creationId xmlns:a16="http://schemas.microsoft.com/office/drawing/2014/main" id="{0EA82551-EE9B-EF4A-9980-0C5D8B193E07}"/>
+              </a:ext>
+            </a:extLst>
+          </p:cNvPr>
+          <p:cNvSpPr/>
+          <p:nvPr/>
+        </p:nvSpPr>
+        <p:spPr>
+          <a:xfrm>
+            <a:off x="8950299" y="1891843"/>
+            <a:ext cx="54541" cy="231500"/>
+          </a:xfrm>
+          <a:prstGeom prst="rect">
+            <a:avLst/>
+          </a:prstGeom>
+          <a:solidFill>
+            <a:schemeClr val="accent6">
+              <a:lumMod val="75000"/>
+            </a:schemeClr>
+          </a:solidFill>
+          <a:ln>
+            <a:noFill/>
+          </a:ln>
+        </p:spPr>
+        <p:style>
+          <a:lnRef idx="2">
+            <a:schemeClr val="accent1">
+              <a:shade val="50000"/>
+            </a:schemeClr>
+          </a:lnRef>
+          <a:fillRef idx="1">
+            <a:schemeClr val="accent1"/>
+          </a:fillRef>
+          <a:effectRef idx="0">
+            <a:schemeClr val="accent1"/>
+          </a:effectRef>
+          <a:fontRef idx="minor">
+            <a:schemeClr val="lt1"/>
+          </a:fontRef>
+        </p:style>
+        <p:txBody>
+          <a:bodyPr rtlCol="0" anchor="ctr"/>
+          <a:lstStyle/>
+          <a:p>
+            <a:pPr algn="ctr"/>
+            <a:endParaRPr lang="en-US"/>
+          </a:p>
+        </p:txBody>
+      </p:sp>
+      <p:sp>
+        <p:nvSpPr>
+          <p:cNvPr id="568" name="TextBox 567">
+            <a:extLst>
+              <a:ext uri="{FF2B5EF4-FFF2-40B4-BE49-F238E27FC236}">
+                <a16:creationId xmlns:a16="http://schemas.microsoft.com/office/drawing/2014/main" id="{8B0A2BAC-2A97-FA42-B2FB-8E2FDA5010B5}"/>
+              </a:ext>
+            </a:extLst>
+          </p:cNvPr>
+          <p:cNvSpPr txBox="1"/>
+          <p:nvPr/>
+        </p:nvSpPr>
+        <p:spPr>
+          <a:xfrm>
+            <a:off x="9518887" y="1187064"/>
+            <a:ext cx="449721" cy="230832"/>
+          </a:xfrm>
+          <a:prstGeom prst="rect">
+            <a:avLst/>
+          </a:prstGeom>
+          <a:solidFill>
+            <a:schemeClr val="accent6">
+              <a:lumMod val="20000"/>
+              <a:lumOff val="80000"/>
+            </a:schemeClr>
+          </a:solidFill>
+        </p:spPr>
+        <p:txBody>
+          <a:bodyPr wrap="square" rtlCol="0">
+            <a:spAutoFit/>
+          </a:bodyPr>
+          <a:lstStyle/>
+          <a:p>
+            <a:r>
+              <a:rPr lang="en-US" sz="900" dirty="0"/>
+              <a:t>3.9.8</a:t>
+            </a:r>
+          </a:p>
+        </p:txBody>
+      </p:sp>
+      <p:sp>
+        <p:nvSpPr>
+          <p:cNvPr id="569" name="Rectangle 568">
+            <a:extLst>
+              <a:ext uri="{FF2B5EF4-FFF2-40B4-BE49-F238E27FC236}">
+                <a16:creationId xmlns:a16="http://schemas.microsoft.com/office/drawing/2014/main" id="{E6906611-AD19-BB41-B12B-CDA45C3D8FDC}"/>
+              </a:ext>
+            </a:extLst>
+          </p:cNvPr>
+          <p:cNvSpPr/>
+          <p:nvPr/>
+        </p:nvSpPr>
+        <p:spPr>
+          <a:xfrm>
+            <a:off x="9507914" y="1187713"/>
+            <a:ext cx="49579" cy="235387"/>
+          </a:xfrm>
+          <a:prstGeom prst="rect">
+            <a:avLst/>
+          </a:prstGeom>
+          <a:solidFill>
+            <a:schemeClr val="accent6">
+              <a:lumMod val="75000"/>
+            </a:schemeClr>
+          </a:solidFill>
+          <a:ln>
+            <a:noFill/>
+          </a:ln>
+        </p:spPr>
+        <p:style>
+          <a:lnRef idx="2">
+            <a:schemeClr val="accent1">
+              <a:shade val="50000"/>
+            </a:schemeClr>
+          </a:lnRef>
+          <a:fillRef idx="1">
+            <a:schemeClr val="accent1"/>
+          </a:fillRef>
+          <a:effectRef idx="0">
+            <a:schemeClr val="accent1"/>
+          </a:effectRef>
+          <a:fontRef idx="minor">
+            <a:schemeClr val="lt1"/>
+          </a:fontRef>
+        </p:style>
+        <p:txBody>
+          <a:bodyPr rtlCol="0" anchor="ctr"/>
+          <a:lstStyle/>
+          <a:p>
+            <a:pPr algn="ctr"/>
+            <a:endParaRPr lang="en-US"/>
+          </a:p>
+        </p:txBody>
+      </p:sp>
+      <p:sp>
+        <p:nvSpPr>
+          <p:cNvPr id="572" name="Rectangle 571">
+            <a:extLst>
+              <a:ext uri="{FF2B5EF4-FFF2-40B4-BE49-F238E27FC236}">
+                <a16:creationId xmlns:a16="http://schemas.microsoft.com/office/drawing/2014/main" id="{F611EE5B-4669-AF41-9495-5A2DFBCB5CF9}"/>
+              </a:ext>
+            </a:extLst>
+          </p:cNvPr>
+          <p:cNvSpPr/>
+          <p:nvPr/>
+        </p:nvSpPr>
+        <p:spPr>
+          <a:xfrm>
+            <a:off x="8363702" y="2406947"/>
+            <a:ext cx="4596648" cy="965961"/>
+          </a:xfrm>
+          <a:prstGeom prst="rect">
+            <a:avLst/>
+          </a:prstGeom>
+          <a:solidFill>
+            <a:schemeClr val="accent6">
+              <a:lumMod val="60000"/>
+              <a:lumOff val="40000"/>
+              <a:alpha val="50000"/>
+            </a:schemeClr>
+          </a:solidFill>
+          <a:ln>
+            <a:noFill/>
+          </a:ln>
+        </p:spPr>
+        <p:style>
+          <a:lnRef idx="2">
+            <a:schemeClr val="accent1">
+              <a:shade val="50000"/>
+            </a:schemeClr>
+          </a:lnRef>
+          <a:fillRef idx="1">
+            <a:schemeClr val="accent1"/>
+          </a:fillRef>
+          <a:effectRef idx="0">
+            <a:schemeClr val="accent1"/>
+          </a:effectRef>
+          <a:fontRef idx="minor">
+            <a:schemeClr val="lt1"/>
+          </a:fontRef>
+        </p:style>
+        <p:txBody>
+          <a:bodyPr rtlCol="0" anchor="ctr"/>
+          <a:lstStyle/>
+          <a:p>
+            <a:pPr algn="ctr"/>
+            <a:endParaRPr lang="en-US" dirty="0"/>
+          </a:p>
+        </p:txBody>
+      </p:sp>
+      <p:sp>
+        <p:nvSpPr>
+          <p:cNvPr id="573" name="TextBox 572">
+            <a:extLst>
+              <a:ext uri="{FF2B5EF4-FFF2-40B4-BE49-F238E27FC236}">
+                <a16:creationId xmlns:a16="http://schemas.microsoft.com/office/drawing/2014/main" id="{D4B7A3BA-8E77-2841-BD46-CF7353DD4CC4}"/>
+              </a:ext>
+            </a:extLst>
+          </p:cNvPr>
+          <p:cNvSpPr txBox="1"/>
+          <p:nvPr/>
+        </p:nvSpPr>
+        <p:spPr>
+          <a:xfrm>
+            <a:off x="8376751" y="2405310"/>
+            <a:ext cx="515831" cy="264865"/>
+          </a:xfrm>
+          <a:prstGeom prst="rect">
+            <a:avLst/>
+          </a:prstGeom>
+          <a:solidFill>
+            <a:schemeClr val="bg1"/>
+          </a:solidFill>
+        </p:spPr>
+        <p:txBody>
+          <a:bodyPr wrap="square" rtlCol="0">
+            <a:noAutofit/>
+          </a:bodyPr>
+          <a:lstStyle/>
+          <a:p>
+            <a:r>
+              <a:rPr lang="en-US" sz="1000" b="1" dirty="0"/>
+              <a:t>3.10.0</a:t>
+            </a:r>
+          </a:p>
+        </p:txBody>
+      </p:sp>
+      <p:sp>
+        <p:nvSpPr>
+          <p:cNvPr id="574" name="Rectangle 573">
+            <a:extLst>
+              <a:ext uri="{FF2B5EF4-FFF2-40B4-BE49-F238E27FC236}">
+                <a16:creationId xmlns:a16="http://schemas.microsoft.com/office/drawing/2014/main" id="{5A4AA004-0365-314E-A735-AA47804F619B}"/>
+              </a:ext>
+            </a:extLst>
+          </p:cNvPr>
+          <p:cNvSpPr/>
+          <p:nvPr/>
+        </p:nvSpPr>
+        <p:spPr>
+          <a:xfrm>
+            <a:off x="8366337" y="2404320"/>
+            <a:ext cx="45719" cy="264284"/>
+          </a:xfrm>
+          <a:prstGeom prst="rect">
+            <a:avLst/>
+          </a:prstGeom>
+          <a:solidFill>
+            <a:schemeClr val="tx1"/>
+          </a:solidFill>
+          <a:ln>
+            <a:noFill/>
+          </a:ln>
+        </p:spPr>
+        <p:style>
+          <a:lnRef idx="2">
+            <a:schemeClr val="accent1">
+              <a:shade val="50000"/>
+            </a:schemeClr>
+          </a:lnRef>
+          <a:fillRef idx="1">
+            <a:schemeClr val="accent1"/>
+          </a:fillRef>
+          <a:effectRef idx="0">
+            <a:schemeClr val="accent1"/>
+          </a:effectRef>
+          <a:fontRef idx="minor">
+            <a:schemeClr val="lt1"/>
+          </a:fontRef>
+        </p:style>
+        <p:txBody>
+          <a:bodyPr rtlCol="0" anchor="ctr"/>
+          <a:lstStyle/>
+          <a:p>
+            <a:pPr algn="ctr"/>
+            <a:endParaRPr lang="en-US"/>
+          </a:p>
+        </p:txBody>
+      </p:sp>
+      <p:sp>
+        <p:nvSpPr>
+          <p:cNvPr id="600" name="Rectangle 599">
+            <a:extLst>
+              <a:ext uri="{FF2B5EF4-FFF2-40B4-BE49-F238E27FC236}">
+                <a16:creationId xmlns:a16="http://schemas.microsoft.com/office/drawing/2014/main" id="{D9ECE5B2-489A-4249-9DDB-6229CDD7F436}"/>
+              </a:ext>
+            </a:extLst>
+          </p:cNvPr>
+          <p:cNvSpPr/>
+          <p:nvPr/>
+        </p:nvSpPr>
+        <p:spPr>
+          <a:xfrm>
+            <a:off x="11822736" y="4890579"/>
+            <a:ext cx="1137613" cy="965167"/>
+          </a:xfrm>
+          <a:prstGeom prst="rect">
+            <a:avLst/>
+          </a:prstGeom>
+          <a:solidFill>
+            <a:schemeClr val="accent2">
+              <a:lumMod val="75000"/>
+              <a:alpha val="50000"/>
+            </a:schemeClr>
+          </a:solidFill>
+          <a:ln>
+            <a:noFill/>
+          </a:ln>
+        </p:spPr>
+        <p:style>
+          <a:lnRef idx="2">
+            <a:schemeClr val="accent1">
+              <a:shade val="50000"/>
+            </a:schemeClr>
+          </a:lnRef>
+          <a:fillRef idx="1">
+            <a:schemeClr val="accent1"/>
+          </a:fillRef>
+          <a:effectRef idx="0">
+            <a:schemeClr val="accent1"/>
+          </a:effectRef>
+          <a:fontRef idx="minor">
+            <a:schemeClr val="lt1"/>
+          </a:fontRef>
+        </p:style>
+        <p:txBody>
+          <a:bodyPr rtlCol="0" anchor="ctr"/>
+          <a:lstStyle/>
+          <a:p>
+            <a:pPr algn="ctr"/>
+            <a:endParaRPr lang="en-US" dirty="0"/>
+          </a:p>
+        </p:txBody>
+      </p:sp>
+      <p:sp>
+        <p:nvSpPr>
+          <p:cNvPr id="248" name="TextBox 247">
+            <a:extLst>
+              <a:ext uri="{FF2B5EF4-FFF2-40B4-BE49-F238E27FC236}">
+                <a16:creationId xmlns:a16="http://schemas.microsoft.com/office/drawing/2014/main" id="{E89E0227-1095-9A43-8DD7-96B1094CCDE7}"/>
+              </a:ext>
+            </a:extLst>
+          </p:cNvPr>
+          <p:cNvSpPr txBox="1"/>
+          <p:nvPr/>
+        </p:nvSpPr>
+        <p:spPr>
+          <a:xfrm>
+            <a:off x="8956398" y="2656903"/>
+            <a:ext cx="483638" cy="230832"/>
+          </a:xfrm>
+          <a:prstGeom prst="rect">
+            <a:avLst/>
+          </a:prstGeom>
+          <a:solidFill>
+            <a:schemeClr val="accent6">
+              <a:lumMod val="20000"/>
+              <a:lumOff val="80000"/>
+            </a:schemeClr>
+          </a:solidFill>
+        </p:spPr>
+        <p:txBody>
+          <a:bodyPr wrap="square" rtlCol="0">
+            <a:spAutoFit/>
+          </a:bodyPr>
+          <a:lstStyle/>
+          <a:p>
+            <a:r>
+              <a:rPr lang="en-US" sz="900" dirty="0"/>
+              <a:t>3.10.1</a:t>
+            </a:r>
+          </a:p>
+        </p:txBody>
+      </p:sp>
+      <p:sp>
+        <p:nvSpPr>
+          <p:cNvPr id="249" name="Rectangle 248">
+            <a:extLst>
+              <a:ext uri="{FF2B5EF4-FFF2-40B4-BE49-F238E27FC236}">
+                <a16:creationId xmlns:a16="http://schemas.microsoft.com/office/drawing/2014/main" id="{329B8F9D-3F2B-774C-BC33-4496D20A3FC7}"/>
+              </a:ext>
+            </a:extLst>
+          </p:cNvPr>
+          <p:cNvSpPr/>
+          <p:nvPr/>
+        </p:nvSpPr>
+        <p:spPr>
+          <a:xfrm>
+            <a:off x="8945426" y="2657552"/>
+            <a:ext cx="49579" cy="235387"/>
+          </a:xfrm>
+          <a:prstGeom prst="rect">
+            <a:avLst/>
+          </a:prstGeom>
+          <a:solidFill>
+            <a:schemeClr val="accent6">
+              <a:lumMod val="75000"/>
+            </a:schemeClr>
+          </a:solidFill>
+          <a:ln>
+            <a:noFill/>
+          </a:ln>
+        </p:spPr>
+        <p:style>
+          <a:lnRef idx="2">
+            <a:schemeClr val="accent1">
+              <a:shade val="50000"/>
+            </a:schemeClr>
+          </a:lnRef>
+          <a:fillRef idx="1">
+            <a:schemeClr val="accent1"/>
+          </a:fillRef>
+          <a:effectRef idx="0">
+            <a:schemeClr val="accent1"/>
+          </a:effectRef>
+          <a:fontRef idx="minor">
+            <a:schemeClr val="lt1"/>
+          </a:fontRef>
+        </p:style>
+        <p:txBody>
+          <a:bodyPr rtlCol="0" anchor="ctr"/>
+          <a:lstStyle/>
+          <a:p>
+            <a:pPr algn="ctr"/>
+            <a:endParaRPr lang="en-US"/>
+          </a:p>
+        </p:txBody>
+      </p:sp>
+      <p:sp>
+        <p:nvSpPr>
+          <p:cNvPr id="250" name="TextBox 249">
+            <a:extLst>
+              <a:ext uri="{FF2B5EF4-FFF2-40B4-BE49-F238E27FC236}">
+                <a16:creationId xmlns:a16="http://schemas.microsoft.com/office/drawing/2014/main" id="{2DCD300E-5C8E-304C-86FE-5EF8C98FF680}"/>
+              </a:ext>
+            </a:extLst>
+          </p:cNvPr>
+          <p:cNvSpPr txBox="1"/>
+          <p:nvPr/>
+        </p:nvSpPr>
+        <p:spPr>
+          <a:xfrm>
+            <a:off x="9522132" y="2885360"/>
+            <a:ext cx="499150" cy="230832"/>
+          </a:xfrm>
+          <a:prstGeom prst="rect">
+            <a:avLst/>
+          </a:prstGeom>
+          <a:solidFill>
+            <a:schemeClr val="accent6">
+              <a:lumMod val="20000"/>
+              <a:lumOff val="80000"/>
+            </a:schemeClr>
+          </a:solidFill>
+        </p:spPr>
+        <p:txBody>
+          <a:bodyPr wrap="square" rtlCol="0">
+            <a:spAutoFit/>
+          </a:bodyPr>
+          <a:lstStyle/>
+          <a:p>
+            <a:r>
+              <a:rPr lang="en-US" sz="900" dirty="0"/>
+              <a:t>3.10.2</a:t>
+            </a:r>
+          </a:p>
+        </p:txBody>
+      </p:sp>
+      <p:sp>
+        <p:nvSpPr>
+          <p:cNvPr id="251" name="Rectangle 250">
+            <a:extLst>
+              <a:ext uri="{FF2B5EF4-FFF2-40B4-BE49-F238E27FC236}">
+                <a16:creationId xmlns:a16="http://schemas.microsoft.com/office/drawing/2014/main" id="{C4876DB1-9322-7347-90FD-F47BC1CE949D}"/>
+              </a:ext>
+            </a:extLst>
+          </p:cNvPr>
+          <p:cNvSpPr/>
+          <p:nvPr/>
+        </p:nvSpPr>
+        <p:spPr>
+          <a:xfrm>
+            <a:off x="9515020" y="2886009"/>
+            <a:ext cx="45719" cy="234007"/>
+          </a:xfrm>
+          <a:prstGeom prst="rect">
+            <a:avLst/>
+          </a:prstGeom>
+          <a:solidFill>
+            <a:schemeClr val="accent6">
+              <a:lumMod val="75000"/>
+            </a:schemeClr>
+          </a:solidFill>
+          <a:ln>
+            <a:noFill/>
+          </a:ln>
+        </p:spPr>
+        <p:style>
+          <a:lnRef idx="2">
+            <a:schemeClr val="accent1">
+              <a:shade val="50000"/>
+            </a:schemeClr>
+          </a:lnRef>
+          <a:fillRef idx="1">
+            <a:schemeClr val="accent1"/>
+          </a:fillRef>
+          <a:effectRef idx="0">
+            <a:schemeClr val="accent1"/>
+          </a:effectRef>
+          <a:fontRef idx="minor">
+            <a:schemeClr val="lt1"/>
+          </a:fontRef>
+        </p:style>
+        <p:txBody>
+          <a:bodyPr rtlCol="0" anchor="ctr"/>
+          <a:lstStyle/>
+          <a:p>
+            <a:pPr algn="ctr"/>
+            <a:endParaRPr lang="en-US"/>
+          </a:p>
+        </p:txBody>
+      </p:sp>
+      <p:sp>
+        <p:nvSpPr>
+          <p:cNvPr id="252" name="TextBox 251">
+            <a:extLst>
+              <a:ext uri="{FF2B5EF4-FFF2-40B4-BE49-F238E27FC236}">
+                <a16:creationId xmlns:a16="http://schemas.microsoft.com/office/drawing/2014/main" id="{C1256DE1-A048-CD40-A950-597CDCB65E14}"/>
+              </a:ext>
+            </a:extLst>
+          </p:cNvPr>
+          <p:cNvSpPr txBox="1"/>
+          <p:nvPr/>
+        </p:nvSpPr>
+        <p:spPr>
+          <a:xfrm>
+            <a:off x="10106512" y="3125647"/>
+            <a:ext cx="482308" cy="230832"/>
+          </a:xfrm>
+          <a:prstGeom prst="rect">
+            <a:avLst/>
+          </a:prstGeom>
+          <a:solidFill>
+            <a:schemeClr val="accent6">
+              <a:lumMod val="20000"/>
+              <a:lumOff val="80000"/>
+            </a:schemeClr>
+          </a:solidFill>
+        </p:spPr>
+        <p:txBody>
+          <a:bodyPr wrap="square" rtlCol="0">
+            <a:spAutoFit/>
+          </a:bodyPr>
+          <a:lstStyle/>
+          <a:p>
+            <a:r>
+              <a:rPr lang="en-US" sz="900" dirty="0"/>
+              <a:t>3.10.3</a:t>
+            </a:r>
+          </a:p>
+        </p:txBody>
+      </p:sp>
+      <p:sp>
+        <p:nvSpPr>
+          <p:cNvPr id="253" name="Rectangle 252">
+            <a:extLst>
+              <a:ext uri="{FF2B5EF4-FFF2-40B4-BE49-F238E27FC236}">
+                <a16:creationId xmlns:a16="http://schemas.microsoft.com/office/drawing/2014/main" id="{4DDF8ACB-3B13-3346-92A2-89740BE4DC0F}"/>
+              </a:ext>
+            </a:extLst>
+          </p:cNvPr>
+          <p:cNvSpPr/>
+          <p:nvPr/>
+        </p:nvSpPr>
+        <p:spPr>
+          <a:xfrm>
+            <a:off x="10090578" y="3126295"/>
+            <a:ext cx="54541" cy="231500"/>
+          </a:xfrm>
+          <a:prstGeom prst="rect">
+            <a:avLst/>
+          </a:prstGeom>
+          <a:solidFill>
+            <a:schemeClr val="accent6">
+              <a:lumMod val="75000"/>
+            </a:schemeClr>
+          </a:solidFill>
+          <a:ln>
+            <a:noFill/>
+          </a:ln>
+        </p:spPr>
+        <p:style>
+          <a:lnRef idx="2">
+            <a:schemeClr val="accent1">
+              <a:shade val="50000"/>
+            </a:schemeClr>
+          </a:lnRef>
+          <a:fillRef idx="1">
+            <a:schemeClr val="accent1"/>
+          </a:fillRef>
+          <a:effectRef idx="0">
+            <a:schemeClr val="accent1"/>
+          </a:effectRef>
+          <a:fontRef idx="minor">
+            <a:schemeClr val="lt1"/>
+          </a:fontRef>
+        </p:style>
+        <p:txBody>
+          <a:bodyPr rtlCol="0" anchor="ctr"/>
+          <a:lstStyle/>
+          <a:p>
+            <a:pPr algn="ctr"/>
+            <a:endParaRPr lang="en-US"/>
+          </a:p>
+        </p:txBody>
+      </p:sp>
+      <p:sp>
+        <p:nvSpPr>
+          <p:cNvPr id="254" name="TextBox 253">
+            <a:extLst>
+              <a:ext uri="{FF2B5EF4-FFF2-40B4-BE49-F238E27FC236}">
+                <a16:creationId xmlns:a16="http://schemas.microsoft.com/office/drawing/2014/main" id="{7BF71E2C-CA43-4C49-957F-2B1C56AC533A}"/>
+              </a:ext>
+            </a:extLst>
+          </p:cNvPr>
+          <p:cNvSpPr txBox="1"/>
+          <p:nvPr/>
+        </p:nvSpPr>
+        <p:spPr>
+          <a:xfrm>
+            <a:off x="10686296" y="2431512"/>
+            <a:ext cx="489816" cy="230832"/>
+          </a:xfrm>
+          <a:prstGeom prst="rect">
+            <a:avLst/>
+          </a:prstGeom>
+          <a:solidFill>
+            <a:schemeClr val="accent6">
+              <a:lumMod val="20000"/>
+              <a:lumOff val="80000"/>
+            </a:schemeClr>
+          </a:solidFill>
+        </p:spPr>
+        <p:txBody>
+          <a:bodyPr wrap="square" rtlCol="0">
+            <a:spAutoFit/>
+          </a:bodyPr>
+          <a:lstStyle/>
+          <a:p>
+            <a:r>
+              <a:rPr lang="en-US" sz="900" dirty="0"/>
+              <a:t>3.10.4</a:t>
+            </a:r>
+          </a:p>
+        </p:txBody>
+      </p:sp>
+      <p:sp>
+        <p:nvSpPr>
+          <p:cNvPr id="255" name="Rectangle 254">
+            <a:extLst>
+              <a:ext uri="{FF2B5EF4-FFF2-40B4-BE49-F238E27FC236}">
+                <a16:creationId xmlns:a16="http://schemas.microsoft.com/office/drawing/2014/main" id="{C44B5EA0-BB86-7846-B83D-F85A9166A4C0}"/>
+              </a:ext>
+            </a:extLst>
+          </p:cNvPr>
+          <p:cNvSpPr/>
+          <p:nvPr/>
+        </p:nvSpPr>
+        <p:spPr>
+          <a:xfrm>
+            <a:off x="10666226" y="2432161"/>
+            <a:ext cx="49579" cy="235387"/>
+          </a:xfrm>
+          <a:prstGeom prst="rect">
+            <a:avLst/>
+          </a:prstGeom>
+          <a:solidFill>
+            <a:schemeClr val="accent6">
+              <a:lumMod val="75000"/>
+            </a:schemeClr>
+          </a:solidFill>
+          <a:ln>
+            <a:noFill/>
+          </a:ln>
+        </p:spPr>
+        <p:style>
+          <a:lnRef idx="2">
+            <a:schemeClr val="accent1">
+              <a:shade val="50000"/>
+            </a:schemeClr>
+          </a:lnRef>
+          <a:fillRef idx="1">
+            <a:schemeClr val="accent1"/>
+          </a:fillRef>
+          <a:effectRef idx="0">
+            <a:schemeClr val="accent1"/>
+          </a:effectRef>
+          <a:fontRef idx="minor">
+            <a:schemeClr val="lt1"/>
+          </a:fontRef>
+        </p:style>
+        <p:txBody>
+          <a:bodyPr rtlCol="0" anchor="ctr"/>
+          <a:lstStyle/>
+          <a:p>
+            <a:pPr algn="ctr"/>
+            <a:endParaRPr lang="en-US"/>
+          </a:p>
+        </p:txBody>
+      </p:sp>
+      <p:sp>
+        <p:nvSpPr>
+          <p:cNvPr id="256" name="TextBox 255">
+            <a:extLst>
+              <a:ext uri="{FF2B5EF4-FFF2-40B4-BE49-F238E27FC236}">
+                <a16:creationId xmlns:a16="http://schemas.microsoft.com/office/drawing/2014/main" id="{90A460E9-7D62-784E-A3C5-830F7D52DDCB}"/>
+              </a:ext>
+            </a:extLst>
+          </p:cNvPr>
+          <p:cNvSpPr txBox="1"/>
+          <p:nvPr/>
+        </p:nvSpPr>
+        <p:spPr>
+          <a:xfrm>
+            <a:off x="11257152" y="2656903"/>
+            <a:ext cx="474014" cy="230832"/>
+          </a:xfrm>
+          <a:prstGeom prst="rect">
+            <a:avLst/>
+          </a:prstGeom>
+          <a:solidFill>
+            <a:schemeClr val="accent6">
+              <a:lumMod val="20000"/>
+              <a:lumOff val="80000"/>
+            </a:schemeClr>
+          </a:solidFill>
+        </p:spPr>
+        <p:txBody>
+          <a:bodyPr wrap="square" rtlCol="0">
+            <a:spAutoFit/>
+          </a:bodyPr>
+          <a:lstStyle/>
+          <a:p>
+            <a:r>
+              <a:rPr lang="en-US" sz="900" dirty="0"/>
+              <a:t>3.10.5</a:t>
+            </a:r>
+          </a:p>
+        </p:txBody>
+      </p:sp>
+      <p:sp>
+        <p:nvSpPr>
+          <p:cNvPr id="257" name="Rectangle 256">
+            <a:extLst>
+              <a:ext uri="{FF2B5EF4-FFF2-40B4-BE49-F238E27FC236}">
+                <a16:creationId xmlns:a16="http://schemas.microsoft.com/office/drawing/2014/main" id="{C7EC02B5-64A9-BF47-B806-041D325F1C08}"/>
+              </a:ext>
+            </a:extLst>
+          </p:cNvPr>
+          <p:cNvSpPr/>
+          <p:nvPr/>
+        </p:nvSpPr>
+        <p:spPr>
+          <a:xfrm>
+            <a:off x="11246180" y="2657552"/>
+            <a:ext cx="49579" cy="235387"/>
+          </a:xfrm>
+          <a:prstGeom prst="rect">
+            <a:avLst/>
+          </a:prstGeom>
+          <a:solidFill>
+            <a:schemeClr val="accent6">
+              <a:lumMod val="75000"/>
+            </a:schemeClr>
+          </a:solidFill>
+          <a:ln>
+            <a:noFill/>
+          </a:ln>
+        </p:spPr>
+        <p:style>
+          <a:lnRef idx="2">
+            <a:schemeClr val="accent1">
+              <a:shade val="50000"/>
+            </a:schemeClr>
+          </a:lnRef>
+          <a:fillRef idx="1">
+            <a:schemeClr val="accent1"/>
+          </a:fillRef>
+          <a:effectRef idx="0">
+            <a:schemeClr val="accent1"/>
+          </a:effectRef>
+          <a:fontRef idx="minor">
+            <a:schemeClr val="lt1"/>
+          </a:fontRef>
+        </p:style>
+        <p:txBody>
+          <a:bodyPr rtlCol="0" anchor="ctr"/>
+          <a:lstStyle/>
+          <a:p>
+            <a:pPr algn="ctr"/>
+            <a:endParaRPr lang="en-US"/>
+          </a:p>
+        </p:txBody>
+      </p:sp>
+      <p:sp>
+        <p:nvSpPr>
+          <p:cNvPr id="258" name="TextBox 257">
+            <a:extLst>
+              <a:ext uri="{FF2B5EF4-FFF2-40B4-BE49-F238E27FC236}">
+                <a16:creationId xmlns:a16="http://schemas.microsoft.com/office/drawing/2014/main" id="{B9873B96-18D8-2440-A42A-2F9706FE8DB1}"/>
+              </a:ext>
+            </a:extLst>
+          </p:cNvPr>
+          <p:cNvSpPr txBox="1"/>
+          <p:nvPr/>
+        </p:nvSpPr>
+        <p:spPr>
+          <a:xfrm>
+            <a:off x="11826222" y="2898997"/>
+            <a:ext cx="476728" cy="230832"/>
+          </a:xfrm>
+          <a:prstGeom prst="rect">
+            <a:avLst/>
+          </a:prstGeom>
+          <a:solidFill>
+            <a:schemeClr val="accent6">
+              <a:lumMod val="20000"/>
+              <a:lumOff val="80000"/>
+            </a:schemeClr>
+          </a:solidFill>
+        </p:spPr>
+        <p:txBody>
+          <a:bodyPr wrap="square" rtlCol="0">
+            <a:spAutoFit/>
+          </a:bodyPr>
+          <a:lstStyle/>
+          <a:p>
+            <a:r>
+              <a:rPr lang="en-US" sz="900" dirty="0"/>
+              <a:t>3.10.6</a:t>
+            </a:r>
+          </a:p>
+        </p:txBody>
+      </p:sp>
+      <p:sp>
+        <p:nvSpPr>
+          <p:cNvPr id="259" name="Rectangle 258">
+            <a:extLst>
+              <a:ext uri="{FF2B5EF4-FFF2-40B4-BE49-F238E27FC236}">
+                <a16:creationId xmlns:a16="http://schemas.microsoft.com/office/drawing/2014/main" id="{2E659A61-481B-DE42-AD6C-0A913BC29108}"/>
+              </a:ext>
+            </a:extLst>
+          </p:cNvPr>
+          <p:cNvSpPr/>
+          <p:nvPr/>
+        </p:nvSpPr>
+        <p:spPr>
+          <a:xfrm>
+            <a:off x="11824874" y="2899646"/>
+            <a:ext cx="45719" cy="234007"/>
+          </a:xfrm>
+          <a:prstGeom prst="rect">
+            <a:avLst/>
+          </a:prstGeom>
+          <a:solidFill>
+            <a:schemeClr val="accent6">
+              <a:lumMod val="75000"/>
+            </a:schemeClr>
+          </a:solidFill>
+          <a:ln>
+            <a:noFill/>
+          </a:ln>
+        </p:spPr>
+        <p:style>
+          <a:lnRef idx="2">
+            <a:schemeClr val="accent1">
+              <a:shade val="50000"/>
+            </a:schemeClr>
+          </a:lnRef>
+          <a:fillRef idx="1">
+            <a:schemeClr val="accent1"/>
+          </a:fillRef>
+          <a:effectRef idx="0">
+            <a:schemeClr val="accent1"/>
+          </a:effectRef>
+          <a:fontRef idx="minor">
+            <a:schemeClr val="lt1"/>
+          </a:fontRef>
+        </p:style>
+        <p:txBody>
+          <a:bodyPr rtlCol="0" anchor="ctr"/>
+          <a:lstStyle/>
+          <a:p>
+            <a:pPr algn="ctr"/>
+            <a:endParaRPr lang="en-US"/>
+          </a:p>
+        </p:txBody>
+      </p:sp>
       <p:cxnSp>
         <p:nvCxnSpPr>
           <p:cNvPr id="541" name="Straight Arrow Connector 540">
@@ -11666,8 +13242,8 @@
         </p:nvCxnSpPr>
         <p:spPr>
           <a:xfrm>
-            <a:off x="8333788" y="1148236"/>
-            <a:ext cx="3688949" cy="0"/>
+            <a:off x="10383329" y="1156823"/>
+            <a:ext cx="2452995" cy="0"/>
           </a:xfrm>
           <a:prstGeom prst="straightConnector1">
             <a:avLst/>
@@ -11694,10 +13270,10 @@
       </p:cxnSp>
       <p:sp>
         <p:nvSpPr>
-          <p:cNvPr id="535" name="TextBox 534">
-            <a:extLst>
-              <a:ext uri="{FF2B5EF4-FFF2-40B4-BE49-F238E27FC236}">
-                <a16:creationId xmlns:a16="http://schemas.microsoft.com/office/drawing/2014/main" id="{EEAFE8EB-54CE-3745-B137-FCDD76DDA093}"/>
+          <p:cNvPr id="268" name="TextBox 267">
+            <a:extLst>
+              <a:ext uri="{FF2B5EF4-FFF2-40B4-BE49-F238E27FC236}">
+                <a16:creationId xmlns:a16="http://schemas.microsoft.com/office/drawing/2014/main" id="{1E199033-2824-AD48-83F2-A49619C61BF6}"/>
               </a:ext>
             </a:extLst>
           </p:cNvPr>
@@ -11706,13 +13282,18 @@
         </p:nvSpPr>
         <p:spPr>
           <a:xfrm>
-            <a:off x="366591" y="807653"/>
-            <a:ext cx="922626" cy="307777"/>
-          </a:xfrm>
-          <a:prstGeom prst="rect">
-            <a:avLst/>
-          </a:prstGeom>
-          <a:noFill/>
+            <a:off x="10101220" y="1432312"/>
+            <a:ext cx="449721" cy="230832"/>
+          </a:xfrm>
+          <a:prstGeom prst="rect">
+            <a:avLst/>
+          </a:prstGeom>
+          <a:solidFill>
+            <a:schemeClr val="accent6">
+              <a:lumMod val="20000"/>
+              <a:lumOff val="80000"/>
+            </a:schemeClr>
+          </a:solidFill>
         </p:spPr>
         <p:txBody>
           <a:bodyPr wrap="square" rtlCol="0">
@@ -11720,199 +13301,19 @@
           </a:bodyPr>
           <a:lstStyle/>
           <a:p>
-            <a:pPr algn="ctr"/>
-            <a:r>
-              <a:rPr lang="en-US" sz="1400" dirty="0"/>
-              <a:t>Pre-alpha</a:t>
-            </a:r>
-          </a:p>
-        </p:txBody>
-      </p:sp>
-      <p:sp>
-        <p:nvSpPr>
-          <p:cNvPr id="536" name="TextBox 535">
-            <a:extLst>
-              <a:ext uri="{FF2B5EF4-FFF2-40B4-BE49-F238E27FC236}">
-                <a16:creationId xmlns:a16="http://schemas.microsoft.com/office/drawing/2014/main" id="{F658C049-E707-0040-883E-CA6064B7F2F4}"/>
-              </a:ext>
-            </a:extLst>
-          </p:cNvPr>
-          <p:cNvSpPr txBox="1"/>
-          <p:nvPr/>
-        </p:nvSpPr>
-        <p:spPr>
-          <a:xfrm>
-            <a:off x="1883709" y="809877"/>
-            <a:ext cx="1047838" cy="307777"/>
-          </a:xfrm>
-          <a:prstGeom prst="rect">
-            <a:avLst/>
-          </a:prstGeom>
-          <a:noFill/>
-        </p:spPr>
-        <p:txBody>
-          <a:bodyPr wrap="square" rtlCol="0">
-            <a:spAutoFit/>
-          </a:bodyPr>
-          <a:lstStyle/>
-          <a:p>
-            <a:pPr algn="ctr"/>
-            <a:r>
-              <a:rPr lang="en-US" sz="1400" dirty="0"/>
-              <a:t>Alpha</a:t>
-            </a:r>
-          </a:p>
-        </p:txBody>
-      </p:sp>
-      <p:sp>
-        <p:nvSpPr>
-          <p:cNvPr id="537" name="TextBox 536">
-            <a:extLst>
-              <a:ext uri="{FF2B5EF4-FFF2-40B4-BE49-F238E27FC236}">
-                <a16:creationId xmlns:a16="http://schemas.microsoft.com/office/drawing/2014/main" id="{B299BC2C-1E4D-D54B-9D1C-9C008F8DCCF0}"/>
-              </a:ext>
-            </a:extLst>
-          </p:cNvPr>
-          <p:cNvSpPr txBox="1"/>
-          <p:nvPr/>
-        </p:nvSpPr>
-        <p:spPr>
-          <a:xfrm>
-            <a:off x="3546996" y="808825"/>
-            <a:ext cx="894298" cy="307777"/>
-          </a:xfrm>
-          <a:prstGeom prst="rect">
-            <a:avLst/>
-          </a:prstGeom>
-          <a:noFill/>
-        </p:spPr>
-        <p:txBody>
-          <a:bodyPr wrap="square" rtlCol="0">
-            <a:spAutoFit/>
-          </a:bodyPr>
-          <a:lstStyle/>
-          <a:p>
-            <a:pPr algn="ctr"/>
-            <a:r>
-              <a:rPr lang="en-US" sz="1400" dirty="0"/>
-              <a:t>Beta</a:t>
-            </a:r>
-          </a:p>
-        </p:txBody>
-      </p:sp>
-      <p:sp>
-        <p:nvSpPr>
-          <p:cNvPr id="538" name="TextBox 537">
-            <a:extLst>
-              <a:ext uri="{FF2B5EF4-FFF2-40B4-BE49-F238E27FC236}">
-                <a16:creationId xmlns:a16="http://schemas.microsoft.com/office/drawing/2014/main" id="{84D24679-A66F-8E4E-A79A-E3EFB52DD621}"/>
-              </a:ext>
-            </a:extLst>
-          </p:cNvPr>
-          <p:cNvSpPr txBox="1"/>
-          <p:nvPr/>
-        </p:nvSpPr>
-        <p:spPr>
-          <a:xfrm>
-            <a:off x="4478328" y="811005"/>
-            <a:ext cx="489458" cy="307777"/>
-          </a:xfrm>
-          <a:prstGeom prst="rect">
-            <a:avLst/>
-          </a:prstGeom>
-          <a:noFill/>
-        </p:spPr>
-        <p:txBody>
-          <a:bodyPr wrap="square" rtlCol="0">
-            <a:spAutoFit/>
-          </a:bodyPr>
-          <a:lstStyle/>
-          <a:p>
-            <a:pPr algn="ctr"/>
-            <a:r>
-              <a:rPr lang="en-US" sz="1400" dirty="0"/>
-              <a:t>RC</a:t>
-            </a:r>
-          </a:p>
-        </p:txBody>
-      </p:sp>
-      <p:sp>
-        <p:nvSpPr>
-          <p:cNvPr id="539" name="TextBox 538">
-            <a:extLst>
-              <a:ext uri="{FF2B5EF4-FFF2-40B4-BE49-F238E27FC236}">
-                <a16:creationId xmlns:a16="http://schemas.microsoft.com/office/drawing/2014/main" id="{0050C14C-7087-BA4A-BDD4-139FE6FCB3D6}"/>
-              </a:ext>
-            </a:extLst>
-          </p:cNvPr>
-          <p:cNvSpPr txBox="1"/>
-          <p:nvPr/>
-        </p:nvSpPr>
-        <p:spPr>
-          <a:xfrm>
-            <a:off x="5680738" y="800845"/>
-            <a:ext cx="1842410" cy="307777"/>
-          </a:xfrm>
-          <a:prstGeom prst="rect">
-            <a:avLst/>
-          </a:prstGeom>
-          <a:noFill/>
-        </p:spPr>
-        <p:txBody>
-          <a:bodyPr wrap="square" rtlCol="0">
-            <a:spAutoFit/>
-          </a:bodyPr>
-          <a:lstStyle/>
-          <a:p>
-            <a:pPr algn="ctr"/>
-            <a:r>
-              <a:rPr lang="en-US" sz="1400" dirty="0"/>
-              <a:t>Full bugfix support</a:t>
-            </a:r>
-          </a:p>
-        </p:txBody>
-      </p:sp>
-      <p:sp>
-        <p:nvSpPr>
-          <p:cNvPr id="543" name="TextBox 542">
-            <a:extLst>
-              <a:ext uri="{FF2B5EF4-FFF2-40B4-BE49-F238E27FC236}">
-                <a16:creationId xmlns:a16="http://schemas.microsoft.com/office/drawing/2014/main" id="{D96E1B4C-3295-2C40-B144-E7B1DD33421D}"/>
-              </a:ext>
-            </a:extLst>
-          </p:cNvPr>
-          <p:cNvSpPr txBox="1"/>
-          <p:nvPr/>
-        </p:nvSpPr>
-        <p:spPr>
-          <a:xfrm>
-            <a:off x="8529948" y="802734"/>
-            <a:ext cx="3500194" cy="307777"/>
-          </a:xfrm>
-          <a:prstGeom prst="rect">
-            <a:avLst/>
-          </a:prstGeom>
-          <a:noFill/>
-        </p:spPr>
-        <p:txBody>
-          <a:bodyPr wrap="square" rtlCol="0">
-            <a:spAutoFit/>
-          </a:bodyPr>
-          <a:lstStyle/>
-          <a:p>
-            <a:r>
-              <a:rPr lang="en-US" sz="1400" dirty="0"/>
-              <a:t>Four years of security fixes</a:t>
-            </a:r>
-          </a:p>
-        </p:txBody>
-      </p:sp>
-      <p:sp>
-        <p:nvSpPr>
-          <p:cNvPr id="545" name="Rectangle 544">
-            <a:extLst>
-              <a:ext uri="{FF2B5EF4-FFF2-40B4-BE49-F238E27FC236}">
-                <a16:creationId xmlns:a16="http://schemas.microsoft.com/office/drawing/2014/main" id="{46EC0B73-197B-C04D-91E1-7EF087705508}"/>
+            <a:r>
+              <a:rPr lang="en-US" sz="900" dirty="0"/>
+              <a:t>3.9.9</a:t>
+            </a:r>
+          </a:p>
+        </p:txBody>
+      </p:sp>
+      <p:sp>
+        <p:nvSpPr>
+          <p:cNvPr id="269" name="Rectangle 268">
+            <a:extLst>
+              <a:ext uri="{FF2B5EF4-FFF2-40B4-BE49-F238E27FC236}">
+                <a16:creationId xmlns:a16="http://schemas.microsoft.com/office/drawing/2014/main" id="{D3157B24-4914-874B-B6F6-1590D32A1B22}"/>
               </a:ext>
             </a:extLst>
           </p:cNvPr>
@@ -11921,16 +13322,15 @@
         </p:nvSpPr>
         <p:spPr>
           <a:xfrm>
-            <a:off x="10347179" y="4889596"/>
-            <a:ext cx="1441379" cy="970659"/>
+            <a:off x="10090247" y="1432961"/>
+            <a:ext cx="49579" cy="235387"/>
           </a:xfrm>
           <a:prstGeom prst="rect">
             <a:avLst/>
           </a:prstGeom>
           <a:solidFill>
-            <a:schemeClr val="bg1">
-              <a:lumMod val="50000"/>
-              <a:alpha val="50000"/>
+            <a:schemeClr val="accent6">
+              <a:lumMod val="75000"/>
             </a:schemeClr>
           </a:solidFill>
           <a:ln>
@@ -11958,19 +13358,16 @@
           <a:lstStyle/>
           <a:p>
             <a:pPr algn="ctr"/>
-            <a:r>
-              <a:rPr lang="en-US" sz="3200" b="1" dirty="0"/>
-              <a:t>3.12</a:t>
-            </a:r>
-          </a:p>
-        </p:txBody>
-      </p:sp>
-      <p:sp>
-        <p:nvSpPr>
-          <p:cNvPr id="548" name="TextBox 547">
-            <a:extLst>
-              <a:ext uri="{FF2B5EF4-FFF2-40B4-BE49-F238E27FC236}">
-                <a16:creationId xmlns:a16="http://schemas.microsoft.com/office/drawing/2014/main" id="{B0B3A5AD-55A4-5D4C-802C-01EDFEC5FE95}"/>
+            <a:endParaRPr lang="en-US"/>
+          </a:p>
+        </p:txBody>
+      </p:sp>
+      <p:sp>
+        <p:nvSpPr>
+          <p:cNvPr id="274" name="TextBox 273">
+            <a:extLst>
+              <a:ext uri="{FF2B5EF4-FFF2-40B4-BE49-F238E27FC236}">
+                <a16:creationId xmlns:a16="http://schemas.microsoft.com/office/drawing/2014/main" id="{6B555B0E-3FD6-CD4E-AD68-6499427536D4}"/>
               </a:ext>
             </a:extLst>
           </p:cNvPr>
@@ -11978,9 +13375,138 @@
           <p:nvPr/>
         </p:nvSpPr>
         <p:spPr>
-          <a:xfrm>
-            <a:off x="5163340" y="1422452"/>
-            <a:ext cx="449721" cy="230832"/>
+          <a:xfrm rot="18000000">
+            <a:off x="11846318" y="227166"/>
+            <a:ext cx="675185" cy="307777"/>
+          </a:xfrm>
+          <a:prstGeom prst="rect">
+            <a:avLst/>
+          </a:prstGeom>
+          <a:noFill/>
+        </p:spPr>
+        <p:txBody>
+          <a:bodyPr wrap="none" rtlCol="0">
+            <a:spAutoFit/>
+          </a:bodyPr>
+          <a:lstStyle/>
+          <a:p>
+            <a:r>
+              <a:rPr lang="en-US" sz="1400" dirty="0"/>
+              <a:t>11.</a:t>
+            </a:r>
+            <a:r>
+              <a:rPr lang="en-US" sz="1000" dirty="0"/>
+              <a:t>2022</a:t>
+            </a:r>
+          </a:p>
+        </p:txBody>
+      </p:sp>
+      <p:sp>
+        <p:nvSpPr>
+          <p:cNvPr id="275" name="TextBox 274">
+            <a:extLst>
+              <a:ext uri="{FF2B5EF4-FFF2-40B4-BE49-F238E27FC236}">
+                <a16:creationId xmlns:a16="http://schemas.microsoft.com/office/drawing/2014/main" id="{ACC248A7-D760-7E44-843E-2802F1B9CBB1}"/>
+              </a:ext>
+            </a:extLst>
+          </p:cNvPr>
+          <p:cNvSpPr txBox="1"/>
+          <p:nvPr/>
+        </p:nvSpPr>
+        <p:spPr>
+          <a:xfrm rot="18000000">
+            <a:off x="12138031" y="227164"/>
+            <a:ext cx="675185" cy="307777"/>
+          </a:xfrm>
+          <a:prstGeom prst="rect">
+            <a:avLst/>
+          </a:prstGeom>
+          <a:noFill/>
+        </p:spPr>
+        <p:txBody>
+          <a:bodyPr wrap="none" rtlCol="0">
+            <a:spAutoFit/>
+          </a:bodyPr>
+          <a:lstStyle/>
+          <a:p>
+            <a:r>
+              <a:rPr lang="en-US" sz="1400" dirty="0">
+                <a:solidFill>
+                  <a:schemeClr val="accent1">
+                    <a:lumMod val="75000"/>
+                  </a:schemeClr>
+                </a:solidFill>
+              </a:rPr>
+              <a:t>12.</a:t>
+            </a:r>
+            <a:r>
+              <a:rPr lang="en-US" sz="1000" dirty="0">
+                <a:solidFill>
+                  <a:schemeClr val="accent1">
+                    <a:lumMod val="75000"/>
+                  </a:schemeClr>
+                </a:solidFill>
+              </a:rPr>
+              <a:t>2022</a:t>
+            </a:r>
+          </a:p>
+        </p:txBody>
+      </p:sp>
+      <p:sp>
+        <p:nvSpPr>
+          <p:cNvPr id="276" name="TextBox 275">
+            <a:extLst>
+              <a:ext uri="{FF2B5EF4-FFF2-40B4-BE49-F238E27FC236}">
+                <a16:creationId xmlns:a16="http://schemas.microsoft.com/office/drawing/2014/main" id="{A76DEE6E-64DC-D847-AEB7-D8A1D084B1E0}"/>
+              </a:ext>
+            </a:extLst>
+          </p:cNvPr>
+          <p:cNvSpPr txBox="1"/>
+          <p:nvPr/>
+        </p:nvSpPr>
+        <p:spPr>
+          <a:xfrm rot="18000000">
+            <a:off x="12422380" y="229514"/>
+            <a:ext cx="675185" cy="307777"/>
+          </a:xfrm>
+          <a:prstGeom prst="rect">
+            <a:avLst/>
+          </a:prstGeom>
+          <a:noFill/>
+        </p:spPr>
+        <p:txBody>
+          <a:bodyPr wrap="none" rtlCol="0">
+            <a:spAutoFit/>
+          </a:bodyPr>
+          <a:lstStyle/>
+          <a:p>
+            <a:r>
+              <a:rPr lang="en-US" sz="1400" dirty="0"/>
+              <a:t>01.</a:t>
+            </a:r>
+            <a:r>
+              <a:rPr lang="en-US" sz="1000" dirty="0"/>
+              <a:t>2023</a:t>
+            </a:r>
+          </a:p>
+        </p:txBody>
+      </p:sp>
+      <p:sp>
+        <p:nvSpPr>
+          <p:cNvPr id="284" name="TextBox 283">
+            <a:extLst>
+              <a:ext uri="{FF2B5EF4-FFF2-40B4-BE49-F238E27FC236}">
+                <a16:creationId xmlns:a16="http://schemas.microsoft.com/office/drawing/2014/main" id="{C6B82411-614F-C648-BEB1-279D2E977FCB}"/>
+              </a:ext>
+            </a:extLst>
+          </p:cNvPr>
+          <p:cNvSpPr txBox="1"/>
+          <p:nvPr/>
+        </p:nvSpPr>
+        <p:spPr>
+          <a:xfrm>
+            <a:off x="12405569" y="3891760"/>
+            <a:ext cx="483638" cy="230832"/>
           </a:xfrm>
           <a:prstGeom prst="rect">
             <a:avLst/>
@@ -12000,17 +13526,17 @@
           <a:p>
             <a:r>
               <a:rPr lang="en-US" sz="900" dirty="0"/>
-              <a:t>3.9.1</a:t>
-            </a:r>
-          </a:p>
-        </p:txBody>
-      </p:sp>
-      <p:sp>
-        <p:nvSpPr>
-          <p:cNvPr id="549" name="Rectangle 548">
-            <a:extLst>
-              <a:ext uri="{FF2B5EF4-FFF2-40B4-BE49-F238E27FC236}">
-                <a16:creationId xmlns:a16="http://schemas.microsoft.com/office/drawing/2014/main" id="{DB7DCD76-3391-9A43-B51C-5E412263CAA4}"/>
+              <a:t>3.10.1</a:t>
+            </a:r>
+          </a:p>
+        </p:txBody>
+      </p:sp>
+      <p:sp>
+        <p:nvSpPr>
+          <p:cNvPr id="285" name="Rectangle 284">
+            <a:extLst>
+              <a:ext uri="{FF2B5EF4-FFF2-40B4-BE49-F238E27FC236}">
+                <a16:creationId xmlns:a16="http://schemas.microsoft.com/office/drawing/2014/main" id="{C46741B0-A1BC-D042-9865-CA7651BE0F3F}"/>
               </a:ext>
             </a:extLst>
           </p:cNvPr>
@@ -12019,7 +13545,7 @@
         </p:nvSpPr>
         <p:spPr>
           <a:xfrm>
-            <a:off x="5152367" y="1423100"/>
+            <a:off x="12394597" y="3892409"/>
             <a:ext cx="49579" cy="235387"/>
           </a:xfrm>
           <a:prstGeom prst="rect">
@@ -12061,10 +13587,10 @@
       </p:sp>
       <p:sp>
         <p:nvSpPr>
-          <p:cNvPr id="550" name="TextBox 549">
-            <a:extLst>
-              <a:ext uri="{FF2B5EF4-FFF2-40B4-BE49-F238E27FC236}">
-                <a16:creationId xmlns:a16="http://schemas.microsoft.com/office/drawing/2014/main" id="{E04CEA9E-9AF6-D240-BF33-604183A2BB20}"/>
+          <p:cNvPr id="286" name="TextBox 285">
+            <a:extLst>
+              <a:ext uri="{FF2B5EF4-FFF2-40B4-BE49-F238E27FC236}">
+                <a16:creationId xmlns:a16="http://schemas.microsoft.com/office/drawing/2014/main" id="{B6556700-17BD-2B4E-AD91-AE2F5F9D7CFA}"/>
               </a:ext>
             </a:extLst>
           </p:cNvPr>
@@ -12073,8 +13599,8 @@
         </p:nvSpPr>
         <p:spPr>
           <a:xfrm>
-            <a:off x="5463587" y="1652628"/>
-            <a:ext cx="449721" cy="230832"/>
+            <a:off x="12388015" y="3138253"/>
+            <a:ext cx="476728" cy="230832"/>
           </a:xfrm>
           <a:prstGeom prst="rect">
             <a:avLst/>
@@ -12094,17 +13620,17 @@
           <a:p>
             <a:r>
               <a:rPr lang="en-US" sz="900" dirty="0"/>
-              <a:t>3.9.2</a:t>
-            </a:r>
-          </a:p>
-        </p:txBody>
-      </p:sp>
-      <p:sp>
-        <p:nvSpPr>
-          <p:cNvPr id="551" name="Rectangle 550">
-            <a:extLst>
-              <a:ext uri="{FF2B5EF4-FFF2-40B4-BE49-F238E27FC236}">
-                <a16:creationId xmlns:a16="http://schemas.microsoft.com/office/drawing/2014/main" id="{D43BA6A4-3CE3-5B4C-93EF-323B50590461}"/>
+              <a:t>3.10.7</a:t>
+            </a:r>
+          </a:p>
+        </p:txBody>
+      </p:sp>
+      <p:sp>
+        <p:nvSpPr>
+          <p:cNvPr id="287" name="Rectangle 286">
+            <a:extLst>
+              <a:ext uri="{FF2B5EF4-FFF2-40B4-BE49-F238E27FC236}">
+                <a16:creationId xmlns:a16="http://schemas.microsoft.com/office/drawing/2014/main" id="{6E53088B-153D-3442-82E8-8A7223F9A3B5}"/>
               </a:ext>
             </a:extLst>
           </p:cNvPr>
@@ -12113,7 +13639,7 @@
         </p:nvSpPr>
         <p:spPr>
           <a:xfrm>
-            <a:off x="5456474" y="1653276"/>
+            <a:off x="12386667" y="3138902"/>
             <a:ext cx="45719" cy="234007"/>
           </a:xfrm>
           <a:prstGeom prst="rect">
@@ -12155,10 +13681,10 @@
       </p:sp>
       <p:sp>
         <p:nvSpPr>
-          <p:cNvPr id="552" name="TextBox 551">
-            <a:extLst>
-              <a:ext uri="{FF2B5EF4-FFF2-40B4-BE49-F238E27FC236}">
-                <a16:creationId xmlns:a16="http://schemas.microsoft.com/office/drawing/2014/main" id="{0E5D56AF-79E4-7F4E-AEBF-D01C143E10F8}"/>
+          <p:cNvPr id="288" name="TextBox 287">
+            <a:extLst>
+              <a:ext uri="{FF2B5EF4-FFF2-40B4-BE49-F238E27FC236}">
+                <a16:creationId xmlns:a16="http://schemas.microsoft.com/office/drawing/2014/main" id="{99999F6E-868D-9145-A0D8-545F7FCC629C}"/>
               </a:ext>
             </a:extLst>
           </p:cNvPr>
@@ -12167,38 +13693,33 @@
         </p:nvSpPr>
         <p:spPr>
           <a:xfrm>
-            <a:off x="5742045" y="1891197"/>
-            <a:ext cx="449721" cy="230832"/>
-          </a:xfrm>
-          <a:prstGeom prst="rect">
-            <a:avLst/>
-          </a:prstGeom>
-          <a:solidFill>
-            <a:schemeClr val="accent6">
-              <a:lumMod val="20000"/>
-              <a:lumOff val="80000"/>
-            </a:schemeClr>
-          </a:solidFill>
-        </p:spPr>
-        <p:txBody>
-          <a:bodyPr wrap="square" rtlCol="0">
+            <a:off x="12654697" y="5629105"/>
+            <a:ext cx="311304" cy="246221"/>
+          </a:xfrm>
+          <a:prstGeom prst="rect">
+            <a:avLst/>
+          </a:prstGeom>
+          <a:noFill/>
+        </p:spPr>
+        <p:txBody>
+          <a:bodyPr wrap="none" rtlCol="0">
             <a:spAutoFit/>
           </a:bodyPr>
           <a:lstStyle/>
           <a:p>
             <a:r>
-              <a:rPr lang="en-US" sz="900" dirty="0"/>
-              <a:t>3.9.3</a:t>
-            </a:r>
-          </a:p>
-        </p:txBody>
-      </p:sp>
-      <p:sp>
-        <p:nvSpPr>
-          <p:cNvPr id="553" name="Rectangle 552">
-            <a:extLst>
-              <a:ext uri="{FF2B5EF4-FFF2-40B4-BE49-F238E27FC236}">
-                <a16:creationId xmlns:a16="http://schemas.microsoft.com/office/drawing/2014/main" id="{431E340D-0FBF-4C42-9DF6-361C005ECF56}"/>
+              <a:rPr lang="en-US" sz="1000" dirty="0"/>
+              <a:t>a4</a:t>
+            </a:r>
+          </a:p>
+        </p:txBody>
+      </p:sp>
+      <p:sp>
+        <p:nvSpPr>
+          <p:cNvPr id="289" name="Rectangle 288">
+            <a:extLst>
+              <a:ext uri="{FF2B5EF4-FFF2-40B4-BE49-F238E27FC236}">
+                <a16:creationId xmlns:a16="http://schemas.microsoft.com/office/drawing/2014/main" id="{0CF23754-E075-B140-AACA-CAE11FCC5786}"/>
               </a:ext>
             </a:extLst>
           </p:cNvPr>
@@ -12207,14 +13728,14 @@
         </p:nvSpPr>
         <p:spPr>
           <a:xfrm>
-            <a:off x="5726110" y="1891845"/>
-            <a:ext cx="54541" cy="231500"/>
+            <a:off x="12674600" y="5608785"/>
+            <a:ext cx="45719" cy="246221"/>
           </a:xfrm>
           <a:prstGeom prst="rect">
             <a:avLst/>
           </a:prstGeom>
           <a:solidFill>
-            <a:schemeClr val="accent6">
+            <a:schemeClr val="accent2">
               <a:lumMod val="75000"/>
             </a:schemeClr>
           </a:solidFill>
@@ -12249,10 +13770,10 @@
       </p:sp>
       <p:sp>
         <p:nvSpPr>
-          <p:cNvPr id="554" name="TextBox 553">
-            <a:extLst>
-              <a:ext uri="{FF2B5EF4-FFF2-40B4-BE49-F238E27FC236}">
-                <a16:creationId xmlns:a16="http://schemas.microsoft.com/office/drawing/2014/main" id="{8B120278-2EF0-6941-9023-6DE88B5E78C4}"/>
+          <p:cNvPr id="290" name="TextBox 289">
+            <a:extLst>
+              <a:ext uri="{FF2B5EF4-FFF2-40B4-BE49-F238E27FC236}">
+                <a16:creationId xmlns:a16="http://schemas.microsoft.com/office/drawing/2014/main" id="{5A636FFC-BF21-E846-ACE8-C5FF1023620A}"/>
               </a:ext>
             </a:extLst>
           </p:cNvPr>
@@ -12261,38 +13782,33 @@
         </p:nvSpPr>
         <p:spPr>
           <a:xfrm>
-            <a:off x="6033763" y="1187065"/>
-            <a:ext cx="449721" cy="230832"/>
-          </a:xfrm>
-          <a:prstGeom prst="rect">
-            <a:avLst/>
-          </a:prstGeom>
-          <a:solidFill>
-            <a:schemeClr val="accent6">
-              <a:lumMod val="20000"/>
-              <a:lumOff val="80000"/>
-            </a:schemeClr>
-          </a:solidFill>
-        </p:spPr>
-        <p:txBody>
-          <a:bodyPr wrap="square" rtlCol="0">
+            <a:off x="11810149" y="4892295"/>
+            <a:ext cx="311304" cy="246221"/>
+          </a:xfrm>
+          <a:prstGeom prst="rect">
+            <a:avLst/>
+          </a:prstGeom>
+          <a:noFill/>
+        </p:spPr>
+        <p:txBody>
+          <a:bodyPr wrap="none" rtlCol="0">
             <a:spAutoFit/>
           </a:bodyPr>
           <a:lstStyle/>
           <a:p>
             <a:r>
-              <a:rPr lang="en-US" sz="900" dirty="0"/>
-              <a:t>3.9.4</a:t>
-            </a:r>
-          </a:p>
-        </p:txBody>
-      </p:sp>
-      <p:sp>
-        <p:nvSpPr>
-          <p:cNvPr id="555" name="Rectangle 554">
-            <a:extLst>
-              <a:ext uri="{FF2B5EF4-FFF2-40B4-BE49-F238E27FC236}">
-                <a16:creationId xmlns:a16="http://schemas.microsoft.com/office/drawing/2014/main" id="{6C7493A3-DA80-244C-B04D-BB5A195958A2}"/>
+              <a:rPr lang="en-US" sz="1000" dirty="0"/>
+              <a:t>a1</a:t>
+            </a:r>
+          </a:p>
+        </p:txBody>
+      </p:sp>
+      <p:sp>
+        <p:nvSpPr>
+          <p:cNvPr id="291" name="Rectangle 290">
+            <a:extLst>
+              <a:ext uri="{FF2B5EF4-FFF2-40B4-BE49-F238E27FC236}">
+                <a16:creationId xmlns:a16="http://schemas.microsoft.com/office/drawing/2014/main" id="{B0522FE7-F460-8C4A-92FA-EC9D4456B45D}"/>
               </a:ext>
             </a:extLst>
           </p:cNvPr>
@@ -12301,14 +13817,14 @@
         </p:nvSpPr>
         <p:spPr>
           <a:xfrm>
-            <a:off x="6022790" y="1187713"/>
-            <a:ext cx="49579" cy="235387"/>
+            <a:off x="11826877" y="4889120"/>
+            <a:ext cx="45719" cy="246221"/>
           </a:xfrm>
           <a:prstGeom prst="rect">
             <a:avLst/>
           </a:prstGeom>
           <a:solidFill>
-            <a:schemeClr val="accent6">
+            <a:schemeClr val="accent2">
               <a:lumMod val="75000"/>
             </a:schemeClr>
           </a:solidFill>
@@ -12343,10 +13859,10 @@
       </p:sp>
       <p:sp>
         <p:nvSpPr>
-          <p:cNvPr id="556" name="TextBox 555">
-            <a:extLst>
-              <a:ext uri="{FF2B5EF4-FFF2-40B4-BE49-F238E27FC236}">
-                <a16:creationId xmlns:a16="http://schemas.microsoft.com/office/drawing/2014/main" id="{136D1BDD-37C1-A145-B225-C92CFF8FE10B}"/>
+          <p:cNvPr id="292" name="TextBox 291">
+            <a:extLst>
+              <a:ext uri="{FF2B5EF4-FFF2-40B4-BE49-F238E27FC236}">
+                <a16:creationId xmlns:a16="http://schemas.microsoft.com/office/drawing/2014/main" id="{EB48E6E0-C33A-854E-B493-2F1BD48D8F1A}"/>
               </a:ext>
             </a:extLst>
           </p:cNvPr>
@@ -12355,38 +13871,33 @@
         </p:nvSpPr>
         <p:spPr>
           <a:xfrm>
-            <a:off x="6310936" y="1422452"/>
-            <a:ext cx="449721" cy="230832"/>
-          </a:xfrm>
-          <a:prstGeom prst="rect">
-            <a:avLst/>
-          </a:prstGeom>
-          <a:solidFill>
-            <a:schemeClr val="accent6">
-              <a:lumMod val="20000"/>
-              <a:lumOff val="80000"/>
-            </a:schemeClr>
-          </a:solidFill>
-        </p:spPr>
-        <p:txBody>
-          <a:bodyPr wrap="square" rtlCol="0">
+            <a:off x="12079850" y="5138845"/>
+            <a:ext cx="311304" cy="246221"/>
+          </a:xfrm>
+          <a:prstGeom prst="rect">
+            <a:avLst/>
+          </a:prstGeom>
+          <a:noFill/>
+        </p:spPr>
+        <p:txBody>
+          <a:bodyPr wrap="none" rtlCol="0">
             <a:spAutoFit/>
           </a:bodyPr>
           <a:lstStyle/>
           <a:p>
             <a:r>
-              <a:rPr lang="en-US" sz="900" dirty="0"/>
-              <a:t>3.9.5</a:t>
-            </a:r>
-          </a:p>
-        </p:txBody>
-      </p:sp>
-      <p:sp>
-        <p:nvSpPr>
-          <p:cNvPr id="557" name="Rectangle 556">
-            <a:extLst>
-              <a:ext uri="{FF2B5EF4-FFF2-40B4-BE49-F238E27FC236}">
-                <a16:creationId xmlns:a16="http://schemas.microsoft.com/office/drawing/2014/main" id="{E7652C49-821A-084B-B331-AA056ED6A5B2}"/>
+              <a:rPr lang="en-US" sz="1000" dirty="0"/>
+              <a:t>a2</a:t>
+            </a:r>
+          </a:p>
+        </p:txBody>
+      </p:sp>
+      <p:sp>
+        <p:nvSpPr>
+          <p:cNvPr id="293" name="Rectangle 292">
+            <a:extLst>
+              <a:ext uri="{FF2B5EF4-FFF2-40B4-BE49-F238E27FC236}">
+                <a16:creationId xmlns:a16="http://schemas.microsoft.com/office/drawing/2014/main" id="{908B3EC5-0B9F-7349-9CF7-50C59CC406DC}"/>
               </a:ext>
             </a:extLst>
           </p:cNvPr>
@@ -12395,14 +13906,14 @@
         </p:nvSpPr>
         <p:spPr>
           <a:xfrm>
-            <a:off x="6299963" y="1423100"/>
-            <a:ext cx="49579" cy="235387"/>
+            <a:off x="12099753" y="5138845"/>
+            <a:ext cx="45719" cy="246221"/>
           </a:xfrm>
           <a:prstGeom prst="rect">
             <a:avLst/>
           </a:prstGeom>
           <a:solidFill>
-            <a:schemeClr val="accent6">
+            <a:schemeClr val="accent2">
               <a:lumMod val="75000"/>
             </a:schemeClr>
           </a:solidFill>
@@ -12437,10 +13948,10 @@
       </p:sp>
       <p:sp>
         <p:nvSpPr>
-          <p:cNvPr id="558" name="TextBox 557">
-            <a:extLst>
-              <a:ext uri="{FF2B5EF4-FFF2-40B4-BE49-F238E27FC236}">
-                <a16:creationId xmlns:a16="http://schemas.microsoft.com/office/drawing/2014/main" id="{425FD0FC-215A-4E42-8D8B-A8760A1766F0}"/>
+          <p:cNvPr id="315" name="TextBox 314">
+            <a:extLst>
+              <a:ext uri="{FF2B5EF4-FFF2-40B4-BE49-F238E27FC236}">
+                <a16:creationId xmlns:a16="http://schemas.microsoft.com/office/drawing/2014/main" id="{F86A29DC-3D4C-A040-8B93-D6AD7D2C5193}"/>
               </a:ext>
             </a:extLst>
           </p:cNvPr>
@@ -12449,38 +13960,33 @@
         </p:nvSpPr>
         <p:spPr>
           <a:xfrm>
-            <a:off x="6604833" y="1652628"/>
-            <a:ext cx="449721" cy="230832"/>
-          </a:xfrm>
-          <a:prstGeom prst="rect">
-            <a:avLst/>
-          </a:prstGeom>
-          <a:solidFill>
-            <a:schemeClr val="accent6">
-              <a:lumMod val="20000"/>
-              <a:lumOff val="80000"/>
-            </a:schemeClr>
-          </a:solidFill>
-        </p:spPr>
-        <p:txBody>
-          <a:bodyPr wrap="square" rtlCol="0">
+            <a:off x="12378610" y="5388906"/>
+            <a:ext cx="311304" cy="246221"/>
+          </a:xfrm>
+          <a:prstGeom prst="rect">
+            <a:avLst/>
+          </a:prstGeom>
+          <a:noFill/>
+        </p:spPr>
+        <p:txBody>
+          <a:bodyPr wrap="none" rtlCol="0">
             <a:spAutoFit/>
           </a:bodyPr>
           <a:lstStyle/>
           <a:p>
             <a:r>
-              <a:rPr lang="en-US" sz="900" dirty="0"/>
-              <a:t>3.9.6</a:t>
-            </a:r>
-          </a:p>
-        </p:txBody>
-      </p:sp>
-      <p:sp>
-        <p:nvSpPr>
-          <p:cNvPr id="559" name="Rectangle 558">
-            <a:extLst>
-              <a:ext uri="{FF2B5EF4-FFF2-40B4-BE49-F238E27FC236}">
-                <a16:creationId xmlns:a16="http://schemas.microsoft.com/office/drawing/2014/main" id="{FA83C3EB-400F-804F-A5BA-CEEDAE251463}"/>
+              <a:rPr lang="en-US" sz="1000" dirty="0"/>
+              <a:t>a3</a:t>
+            </a:r>
+          </a:p>
+        </p:txBody>
+      </p:sp>
+      <p:sp>
+        <p:nvSpPr>
+          <p:cNvPr id="316" name="Rectangle 315">
+            <a:extLst>
+              <a:ext uri="{FF2B5EF4-FFF2-40B4-BE49-F238E27FC236}">
+                <a16:creationId xmlns:a16="http://schemas.microsoft.com/office/drawing/2014/main" id="{46E46D30-0310-EF41-87CA-B99D7D5487C4}"/>
               </a:ext>
             </a:extLst>
           </p:cNvPr>
@@ -12489,14 +13995,14 @@
         </p:nvSpPr>
         <p:spPr>
           <a:xfrm>
-            <a:off x="6597720" y="1653276"/>
-            <a:ext cx="45719" cy="234007"/>
+            <a:off x="12398513" y="5388906"/>
+            <a:ext cx="45719" cy="246221"/>
           </a:xfrm>
           <a:prstGeom prst="rect">
             <a:avLst/>
           </a:prstGeom>
           <a:solidFill>
-            <a:schemeClr val="accent6">
+            <a:schemeClr val="accent2">
               <a:lumMod val="75000"/>
             </a:schemeClr>
           </a:solidFill>
@@ -12526,1892 +14032,6 @@
           <a:p>
             <a:pPr algn="ctr"/>
             <a:endParaRPr lang="en-US"/>
-          </a:p>
-        </p:txBody>
-      </p:sp>
-      <p:sp>
-        <p:nvSpPr>
-          <p:cNvPr id="560" name="TextBox 559">
-            <a:extLst>
-              <a:ext uri="{FF2B5EF4-FFF2-40B4-BE49-F238E27FC236}">
-                <a16:creationId xmlns:a16="http://schemas.microsoft.com/office/drawing/2014/main" id="{164B20C2-FC0A-9446-A480-109D8770D7AB}"/>
-              </a:ext>
-            </a:extLst>
-          </p:cNvPr>
-          <p:cNvSpPr txBox="1"/>
-          <p:nvPr/>
-        </p:nvSpPr>
-        <p:spPr>
-          <a:xfrm>
-            <a:off x="6889641" y="1891197"/>
-            <a:ext cx="449721" cy="230832"/>
-          </a:xfrm>
-          <a:prstGeom prst="rect">
-            <a:avLst/>
-          </a:prstGeom>
-          <a:solidFill>
-            <a:schemeClr val="accent6">
-              <a:lumMod val="20000"/>
-              <a:lumOff val="80000"/>
-            </a:schemeClr>
-          </a:solidFill>
-        </p:spPr>
-        <p:txBody>
-          <a:bodyPr wrap="square" rtlCol="0">
-            <a:spAutoFit/>
-          </a:bodyPr>
-          <a:lstStyle/>
-          <a:p>
-            <a:r>
-              <a:rPr lang="en-US" sz="900" dirty="0"/>
-              <a:t>3.9.7</a:t>
-            </a:r>
-          </a:p>
-        </p:txBody>
-      </p:sp>
-      <p:sp>
-        <p:nvSpPr>
-          <p:cNvPr id="561" name="Rectangle 560">
-            <a:extLst>
-              <a:ext uri="{FF2B5EF4-FFF2-40B4-BE49-F238E27FC236}">
-                <a16:creationId xmlns:a16="http://schemas.microsoft.com/office/drawing/2014/main" id="{0EA82551-EE9B-EF4A-9980-0C5D8B193E07}"/>
-              </a:ext>
-            </a:extLst>
-          </p:cNvPr>
-          <p:cNvSpPr/>
-          <p:nvPr/>
-        </p:nvSpPr>
-        <p:spPr>
-          <a:xfrm>
-            <a:off x="6873706" y="1891845"/>
-            <a:ext cx="54541" cy="231500"/>
-          </a:xfrm>
-          <a:prstGeom prst="rect">
-            <a:avLst/>
-          </a:prstGeom>
-          <a:solidFill>
-            <a:schemeClr val="accent6">
-              <a:lumMod val="75000"/>
-            </a:schemeClr>
-          </a:solidFill>
-          <a:ln>
-            <a:noFill/>
-          </a:ln>
-        </p:spPr>
-        <p:style>
-          <a:lnRef idx="2">
-            <a:schemeClr val="accent1">
-              <a:shade val="50000"/>
-            </a:schemeClr>
-          </a:lnRef>
-          <a:fillRef idx="1">
-            <a:schemeClr val="accent1"/>
-          </a:fillRef>
-          <a:effectRef idx="0">
-            <a:schemeClr val="accent1"/>
-          </a:effectRef>
-          <a:fontRef idx="minor">
-            <a:schemeClr val="lt1"/>
-          </a:fontRef>
-        </p:style>
-        <p:txBody>
-          <a:bodyPr rtlCol="0" anchor="ctr"/>
-          <a:lstStyle/>
-          <a:p>
-            <a:pPr algn="ctr"/>
-            <a:endParaRPr lang="en-US"/>
-          </a:p>
-        </p:txBody>
-      </p:sp>
-      <p:sp>
-        <p:nvSpPr>
-          <p:cNvPr id="562" name="TextBox 561">
-            <a:extLst>
-              <a:ext uri="{FF2B5EF4-FFF2-40B4-BE49-F238E27FC236}">
-                <a16:creationId xmlns:a16="http://schemas.microsoft.com/office/drawing/2014/main" id="{8B1BD815-5458-6A45-9DB8-0CA4DE571D49}"/>
-              </a:ext>
-            </a:extLst>
-          </p:cNvPr>
-          <p:cNvSpPr txBox="1"/>
-          <p:nvPr/>
-        </p:nvSpPr>
-        <p:spPr>
-          <a:xfrm>
-            <a:off x="7466232" y="1417897"/>
-            <a:ext cx="449721" cy="230832"/>
-          </a:xfrm>
-          <a:prstGeom prst="rect">
-            <a:avLst/>
-          </a:prstGeom>
-          <a:solidFill>
-            <a:schemeClr val="accent6">
-              <a:lumMod val="20000"/>
-              <a:lumOff val="80000"/>
-            </a:schemeClr>
-          </a:solidFill>
-        </p:spPr>
-        <p:txBody>
-          <a:bodyPr wrap="square" rtlCol="0">
-            <a:spAutoFit/>
-          </a:bodyPr>
-          <a:lstStyle/>
-          <a:p>
-            <a:r>
-              <a:rPr lang="en-US" sz="900" dirty="0"/>
-              <a:t>3.9.9</a:t>
-            </a:r>
-          </a:p>
-        </p:txBody>
-      </p:sp>
-      <p:sp>
-        <p:nvSpPr>
-          <p:cNvPr id="563" name="Rectangle 562">
-            <a:extLst>
-              <a:ext uri="{FF2B5EF4-FFF2-40B4-BE49-F238E27FC236}">
-                <a16:creationId xmlns:a16="http://schemas.microsoft.com/office/drawing/2014/main" id="{BD3F6E3A-1288-5C47-9057-4E1F7034EE87}"/>
-              </a:ext>
-            </a:extLst>
-          </p:cNvPr>
-          <p:cNvSpPr/>
-          <p:nvPr/>
-        </p:nvSpPr>
-        <p:spPr>
-          <a:xfrm>
-            <a:off x="7455259" y="1418545"/>
-            <a:ext cx="49579" cy="235387"/>
-          </a:xfrm>
-          <a:prstGeom prst="rect">
-            <a:avLst/>
-          </a:prstGeom>
-          <a:solidFill>
-            <a:schemeClr val="accent6">
-              <a:lumMod val="75000"/>
-            </a:schemeClr>
-          </a:solidFill>
-          <a:ln>
-            <a:noFill/>
-          </a:ln>
-        </p:spPr>
-        <p:style>
-          <a:lnRef idx="2">
-            <a:schemeClr val="accent1">
-              <a:shade val="50000"/>
-            </a:schemeClr>
-          </a:lnRef>
-          <a:fillRef idx="1">
-            <a:schemeClr val="accent1"/>
-          </a:fillRef>
-          <a:effectRef idx="0">
-            <a:schemeClr val="accent1"/>
-          </a:effectRef>
-          <a:fontRef idx="minor">
-            <a:schemeClr val="lt1"/>
-          </a:fontRef>
-        </p:style>
-        <p:txBody>
-          <a:bodyPr rtlCol="0" anchor="ctr"/>
-          <a:lstStyle/>
-          <a:p>
-            <a:pPr algn="ctr"/>
-            <a:endParaRPr lang="en-US"/>
-          </a:p>
-        </p:txBody>
-      </p:sp>
-      <p:sp>
-        <p:nvSpPr>
-          <p:cNvPr id="564" name="TextBox 563">
-            <a:extLst>
-              <a:ext uri="{FF2B5EF4-FFF2-40B4-BE49-F238E27FC236}">
-                <a16:creationId xmlns:a16="http://schemas.microsoft.com/office/drawing/2014/main" id="{A8B96081-0F22-DA41-9078-A207F0ECF369}"/>
-              </a:ext>
-            </a:extLst>
-          </p:cNvPr>
-          <p:cNvSpPr txBox="1"/>
-          <p:nvPr/>
-        </p:nvSpPr>
-        <p:spPr>
-          <a:xfrm>
-            <a:off x="7760129" y="1648073"/>
-            <a:ext cx="486471" cy="230832"/>
-          </a:xfrm>
-          <a:prstGeom prst="rect">
-            <a:avLst/>
-          </a:prstGeom>
-          <a:solidFill>
-            <a:schemeClr val="accent6">
-              <a:lumMod val="20000"/>
-              <a:lumOff val="80000"/>
-            </a:schemeClr>
-          </a:solidFill>
-        </p:spPr>
-        <p:txBody>
-          <a:bodyPr wrap="square" rtlCol="0">
-            <a:spAutoFit/>
-          </a:bodyPr>
-          <a:lstStyle/>
-          <a:p>
-            <a:r>
-              <a:rPr lang="en-US" sz="900" dirty="0"/>
-              <a:t>3.9.10</a:t>
-            </a:r>
-          </a:p>
-        </p:txBody>
-      </p:sp>
-      <p:sp>
-        <p:nvSpPr>
-          <p:cNvPr id="565" name="Rectangle 564">
-            <a:extLst>
-              <a:ext uri="{FF2B5EF4-FFF2-40B4-BE49-F238E27FC236}">
-                <a16:creationId xmlns:a16="http://schemas.microsoft.com/office/drawing/2014/main" id="{17836CD4-D12F-8B40-8F36-955743557E1B}"/>
-              </a:ext>
-            </a:extLst>
-          </p:cNvPr>
-          <p:cNvSpPr/>
-          <p:nvPr/>
-        </p:nvSpPr>
-        <p:spPr>
-          <a:xfrm>
-            <a:off x="7753016" y="1648721"/>
-            <a:ext cx="45719" cy="234007"/>
-          </a:xfrm>
-          <a:prstGeom prst="rect">
-            <a:avLst/>
-          </a:prstGeom>
-          <a:solidFill>
-            <a:schemeClr val="accent6">
-              <a:lumMod val="75000"/>
-            </a:schemeClr>
-          </a:solidFill>
-          <a:ln>
-            <a:noFill/>
-          </a:ln>
-        </p:spPr>
-        <p:style>
-          <a:lnRef idx="2">
-            <a:schemeClr val="accent1">
-              <a:shade val="50000"/>
-            </a:schemeClr>
-          </a:lnRef>
-          <a:fillRef idx="1">
-            <a:schemeClr val="accent1"/>
-          </a:fillRef>
-          <a:effectRef idx="0">
-            <a:schemeClr val="accent1"/>
-          </a:effectRef>
-          <a:fontRef idx="minor">
-            <a:schemeClr val="lt1"/>
-          </a:fontRef>
-        </p:style>
-        <p:txBody>
-          <a:bodyPr rtlCol="0" anchor="ctr"/>
-          <a:lstStyle/>
-          <a:p>
-            <a:pPr algn="ctr"/>
-            <a:endParaRPr lang="en-US"/>
-          </a:p>
-        </p:txBody>
-      </p:sp>
-      <p:sp>
-        <p:nvSpPr>
-          <p:cNvPr id="566" name="TextBox 565">
-            <a:extLst>
-              <a:ext uri="{FF2B5EF4-FFF2-40B4-BE49-F238E27FC236}">
-                <a16:creationId xmlns:a16="http://schemas.microsoft.com/office/drawing/2014/main" id="{ECCB2806-F831-6941-8725-DC947DC0E4ED}"/>
-              </a:ext>
-            </a:extLst>
-          </p:cNvPr>
-          <p:cNvSpPr txBox="1"/>
-          <p:nvPr/>
-        </p:nvSpPr>
-        <p:spPr>
-          <a:xfrm>
-            <a:off x="8044937" y="1886642"/>
-            <a:ext cx="492074" cy="230832"/>
-          </a:xfrm>
-          <a:prstGeom prst="rect">
-            <a:avLst/>
-          </a:prstGeom>
-          <a:solidFill>
-            <a:schemeClr val="accent6">
-              <a:lumMod val="20000"/>
-              <a:lumOff val="80000"/>
-            </a:schemeClr>
-          </a:solidFill>
-        </p:spPr>
-        <p:txBody>
-          <a:bodyPr wrap="square" rtlCol="0">
-            <a:spAutoFit/>
-          </a:bodyPr>
-          <a:lstStyle/>
-          <a:p>
-            <a:r>
-              <a:rPr lang="en-US" sz="900" dirty="0"/>
-              <a:t>3.9.11</a:t>
-            </a:r>
-          </a:p>
-        </p:txBody>
-      </p:sp>
-      <p:sp>
-        <p:nvSpPr>
-          <p:cNvPr id="567" name="Rectangle 566">
-            <a:extLst>
-              <a:ext uri="{FF2B5EF4-FFF2-40B4-BE49-F238E27FC236}">
-                <a16:creationId xmlns:a16="http://schemas.microsoft.com/office/drawing/2014/main" id="{DC4A427F-EB85-9A47-B717-B15D7284FE75}"/>
-              </a:ext>
-            </a:extLst>
-          </p:cNvPr>
-          <p:cNvSpPr/>
-          <p:nvPr/>
-        </p:nvSpPr>
-        <p:spPr>
-          <a:xfrm>
-            <a:off x="8029002" y="1887290"/>
-            <a:ext cx="54541" cy="231500"/>
-          </a:xfrm>
-          <a:prstGeom prst="rect">
-            <a:avLst/>
-          </a:prstGeom>
-          <a:solidFill>
-            <a:schemeClr val="accent6">
-              <a:lumMod val="75000"/>
-            </a:schemeClr>
-          </a:solidFill>
-          <a:ln>
-            <a:noFill/>
-          </a:ln>
-        </p:spPr>
-        <p:style>
-          <a:lnRef idx="2">
-            <a:schemeClr val="accent1">
-              <a:shade val="50000"/>
-            </a:schemeClr>
-          </a:lnRef>
-          <a:fillRef idx="1">
-            <a:schemeClr val="accent1"/>
-          </a:fillRef>
-          <a:effectRef idx="0">
-            <a:schemeClr val="accent1"/>
-          </a:effectRef>
-          <a:fontRef idx="minor">
-            <a:schemeClr val="lt1"/>
-          </a:fontRef>
-        </p:style>
-        <p:txBody>
-          <a:bodyPr rtlCol="0" anchor="ctr"/>
-          <a:lstStyle/>
-          <a:p>
-            <a:pPr algn="ctr"/>
-            <a:endParaRPr lang="en-US"/>
-          </a:p>
-        </p:txBody>
-      </p:sp>
-      <p:sp>
-        <p:nvSpPr>
-          <p:cNvPr id="568" name="TextBox 567">
-            <a:extLst>
-              <a:ext uri="{FF2B5EF4-FFF2-40B4-BE49-F238E27FC236}">
-                <a16:creationId xmlns:a16="http://schemas.microsoft.com/office/drawing/2014/main" id="{8B0A2BAC-2A97-FA42-B2FB-8E2FDA5010B5}"/>
-              </a:ext>
-            </a:extLst>
-          </p:cNvPr>
-          <p:cNvSpPr txBox="1"/>
-          <p:nvPr/>
-        </p:nvSpPr>
-        <p:spPr>
-          <a:xfrm>
-            <a:off x="7188266" y="1176879"/>
-            <a:ext cx="449721" cy="230832"/>
-          </a:xfrm>
-          <a:prstGeom prst="rect">
-            <a:avLst/>
-          </a:prstGeom>
-          <a:solidFill>
-            <a:schemeClr val="accent6">
-              <a:lumMod val="20000"/>
-              <a:lumOff val="80000"/>
-            </a:schemeClr>
-          </a:solidFill>
-        </p:spPr>
-        <p:txBody>
-          <a:bodyPr wrap="square" rtlCol="0">
-            <a:spAutoFit/>
-          </a:bodyPr>
-          <a:lstStyle/>
-          <a:p>
-            <a:r>
-              <a:rPr lang="en-US" sz="900" dirty="0"/>
-              <a:t>3.9.8</a:t>
-            </a:r>
-          </a:p>
-        </p:txBody>
-      </p:sp>
-      <p:sp>
-        <p:nvSpPr>
-          <p:cNvPr id="569" name="Rectangle 568">
-            <a:extLst>
-              <a:ext uri="{FF2B5EF4-FFF2-40B4-BE49-F238E27FC236}">
-                <a16:creationId xmlns:a16="http://schemas.microsoft.com/office/drawing/2014/main" id="{E6906611-AD19-BB41-B12B-CDA45C3D8FDC}"/>
-              </a:ext>
-            </a:extLst>
-          </p:cNvPr>
-          <p:cNvSpPr/>
-          <p:nvPr/>
-        </p:nvSpPr>
-        <p:spPr>
-          <a:xfrm>
-            <a:off x="7177293" y="1177527"/>
-            <a:ext cx="49579" cy="235387"/>
-          </a:xfrm>
-          <a:prstGeom prst="rect">
-            <a:avLst/>
-          </a:prstGeom>
-          <a:solidFill>
-            <a:schemeClr val="accent6">
-              <a:lumMod val="75000"/>
-            </a:schemeClr>
-          </a:solidFill>
-          <a:ln>
-            <a:noFill/>
-          </a:ln>
-        </p:spPr>
-        <p:style>
-          <a:lnRef idx="2">
-            <a:schemeClr val="accent1">
-              <a:shade val="50000"/>
-            </a:schemeClr>
-          </a:lnRef>
-          <a:fillRef idx="1">
-            <a:schemeClr val="accent1"/>
-          </a:fillRef>
-          <a:effectRef idx="0">
-            <a:schemeClr val="accent1"/>
-          </a:effectRef>
-          <a:fontRef idx="minor">
-            <a:schemeClr val="lt1"/>
-          </a:fontRef>
-        </p:style>
-        <p:txBody>
-          <a:bodyPr rtlCol="0" anchor="ctr"/>
-          <a:lstStyle/>
-          <a:p>
-            <a:pPr algn="ctr"/>
-            <a:endParaRPr lang="en-US"/>
-          </a:p>
-        </p:txBody>
-      </p:sp>
-      <p:sp>
-        <p:nvSpPr>
-          <p:cNvPr id="570" name="TextBox 569">
-            <a:extLst>
-              <a:ext uri="{FF2B5EF4-FFF2-40B4-BE49-F238E27FC236}">
-                <a16:creationId xmlns:a16="http://schemas.microsoft.com/office/drawing/2014/main" id="{5A8801D3-8B7F-C243-915C-B9E916BA3B6B}"/>
-              </a:ext>
-            </a:extLst>
-          </p:cNvPr>
-          <p:cNvSpPr txBox="1"/>
-          <p:nvPr/>
-        </p:nvSpPr>
-        <p:spPr>
-          <a:xfrm>
-            <a:off x="8352318" y="1181434"/>
-            <a:ext cx="492074" cy="230832"/>
-          </a:xfrm>
-          <a:prstGeom prst="rect">
-            <a:avLst/>
-          </a:prstGeom>
-          <a:solidFill>
-            <a:schemeClr val="bg1"/>
-          </a:solidFill>
-        </p:spPr>
-        <p:txBody>
-          <a:bodyPr wrap="square" rtlCol="0">
-            <a:spAutoFit/>
-          </a:bodyPr>
-          <a:lstStyle/>
-          <a:p>
-            <a:r>
-              <a:rPr lang="en-US" sz="900" dirty="0"/>
-              <a:t>3.9.12</a:t>
-            </a:r>
-          </a:p>
-        </p:txBody>
-      </p:sp>
-      <p:sp>
-        <p:nvSpPr>
-          <p:cNvPr id="571" name="Rectangle 570">
-            <a:extLst>
-              <a:ext uri="{FF2B5EF4-FFF2-40B4-BE49-F238E27FC236}">
-                <a16:creationId xmlns:a16="http://schemas.microsoft.com/office/drawing/2014/main" id="{7A9BE75E-D1EB-9346-BECF-BD1BD2F402D0}"/>
-              </a:ext>
-            </a:extLst>
-          </p:cNvPr>
-          <p:cNvSpPr/>
-          <p:nvPr/>
-        </p:nvSpPr>
-        <p:spPr>
-          <a:xfrm>
-            <a:off x="8336383" y="1182082"/>
-            <a:ext cx="54541" cy="231500"/>
-          </a:xfrm>
-          <a:prstGeom prst="rect">
-            <a:avLst/>
-          </a:prstGeom>
-          <a:solidFill>
-            <a:schemeClr val="bg2">
-              <a:lumMod val="50000"/>
-            </a:schemeClr>
-          </a:solidFill>
-          <a:ln>
-            <a:noFill/>
-          </a:ln>
-        </p:spPr>
-        <p:style>
-          <a:lnRef idx="2">
-            <a:schemeClr val="accent1">
-              <a:shade val="50000"/>
-            </a:schemeClr>
-          </a:lnRef>
-          <a:fillRef idx="1">
-            <a:schemeClr val="accent1"/>
-          </a:fillRef>
-          <a:effectRef idx="0">
-            <a:schemeClr val="accent1"/>
-          </a:effectRef>
-          <a:fontRef idx="minor">
-            <a:schemeClr val="lt1"/>
-          </a:fontRef>
-        </p:style>
-        <p:txBody>
-          <a:bodyPr rtlCol="0" anchor="ctr"/>
-          <a:lstStyle/>
-          <a:p>
-            <a:pPr algn="ctr"/>
-            <a:endParaRPr lang="en-US"/>
-          </a:p>
-        </p:txBody>
-      </p:sp>
-      <p:sp>
-        <p:nvSpPr>
-          <p:cNvPr id="572" name="Rectangle 571">
-            <a:extLst>
-              <a:ext uri="{FF2B5EF4-FFF2-40B4-BE49-F238E27FC236}">
-                <a16:creationId xmlns:a16="http://schemas.microsoft.com/office/drawing/2014/main" id="{F611EE5B-4669-AF41-9495-5A2DFBCB5CF9}"/>
-              </a:ext>
-            </a:extLst>
-          </p:cNvPr>
-          <p:cNvSpPr/>
-          <p:nvPr/>
-        </p:nvSpPr>
-        <p:spPr>
-          <a:xfrm>
-            <a:off x="8329524" y="2406947"/>
-            <a:ext cx="3458007" cy="965961"/>
-          </a:xfrm>
-          <a:prstGeom prst="rect">
-            <a:avLst/>
-          </a:prstGeom>
-          <a:solidFill>
-            <a:schemeClr val="accent6">
-              <a:lumMod val="60000"/>
-              <a:lumOff val="40000"/>
-              <a:alpha val="50000"/>
-            </a:schemeClr>
-          </a:solidFill>
-          <a:ln>
-            <a:noFill/>
-          </a:ln>
-        </p:spPr>
-        <p:style>
-          <a:lnRef idx="2">
-            <a:schemeClr val="accent1">
-              <a:shade val="50000"/>
-            </a:schemeClr>
-          </a:lnRef>
-          <a:fillRef idx="1">
-            <a:schemeClr val="accent1"/>
-          </a:fillRef>
-          <a:effectRef idx="0">
-            <a:schemeClr val="accent1"/>
-          </a:effectRef>
-          <a:fontRef idx="minor">
-            <a:schemeClr val="lt1"/>
-          </a:fontRef>
-        </p:style>
-        <p:txBody>
-          <a:bodyPr rtlCol="0" anchor="ctr"/>
-          <a:lstStyle/>
-          <a:p>
-            <a:pPr algn="ctr"/>
-            <a:endParaRPr lang="en-US" dirty="0"/>
-          </a:p>
-        </p:txBody>
-      </p:sp>
-      <p:sp>
-        <p:nvSpPr>
-          <p:cNvPr id="573" name="TextBox 572">
-            <a:extLst>
-              <a:ext uri="{FF2B5EF4-FFF2-40B4-BE49-F238E27FC236}">
-                <a16:creationId xmlns:a16="http://schemas.microsoft.com/office/drawing/2014/main" id="{D4B7A3BA-8E77-2841-BD46-CF7353DD4CC4}"/>
-              </a:ext>
-            </a:extLst>
-          </p:cNvPr>
-          <p:cNvSpPr txBox="1"/>
-          <p:nvPr/>
-        </p:nvSpPr>
-        <p:spPr>
-          <a:xfrm>
-            <a:off x="8342572" y="2405310"/>
-            <a:ext cx="515831" cy="264865"/>
-          </a:xfrm>
-          <a:prstGeom prst="rect">
-            <a:avLst/>
-          </a:prstGeom>
-          <a:solidFill>
-            <a:schemeClr val="bg1"/>
-          </a:solidFill>
-        </p:spPr>
-        <p:txBody>
-          <a:bodyPr wrap="square" rtlCol="0">
-            <a:noAutofit/>
-          </a:bodyPr>
-          <a:lstStyle/>
-          <a:p>
-            <a:r>
-              <a:rPr lang="en-US" sz="1000" b="1" dirty="0"/>
-              <a:t>3.10.0</a:t>
-            </a:r>
-          </a:p>
-        </p:txBody>
-      </p:sp>
-      <p:sp>
-        <p:nvSpPr>
-          <p:cNvPr id="574" name="Rectangle 573">
-            <a:extLst>
-              <a:ext uri="{FF2B5EF4-FFF2-40B4-BE49-F238E27FC236}">
-                <a16:creationId xmlns:a16="http://schemas.microsoft.com/office/drawing/2014/main" id="{5A4AA004-0365-314E-A735-AA47804F619B}"/>
-              </a:ext>
-            </a:extLst>
-          </p:cNvPr>
-          <p:cNvSpPr/>
-          <p:nvPr/>
-        </p:nvSpPr>
-        <p:spPr>
-          <a:xfrm>
-            <a:off x="8332158" y="2404321"/>
-            <a:ext cx="45719" cy="264284"/>
-          </a:xfrm>
-          <a:prstGeom prst="rect">
-            <a:avLst/>
-          </a:prstGeom>
-          <a:solidFill>
-            <a:schemeClr val="tx1"/>
-          </a:solidFill>
-          <a:ln>
-            <a:noFill/>
-          </a:ln>
-        </p:spPr>
-        <p:style>
-          <a:lnRef idx="2">
-            <a:schemeClr val="accent1">
-              <a:shade val="50000"/>
-            </a:schemeClr>
-          </a:lnRef>
-          <a:fillRef idx="1">
-            <a:schemeClr val="accent1"/>
-          </a:fillRef>
-          <a:effectRef idx="0">
-            <a:schemeClr val="accent1"/>
-          </a:effectRef>
-          <a:fontRef idx="minor">
-            <a:schemeClr val="lt1"/>
-          </a:fontRef>
-        </p:style>
-        <p:txBody>
-          <a:bodyPr rtlCol="0" anchor="ctr"/>
-          <a:lstStyle/>
-          <a:p>
-            <a:pPr algn="ctr"/>
-            <a:endParaRPr lang="en-US"/>
-          </a:p>
-        </p:txBody>
-      </p:sp>
-      <p:sp>
-        <p:nvSpPr>
-          <p:cNvPr id="575" name="TextBox 574">
-            <a:extLst>
-              <a:ext uri="{FF2B5EF4-FFF2-40B4-BE49-F238E27FC236}">
-                <a16:creationId xmlns:a16="http://schemas.microsoft.com/office/drawing/2014/main" id="{ACB7B4A4-DE48-DF46-987A-D7FB6ADBCD17}"/>
-              </a:ext>
-            </a:extLst>
-          </p:cNvPr>
-          <p:cNvSpPr txBox="1"/>
-          <p:nvPr/>
-        </p:nvSpPr>
-        <p:spPr>
-          <a:xfrm>
-            <a:off x="8614683" y="2670359"/>
-            <a:ext cx="520636" cy="230832"/>
-          </a:xfrm>
-          <a:prstGeom prst="rect">
-            <a:avLst/>
-          </a:prstGeom>
-          <a:solidFill>
-            <a:schemeClr val="accent6">
-              <a:lumMod val="20000"/>
-              <a:lumOff val="80000"/>
-            </a:schemeClr>
-          </a:solidFill>
-        </p:spPr>
-        <p:txBody>
-          <a:bodyPr wrap="square" rtlCol="0">
-            <a:spAutoFit/>
-          </a:bodyPr>
-          <a:lstStyle/>
-          <a:p>
-            <a:r>
-              <a:rPr lang="en-US" sz="900" dirty="0"/>
-              <a:t>3.10.1</a:t>
-            </a:r>
-          </a:p>
-        </p:txBody>
-      </p:sp>
-      <p:sp>
-        <p:nvSpPr>
-          <p:cNvPr id="576" name="Rectangle 575">
-            <a:extLst>
-              <a:ext uri="{FF2B5EF4-FFF2-40B4-BE49-F238E27FC236}">
-                <a16:creationId xmlns:a16="http://schemas.microsoft.com/office/drawing/2014/main" id="{4A492DDF-2CA5-5D4B-B73D-98712DAE9BF4}"/>
-              </a:ext>
-            </a:extLst>
-          </p:cNvPr>
-          <p:cNvSpPr/>
-          <p:nvPr/>
-        </p:nvSpPr>
-        <p:spPr>
-          <a:xfrm>
-            <a:off x="8603710" y="2671007"/>
-            <a:ext cx="49579" cy="235387"/>
-          </a:xfrm>
-          <a:prstGeom prst="rect">
-            <a:avLst/>
-          </a:prstGeom>
-          <a:solidFill>
-            <a:schemeClr val="accent6">
-              <a:lumMod val="75000"/>
-            </a:schemeClr>
-          </a:solidFill>
-          <a:ln>
-            <a:noFill/>
-          </a:ln>
-        </p:spPr>
-        <p:style>
-          <a:lnRef idx="2">
-            <a:schemeClr val="accent1">
-              <a:shade val="50000"/>
-            </a:schemeClr>
-          </a:lnRef>
-          <a:fillRef idx="1">
-            <a:schemeClr val="accent1"/>
-          </a:fillRef>
-          <a:effectRef idx="0">
-            <a:schemeClr val="accent1"/>
-          </a:effectRef>
-          <a:fontRef idx="minor">
-            <a:schemeClr val="lt1"/>
-          </a:fontRef>
-        </p:style>
-        <p:txBody>
-          <a:bodyPr rtlCol="0" anchor="ctr"/>
-          <a:lstStyle/>
-          <a:p>
-            <a:pPr algn="ctr"/>
-            <a:endParaRPr lang="en-US"/>
-          </a:p>
-        </p:txBody>
-      </p:sp>
-      <p:sp>
-        <p:nvSpPr>
-          <p:cNvPr id="577" name="TextBox 576">
-            <a:extLst>
-              <a:ext uri="{FF2B5EF4-FFF2-40B4-BE49-F238E27FC236}">
-                <a16:creationId xmlns:a16="http://schemas.microsoft.com/office/drawing/2014/main" id="{60D5F1A1-EB9F-884B-B8E4-D7BDF3E63048}"/>
-              </a:ext>
-            </a:extLst>
-          </p:cNvPr>
-          <p:cNvSpPr txBox="1"/>
-          <p:nvPr/>
-        </p:nvSpPr>
-        <p:spPr>
-          <a:xfrm>
-            <a:off x="8914930" y="2900535"/>
-            <a:ext cx="520636" cy="230832"/>
-          </a:xfrm>
-          <a:prstGeom prst="rect">
-            <a:avLst/>
-          </a:prstGeom>
-          <a:solidFill>
-            <a:schemeClr val="accent6">
-              <a:lumMod val="20000"/>
-              <a:lumOff val="80000"/>
-            </a:schemeClr>
-          </a:solidFill>
-        </p:spPr>
-        <p:txBody>
-          <a:bodyPr wrap="square" rtlCol="0">
-            <a:spAutoFit/>
-          </a:bodyPr>
-          <a:lstStyle/>
-          <a:p>
-            <a:r>
-              <a:rPr lang="en-US" sz="900" dirty="0"/>
-              <a:t>3.10.2</a:t>
-            </a:r>
-          </a:p>
-        </p:txBody>
-      </p:sp>
-      <p:sp>
-        <p:nvSpPr>
-          <p:cNvPr id="578" name="Rectangle 577">
-            <a:extLst>
-              <a:ext uri="{FF2B5EF4-FFF2-40B4-BE49-F238E27FC236}">
-                <a16:creationId xmlns:a16="http://schemas.microsoft.com/office/drawing/2014/main" id="{08126B74-16D8-8247-A629-B664A59DC08E}"/>
-              </a:ext>
-            </a:extLst>
-          </p:cNvPr>
-          <p:cNvSpPr/>
-          <p:nvPr/>
-        </p:nvSpPr>
-        <p:spPr>
-          <a:xfrm>
-            <a:off x="8907817" y="2901183"/>
-            <a:ext cx="45719" cy="234007"/>
-          </a:xfrm>
-          <a:prstGeom prst="rect">
-            <a:avLst/>
-          </a:prstGeom>
-          <a:solidFill>
-            <a:schemeClr val="accent6">
-              <a:lumMod val="75000"/>
-            </a:schemeClr>
-          </a:solidFill>
-          <a:ln>
-            <a:noFill/>
-          </a:ln>
-        </p:spPr>
-        <p:style>
-          <a:lnRef idx="2">
-            <a:schemeClr val="accent1">
-              <a:shade val="50000"/>
-            </a:schemeClr>
-          </a:lnRef>
-          <a:fillRef idx="1">
-            <a:schemeClr val="accent1"/>
-          </a:fillRef>
-          <a:effectRef idx="0">
-            <a:schemeClr val="accent1"/>
-          </a:effectRef>
-          <a:fontRef idx="minor">
-            <a:schemeClr val="lt1"/>
-          </a:fontRef>
-        </p:style>
-        <p:txBody>
-          <a:bodyPr rtlCol="0" anchor="ctr"/>
-          <a:lstStyle/>
-          <a:p>
-            <a:pPr algn="ctr"/>
-            <a:endParaRPr lang="en-US"/>
-          </a:p>
-        </p:txBody>
-      </p:sp>
-      <p:sp>
-        <p:nvSpPr>
-          <p:cNvPr id="579" name="TextBox 578">
-            <a:extLst>
-              <a:ext uri="{FF2B5EF4-FFF2-40B4-BE49-F238E27FC236}">
-                <a16:creationId xmlns:a16="http://schemas.microsoft.com/office/drawing/2014/main" id="{9E237347-C81E-394D-806D-EAFA6756416F}"/>
-              </a:ext>
-            </a:extLst>
-          </p:cNvPr>
-          <p:cNvSpPr txBox="1"/>
-          <p:nvPr/>
-        </p:nvSpPr>
-        <p:spPr>
-          <a:xfrm>
-            <a:off x="9193388" y="3139104"/>
-            <a:ext cx="520636" cy="230832"/>
-          </a:xfrm>
-          <a:prstGeom prst="rect">
-            <a:avLst/>
-          </a:prstGeom>
-          <a:solidFill>
-            <a:schemeClr val="accent6">
-              <a:lumMod val="20000"/>
-              <a:lumOff val="80000"/>
-            </a:schemeClr>
-          </a:solidFill>
-        </p:spPr>
-        <p:txBody>
-          <a:bodyPr wrap="square" rtlCol="0">
-            <a:spAutoFit/>
-          </a:bodyPr>
-          <a:lstStyle/>
-          <a:p>
-            <a:r>
-              <a:rPr lang="en-US" sz="900" dirty="0"/>
-              <a:t>3.10.3</a:t>
-            </a:r>
-          </a:p>
-        </p:txBody>
-      </p:sp>
-      <p:sp>
-        <p:nvSpPr>
-          <p:cNvPr id="580" name="Rectangle 579">
-            <a:extLst>
-              <a:ext uri="{FF2B5EF4-FFF2-40B4-BE49-F238E27FC236}">
-                <a16:creationId xmlns:a16="http://schemas.microsoft.com/office/drawing/2014/main" id="{73BF9459-655C-514E-8CBD-F4C596290AD3}"/>
-              </a:ext>
-            </a:extLst>
-          </p:cNvPr>
-          <p:cNvSpPr/>
-          <p:nvPr/>
-        </p:nvSpPr>
-        <p:spPr>
-          <a:xfrm>
-            <a:off x="9177453" y="3139752"/>
-            <a:ext cx="54541" cy="231500"/>
-          </a:xfrm>
-          <a:prstGeom prst="rect">
-            <a:avLst/>
-          </a:prstGeom>
-          <a:solidFill>
-            <a:schemeClr val="accent6">
-              <a:lumMod val="75000"/>
-            </a:schemeClr>
-          </a:solidFill>
-          <a:ln>
-            <a:noFill/>
-          </a:ln>
-        </p:spPr>
-        <p:style>
-          <a:lnRef idx="2">
-            <a:schemeClr val="accent1">
-              <a:shade val="50000"/>
-            </a:schemeClr>
-          </a:lnRef>
-          <a:fillRef idx="1">
-            <a:schemeClr val="accent1"/>
-          </a:fillRef>
-          <a:effectRef idx="0">
-            <a:schemeClr val="accent1"/>
-          </a:effectRef>
-          <a:fontRef idx="minor">
-            <a:schemeClr val="lt1"/>
-          </a:fontRef>
-        </p:style>
-        <p:txBody>
-          <a:bodyPr rtlCol="0" anchor="ctr"/>
-          <a:lstStyle/>
-          <a:p>
-            <a:pPr algn="ctr"/>
-            <a:endParaRPr lang="en-US"/>
-          </a:p>
-        </p:txBody>
-      </p:sp>
-      <p:sp>
-        <p:nvSpPr>
-          <p:cNvPr id="581" name="TextBox 580">
-            <a:extLst>
-              <a:ext uri="{FF2B5EF4-FFF2-40B4-BE49-F238E27FC236}">
-                <a16:creationId xmlns:a16="http://schemas.microsoft.com/office/drawing/2014/main" id="{0E0F2111-0A50-6445-B5D9-AA51BB2E6D98}"/>
-              </a:ext>
-            </a:extLst>
-          </p:cNvPr>
-          <p:cNvSpPr txBox="1"/>
-          <p:nvPr/>
-        </p:nvSpPr>
-        <p:spPr>
-          <a:xfrm>
-            <a:off x="9485106" y="2434972"/>
-            <a:ext cx="520636" cy="230832"/>
-          </a:xfrm>
-          <a:prstGeom prst="rect">
-            <a:avLst/>
-          </a:prstGeom>
-          <a:solidFill>
-            <a:schemeClr val="accent6">
-              <a:lumMod val="20000"/>
-              <a:lumOff val="80000"/>
-            </a:schemeClr>
-          </a:solidFill>
-        </p:spPr>
-        <p:txBody>
-          <a:bodyPr wrap="square" rtlCol="0">
-            <a:spAutoFit/>
-          </a:bodyPr>
-          <a:lstStyle/>
-          <a:p>
-            <a:r>
-              <a:rPr lang="en-US" sz="900" dirty="0"/>
-              <a:t>3.10.4</a:t>
-            </a:r>
-          </a:p>
-        </p:txBody>
-      </p:sp>
-      <p:sp>
-        <p:nvSpPr>
-          <p:cNvPr id="582" name="Rectangle 581">
-            <a:extLst>
-              <a:ext uri="{FF2B5EF4-FFF2-40B4-BE49-F238E27FC236}">
-                <a16:creationId xmlns:a16="http://schemas.microsoft.com/office/drawing/2014/main" id="{13870918-812B-C940-9D21-E1F42AB441EA}"/>
-              </a:ext>
-            </a:extLst>
-          </p:cNvPr>
-          <p:cNvSpPr/>
-          <p:nvPr/>
-        </p:nvSpPr>
-        <p:spPr>
-          <a:xfrm>
-            <a:off x="9474133" y="2435620"/>
-            <a:ext cx="49579" cy="235387"/>
-          </a:xfrm>
-          <a:prstGeom prst="rect">
-            <a:avLst/>
-          </a:prstGeom>
-          <a:solidFill>
-            <a:schemeClr val="accent6">
-              <a:lumMod val="75000"/>
-            </a:schemeClr>
-          </a:solidFill>
-          <a:ln>
-            <a:noFill/>
-          </a:ln>
-        </p:spPr>
-        <p:style>
-          <a:lnRef idx="2">
-            <a:schemeClr val="accent1">
-              <a:shade val="50000"/>
-            </a:schemeClr>
-          </a:lnRef>
-          <a:fillRef idx="1">
-            <a:schemeClr val="accent1"/>
-          </a:fillRef>
-          <a:effectRef idx="0">
-            <a:schemeClr val="accent1"/>
-          </a:effectRef>
-          <a:fontRef idx="minor">
-            <a:schemeClr val="lt1"/>
-          </a:fontRef>
-        </p:style>
-        <p:txBody>
-          <a:bodyPr rtlCol="0" anchor="ctr"/>
-          <a:lstStyle/>
-          <a:p>
-            <a:pPr algn="ctr"/>
-            <a:endParaRPr lang="en-US"/>
-          </a:p>
-        </p:txBody>
-      </p:sp>
-      <p:sp>
-        <p:nvSpPr>
-          <p:cNvPr id="583" name="TextBox 582">
-            <a:extLst>
-              <a:ext uri="{FF2B5EF4-FFF2-40B4-BE49-F238E27FC236}">
-                <a16:creationId xmlns:a16="http://schemas.microsoft.com/office/drawing/2014/main" id="{4BC894EF-8F9E-2D48-803D-A81BA5C6F0F2}"/>
-              </a:ext>
-            </a:extLst>
-          </p:cNvPr>
-          <p:cNvSpPr txBox="1"/>
-          <p:nvPr/>
-        </p:nvSpPr>
-        <p:spPr>
-          <a:xfrm>
-            <a:off x="9762279" y="2670359"/>
-            <a:ext cx="520636" cy="230832"/>
-          </a:xfrm>
-          <a:prstGeom prst="rect">
-            <a:avLst/>
-          </a:prstGeom>
-          <a:solidFill>
-            <a:schemeClr val="accent6">
-              <a:lumMod val="20000"/>
-              <a:lumOff val="80000"/>
-            </a:schemeClr>
-          </a:solidFill>
-        </p:spPr>
-        <p:txBody>
-          <a:bodyPr wrap="square" rtlCol="0">
-            <a:spAutoFit/>
-          </a:bodyPr>
-          <a:lstStyle/>
-          <a:p>
-            <a:r>
-              <a:rPr lang="en-US" sz="900" dirty="0"/>
-              <a:t>3.10.5</a:t>
-            </a:r>
-          </a:p>
-        </p:txBody>
-      </p:sp>
-      <p:sp>
-        <p:nvSpPr>
-          <p:cNvPr id="584" name="Rectangle 583">
-            <a:extLst>
-              <a:ext uri="{FF2B5EF4-FFF2-40B4-BE49-F238E27FC236}">
-                <a16:creationId xmlns:a16="http://schemas.microsoft.com/office/drawing/2014/main" id="{2174113F-0AC7-9449-AC65-6E8922BA2DE0}"/>
-              </a:ext>
-            </a:extLst>
-          </p:cNvPr>
-          <p:cNvSpPr/>
-          <p:nvPr/>
-        </p:nvSpPr>
-        <p:spPr>
-          <a:xfrm>
-            <a:off x="9751306" y="2671007"/>
-            <a:ext cx="49579" cy="235387"/>
-          </a:xfrm>
-          <a:prstGeom prst="rect">
-            <a:avLst/>
-          </a:prstGeom>
-          <a:solidFill>
-            <a:schemeClr val="accent6">
-              <a:lumMod val="75000"/>
-            </a:schemeClr>
-          </a:solidFill>
-          <a:ln>
-            <a:noFill/>
-          </a:ln>
-        </p:spPr>
-        <p:style>
-          <a:lnRef idx="2">
-            <a:schemeClr val="accent1">
-              <a:shade val="50000"/>
-            </a:schemeClr>
-          </a:lnRef>
-          <a:fillRef idx="1">
-            <a:schemeClr val="accent1"/>
-          </a:fillRef>
-          <a:effectRef idx="0">
-            <a:schemeClr val="accent1"/>
-          </a:effectRef>
-          <a:fontRef idx="minor">
-            <a:schemeClr val="lt1"/>
-          </a:fontRef>
-        </p:style>
-        <p:txBody>
-          <a:bodyPr rtlCol="0" anchor="ctr"/>
-          <a:lstStyle/>
-          <a:p>
-            <a:pPr algn="ctr"/>
-            <a:endParaRPr lang="en-US"/>
-          </a:p>
-        </p:txBody>
-      </p:sp>
-      <p:sp>
-        <p:nvSpPr>
-          <p:cNvPr id="585" name="TextBox 584">
-            <a:extLst>
-              <a:ext uri="{FF2B5EF4-FFF2-40B4-BE49-F238E27FC236}">
-                <a16:creationId xmlns:a16="http://schemas.microsoft.com/office/drawing/2014/main" id="{A6A5646E-D587-9B47-A346-70EE4FB6678B}"/>
-              </a:ext>
-            </a:extLst>
-          </p:cNvPr>
-          <p:cNvSpPr txBox="1"/>
-          <p:nvPr/>
-        </p:nvSpPr>
-        <p:spPr>
-          <a:xfrm>
-            <a:off x="10056176" y="2900535"/>
-            <a:ext cx="520636" cy="230832"/>
-          </a:xfrm>
-          <a:prstGeom prst="rect">
-            <a:avLst/>
-          </a:prstGeom>
-          <a:solidFill>
-            <a:schemeClr val="accent6">
-              <a:lumMod val="20000"/>
-              <a:lumOff val="80000"/>
-            </a:schemeClr>
-          </a:solidFill>
-        </p:spPr>
-        <p:txBody>
-          <a:bodyPr wrap="square" rtlCol="0">
-            <a:spAutoFit/>
-          </a:bodyPr>
-          <a:lstStyle/>
-          <a:p>
-            <a:r>
-              <a:rPr lang="en-US" sz="900" dirty="0"/>
-              <a:t>3.10.6</a:t>
-            </a:r>
-          </a:p>
-        </p:txBody>
-      </p:sp>
-      <p:sp>
-        <p:nvSpPr>
-          <p:cNvPr id="586" name="Rectangle 585">
-            <a:extLst>
-              <a:ext uri="{FF2B5EF4-FFF2-40B4-BE49-F238E27FC236}">
-                <a16:creationId xmlns:a16="http://schemas.microsoft.com/office/drawing/2014/main" id="{1FE9D964-AB06-D746-A99E-FF8814AE234C}"/>
-              </a:ext>
-            </a:extLst>
-          </p:cNvPr>
-          <p:cNvSpPr/>
-          <p:nvPr/>
-        </p:nvSpPr>
-        <p:spPr>
-          <a:xfrm>
-            <a:off x="10049063" y="2901183"/>
-            <a:ext cx="45719" cy="234007"/>
-          </a:xfrm>
-          <a:prstGeom prst="rect">
-            <a:avLst/>
-          </a:prstGeom>
-          <a:solidFill>
-            <a:schemeClr val="accent6">
-              <a:lumMod val="75000"/>
-            </a:schemeClr>
-          </a:solidFill>
-          <a:ln>
-            <a:noFill/>
-          </a:ln>
-        </p:spPr>
-        <p:style>
-          <a:lnRef idx="2">
-            <a:schemeClr val="accent1">
-              <a:shade val="50000"/>
-            </a:schemeClr>
-          </a:lnRef>
-          <a:fillRef idx="1">
-            <a:schemeClr val="accent1"/>
-          </a:fillRef>
-          <a:effectRef idx="0">
-            <a:schemeClr val="accent1"/>
-          </a:effectRef>
-          <a:fontRef idx="minor">
-            <a:schemeClr val="lt1"/>
-          </a:fontRef>
-        </p:style>
-        <p:txBody>
-          <a:bodyPr rtlCol="0" anchor="ctr"/>
-          <a:lstStyle/>
-          <a:p>
-            <a:pPr algn="ctr"/>
-            <a:endParaRPr lang="en-US"/>
-          </a:p>
-        </p:txBody>
-      </p:sp>
-      <p:sp>
-        <p:nvSpPr>
-          <p:cNvPr id="587" name="TextBox 586">
-            <a:extLst>
-              <a:ext uri="{FF2B5EF4-FFF2-40B4-BE49-F238E27FC236}">
-                <a16:creationId xmlns:a16="http://schemas.microsoft.com/office/drawing/2014/main" id="{2DAFDF06-1296-F54E-AC3D-D54A33C1FCAA}"/>
-              </a:ext>
-            </a:extLst>
-          </p:cNvPr>
-          <p:cNvSpPr txBox="1"/>
-          <p:nvPr/>
-        </p:nvSpPr>
-        <p:spPr>
-          <a:xfrm>
-            <a:off x="10340984" y="3139104"/>
-            <a:ext cx="520636" cy="230832"/>
-          </a:xfrm>
-          <a:prstGeom prst="rect">
-            <a:avLst/>
-          </a:prstGeom>
-          <a:solidFill>
-            <a:schemeClr val="accent6">
-              <a:lumMod val="20000"/>
-              <a:lumOff val="80000"/>
-            </a:schemeClr>
-          </a:solidFill>
-        </p:spPr>
-        <p:txBody>
-          <a:bodyPr wrap="square" rtlCol="0">
-            <a:spAutoFit/>
-          </a:bodyPr>
-          <a:lstStyle/>
-          <a:p>
-            <a:r>
-              <a:rPr lang="en-US" sz="900" dirty="0"/>
-              <a:t>3.10.7</a:t>
-            </a:r>
-          </a:p>
-        </p:txBody>
-      </p:sp>
-      <p:sp>
-        <p:nvSpPr>
-          <p:cNvPr id="588" name="Rectangle 587">
-            <a:extLst>
-              <a:ext uri="{FF2B5EF4-FFF2-40B4-BE49-F238E27FC236}">
-                <a16:creationId xmlns:a16="http://schemas.microsoft.com/office/drawing/2014/main" id="{626C0F97-1A6D-2C4D-B62B-897C19ACEB35}"/>
-              </a:ext>
-            </a:extLst>
-          </p:cNvPr>
-          <p:cNvSpPr/>
-          <p:nvPr/>
-        </p:nvSpPr>
-        <p:spPr>
-          <a:xfrm>
-            <a:off x="10325049" y="3139752"/>
-            <a:ext cx="54541" cy="231500"/>
-          </a:xfrm>
-          <a:prstGeom prst="rect">
-            <a:avLst/>
-          </a:prstGeom>
-          <a:solidFill>
-            <a:schemeClr val="accent6">
-              <a:lumMod val="75000"/>
-            </a:schemeClr>
-          </a:solidFill>
-          <a:ln>
-            <a:noFill/>
-          </a:ln>
-        </p:spPr>
-        <p:style>
-          <a:lnRef idx="2">
-            <a:schemeClr val="accent1">
-              <a:shade val="50000"/>
-            </a:schemeClr>
-          </a:lnRef>
-          <a:fillRef idx="1">
-            <a:schemeClr val="accent1"/>
-          </a:fillRef>
-          <a:effectRef idx="0">
-            <a:schemeClr val="accent1"/>
-          </a:effectRef>
-          <a:fontRef idx="minor">
-            <a:schemeClr val="lt1"/>
-          </a:fontRef>
-        </p:style>
-        <p:txBody>
-          <a:bodyPr rtlCol="0" anchor="ctr"/>
-          <a:lstStyle/>
-          <a:p>
-            <a:pPr algn="ctr"/>
-            <a:endParaRPr lang="en-US"/>
-          </a:p>
-        </p:txBody>
-      </p:sp>
-      <p:sp>
-        <p:nvSpPr>
-          <p:cNvPr id="589" name="TextBox 588">
-            <a:extLst>
-              <a:ext uri="{FF2B5EF4-FFF2-40B4-BE49-F238E27FC236}">
-                <a16:creationId xmlns:a16="http://schemas.microsoft.com/office/drawing/2014/main" id="{7DFA97B9-F422-AD4A-BE58-B5E1D310D720}"/>
-              </a:ext>
-            </a:extLst>
-          </p:cNvPr>
-          <p:cNvSpPr txBox="1"/>
-          <p:nvPr/>
-        </p:nvSpPr>
-        <p:spPr>
-          <a:xfrm>
-            <a:off x="10917575" y="2665804"/>
-            <a:ext cx="520636" cy="230832"/>
-          </a:xfrm>
-          <a:prstGeom prst="rect">
-            <a:avLst/>
-          </a:prstGeom>
-          <a:solidFill>
-            <a:schemeClr val="accent6">
-              <a:lumMod val="20000"/>
-              <a:lumOff val="80000"/>
-            </a:schemeClr>
-          </a:solidFill>
-        </p:spPr>
-        <p:txBody>
-          <a:bodyPr wrap="square" rtlCol="0">
-            <a:spAutoFit/>
-          </a:bodyPr>
-          <a:lstStyle/>
-          <a:p>
-            <a:r>
-              <a:rPr lang="en-US" sz="900" dirty="0"/>
-              <a:t>3.10.9</a:t>
-            </a:r>
-          </a:p>
-        </p:txBody>
-      </p:sp>
-      <p:sp>
-        <p:nvSpPr>
-          <p:cNvPr id="590" name="Rectangle 589">
-            <a:extLst>
-              <a:ext uri="{FF2B5EF4-FFF2-40B4-BE49-F238E27FC236}">
-                <a16:creationId xmlns:a16="http://schemas.microsoft.com/office/drawing/2014/main" id="{67C490BB-D2A9-D143-B3BE-B3225CB5A917}"/>
-              </a:ext>
-            </a:extLst>
-          </p:cNvPr>
-          <p:cNvSpPr/>
-          <p:nvPr/>
-        </p:nvSpPr>
-        <p:spPr>
-          <a:xfrm>
-            <a:off x="10906602" y="2666452"/>
-            <a:ext cx="49579" cy="235387"/>
-          </a:xfrm>
-          <a:prstGeom prst="rect">
-            <a:avLst/>
-          </a:prstGeom>
-          <a:solidFill>
-            <a:schemeClr val="accent6">
-              <a:lumMod val="75000"/>
-            </a:schemeClr>
-          </a:solidFill>
-          <a:ln>
-            <a:noFill/>
-          </a:ln>
-        </p:spPr>
-        <p:style>
-          <a:lnRef idx="2">
-            <a:schemeClr val="accent1">
-              <a:shade val="50000"/>
-            </a:schemeClr>
-          </a:lnRef>
-          <a:fillRef idx="1">
-            <a:schemeClr val="accent1"/>
-          </a:fillRef>
-          <a:effectRef idx="0">
-            <a:schemeClr val="accent1"/>
-          </a:effectRef>
-          <a:fontRef idx="minor">
-            <a:schemeClr val="lt1"/>
-          </a:fontRef>
-        </p:style>
-        <p:txBody>
-          <a:bodyPr rtlCol="0" anchor="ctr"/>
-          <a:lstStyle/>
-          <a:p>
-            <a:pPr algn="ctr"/>
-            <a:endParaRPr lang="en-US"/>
-          </a:p>
-        </p:txBody>
-      </p:sp>
-      <p:sp>
-        <p:nvSpPr>
-          <p:cNvPr id="591" name="TextBox 590">
-            <a:extLst>
-              <a:ext uri="{FF2B5EF4-FFF2-40B4-BE49-F238E27FC236}">
-                <a16:creationId xmlns:a16="http://schemas.microsoft.com/office/drawing/2014/main" id="{C7A36C77-FD24-D449-9ED1-8AD2CFC2D0D8}"/>
-              </a:ext>
-            </a:extLst>
-          </p:cNvPr>
-          <p:cNvSpPr txBox="1"/>
-          <p:nvPr/>
-        </p:nvSpPr>
-        <p:spPr>
-          <a:xfrm>
-            <a:off x="11211472" y="2895980"/>
-            <a:ext cx="563181" cy="230832"/>
-          </a:xfrm>
-          <a:prstGeom prst="rect">
-            <a:avLst/>
-          </a:prstGeom>
-          <a:solidFill>
-            <a:schemeClr val="accent6">
-              <a:lumMod val="20000"/>
-              <a:lumOff val="80000"/>
-            </a:schemeClr>
-          </a:solidFill>
-        </p:spPr>
-        <p:txBody>
-          <a:bodyPr wrap="square" rtlCol="0">
-            <a:spAutoFit/>
-          </a:bodyPr>
-          <a:lstStyle/>
-          <a:p>
-            <a:r>
-              <a:rPr lang="en-US" sz="900" dirty="0"/>
-              <a:t>3.10.10</a:t>
-            </a:r>
-          </a:p>
-        </p:txBody>
-      </p:sp>
-      <p:sp>
-        <p:nvSpPr>
-          <p:cNvPr id="592" name="Rectangle 591">
-            <a:extLst>
-              <a:ext uri="{FF2B5EF4-FFF2-40B4-BE49-F238E27FC236}">
-                <a16:creationId xmlns:a16="http://schemas.microsoft.com/office/drawing/2014/main" id="{589CEC7D-F80D-5F4E-8BED-CFD4AB389324}"/>
-              </a:ext>
-            </a:extLst>
-          </p:cNvPr>
-          <p:cNvSpPr/>
-          <p:nvPr/>
-        </p:nvSpPr>
-        <p:spPr>
-          <a:xfrm>
-            <a:off x="11204359" y="2896628"/>
-            <a:ext cx="45719" cy="234007"/>
-          </a:xfrm>
-          <a:prstGeom prst="rect">
-            <a:avLst/>
-          </a:prstGeom>
-          <a:solidFill>
-            <a:schemeClr val="accent6">
-              <a:lumMod val="75000"/>
-            </a:schemeClr>
-          </a:solidFill>
-          <a:ln>
-            <a:noFill/>
-          </a:ln>
-        </p:spPr>
-        <p:style>
-          <a:lnRef idx="2">
-            <a:schemeClr val="accent1">
-              <a:shade val="50000"/>
-            </a:schemeClr>
-          </a:lnRef>
-          <a:fillRef idx="1">
-            <a:schemeClr val="accent1"/>
-          </a:fillRef>
-          <a:effectRef idx="0">
-            <a:schemeClr val="accent1"/>
-          </a:effectRef>
-          <a:fontRef idx="minor">
-            <a:schemeClr val="lt1"/>
-          </a:fontRef>
-        </p:style>
-        <p:txBody>
-          <a:bodyPr rtlCol="0" anchor="ctr"/>
-          <a:lstStyle/>
-          <a:p>
-            <a:pPr algn="ctr"/>
-            <a:endParaRPr lang="en-US"/>
-          </a:p>
-        </p:txBody>
-      </p:sp>
-      <p:sp>
-        <p:nvSpPr>
-          <p:cNvPr id="593" name="TextBox 592">
-            <a:extLst>
-              <a:ext uri="{FF2B5EF4-FFF2-40B4-BE49-F238E27FC236}">
-                <a16:creationId xmlns:a16="http://schemas.microsoft.com/office/drawing/2014/main" id="{BAB0A655-16CD-9849-93BC-A4D08F797E0D}"/>
-              </a:ext>
-            </a:extLst>
-          </p:cNvPr>
-          <p:cNvSpPr txBox="1"/>
-          <p:nvPr/>
-        </p:nvSpPr>
-        <p:spPr>
-          <a:xfrm>
-            <a:off x="11496280" y="3134549"/>
-            <a:ext cx="527445" cy="230832"/>
-          </a:xfrm>
-          <a:prstGeom prst="rect">
-            <a:avLst/>
-          </a:prstGeom>
-          <a:solidFill>
-            <a:schemeClr val="accent6">
-              <a:lumMod val="20000"/>
-              <a:lumOff val="80000"/>
-            </a:schemeClr>
-          </a:solidFill>
-        </p:spPr>
-        <p:txBody>
-          <a:bodyPr wrap="square" rtlCol="0">
-            <a:spAutoFit/>
-          </a:bodyPr>
-          <a:lstStyle/>
-          <a:p>
-            <a:r>
-              <a:rPr lang="en-US" sz="900" dirty="0"/>
-              <a:t>3.10.11</a:t>
-            </a:r>
-          </a:p>
-        </p:txBody>
-      </p:sp>
-      <p:sp>
-        <p:nvSpPr>
-          <p:cNvPr id="594" name="Rectangle 593">
-            <a:extLst>
-              <a:ext uri="{FF2B5EF4-FFF2-40B4-BE49-F238E27FC236}">
-                <a16:creationId xmlns:a16="http://schemas.microsoft.com/office/drawing/2014/main" id="{177F30A6-C099-0F47-9708-FF0AE7734DE2}"/>
-              </a:ext>
-            </a:extLst>
-          </p:cNvPr>
-          <p:cNvSpPr/>
-          <p:nvPr/>
-        </p:nvSpPr>
-        <p:spPr>
-          <a:xfrm>
-            <a:off x="11480345" y="3135197"/>
-            <a:ext cx="54541" cy="231500"/>
-          </a:xfrm>
-          <a:prstGeom prst="rect">
-            <a:avLst/>
-          </a:prstGeom>
-          <a:solidFill>
-            <a:schemeClr val="accent6">
-              <a:lumMod val="75000"/>
-            </a:schemeClr>
-          </a:solidFill>
-          <a:ln>
-            <a:noFill/>
-          </a:ln>
-        </p:spPr>
-        <p:style>
-          <a:lnRef idx="2">
-            <a:schemeClr val="accent1">
-              <a:shade val="50000"/>
-            </a:schemeClr>
-          </a:lnRef>
-          <a:fillRef idx="1">
-            <a:schemeClr val="accent1"/>
-          </a:fillRef>
-          <a:effectRef idx="0">
-            <a:schemeClr val="accent1"/>
-          </a:effectRef>
-          <a:fontRef idx="minor">
-            <a:schemeClr val="lt1"/>
-          </a:fontRef>
-        </p:style>
-        <p:txBody>
-          <a:bodyPr rtlCol="0" anchor="ctr"/>
-          <a:lstStyle/>
-          <a:p>
-            <a:pPr algn="ctr"/>
-            <a:endParaRPr lang="en-US"/>
-          </a:p>
-        </p:txBody>
-      </p:sp>
-      <p:sp>
-        <p:nvSpPr>
-          <p:cNvPr id="595" name="TextBox 594">
-            <a:extLst>
-              <a:ext uri="{FF2B5EF4-FFF2-40B4-BE49-F238E27FC236}">
-                <a16:creationId xmlns:a16="http://schemas.microsoft.com/office/drawing/2014/main" id="{2130AC75-02B1-954B-9AE8-26D8BD91C486}"/>
-              </a:ext>
-            </a:extLst>
-          </p:cNvPr>
-          <p:cNvSpPr txBox="1"/>
-          <p:nvPr/>
-        </p:nvSpPr>
-        <p:spPr>
-          <a:xfrm>
-            <a:off x="10639609" y="2424786"/>
-            <a:ext cx="520636" cy="230832"/>
-          </a:xfrm>
-          <a:prstGeom prst="rect">
-            <a:avLst/>
-          </a:prstGeom>
-          <a:solidFill>
-            <a:schemeClr val="accent6">
-              <a:lumMod val="20000"/>
-              <a:lumOff val="80000"/>
-            </a:schemeClr>
-          </a:solidFill>
-        </p:spPr>
-        <p:txBody>
-          <a:bodyPr wrap="square" rtlCol="0">
-            <a:spAutoFit/>
-          </a:bodyPr>
-          <a:lstStyle/>
-          <a:p>
-            <a:r>
-              <a:rPr lang="en-US" sz="900" dirty="0"/>
-              <a:t>3.10.8</a:t>
-            </a:r>
-          </a:p>
-        </p:txBody>
-      </p:sp>
-      <p:sp>
-        <p:nvSpPr>
-          <p:cNvPr id="596" name="Rectangle 595">
-            <a:extLst>
-              <a:ext uri="{FF2B5EF4-FFF2-40B4-BE49-F238E27FC236}">
-                <a16:creationId xmlns:a16="http://schemas.microsoft.com/office/drawing/2014/main" id="{19C4C3B3-17D0-1A4F-9231-CCB15FB0FDF1}"/>
-              </a:ext>
-            </a:extLst>
-          </p:cNvPr>
-          <p:cNvSpPr/>
-          <p:nvPr/>
-        </p:nvSpPr>
-        <p:spPr>
-          <a:xfrm>
-            <a:off x="10628636" y="2425434"/>
-            <a:ext cx="49579" cy="235387"/>
-          </a:xfrm>
-          <a:prstGeom prst="rect">
-            <a:avLst/>
-          </a:prstGeom>
-          <a:solidFill>
-            <a:schemeClr val="accent6">
-              <a:lumMod val="75000"/>
-            </a:schemeClr>
-          </a:solidFill>
-          <a:ln>
-            <a:noFill/>
-          </a:ln>
-        </p:spPr>
-        <p:style>
-          <a:lnRef idx="2">
-            <a:schemeClr val="accent1">
-              <a:shade val="50000"/>
-            </a:schemeClr>
-          </a:lnRef>
-          <a:fillRef idx="1">
-            <a:schemeClr val="accent1"/>
-          </a:fillRef>
-          <a:effectRef idx="0">
-            <a:schemeClr val="accent1"/>
-          </a:effectRef>
-          <a:fontRef idx="minor">
-            <a:schemeClr val="lt1"/>
-          </a:fontRef>
-        </p:style>
-        <p:txBody>
-          <a:bodyPr rtlCol="0" anchor="ctr"/>
-          <a:lstStyle/>
-          <a:p>
-            <a:pPr algn="ctr"/>
-            <a:endParaRPr lang="en-US"/>
-          </a:p>
-        </p:txBody>
-      </p:sp>
-      <p:sp>
-        <p:nvSpPr>
-          <p:cNvPr id="597" name="TextBox 596">
-            <a:extLst>
-              <a:ext uri="{FF2B5EF4-FFF2-40B4-BE49-F238E27FC236}">
-                <a16:creationId xmlns:a16="http://schemas.microsoft.com/office/drawing/2014/main" id="{9BE27608-BC23-B942-BA56-EF39819AC163}"/>
-              </a:ext>
-            </a:extLst>
-          </p:cNvPr>
-          <p:cNvSpPr txBox="1"/>
-          <p:nvPr/>
-        </p:nvSpPr>
-        <p:spPr>
-          <a:xfrm>
-            <a:off x="11803661" y="2429341"/>
-            <a:ext cx="542390" cy="230832"/>
-          </a:xfrm>
-          <a:prstGeom prst="rect">
-            <a:avLst/>
-          </a:prstGeom>
-          <a:solidFill>
-            <a:schemeClr val="bg1"/>
-          </a:solidFill>
-        </p:spPr>
-        <p:txBody>
-          <a:bodyPr wrap="square" rtlCol="0">
-            <a:spAutoFit/>
-          </a:bodyPr>
-          <a:lstStyle/>
-          <a:p>
-            <a:r>
-              <a:rPr lang="en-US" sz="900" dirty="0"/>
-              <a:t>3.10.12</a:t>
-            </a:r>
-          </a:p>
-        </p:txBody>
-      </p:sp>
-      <p:sp>
-        <p:nvSpPr>
-          <p:cNvPr id="598" name="Rectangle 597">
-            <a:extLst>
-              <a:ext uri="{FF2B5EF4-FFF2-40B4-BE49-F238E27FC236}">
-                <a16:creationId xmlns:a16="http://schemas.microsoft.com/office/drawing/2014/main" id="{B1C80E1F-217D-F848-8CD8-46B22109152A}"/>
-              </a:ext>
-            </a:extLst>
-          </p:cNvPr>
-          <p:cNvSpPr/>
-          <p:nvPr/>
-        </p:nvSpPr>
-        <p:spPr>
-          <a:xfrm>
-            <a:off x="11787726" y="2429989"/>
-            <a:ext cx="54541" cy="231500"/>
-          </a:xfrm>
-          <a:prstGeom prst="rect">
-            <a:avLst/>
-          </a:prstGeom>
-          <a:solidFill>
-            <a:schemeClr val="bg2">
-              <a:lumMod val="50000"/>
-            </a:schemeClr>
-          </a:solidFill>
-          <a:ln>
-            <a:noFill/>
-          </a:ln>
-        </p:spPr>
-        <p:style>
-          <a:lnRef idx="2">
-            <a:schemeClr val="accent1">
-              <a:shade val="50000"/>
-            </a:schemeClr>
-          </a:lnRef>
-          <a:fillRef idx="1">
-            <a:schemeClr val="accent1"/>
-          </a:fillRef>
-          <a:effectRef idx="0">
-            <a:schemeClr val="accent1"/>
-          </a:effectRef>
-          <a:fontRef idx="minor">
-            <a:schemeClr val="lt1"/>
-          </a:fontRef>
-        </p:style>
-        <p:txBody>
-          <a:bodyPr rtlCol="0" anchor="ctr"/>
-          <a:lstStyle/>
-          <a:p>
-            <a:pPr algn="ctr"/>
-            <a:endParaRPr lang="en-US"/>
-          </a:p>
-        </p:txBody>
-      </p:sp>
-      <p:sp>
-        <p:nvSpPr>
-          <p:cNvPr id="600" name="Rectangle 599">
-            <a:extLst>
-              <a:ext uri="{FF2B5EF4-FFF2-40B4-BE49-F238E27FC236}">
-                <a16:creationId xmlns:a16="http://schemas.microsoft.com/office/drawing/2014/main" id="{D9ECE5B2-489A-4249-9DDB-6229CDD7F436}"/>
-              </a:ext>
-            </a:extLst>
-          </p:cNvPr>
-          <p:cNvSpPr/>
-          <p:nvPr/>
-        </p:nvSpPr>
-        <p:spPr>
-          <a:xfrm>
-            <a:off x="11788559" y="4890579"/>
-            <a:ext cx="403442" cy="965167"/>
-          </a:xfrm>
-          <a:prstGeom prst="rect">
-            <a:avLst/>
-          </a:prstGeom>
-          <a:solidFill>
-            <a:schemeClr val="accent2">
-              <a:lumMod val="75000"/>
-              <a:alpha val="50000"/>
-            </a:schemeClr>
-          </a:solidFill>
-          <a:ln>
-            <a:noFill/>
-          </a:ln>
-        </p:spPr>
-        <p:style>
-          <a:lnRef idx="2">
-            <a:schemeClr val="accent1">
-              <a:shade val="50000"/>
-            </a:schemeClr>
-          </a:lnRef>
-          <a:fillRef idx="1">
-            <a:schemeClr val="accent1"/>
-          </a:fillRef>
-          <a:effectRef idx="0">
-            <a:schemeClr val="accent1"/>
-          </a:effectRef>
-          <a:fontRef idx="minor">
-            <a:schemeClr val="lt1"/>
-          </a:fontRef>
-        </p:style>
-        <p:txBody>
-          <a:bodyPr rtlCol="0" anchor="ctr"/>
-          <a:lstStyle/>
-          <a:p>
-            <a:pPr algn="ctr"/>
-            <a:endParaRPr lang="en-US" dirty="0"/>
           </a:p>
         </p:txBody>
       </p:sp>
@@ -14431,7 +14051,7 @@
 <file path=ppt/theme/theme1.xml><?xml version="1.0" encoding="utf-8"?>
 <a:theme xmlns:a="http://schemas.openxmlformats.org/drawingml/2006/main" name="Office Theme">
   <a:themeElements>
-    <a:clrScheme name="Office">
+    <a:clrScheme name="Office Theme">
       <a:dk1>
         <a:sysClr val="windowText" lastClr="000000"/>
       </a:dk1>
@@ -14469,7 +14089,7 @@
         <a:srgbClr val="954F72"/>
       </a:folHlink>
     </a:clrScheme>
-    <a:fontScheme name="Office">
+    <a:fontScheme name="Office Theme">
       <a:majorFont>
         <a:latin typeface="Calibri Light" panose="020F0302020204030204"/>
         <a:ea typeface=""/>
@@ -14504,23 +14124,6 @@
         <a:font script="Viet" typeface="Times New Roman"/>
         <a:font script="Uigh" typeface="Microsoft Uighur"/>
         <a:font script="Geor" typeface="Sylfaen"/>
-        <a:font script="Armn" typeface="Arial"/>
-        <a:font script="Bugi" typeface="Leelawadee UI"/>
-        <a:font script="Bopo" typeface="Microsoft JhengHei"/>
-        <a:font script="Java" typeface="Javanese Text"/>
-        <a:font script="Lisu" typeface="Segoe UI"/>
-        <a:font script="Mymr" typeface="Myanmar Text"/>
-        <a:font script="Nkoo" typeface="Ebrima"/>
-        <a:font script="Olck" typeface="Nirmala UI"/>
-        <a:font script="Osma" typeface="Ebrima"/>
-        <a:font script="Phag" typeface="Phagspa"/>
-        <a:font script="Syrn" typeface="Estrangelo Edessa"/>
-        <a:font script="Syrj" typeface="Estrangelo Edessa"/>
-        <a:font script="Syre" typeface="Estrangelo Edessa"/>
-        <a:font script="Sora" typeface="Nirmala UI"/>
-        <a:font script="Tale" typeface="Microsoft Tai Le"/>
-        <a:font script="Talu" typeface="Microsoft New Tai Lue"/>
-        <a:font script="Tfng" typeface="Ebrima"/>
       </a:majorFont>
       <a:minorFont>
         <a:latin typeface="Calibri" panose="020F0502020204030204"/>
@@ -14556,26 +14159,9 @@
         <a:font script="Viet" typeface="Arial"/>
         <a:font script="Uigh" typeface="Microsoft Uighur"/>
         <a:font script="Geor" typeface="Sylfaen"/>
-        <a:font script="Armn" typeface="Arial"/>
-        <a:font script="Bugi" typeface="Leelawadee UI"/>
-        <a:font script="Bopo" typeface="Microsoft JhengHei"/>
-        <a:font script="Java" typeface="Javanese Text"/>
-        <a:font script="Lisu" typeface="Segoe UI"/>
-        <a:font script="Mymr" typeface="Myanmar Text"/>
-        <a:font script="Nkoo" typeface="Ebrima"/>
-        <a:font script="Olck" typeface="Nirmala UI"/>
-        <a:font script="Osma" typeface="Ebrima"/>
-        <a:font script="Phag" typeface="Phagspa"/>
-        <a:font script="Syrn" typeface="Estrangelo Edessa"/>
-        <a:font script="Syrj" typeface="Estrangelo Edessa"/>
-        <a:font script="Syre" typeface="Estrangelo Edessa"/>
-        <a:font script="Sora" typeface="Nirmala UI"/>
-        <a:font script="Tale" typeface="Microsoft Tai Le"/>
-        <a:font script="Talu" typeface="Microsoft New Tai Lue"/>
-        <a:font script="Tfng" typeface="Ebrima"/>
       </a:minorFont>
     </a:fontScheme>
-    <a:fmtScheme name="Office">
+    <a:fmtScheme name="Office Theme">
       <a:fillStyleLst>
         <a:solidFill>
           <a:schemeClr val="phClr"/>

--- a/pep-0602-example-release-calendar.pptx
+++ b/pep-0602-example-release-calendar.pptx
@@ -243,7 +243,7 @@
           <a:p>
             <a:fld id="{F9799CEE-6B71-6241-B003-A86B3CA3EA7C}" type="datetimeFigureOut">
               <a:rPr lang="en-US" smtClean="0"/>
-              <a:t>9/12/19</a:t>
+              <a:t>11/6/19</a:t>
             </a:fld>
             <a:endParaRPr lang="en-US"/>
           </a:p>
@@ -413,7 +413,7 @@
           <a:p>
             <a:fld id="{F9799CEE-6B71-6241-B003-A86B3CA3EA7C}" type="datetimeFigureOut">
               <a:rPr lang="en-US" smtClean="0"/>
-              <a:t>9/12/19</a:t>
+              <a:t>11/6/19</a:t>
             </a:fld>
             <a:endParaRPr lang="en-US"/>
           </a:p>
@@ -593,7 +593,7 @@
           <a:p>
             <a:fld id="{F9799CEE-6B71-6241-B003-A86B3CA3EA7C}" type="datetimeFigureOut">
               <a:rPr lang="en-US" smtClean="0"/>
-              <a:t>9/12/19</a:t>
+              <a:t>11/6/19</a:t>
             </a:fld>
             <a:endParaRPr lang="en-US"/>
           </a:p>
@@ -763,7 +763,7 @@
           <a:p>
             <a:fld id="{F9799CEE-6B71-6241-B003-A86B3CA3EA7C}" type="datetimeFigureOut">
               <a:rPr lang="en-US" smtClean="0"/>
-              <a:t>9/12/19</a:t>
+              <a:t>11/6/19</a:t>
             </a:fld>
             <a:endParaRPr lang="en-US"/>
           </a:p>
@@ -1009,7 +1009,7 @@
           <a:p>
             <a:fld id="{F9799CEE-6B71-6241-B003-A86B3CA3EA7C}" type="datetimeFigureOut">
               <a:rPr lang="en-US" smtClean="0"/>
-              <a:t>9/12/19</a:t>
+              <a:t>11/6/19</a:t>
             </a:fld>
             <a:endParaRPr lang="en-US"/>
           </a:p>
@@ -1241,7 +1241,7 @@
           <a:p>
             <a:fld id="{F9799CEE-6B71-6241-B003-A86B3CA3EA7C}" type="datetimeFigureOut">
               <a:rPr lang="en-US" smtClean="0"/>
-              <a:t>9/12/19</a:t>
+              <a:t>11/6/19</a:t>
             </a:fld>
             <a:endParaRPr lang="en-US"/>
           </a:p>
@@ -1608,7 +1608,7 @@
           <a:p>
             <a:fld id="{F9799CEE-6B71-6241-B003-A86B3CA3EA7C}" type="datetimeFigureOut">
               <a:rPr lang="en-US" smtClean="0"/>
-              <a:t>9/12/19</a:t>
+              <a:t>11/6/19</a:t>
             </a:fld>
             <a:endParaRPr lang="en-US"/>
           </a:p>
@@ -1726,7 +1726,7 @@
           <a:p>
             <a:fld id="{F9799CEE-6B71-6241-B003-A86B3CA3EA7C}" type="datetimeFigureOut">
               <a:rPr lang="en-US" smtClean="0"/>
-              <a:t>9/12/19</a:t>
+              <a:t>11/6/19</a:t>
             </a:fld>
             <a:endParaRPr lang="en-US"/>
           </a:p>
@@ -1821,7 +1821,7 @@
           <a:p>
             <a:fld id="{F9799CEE-6B71-6241-B003-A86B3CA3EA7C}" type="datetimeFigureOut">
               <a:rPr lang="en-US" smtClean="0"/>
-              <a:t>9/12/19</a:t>
+              <a:t>11/6/19</a:t>
             </a:fld>
             <a:endParaRPr lang="en-US"/>
           </a:p>
@@ -2098,7 +2098,7 @@
           <a:p>
             <a:fld id="{F9799CEE-6B71-6241-B003-A86B3CA3EA7C}" type="datetimeFigureOut">
               <a:rPr lang="en-US" smtClean="0"/>
-              <a:t>9/12/19</a:t>
+              <a:t>11/6/19</a:t>
             </a:fld>
             <a:endParaRPr lang="en-US"/>
           </a:p>
@@ -2355,7 +2355,7 @@
           <a:p>
             <a:fld id="{F9799CEE-6B71-6241-B003-A86B3CA3EA7C}" type="datetimeFigureOut">
               <a:rPr lang="en-US" smtClean="0"/>
-              <a:t>9/12/19</a:t>
+              <a:t>11/6/19</a:t>
             </a:fld>
             <a:endParaRPr lang="en-US"/>
           </a:p>
@@ -2568,7 +2568,7 @@
           <a:p>
             <a:fld id="{F9799CEE-6B71-6241-B003-A86B3CA3EA7C}" type="datetimeFigureOut">
               <a:rPr lang="en-US" smtClean="0"/>
-              <a:t>9/12/19</a:t>
+              <a:t>11/6/19</a:t>
             </a:fld>
             <a:endParaRPr lang="en-US"/>
           </a:p>
@@ -4878,7 +4878,7 @@
         <p:spPr>
           <a:xfrm>
             <a:off x="3465745" y="748010"/>
-            <a:ext cx="1148317" cy="1379475"/>
+            <a:ext cx="859559" cy="1379475"/>
           </a:xfrm>
           <a:prstGeom prst="rect">
             <a:avLst/>
@@ -4931,8 +4931,8 @@
         </p:nvSpPr>
         <p:spPr>
           <a:xfrm>
-            <a:off x="4616777" y="745067"/>
-            <a:ext cx="299721" cy="1382417"/>
+            <a:off x="4321509" y="745067"/>
+            <a:ext cx="594989" cy="1382417"/>
           </a:xfrm>
           <a:prstGeom prst="rect">
             <a:avLst/>
@@ -6719,8 +6719,8 @@
         </p:nvSpPr>
         <p:spPr>
           <a:xfrm>
-            <a:off x="4911754" y="2402250"/>
-            <a:ext cx="2025829" cy="970659"/>
+            <a:off x="4911755" y="2402250"/>
+            <a:ext cx="2011206" cy="970659"/>
           </a:xfrm>
           <a:prstGeom prst="rect">
             <a:avLst/>
@@ -6730,114 +6730,6 @@
               <a:lumMod val="75000"/>
               <a:alpha val="50000"/>
             </a:schemeClr>
-          </a:solidFill>
-          <a:ln>
-            <a:noFill/>
-          </a:ln>
-        </p:spPr>
-        <p:style>
-          <a:lnRef idx="2">
-            <a:schemeClr val="accent1">
-              <a:shade val="50000"/>
-            </a:schemeClr>
-          </a:lnRef>
-          <a:fillRef idx="1">
-            <a:schemeClr val="accent1"/>
-          </a:fillRef>
-          <a:effectRef idx="0">
-            <a:schemeClr val="accent1"/>
-          </a:effectRef>
-          <a:fontRef idx="minor">
-            <a:schemeClr val="lt1"/>
-          </a:fontRef>
-        </p:style>
-        <p:txBody>
-          <a:bodyPr rtlCol="0" anchor="ctr"/>
-          <a:lstStyle/>
-          <a:p>
-            <a:pPr algn="ctr"/>
-            <a:endParaRPr lang="en-US"/>
-          </a:p>
-        </p:txBody>
-      </p:sp>
-      <p:sp>
-        <p:nvSpPr>
-          <p:cNvPr id="141" name="Rectangle 140">
-            <a:extLst>
-              <a:ext uri="{FF2B5EF4-FFF2-40B4-BE49-F238E27FC236}">
-                <a16:creationId xmlns:a16="http://schemas.microsoft.com/office/drawing/2014/main" id="{D72C7758-829F-6D48-97EC-F3F3FFEB4323}"/>
-              </a:ext>
-            </a:extLst>
-          </p:cNvPr>
-          <p:cNvSpPr/>
-          <p:nvPr/>
-        </p:nvSpPr>
-        <p:spPr>
-          <a:xfrm>
-            <a:off x="6934170" y="2402251"/>
-            <a:ext cx="1155646" cy="970659"/>
-          </a:xfrm>
-          <a:prstGeom prst="rect">
-            <a:avLst/>
-          </a:prstGeom>
-          <a:solidFill>
-            <a:srgbClr val="FFC000">
-              <a:alpha val="50000"/>
-            </a:srgbClr>
-          </a:solidFill>
-          <a:ln>
-            <a:noFill/>
-          </a:ln>
-        </p:spPr>
-        <p:style>
-          <a:lnRef idx="2">
-            <a:schemeClr val="accent1">
-              <a:shade val="50000"/>
-            </a:schemeClr>
-          </a:lnRef>
-          <a:fillRef idx="1">
-            <a:schemeClr val="accent1"/>
-          </a:fillRef>
-          <a:effectRef idx="0">
-            <a:schemeClr val="accent1"/>
-          </a:effectRef>
-          <a:fontRef idx="minor">
-            <a:schemeClr val="lt1"/>
-          </a:fontRef>
-        </p:style>
-        <p:txBody>
-          <a:bodyPr rtlCol="0" anchor="ctr"/>
-          <a:lstStyle/>
-          <a:p>
-            <a:pPr algn="ctr"/>
-            <a:endParaRPr lang="en-US"/>
-          </a:p>
-        </p:txBody>
-      </p:sp>
-      <p:sp>
-        <p:nvSpPr>
-          <p:cNvPr id="142" name="Rectangle 141">
-            <a:extLst>
-              <a:ext uri="{FF2B5EF4-FFF2-40B4-BE49-F238E27FC236}">
-                <a16:creationId xmlns:a16="http://schemas.microsoft.com/office/drawing/2014/main" id="{C2CEBB98-37E2-294B-8AF8-61B9A34A0AED}"/>
-              </a:ext>
-            </a:extLst>
-          </p:cNvPr>
-          <p:cNvSpPr/>
-          <p:nvPr/>
-        </p:nvSpPr>
-        <p:spPr>
-          <a:xfrm>
-            <a:off x="8079087" y="2402250"/>
-            <a:ext cx="288114" cy="970659"/>
-          </a:xfrm>
-          <a:prstGeom prst="rect">
-            <a:avLst/>
-          </a:prstGeom>
-          <a:solidFill>
-            <a:srgbClr val="FFFF00">
-              <a:alpha val="40000"/>
-            </a:srgbClr>
           </a:solidFill>
           <a:ln>
             <a:noFill/>
@@ -7431,114 +7323,6 @@
       </p:sp>
       <p:sp>
         <p:nvSpPr>
-          <p:cNvPr id="145" name="Rectangle 144">
-            <a:extLst>
-              <a:ext uri="{FF2B5EF4-FFF2-40B4-BE49-F238E27FC236}">
-                <a16:creationId xmlns:a16="http://schemas.microsoft.com/office/drawing/2014/main" id="{1DE14E0A-1145-0E4E-9C71-C648D12664B3}"/>
-              </a:ext>
-            </a:extLst>
-          </p:cNvPr>
-          <p:cNvSpPr/>
-          <p:nvPr/>
-        </p:nvSpPr>
-        <p:spPr>
-          <a:xfrm>
-            <a:off x="10385303" y="3645924"/>
-            <a:ext cx="1146811" cy="970659"/>
-          </a:xfrm>
-          <a:prstGeom prst="rect">
-            <a:avLst/>
-          </a:prstGeom>
-          <a:solidFill>
-            <a:srgbClr val="FFC000">
-              <a:alpha val="50000"/>
-            </a:srgbClr>
-          </a:solidFill>
-          <a:ln>
-            <a:noFill/>
-          </a:ln>
-        </p:spPr>
-        <p:style>
-          <a:lnRef idx="2">
-            <a:schemeClr val="accent1">
-              <a:shade val="50000"/>
-            </a:schemeClr>
-          </a:lnRef>
-          <a:fillRef idx="1">
-            <a:schemeClr val="accent1"/>
-          </a:fillRef>
-          <a:effectRef idx="0">
-            <a:schemeClr val="accent1"/>
-          </a:effectRef>
-          <a:fontRef idx="minor">
-            <a:schemeClr val="lt1"/>
-          </a:fontRef>
-        </p:style>
-        <p:txBody>
-          <a:bodyPr rtlCol="0" anchor="ctr"/>
-          <a:lstStyle/>
-          <a:p>
-            <a:pPr algn="ctr"/>
-            <a:endParaRPr lang="en-US"/>
-          </a:p>
-        </p:txBody>
-      </p:sp>
-      <p:sp>
-        <p:nvSpPr>
-          <p:cNvPr id="146" name="Rectangle 145">
-            <a:extLst>
-              <a:ext uri="{FF2B5EF4-FFF2-40B4-BE49-F238E27FC236}">
-                <a16:creationId xmlns:a16="http://schemas.microsoft.com/office/drawing/2014/main" id="{3B631346-72D5-6D4E-AD91-5D5C37FE556A}"/>
-              </a:ext>
-            </a:extLst>
-          </p:cNvPr>
-          <p:cNvSpPr/>
-          <p:nvPr/>
-        </p:nvSpPr>
-        <p:spPr>
-          <a:xfrm>
-            <a:off x="11532114" y="3645923"/>
-            <a:ext cx="306303" cy="970659"/>
-          </a:xfrm>
-          <a:prstGeom prst="rect">
-            <a:avLst/>
-          </a:prstGeom>
-          <a:solidFill>
-            <a:srgbClr val="FFFF00">
-              <a:alpha val="40000"/>
-            </a:srgbClr>
-          </a:solidFill>
-          <a:ln>
-            <a:noFill/>
-          </a:ln>
-        </p:spPr>
-        <p:style>
-          <a:lnRef idx="2">
-            <a:schemeClr val="accent1">
-              <a:shade val="50000"/>
-            </a:schemeClr>
-          </a:lnRef>
-          <a:fillRef idx="1">
-            <a:schemeClr val="accent1"/>
-          </a:fillRef>
-          <a:effectRef idx="0">
-            <a:schemeClr val="accent1"/>
-          </a:effectRef>
-          <a:fontRef idx="minor">
-            <a:schemeClr val="lt1"/>
-          </a:fontRef>
-        </p:style>
-        <p:txBody>
-          <a:bodyPr rtlCol="0" anchor="ctr"/>
-          <a:lstStyle/>
-          <a:p>
-            <a:pPr algn="ctr"/>
-            <a:endParaRPr lang="en-US"/>
-          </a:p>
-        </p:txBody>
-      </p:sp>
-      <p:sp>
-        <p:nvSpPr>
           <p:cNvPr id="305" name="TextBox 304">
             <a:extLst>
               <a:ext uri="{FF2B5EF4-FFF2-40B4-BE49-F238E27FC236}">
@@ -7551,7 +7335,7 @@
         </p:nvSpPr>
         <p:spPr>
           <a:xfrm>
-            <a:off x="4592047" y="1178087"/>
+            <a:off x="4304637" y="1173031"/>
             <a:ext cx="368039" cy="246221"/>
           </a:xfrm>
           <a:prstGeom prst="rect">
@@ -7586,7 +7370,7 @@
         </p:nvSpPr>
         <p:spPr>
           <a:xfrm>
-            <a:off x="4618727" y="1178087"/>
+            <a:off x="4331317" y="1173031"/>
             <a:ext cx="48106" cy="246221"/>
           </a:xfrm>
           <a:prstGeom prst="rect">
@@ -7638,7 +7422,7 @@
         </p:nvSpPr>
         <p:spPr>
           <a:xfrm>
-            <a:off x="4652426" y="1424738"/>
+            <a:off x="4588170" y="1424738"/>
             <a:ext cx="368039" cy="246221"/>
           </a:xfrm>
           <a:prstGeom prst="rect">
@@ -7673,7 +7457,7 @@
         </p:nvSpPr>
         <p:spPr>
           <a:xfrm>
-            <a:off x="4679106" y="1424738"/>
+            <a:off x="4614850" y="1424738"/>
             <a:ext cx="48106" cy="246221"/>
           </a:xfrm>
           <a:prstGeom prst="rect">
@@ -8090,7 +7874,7 @@
           <a:noFill/>
         </p:spPr>
         <p:txBody>
-          <a:bodyPr wrap="none" rtlCol="0">
+          <a:bodyPr wrap="square" rtlCol="0">
             <a:spAutoFit/>
           </a:bodyPr>
           <a:lstStyle/>
@@ -8116,8 +7900,8 @@
         </p:nvSpPr>
         <p:spPr>
           <a:xfrm>
-            <a:off x="3460937" y="1181692"/>
-            <a:ext cx="45719" cy="246221"/>
+            <a:off x="3460936" y="1181692"/>
+            <a:ext cx="50400" cy="246221"/>
           </a:xfrm>
           <a:prstGeom prst="rect">
             <a:avLst/>
@@ -8170,7 +7954,7 @@
         </p:nvSpPr>
         <p:spPr>
           <a:xfrm>
-            <a:off x="3716803" y="1412266"/>
+            <a:off x="3618689" y="1423100"/>
             <a:ext cx="317716" cy="246221"/>
           </a:xfrm>
           <a:prstGeom prst="rect">
@@ -8179,7 +7963,7 @@
           <a:noFill/>
         </p:spPr>
         <p:txBody>
-          <a:bodyPr wrap="none" rtlCol="0">
+          <a:bodyPr wrap="square" rtlCol="0">
             <a:spAutoFit/>
           </a:bodyPr>
           <a:lstStyle/>
@@ -8205,8 +7989,8 @@
         </p:nvSpPr>
         <p:spPr>
           <a:xfrm>
-            <a:off x="3736706" y="1412266"/>
-            <a:ext cx="45719" cy="246221"/>
+            <a:off x="3638591" y="1423100"/>
+            <a:ext cx="50400" cy="246221"/>
           </a:xfrm>
           <a:prstGeom prst="rect">
             <a:avLst/>
@@ -8259,7 +8043,7 @@
         </p:nvSpPr>
         <p:spPr>
           <a:xfrm>
-            <a:off x="4015563" y="1662327"/>
+            <a:off x="3857829" y="1664508"/>
             <a:ext cx="317716" cy="246221"/>
           </a:xfrm>
           <a:prstGeom prst="rect">
@@ -8268,7 +8052,7 @@
           <a:noFill/>
         </p:spPr>
         <p:txBody>
-          <a:bodyPr wrap="none" rtlCol="0">
+          <a:bodyPr wrap="square" rtlCol="0">
             <a:spAutoFit/>
           </a:bodyPr>
           <a:lstStyle/>
@@ -8294,8 +8078,8 @@
         </p:nvSpPr>
         <p:spPr>
           <a:xfrm>
-            <a:off x="4035466" y="1662327"/>
-            <a:ext cx="45719" cy="246221"/>
+            <a:off x="3877731" y="1664508"/>
+            <a:ext cx="50400" cy="246221"/>
           </a:xfrm>
           <a:prstGeom prst="rect">
             <a:avLst/>
@@ -8348,7 +8132,7 @@
         </p:nvSpPr>
         <p:spPr>
           <a:xfrm>
-            <a:off x="4309846" y="1881262"/>
+            <a:off x="4083072" y="1898835"/>
             <a:ext cx="317716" cy="246221"/>
           </a:xfrm>
           <a:prstGeom prst="rect">
@@ -8357,7 +8141,7 @@
           <a:noFill/>
         </p:spPr>
         <p:txBody>
-          <a:bodyPr wrap="none" rtlCol="0">
+          <a:bodyPr wrap="square" rtlCol="0">
             <a:spAutoFit/>
           </a:bodyPr>
           <a:lstStyle/>
@@ -8383,8 +8167,8 @@
         </p:nvSpPr>
         <p:spPr>
           <a:xfrm>
-            <a:off x="4329749" y="1881262"/>
-            <a:ext cx="45719" cy="246221"/>
+            <a:off x="4102545" y="1904151"/>
+            <a:ext cx="50400" cy="224509"/>
           </a:xfrm>
           <a:prstGeom prst="rect">
             <a:avLst/>
@@ -8692,10 +8476,10 @@
       </p:sp>
       <p:sp>
         <p:nvSpPr>
-          <p:cNvPr id="357" name="TextBox 356">
-            <a:extLst>
-              <a:ext uri="{FF2B5EF4-FFF2-40B4-BE49-F238E27FC236}">
-                <a16:creationId xmlns:a16="http://schemas.microsoft.com/office/drawing/2014/main" id="{D93E8E1A-C789-C04D-B19C-EEF791FDFB35}"/>
+          <p:cNvPr id="362" name="TextBox 361">
+            <a:extLst>
+              <a:ext uri="{FF2B5EF4-FFF2-40B4-BE49-F238E27FC236}">
+                <a16:creationId xmlns:a16="http://schemas.microsoft.com/office/drawing/2014/main" id="{282F7632-5DAF-1F4A-A96C-EFA5627D5138}"/>
               </a:ext>
             </a:extLst>
           </p:cNvPr>
@@ -8704,8 +8488,8 @@
         </p:nvSpPr>
         <p:spPr>
           <a:xfrm>
-            <a:off x="8071224" y="2403772"/>
-            <a:ext cx="349776" cy="246221"/>
+            <a:off x="5761085" y="3137407"/>
+            <a:ext cx="311304" cy="246221"/>
           </a:xfrm>
           <a:prstGeom prst="rect">
             <a:avLst/>
@@ -8720,17 +8504,17 @@
           <a:p>
             <a:r>
               <a:rPr lang="en-US" sz="1000" dirty="0"/>
-              <a:t>rc1</a:t>
-            </a:r>
-          </a:p>
-        </p:txBody>
-      </p:sp>
-      <p:sp>
-        <p:nvSpPr>
-          <p:cNvPr id="358" name="Rectangle 357">
-            <a:extLst>
-              <a:ext uri="{FF2B5EF4-FFF2-40B4-BE49-F238E27FC236}">
-                <a16:creationId xmlns:a16="http://schemas.microsoft.com/office/drawing/2014/main" id="{B37A9129-212D-E94E-9660-02BD1DA3CBA6}"/>
+              <a:t>a4</a:t>
+            </a:r>
+          </a:p>
+        </p:txBody>
+      </p:sp>
+      <p:sp>
+        <p:nvSpPr>
+          <p:cNvPr id="363" name="Rectangle 362">
+            <a:extLst>
+              <a:ext uri="{FF2B5EF4-FFF2-40B4-BE49-F238E27FC236}">
+                <a16:creationId xmlns:a16="http://schemas.microsoft.com/office/drawing/2014/main" id="{20C2FC7B-B217-E74E-91D0-1A4178E59F99}"/>
               </a:ext>
             </a:extLst>
           </p:cNvPr>
@@ -8739,14 +8523,16 @@
         </p:nvSpPr>
         <p:spPr>
           <a:xfrm>
-            <a:off x="8091127" y="2403772"/>
+            <a:off x="5780988" y="3127247"/>
             <a:ext cx="45719" cy="246221"/>
           </a:xfrm>
           <a:prstGeom prst="rect">
             <a:avLst/>
           </a:prstGeom>
           <a:solidFill>
-            <a:schemeClr val="accent4"/>
+            <a:schemeClr val="accent2">
+              <a:lumMod val="75000"/>
+            </a:schemeClr>
           </a:solidFill>
           <a:ln>
             <a:noFill/>
@@ -8779,10 +8565,10 @@
       </p:sp>
       <p:sp>
         <p:nvSpPr>
-          <p:cNvPr id="360" name="TextBox 359">
-            <a:extLst>
-              <a:ext uri="{FF2B5EF4-FFF2-40B4-BE49-F238E27FC236}">
-                <a16:creationId xmlns:a16="http://schemas.microsoft.com/office/drawing/2014/main" id="{41979051-C81B-0C4A-B8BF-27EF43A58F40}"/>
+          <p:cNvPr id="364" name="TextBox 363">
+            <a:extLst>
+              <a:ext uri="{FF2B5EF4-FFF2-40B4-BE49-F238E27FC236}">
+                <a16:creationId xmlns:a16="http://schemas.microsoft.com/office/drawing/2014/main" id="{D39BC3D3-5689-344B-A443-95577D6AC364}"/>
               </a:ext>
             </a:extLst>
           </p:cNvPr>
@@ -8791,8 +8577,8 @@
         </p:nvSpPr>
         <p:spPr>
           <a:xfrm>
-            <a:off x="8116943" y="2646718"/>
-            <a:ext cx="349776" cy="246221"/>
+            <a:off x="6037198" y="2400497"/>
+            <a:ext cx="311304" cy="246221"/>
           </a:xfrm>
           <a:prstGeom prst="rect">
             <a:avLst/>
@@ -8807,17 +8593,17 @@
           <a:p>
             <a:r>
               <a:rPr lang="en-US" sz="1000" dirty="0"/>
-              <a:t>rc2</a:t>
-            </a:r>
-          </a:p>
-        </p:txBody>
-      </p:sp>
-      <p:sp>
-        <p:nvSpPr>
-          <p:cNvPr id="361" name="Rectangle 360">
-            <a:extLst>
-              <a:ext uri="{FF2B5EF4-FFF2-40B4-BE49-F238E27FC236}">
-                <a16:creationId xmlns:a16="http://schemas.microsoft.com/office/drawing/2014/main" id="{88B25314-025D-904F-879E-7A37C6B39347}"/>
+              <a:t>a5</a:t>
+            </a:r>
+          </a:p>
+        </p:txBody>
+      </p:sp>
+      <p:sp>
+        <p:nvSpPr>
+          <p:cNvPr id="365" name="Rectangle 364">
+            <a:extLst>
+              <a:ext uri="{FF2B5EF4-FFF2-40B4-BE49-F238E27FC236}">
+                <a16:creationId xmlns:a16="http://schemas.microsoft.com/office/drawing/2014/main" id="{615FE16F-6DBF-824E-953A-4C555042EABA}"/>
               </a:ext>
             </a:extLst>
           </p:cNvPr>
@@ -8826,14 +8612,16 @@
         </p:nvSpPr>
         <p:spPr>
           <a:xfrm>
-            <a:off x="8136846" y="2646718"/>
+            <a:off x="6057101" y="2400497"/>
             <a:ext cx="45719" cy="246221"/>
           </a:xfrm>
           <a:prstGeom prst="rect">
             <a:avLst/>
           </a:prstGeom>
           <a:solidFill>
-            <a:schemeClr val="accent4"/>
+            <a:schemeClr val="accent2">
+              <a:lumMod val="75000"/>
+            </a:schemeClr>
           </a:solidFill>
           <a:ln>
             <a:noFill/>
@@ -8866,10 +8654,10 @@
       </p:sp>
       <p:sp>
         <p:nvSpPr>
-          <p:cNvPr id="362" name="TextBox 361">
-            <a:extLst>
-              <a:ext uri="{FF2B5EF4-FFF2-40B4-BE49-F238E27FC236}">
-                <a16:creationId xmlns:a16="http://schemas.microsoft.com/office/drawing/2014/main" id="{282F7632-5DAF-1F4A-A96C-EFA5627D5138}"/>
+          <p:cNvPr id="366" name="TextBox 365">
+            <a:extLst>
+              <a:ext uri="{FF2B5EF4-FFF2-40B4-BE49-F238E27FC236}">
+                <a16:creationId xmlns:a16="http://schemas.microsoft.com/office/drawing/2014/main" id="{5E310240-4F39-DC49-BCC4-590DA821005C}"/>
               </a:ext>
             </a:extLst>
           </p:cNvPr>
@@ -8878,7 +8666,7 @@
         </p:nvSpPr>
         <p:spPr>
           <a:xfrm>
-            <a:off x="5761085" y="3137407"/>
+            <a:off x="6322140" y="2653168"/>
             <a:ext cx="311304" cy="246221"/>
           </a:xfrm>
           <a:prstGeom prst="rect">
@@ -8887,24 +8675,24 @@
           <a:noFill/>
         </p:spPr>
         <p:txBody>
-          <a:bodyPr wrap="none" rtlCol="0">
+          <a:bodyPr wrap="square" rtlCol="0">
             <a:spAutoFit/>
           </a:bodyPr>
           <a:lstStyle/>
           <a:p>
             <a:r>
               <a:rPr lang="en-US" sz="1000" dirty="0"/>
-              <a:t>a4</a:t>
-            </a:r>
-          </a:p>
-        </p:txBody>
-      </p:sp>
-      <p:sp>
-        <p:nvSpPr>
-          <p:cNvPr id="363" name="Rectangle 362">
-            <a:extLst>
-              <a:ext uri="{FF2B5EF4-FFF2-40B4-BE49-F238E27FC236}">
-                <a16:creationId xmlns:a16="http://schemas.microsoft.com/office/drawing/2014/main" id="{20C2FC7B-B217-E74E-91D0-1A4178E59F99}"/>
+              <a:t>a6</a:t>
+            </a:r>
+          </a:p>
+        </p:txBody>
+      </p:sp>
+      <p:sp>
+        <p:nvSpPr>
+          <p:cNvPr id="367" name="Rectangle 366">
+            <a:extLst>
+              <a:ext uri="{FF2B5EF4-FFF2-40B4-BE49-F238E27FC236}">
+                <a16:creationId xmlns:a16="http://schemas.microsoft.com/office/drawing/2014/main" id="{42672C61-4316-7444-8000-CFDD967C8616}"/>
               </a:ext>
             </a:extLst>
           </p:cNvPr>
@@ -8913,7 +8701,7 @@
         </p:nvSpPr>
         <p:spPr>
           <a:xfrm>
-            <a:off x="5780988" y="3127247"/>
+            <a:off x="6342043" y="2653168"/>
             <a:ext cx="45719" cy="246221"/>
           </a:xfrm>
           <a:prstGeom prst="rect">
@@ -8955,10 +8743,10 @@
       </p:sp>
       <p:sp>
         <p:nvSpPr>
-          <p:cNvPr id="364" name="TextBox 363">
-            <a:extLst>
-              <a:ext uri="{FF2B5EF4-FFF2-40B4-BE49-F238E27FC236}">
-                <a16:creationId xmlns:a16="http://schemas.microsoft.com/office/drawing/2014/main" id="{D39BC3D3-5689-344B-A443-95577D6AC364}"/>
+          <p:cNvPr id="368" name="TextBox 367">
+            <a:extLst>
+              <a:ext uri="{FF2B5EF4-FFF2-40B4-BE49-F238E27FC236}">
+                <a16:creationId xmlns:a16="http://schemas.microsoft.com/office/drawing/2014/main" id="{8C90C624-816C-D84A-8EB4-7C6DB9CF9695}"/>
               </a:ext>
             </a:extLst>
           </p:cNvPr>
@@ -8967,7 +8755,7 @@
         </p:nvSpPr>
         <p:spPr>
           <a:xfrm>
-            <a:off x="6037198" y="2400497"/>
+            <a:off x="6599695" y="2916598"/>
             <a:ext cx="311304" cy="246221"/>
           </a:xfrm>
           <a:prstGeom prst="rect">
@@ -8976,24 +8764,24 @@
           <a:noFill/>
         </p:spPr>
         <p:txBody>
-          <a:bodyPr wrap="none" rtlCol="0">
+          <a:bodyPr wrap="square" rtlCol="0">
             <a:spAutoFit/>
           </a:bodyPr>
           <a:lstStyle/>
           <a:p>
             <a:r>
               <a:rPr lang="en-US" sz="1000" dirty="0"/>
-              <a:t>a5</a:t>
-            </a:r>
-          </a:p>
-        </p:txBody>
-      </p:sp>
-      <p:sp>
-        <p:nvSpPr>
-          <p:cNvPr id="365" name="Rectangle 364">
-            <a:extLst>
-              <a:ext uri="{FF2B5EF4-FFF2-40B4-BE49-F238E27FC236}">
-                <a16:creationId xmlns:a16="http://schemas.microsoft.com/office/drawing/2014/main" id="{615FE16F-6DBF-824E-953A-4C555042EABA}"/>
+              <a:t>a7</a:t>
+            </a:r>
+          </a:p>
+        </p:txBody>
+      </p:sp>
+      <p:sp>
+        <p:nvSpPr>
+          <p:cNvPr id="369" name="Rectangle 368">
+            <a:extLst>
+              <a:ext uri="{FF2B5EF4-FFF2-40B4-BE49-F238E27FC236}">
+                <a16:creationId xmlns:a16="http://schemas.microsoft.com/office/drawing/2014/main" id="{63C11E02-6D7E-194B-95B6-48AE7B2E6351}"/>
               </a:ext>
             </a:extLst>
           </p:cNvPr>
@@ -9002,7 +8790,7 @@
         </p:nvSpPr>
         <p:spPr>
           <a:xfrm>
-            <a:off x="6057101" y="2400497"/>
+            <a:off x="6619598" y="2916598"/>
             <a:ext cx="45719" cy="246221"/>
           </a:xfrm>
           <a:prstGeom prst="rect">
@@ -9044,10 +8832,10 @@
       </p:sp>
       <p:sp>
         <p:nvSpPr>
-          <p:cNvPr id="366" name="TextBox 365">
-            <a:extLst>
-              <a:ext uri="{FF2B5EF4-FFF2-40B4-BE49-F238E27FC236}">
-                <a16:creationId xmlns:a16="http://schemas.microsoft.com/office/drawing/2014/main" id="{5E310240-4F39-DC49-BCC4-590DA821005C}"/>
+          <p:cNvPr id="378" name="TextBox 377">
+            <a:extLst>
+              <a:ext uri="{FF2B5EF4-FFF2-40B4-BE49-F238E27FC236}">
+                <a16:creationId xmlns:a16="http://schemas.microsoft.com/office/drawing/2014/main" id="{3EBC9ED6-47C4-6E48-BB27-40113CCC4749}"/>
               </a:ext>
             </a:extLst>
           </p:cNvPr>
@@ -9056,7 +8844,7 @@
         </p:nvSpPr>
         <p:spPr>
           <a:xfrm>
-            <a:off x="6322140" y="2653168"/>
+            <a:off x="4894724" y="2402950"/>
             <a:ext cx="311304" cy="246221"/>
           </a:xfrm>
           <a:prstGeom prst="rect">
@@ -9065,24 +8853,24 @@
           <a:noFill/>
         </p:spPr>
         <p:txBody>
-          <a:bodyPr wrap="square" rtlCol="0">
+          <a:bodyPr wrap="none" rtlCol="0">
             <a:spAutoFit/>
           </a:bodyPr>
           <a:lstStyle/>
           <a:p>
             <a:r>
               <a:rPr lang="en-US" sz="1000" dirty="0"/>
-              <a:t>a6</a:t>
-            </a:r>
-          </a:p>
-        </p:txBody>
-      </p:sp>
-      <p:sp>
-        <p:nvSpPr>
-          <p:cNvPr id="367" name="Rectangle 366">
-            <a:extLst>
-              <a:ext uri="{FF2B5EF4-FFF2-40B4-BE49-F238E27FC236}">
-                <a16:creationId xmlns:a16="http://schemas.microsoft.com/office/drawing/2014/main" id="{42672C61-4316-7444-8000-CFDD967C8616}"/>
+              <a:t>a1</a:t>
+            </a:r>
+          </a:p>
+        </p:txBody>
+      </p:sp>
+      <p:sp>
+        <p:nvSpPr>
+          <p:cNvPr id="379" name="Rectangle 378">
+            <a:extLst>
+              <a:ext uri="{FF2B5EF4-FFF2-40B4-BE49-F238E27FC236}">
+                <a16:creationId xmlns:a16="http://schemas.microsoft.com/office/drawing/2014/main" id="{60FF1D8B-E0F6-FF4B-A7E5-67BFBF1258DD}"/>
               </a:ext>
             </a:extLst>
           </p:cNvPr>
@@ -9091,7 +8879,7 @@
         </p:nvSpPr>
         <p:spPr>
           <a:xfrm>
-            <a:off x="6342043" y="2653168"/>
+            <a:off x="4914627" y="2402950"/>
             <a:ext cx="45719" cy="246221"/>
           </a:xfrm>
           <a:prstGeom prst="rect">
@@ -9133,10 +8921,10 @@
       </p:sp>
       <p:sp>
         <p:nvSpPr>
-          <p:cNvPr id="368" name="TextBox 367">
-            <a:extLst>
-              <a:ext uri="{FF2B5EF4-FFF2-40B4-BE49-F238E27FC236}">
-                <a16:creationId xmlns:a16="http://schemas.microsoft.com/office/drawing/2014/main" id="{8C90C624-816C-D84A-8EB4-7C6DB9CF9695}"/>
+          <p:cNvPr id="380" name="TextBox 379">
+            <a:extLst>
+              <a:ext uri="{FF2B5EF4-FFF2-40B4-BE49-F238E27FC236}">
+                <a16:creationId xmlns:a16="http://schemas.microsoft.com/office/drawing/2014/main" id="{16FB370B-FEDB-B747-A51C-F7C685336D63}"/>
               </a:ext>
             </a:extLst>
           </p:cNvPr>
@@ -9145,7 +8933,7 @@
         </p:nvSpPr>
         <p:spPr>
           <a:xfrm>
-            <a:off x="6599695" y="2916598"/>
+            <a:off x="5168042" y="2647147"/>
             <a:ext cx="311304" cy="246221"/>
           </a:xfrm>
           <a:prstGeom prst="rect">
@@ -9154,24 +8942,24 @@
           <a:noFill/>
         </p:spPr>
         <p:txBody>
-          <a:bodyPr wrap="square" rtlCol="0">
+          <a:bodyPr wrap="none" rtlCol="0">
             <a:spAutoFit/>
           </a:bodyPr>
           <a:lstStyle/>
           <a:p>
             <a:r>
               <a:rPr lang="en-US" sz="1000" dirty="0"/>
-              <a:t>a7</a:t>
-            </a:r>
-          </a:p>
-        </p:txBody>
-      </p:sp>
-      <p:sp>
-        <p:nvSpPr>
-          <p:cNvPr id="369" name="Rectangle 368">
-            <a:extLst>
-              <a:ext uri="{FF2B5EF4-FFF2-40B4-BE49-F238E27FC236}">
-                <a16:creationId xmlns:a16="http://schemas.microsoft.com/office/drawing/2014/main" id="{63C11E02-6D7E-194B-95B6-48AE7B2E6351}"/>
+              <a:t>a2</a:t>
+            </a:r>
+          </a:p>
+        </p:txBody>
+      </p:sp>
+      <p:sp>
+        <p:nvSpPr>
+          <p:cNvPr id="381" name="Rectangle 380">
+            <a:extLst>
+              <a:ext uri="{FF2B5EF4-FFF2-40B4-BE49-F238E27FC236}">
+                <a16:creationId xmlns:a16="http://schemas.microsoft.com/office/drawing/2014/main" id="{52CC06D2-365D-774A-8D67-9335267D3E1C}"/>
               </a:ext>
             </a:extLst>
           </p:cNvPr>
@@ -9180,7 +8968,7 @@
         </p:nvSpPr>
         <p:spPr>
           <a:xfrm>
-            <a:off x="6619598" y="2916598"/>
+            <a:off x="5187945" y="2647147"/>
             <a:ext cx="45719" cy="246221"/>
           </a:xfrm>
           <a:prstGeom prst="rect">
@@ -9222,10 +9010,10 @@
       </p:sp>
       <p:sp>
         <p:nvSpPr>
-          <p:cNvPr id="370" name="TextBox 369">
-            <a:extLst>
-              <a:ext uri="{FF2B5EF4-FFF2-40B4-BE49-F238E27FC236}">
-                <a16:creationId xmlns:a16="http://schemas.microsoft.com/office/drawing/2014/main" id="{E2EEE739-F522-D04B-BB2E-57375E05D992}"/>
+          <p:cNvPr id="382" name="TextBox 381">
+            <a:extLst>
+              <a:ext uri="{FF2B5EF4-FFF2-40B4-BE49-F238E27FC236}">
+                <a16:creationId xmlns:a16="http://schemas.microsoft.com/office/drawing/2014/main" id="{7A4CB93B-6712-C448-9D26-FED4FAE6D10D}"/>
               </a:ext>
             </a:extLst>
           </p:cNvPr>
@@ -9234,8 +9022,8 @@
         </p:nvSpPr>
         <p:spPr>
           <a:xfrm>
-            <a:off x="6913373" y="2403279"/>
-            <a:ext cx="317716" cy="246221"/>
+            <a:off x="5466802" y="2897208"/>
+            <a:ext cx="311304" cy="246221"/>
           </a:xfrm>
           <a:prstGeom prst="rect">
             <a:avLst/>
@@ -9250,17 +9038,17 @@
           <a:p>
             <a:r>
               <a:rPr lang="en-US" sz="1000" dirty="0"/>
-              <a:t>b1</a:t>
-            </a:r>
-          </a:p>
-        </p:txBody>
-      </p:sp>
-      <p:sp>
-        <p:nvSpPr>
-          <p:cNvPr id="371" name="Rectangle 370">
-            <a:extLst>
-              <a:ext uri="{FF2B5EF4-FFF2-40B4-BE49-F238E27FC236}">
-                <a16:creationId xmlns:a16="http://schemas.microsoft.com/office/drawing/2014/main" id="{4E725D6C-9823-2048-8E11-992F9EBB542C}"/>
+              <a:t>a3</a:t>
+            </a:r>
+          </a:p>
+        </p:txBody>
+      </p:sp>
+      <p:sp>
+        <p:nvSpPr>
+          <p:cNvPr id="383" name="Rectangle 382">
+            <a:extLst>
+              <a:ext uri="{FF2B5EF4-FFF2-40B4-BE49-F238E27FC236}">
+                <a16:creationId xmlns:a16="http://schemas.microsoft.com/office/drawing/2014/main" id="{EBC394ED-C84F-CA49-872E-3E0DACB4B8E1}"/>
               </a:ext>
             </a:extLst>
           </p:cNvPr>
@@ -9269,363 +9057,7 @@
         </p:nvSpPr>
         <p:spPr>
           <a:xfrm>
-            <a:off x="6933276" y="2403279"/>
-            <a:ext cx="45719" cy="246221"/>
-          </a:xfrm>
-          <a:prstGeom prst="rect">
-            <a:avLst/>
-          </a:prstGeom>
-          <a:solidFill>
-            <a:schemeClr val="accent4">
-              <a:lumMod val="75000"/>
-            </a:schemeClr>
-          </a:solidFill>
-          <a:ln>
-            <a:noFill/>
-          </a:ln>
-        </p:spPr>
-        <p:style>
-          <a:lnRef idx="2">
-            <a:schemeClr val="accent1">
-              <a:shade val="50000"/>
-            </a:schemeClr>
-          </a:lnRef>
-          <a:fillRef idx="1">
-            <a:schemeClr val="accent1"/>
-          </a:fillRef>
-          <a:effectRef idx="0">
-            <a:schemeClr val="accent1"/>
-          </a:effectRef>
-          <a:fontRef idx="minor">
-            <a:schemeClr val="lt1"/>
-          </a:fontRef>
-        </p:style>
-        <p:txBody>
-          <a:bodyPr rtlCol="0" anchor="ctr"/>
-          <a:lstStyle/>
-          <a:p>
-            <a:pPr algn="ctr"/>
-            <a:endParaRPr lang="en-US"/>
-          </a:p>
-        </p:txBody>
-      </p:sp>
-      <p:sp>
-        <p:nvSpPr>
-          <p:cNvPr id="372" name="TextBox 371">
-            <a:extLst>
-              <a:ext uri="{FF2B5EF4-FFF2-40B4-BE49-F238E27FC236}">
-                <a16:creationId xmlns:a16="http://schemas.microsoft.com/office/drawing/2014/main" id="{6FD1FEE1-5078-DC45-9819-A0FFC45FFD12}"/>
-              </a:ext>
-            </a:extLst>
-          </p:cNvPr>
-          <p:cNvSpPr txBox="1"/>
-          <p:nvPr/>
-        </p:nvSpPr>
-        <p:spPr>
-          <a:xfrm>
-            <a:off x="7179519" y="2641126"/>
-            <a:ext cx="317716" cy="246221"/>
-          </a:xfrm>
-          <a:prstGeom prst="rect">
-            <a:avLst/>
-          </a:prstGeom>
-          <a:noFill/>
-        </p:spPr>
-        <p:txBody>
-          <a:bodyPr wrap="none" rtlCol="0">
-            <a:spAutoFit/>
-          </a:bodyPr>
-          <a:lstStyle/>
-          <a:p>
-            <a:r>
-              <a:rPr lang="en-US" sz="1000" dirty="0"/>
-              <a:t>b2</a:t>
-            </a:r>
-          </a:p>
-        </p:txBody>
-      </p:sp>
-      <p:sp>
-        <p:nvSpPr>
-          <p:cNvPr id="373" name="Rectangle 372">
-            <a:extLst>
-              <a:ext uri="{FF2B5EF4-FFF2-40B4-BE49-F238E27FC236}">
-                <a16:creationId xmlns:a16="http://schemas.microsoft.com/office/drawing/2014/main" id="{FD4D08DB-B5D1-274D-9552-AF366DAD22FB}"/>
-              </a:ext>
-            </a:extLst>
-          </p:cNvPr>
-          <p:cNvSpPr/>
-          <p:nvPr/>
-        </p:nvSpPr>
-        <p:spPr>
-          <a:xfrm>
-            <a:off x="7199422" y="2641126"/>
-            <a:ext cx="45719" cy="246221"/>
-          </a:xfrm>
-          <a:prstGeom prst="rect">
-            <a:avLst/>
-          </a:prstGeom>
-          <a:solidFill>
-            <a:schemeClr val="accent4">
-              <a:lumMod val="75000"/>
-            </a:schemeClr>
-          </a:solidFill>
-          <a:ln>
-            <a:noFill/>
-          </a:ln>
-        </p:spPr>
-        <p:style>
-          <a:lnRef idx="2">
-            <a:schemeClr val="accent1">
-              <a:shade val="50000"/>
-            </a:schemeClr>
-          </a:lnRef>
-          <a:fillRef idx="1">
-            <a:schemeClr val="accent1"/>
-          </a:fillRef>
-          <a:effectRef idx="0">
-            <a:schemeClr val="accent1"/>
-          </a:effectRef>
-          <a:fontRef idx="minor">
-            <a:schemeClr val="lt1"/>
-          </a:fontRef>
-        </p:style>
-        <p:txBody>
-          <a:bodyPr rtlCol="0" anchor="ctr"/>
-          <a:lstStyle/>
-          <a:p>
-            <a:pPr algn="ctr"/>
-            <a:endParaRPr lang="en-US"/>
-          </a:p>
-        </p:txBody>
-      </p:sp>
-      <p:sp>
-        <p:nvSpPr>
-          <p:cNvPr id="374" name="TextBox 373">
-            <a:extLst>
-              <a:ext uri="{FF2B5EF4-FFF2-40B4-BE49-F238E27FC236}">
-                <a16:creationId xmlns:a16="http://schemas.microsoft.com/office/drawing/2014/main" id="{4DB7B386-884A-1A42-B943-A5B2C50C600A}"/>
-              </a:ext>
-            </a:extLst>
-          </p:cNvPr>
-          <p:cNvSpPr txBox="1"/>
-          <p:nvPr/>
-        </p:nvSpPr>
-        <p:spPr>
-          <a:xfrm>
-            <a:off x="7478279" y="2891187"/>
-            <a:ext cx="317716" cy="246221"/>
-          </a:xfrm>
-          <a:prstGeom prst="rect">
-            <a:avLst/>
-          </a:prstGeom>
-          <a:noFill/>
-        </p:spPr>
-        <p:txBody>
-          <a:bodyPr wrap="none" rtlCol="0">
-            <a:spAutoFit/>
-          </a:bodyPr>
-          <a:lstStyle/>
-          <a:p>
-            <a:r>
-              <a:rPr lang="en-US" sz="1000" dirty="0"/>
-              <a:t>b3</a:t>
-            </a:r>
-          </a:p>
-        </p:txBody>
-      </p:sp>
-      <p:sp>
-        <p:nvSpPr>
-          <p:cNvPr id="375" name="Rectangle 374">
-            <a:extLst>
-              <a:ext uri="{FF2B5EF4-FFF2-40B4-BE49-F238E27FC236}">
-                <a16:creationId xmlns:a16="http://schemas.microsoft.com/office/drawing/2014/main" id="{5EB6F7FD-3A14-1E4E-A2C5-866E0120FCD9}"/>
-              </a:ext>
-            </a:extLst>
-          </p:cNvPr>
-          <p:cNvSpPr/>
-          <p:nvPr/>
-        </p:nvSpPr>
-        <p:spPr>
-          <a:xfrm>
-            <a:off x="7498182" y="2891187"/>
-            <a:ext cx="45719" cy="246221"/>
-          </a:xfrm>
-          <a:prstGeom prst="rect">
-            <a:avLst/>
-          </a:prstGeom>
-          <a:solidFill>
-            <a:schemeClr val="accent4">
-              <a:lumMod val="75000"/>
-            </a:schemeClr>
-          </a:solidFill>
-          <a:ln>
-            <a:noFill/>
-          </a:ln>
-        </p:spPr>
-        <p:style>
-          <a:lnRef idx="2">
-            <a:schemeClr val="accent1">
-              <a:shade val="50000"/>
-            </a:schemeClr>
-          </a:lnRef>
-          <a:fillRef idx="1">
-            <a:schemeClr val="accent1"/>
-          </a:fillRef>
-          <a:effectRef idx="0">
-            <a:schemeClr val="accent1"/>
-          </a:effectRef>
-          <a:fontRef idx="minor">
-            <a:schemeClr val="lt1"/>
-          </a:fontRef>
-        </p:style>
-        <p:txBody>
-          <a:bodyPr rtlCol="0" anchor="ctr"/>
-          <a:lstStyle/>
-          <a:p>
-            <a:pPr algn="ctr"/>
-            <a:endParaRPr lang="en-US"/>
-          </a:p>
-        </p:txBody>
-      </p:sp>
-      <p:sp>
-        <p:nvSpPr>
-          <p:cNvPr id="376" name="TextBox 375">
-            <a:extLst>
-              <a:ext uri="{FF2B5EF4-FFF2-40B4-BE49-F238E27FC236}">
-                <a16:creationId xmlns:a16="http://schemas.microsoft.com/office/drawing/2014/main" id="{8ED62B70-DB46-5B42-A40B-43681BA1443B}"/>
-              </a:ext>
-            </a:extLst>
-          </p:cNvPr>
-          <p:cNvSpPr txBox="1"/>
-          <p:nvPr/>
-        </p:nvSpPr>
-        <p:spPr>
-          <a:xfrm>
-            <a:off x="7772562" y="3131386"/>
-            <a:ext cx="317716" cy="246221"/>
-          </a:xfrm>
-          <a:prstGeom prst="rect">
-            <a:avLst/>
-          </a:prstGeom>
-          <a:noFill/>
-        </p:spPr>
-        <p:txBody>
-          <a:bodyPr wrap="none" rtlCol="0">
-            <a:spAutoFit/>
-          </a:bodyPr>
-          <a:lstStyle/>
-          <a:p>
-            <a:r>
-              <a:rPr lang="en-US" sz="1000" dirty="0"/>
-              <a:t>b4</a:t>
-            </a:r>
-          </a:p>
-        </p:txBody>
-      </p:sp>
-      <p:sp>
-        <p:nvSpPr>
-          <p:cNvPr id="377" name="Rectangle 376">
-            <a:extLst>
-              <a:ext uri="{FF2B5EF4-FFF2-40B4-BE49-F238E27FC236}">
-                <a16:creationId xmlns:a16="http://schemas.microsoft.com/office/drawing/2014/main" id="{429B7B58-FDB6-734D-9B2D-55B9F636998B}"/>
-              </a:ext>
-            </a:extLst>
-          </p:cNvPr>
-          <p:cNvSpPr/>
-          <p:nvPr/>
-        </p:nvSpPr>
-        <p:spPr>
-          <a:xfrm>
-            <a:off x="7792465" y="3131386"/>
-            <a:ext cx="45719" cy="246221"/>
-          </a:xfrm>
-          <a:prstGeom prst="rect">
-            <a:avLst/>
-          </a:prstGeom>
-          <a:solidFill>
-            <a:schemeClr val="accent4">
-              <a:lumMod val="75000"/>
-            </a:schemeClr>
-          </a:solidFill>
-          <a:ln>
-            <a:noFill/>
-          </a:ln>
-        </p:spPr>
-        <p:style>
-          <a:lnRef idx="2">
-            <a:schemeClr val="accent1">
-              <a:shade val="50000"/>
-            </a:schemeClr>
-          </a:lnRef>
-          <a:fillRef idx="1">
-            <a:schemeClr val="accent1"/>
-          </a:fillRef>
-          <a:effectRef idx="0">
-            <a:schemeClr val="accent1"/>
-          </a:effectRef>
-          <a:fontRef idx="minor">
-            <a:schemeClr val="lt1"/>
-          </a:fontRef>
-        </p:style>
-        <p:txBody>
-          <a:bodyPr rtlCol="0" anchor="ctr"/>
-          <a:lstStyle/>
-          <a:p>
-            <a:pPr algn="ctr"/>
-            <a:endParaRPr lang="en-US"/>
-          </a:p>
-        </p:txBody>
-      </p:sp>
-      <p:sp>
-        <p:nvSpPr>
-          <p:cNvPr id="378" name="TextBox 377">
-            <a:extLst>
-              <a:ext uri="{FF2B5EF4-FFF2-40B4-BE49-F238E27FC236}">
-                <a16:creationId xmlns:a16="http://schemas.microsoft.com/office/drawing/2014/main" id="{3EBC9ED6-47C4-6E48-BB27-40113CCC4749}"/>
-              </a:ext>
-            </a:extLst>
-          </p:cNvPr>
-          <p:cNvSpPr txBox="1"/>
-          <p:nvPr/>
-        </p:nvSpPr>
-        <p:spPr>
-          <a:xfrm>
-            <a:off x="4894724" y="2402950"/>
-            <a:ext cx="311304" cy="246221"/>
-          </a:xfrm>
-          <a:prstGeom prst="rect">
-            <a:avLst/>
-          </a:prstGeom>
-          <a:noFill/>
-        </p:spPr>
-        <p:txBody>
-          <a:bodyPr wrap="none" rtlCol="0">
-            <a:spAutoFit/>
-          </a:bodyPr>
-          <a:lstStyle/>
-          <a:p>
-            <a:r>
-              <a:rPr lang="en-US" sz="1000" dirty="0"/>
-              <a:t>a1</a:t>
-            </a:r>
-          </a:p>
-        </p:txBody>
-      </p:sp>
-      <p:sp>
-        <p:nvSpPr>
-          <p:cNvPr id="379" name="Rectangle 378">
-            <a:extLst>
-              <a:ext uri="{FF2B5EF4-FFF2-40B4-BE49-F238E27FC236}">
-                <a16:creationId xmlns:a16="http://schemas.microsoft.com/office/drawing/2014/main" id="{60FF1D8B-E0F6-FF4B-A7E5-67BFBF1258DD}"/>
-              </a:ext>
-            </a:extLst>
-          </p:cNvPr>
-          <p:cNvSpPr/>
-          <p:nvPr/>
-        </p:nvSpPr>
-        <p:spPr>
-          <a:xfrm>
-            <a:off x="4914627" y="2402950"/>
+            <a:off x="5486705" y="2897208"/>
             <a:ext cx="45719" cy="246221"/>
           </a:xfrm>
           <a:prstGeom prst="rect">
@@ -9635,271 +9067,6 @@
             <a:schemeClr val="accent2">
               <a:lumMod val="75000"/>
             </a:schemeClr>
-          </a:solidFill>
-          <a:ln>
-            <a:noFill/>
-          </a:ln>
-        </p:spPr>
-        <p:style>
-          <a:lnRef idx="2">
-            <a:schemeClr val="accent1">
-              <a:shade val="50000"/>
-            </a:schemeClr>
-          </a:lnRef>
-          <a:fillRef idx="1">
-            <a:schemeClr val="accent1"/>
-          </a:fillRef>
-          <a:effectRef idx="0">
-            <a:schemeClr val="accent1"/>
-          </a:effectRef>
-          <a:fontRef idx="minor">
-            <a:schemeClr val="lt1"/>
-          </a:fontRef>
-        </p:style>
-        <p:txBody>
-          <a:bodyPr rtlCol="0" anchor="ctr"/>
-          <a:lstStyle/>
-          <a:p>
-            <a:pPr algn="ctr"/>
-            <a:endParaRPr lang="en-US"/>
-          </a:p>
-        </p:txBody>
-      </p:sp>
-      <p:sp>
-        <p:nvSpPr>
-          <p:cNvPr id="380" name="TextBox 379">
-            <a:extLst>
-              <a:ext uri="{FF2B5EF4-FFF2-40B4-BE49-F238E27FC236}">
-                <a16:creationId xmlns:a16="http://schemas.microsoft.com/office/drawing/2014/main" id="{16FB370B-FEDB-B747-A51C-F7C685336D63}"/>
-              </a:ext>
-            </a:extLst>
-          </p:cNvPr>
-          <p:cNvSpPr txBox="1"/>
-          <p:nvPr/>
-        </p:nvSpPr>
-        <p:spPr>
-          <a:xfrm>
-            <a:off x="5168042" y="2647147"/>
-            <a:ext cx="311304" cy="246221"/>
-          </a:xfrm>
-          <a:prstGeom prst="rect">
-            <a:avLst/>
-          </a:prstGeom>
-          <a:noFill/>
-        </p:spPr>
-        <p:txBody>
-          <a:bodyPr wrap="none" rtlCol="0">
-            <a:spAutoFit/>
-          </a:bodyPr>
-          <a:lstStyle/>
-          <a:p>
-            <a:r>
-              <a:rPr lang="en-US" sz="1000" dirty="0"/>
-              <a:t>a2</a:t>
-            </a:r>
-          </a:p>
-        </p:txBody>
-      </p:sp>
-      <p:sp>
-        <p:nvSpPr>
-          <p:cNvPr id="381" name="Rectangle 380">
-            <a:extLst>
-              <a:ext uri="{FF2B5EF4-FFF2-40B4-BE49-F238E27FC236}">
-                <a16:creationId xmlns:a16="http://schemas.microsoft.com/office/drawing/2014/main" id="{52CC06D2-365D-774A-8D67-9335267D3E1C}"/>
-              </a:ext>
-            </a:extLst>
-          </p:cNvPr>
-          <p:cNvSpPr/>
-          <p:nvPr/>
-        </p:nvSpPr>
-        <p:spPr>
-          <a:xfrm>
-            <a:off x="5187945" y="2647147"/>
-            <a:ext cx="45719" cy="246221"/>
-          </a:xfrm>
-          <a:prstGeom prst="rect">
-            <a:avLst/>
-          </a:prstGeom>
-          <a:solidFill>
-            <a:schemeClr val="accent2">
-              <a:lumMod val="75000"/>
-            </a:schemeClr>
-          </a:solidFill>
-          <a:ln>
-            <a:noFill/>
-          </a:ln>
-        </p:spPr>
-        <p:style>
-          <a:lnRef idx="2">
-            <a:schemeClr val="accent1">
-              <a:shade val="50000"/>
-            </a:schemeClr>
-          </a:lnRef>
-          <a:fillRef idx="1">
-            <a:schemeClr val="accent1"/>
-          </a:fillRef>
-          <a:effectRef idx="0">
-            <a:schemeClr val="accent1"/>
-          </a:effectRef>
-          <a:fontRef idx="minor">
-            <a:schemeClr val="lt1"/>
-          </a:fontRef>
-        </p:style>
-        <p:txBody>
-          <a:bodyPr rtlCol="0" anchor="ctr"/>
-          <a:lstStyle/>
-          <a:p>
-            <a:pPr algn="ctr"/>
-            <a:endParaRPr lang="en-US"/>
-          </a:p>
-        </p:txBody>
-      </p:sp>
-      <p:sp>
-        <p:nvSpPr>
-          <p:cNvPr id="382" name="TextBox 381">
-            <a:extLst>
-              <a:ext uri="{FF2B5EF4-FFF2-40B4-BE49-F238E27FC236}">
-                <a16:creationId xmlns:a16="http://schemas.microsoft.com/office/drawing/2014/main" id="{7A4CB93B-6712-C448-9D26-FED4FAE6D10D}"/>
-              </a:ext>
-            </a:extLst>
-          </p:cNvPr>
-          <p:cNvSpPr txBox="1"/>
-          <p:nvPr/>
-        </p:nvSpPr>
-        <p:spPr>
-          <a:xfrm>
-            <a:off x="5466802" y="2897208"/>
-            <a:ext cx="311304" cy="246221"/>
-          </a:xfrm>
-          <a:prstGeom prst="rect">
-            <a:avLst/>
-          </a:prstGeom>
-          <a:noFill/>
-        </p:spPr>
-        <p:txBody>
-          <a:bodyPr wrap="none" rtlCol="0">
-            <a:spAutoFit/>
-          </a:bodyPr>
-          <a:lstStyle/>
-          <a:p>
-            <a:r>
-              <a:rPr lang="en-US" sz="1000" dirty="0"/>
-              <a:t>a3</a:t>
-            </a:r>
-          </a:p>
-        </p:txBody>
-      </p:sp>
-      <p:sp>
-        <p:nvSpPr>
-          <p:cNvPr id="383" name="Rectangle 382">
-            <a:extLst>
-              <a:ext uri="{FF2B5EF4-FFF2-40B4-BE49-F238E27FC236}">
-                <a16:creationId xmlns:a16="http://schemas.microsoft.com/office/drawing/2014/main" id="{EBC394ED-C84F-CA49-872E-3E0DACB4B8E1}"/>
-              </a:ext>
-            </a:extLst>
-          </p:cNvPr>
-          <p:cNvSpPr/>
-          <p:nvPr/>
-        </p:nvSpPr>
-        <p:spPr>
-          <a:xfrm>
-            <a:off x="5486705" y="2897208"/>
-            <a:ext cx="45719" cy="246221"/>
-          </a:xfrm>
-          <a:prstGeom prst="rect">
-            <a:avLst/>
-          </a:prstGeom>
-          <a:solidFill>
-            <a:schemeClr val="accent2">
-              <a:lumMod val="75000"/>
-            </a:schemeClr>
-          </a:solidFill>
-          <a:ln>
-            <a:noFill/>
-          </a:ln>
-        </p:spPr>
-        <p:style>
-          <a:lnRef idx="2">
-            <a:schemeClr val="accent1">
-              <a:shade val="50000"/>
-            </a:schemeClr>
-          </a:lnRef>
-          <a:fillRef idx="1">
-            <a:schemeClr val="accent1"/>
-          </a:fillRef>
-          <a:effectRef idx="0">
-            <a:schemeClr val="accent1"/>
-          </a:effectRef>
-          <a:fontRef idx="minor">
-            <a:schemeClr val="lt1"/>
-          </a:fontRef>
-        </p:style>
-        <p:txBody>
-          <a:bodyPr rtlCol="0" anchor="ctr"/>
-          <a:lstStyle/>
-          <a:p>
-            <a:pPr algn="ctr"/>
-            <a:endParaRPr lang="en-US"/>
-          </a:p>
-        </p:txBody>
-      </p:sp>
-      <p:sp>
-        <p:nvSpPr>
-          <p:cNvPr id="385" name="TextBox 384">
-            <a:extLst>
-              <a:ext uri="{FF2B5EF4-FFF2-40B4-BE49-F238E27FC236}">
-                <a16:creationId xmlns:a16="http://schemas.microsoft.com/office/drawing/2014/main" id="{1593B82E-F32D-7540-A5FA-EAB48328D1BD}"/>
-              </a:ext>
-            </a:extLst>
-          </p:cNvPr>
-          <p:cNvSpPr txBox="1"/>
-          <p:nvPr/>
-        </p:nvSpPr>
-        <p:spPr>
-          <a:xfrm>
-            <a:off x="11523752" y="3646825"/>
-            <a:ext cx="346827" cy="246221"/>
-          </a:xfrm>
-          <a:prstGeom prst="rect">
-            <a:avLst/>
-          </a:prstGeom>
-          <a:noFill/>
-        </p:spPr>
-        <p:txBody>
-          <a:bodyPr wrap="square" rtlCol="0">
-            <a:spAutoFit/>
-          </a:bodyPr>
-          <a:lstStyle/>
-          <a:p>
-            <a:r>
-              <a:rPr lang="en-US" sz="1000" dirty="0"/>
-              <a:t>rc1</a:t>
-            </a:r>
-          </a:p>
-        </p:txBody>
-      </p:sp>
-      <p:sp>
-        <p:nvSpPr>
-          <p:cNvPr id="386" name="Rectangle 385">
-            <a:extLst>
-              <a:ext uri="{FF2B5EF4-FFF2-40B4-BE49-F238E27FC236}">
-                <a16:creationId xmlns:a16="http://schemas.microsoft.com/office/drawing/2014/main" id="{B0D12A25-C6EF-0544-AA9B-3343FF30AAC6}"/>
-              </a:ext>
-            </a:extLst>
-          </p:cNvPr>
-          <p:cNvSpPr/>
-          <p:nvPr/>
-        </p:nvSpPr>
-        <p:spPr>
-          <a:xfrm>
-            <a:off x="11534081" y="3646825"/>
-            <a:ext cx="45719" cy="246221"/>
-          </a:xfrm>
-          <a:prstGeom prst="rect">
-            <a:avLst/>
-          </a:prstGeom>
-          <a:solidFill>
-            <a:schemeClr val="accent4"/>
           </a:solidFill>
           <a:ln>
             <a:noFill/>
@@ -10024,10 +9191,10 @@
       </p:sp>
       <p:sp>
         <p:nvSpPr>
-          <p:cNvPr id="389" name="TextBox 388">
-            <a:extLst>
-              <a:ext uri="{FF2B5EF4-FFF2-40B4-BE49-F238E27FC236}">
-                <a16:creationId xmlns:a16="http://schemas.microsoft.com/office/drawing/2014/main" id="{15905899-4129-A64D-8C3D-C91D7924324C}"/>
+          <p:cNvPr id="391" name="TextBox 390">
+            <a:extLst>
+              <a:ext uri="{FF2B5EF4-FFF2-40B4-BE49-F238E27FC236}">
+                <a16:creationId xmlns:a16="http://schemas.microsoft.com/office/drawing/2014/main" id="{01305373-C7EF-0348-B9C6-B64205416413}"/>
               </a:ext>
             </a:extLst>
           </p:cNvPr>
@@ -10036,8 +9203,8 @@
         </p:nvSpPr>
         <p:spPr>
           <a:xfrm>
-            <a:off x="11568243" y="3888244"/>
-            <a:ext cx="349776" cy="246221"/>
+            <a:off x="9222284" y="4386810"/>
+            <a:ext cx="311304" cy="246221"/>
           </a:xfrm>
           <a:prstGeom prst="rect">
             <a:avLst/>
@@ -10052,93 +9219,6 @@
           <a:p>
             <a:r>
               <a:rPr lang="en-US" sz="1000" dirty="0"/>
-              <a:t>rc2</a:t>
-            </a:r>
-          </a:p>
-        </p:txBody>
-      </p:sp>
-      <p:sp>
-        <p:nvSpPr>
-          <p:cNvPr id="390" name="Rectangle 389">
-            <a:extLst>
-              <a:ext uri="{FF2B5EF4-FFF2-40B4-BE49-F238E27FC236}">
-                <a16:creationId xmlns:a16="http://schemas.microsoft.com/office/drawing/2014/main" id="{854A60F7-EA2B-C141-A709-84595D04CE74}"/>
-              </a:ext>
-            </a:extLst>
-          </p:cNvPr>
-          <p:cNvSpPr/>
-          <p:nvPr/>
-        </p:nvSpPr>
-        <p:spPr>
-          <a:xfrm>
-            <a:off x="11593122" y="3891419"/>
-            <a:ext cx="45719" cy="246221"/>
-          </a:xfrm>
-          <a:prstGeom prst="rect">
-            <a:avLst/>
-          </a:prstGeom>
-          <a:solidFill>
-            <a:schemeClr val="accent4"/>
-          </a:solidFill>
-          <a:ln>
-            <a:noFill/>
-          </a:ln>
-        </p:spPr>
-        <p:style>
-          <a:lnRef idx="2">
-            <a:schemeClr val="accent1">
-              <a:shade val="50000"/>
-            </a:schemeClr>
-          </a:lnRef>
-          <a:fillRef idx="1">
-            <a:schemeClr val="accent1"/>
-          </a:fillRef>
-          <a:effectRef idx="0">
-            <a:schemeClr val="accent1"/>
-          </a:effectRef>
-          <a:fontRef idx="minor">
-            <a:schemeClr val="lt1"/>
-          </a:fontRef>
-        </p:style>
-        <p:txBody>
-          <a:bodyPr rtlCol="0" anchor="ctr"/>
-          <a:lstStyle/>
-          <a:p>
-            <a:pPr algn="ctr"/>
-            <a:endParaRPr lang="en-US"/>
-          </a:p>
-        </p:txBody>
-      </p:sp>
-      <p:sp>
-        <p:nvSpPr>
-          <p:cNvPr id="391" name="TextBox 390">
-            <a:extLst>
-              <a:ext uri="{FF2B5EF4-FFF2-40B4-BE49-F238E27FC236}">
-                <a16:creationId xmlns:a16="http://schemas.microsoft.com/office/drawing/2014/main" id="{01305373-C7EF-0348-B9C6-B64205416413}"/>
-              </a:ext>
-            </a:extLst>
-          </p:cNvPr>
-          <p:cNvSpPr txBox="1"/>
-          <p:nvPr/>
-        </p:nvSpPr>
-        <p:spPr>
-          <a:xfrm>
-            <a:off x="9222284" y="4386810"/>
-            <a:ext cx="311304" cy="246221"/>
-          </a:xfrm>
-          <a:prstGeom prst="rect">
-            <a:avLst/>
-          </a:prstGeom>
-          <a:noFill/>
-        </p:spPr>
-        <p:txBody>
-          <a:bodyPr wrap="none" rtlCol="0">
-            <a:spAutoFit/>
-          </a:bodyPr>
-          <a:lstStyle/>
-          <a:p>
-            <a:r>
-              <a:rPr lang="en-US" sz="1000" dirty="0"/>
               <a:t>a4</a:t>
             </a:r>
           </a:p>
@@ -10166,362 +9246,6 @@
           </a:prstGeom>
           <a:solidFill>
             <a:schemeClr val="accent2">
-              <a:lumMod val="75000"/>
-            </a:schemeClr>
-          </a:solidFill>
-          <a:ln>
-            <a:noFill/>
-          </a:ln>
-        </p:spPr>
-        <p:style>
-          <a:lnRef idx="2">
-            <a:schemeClr val="accent1">
-              <a:shade val="50000"/>
-            </a:schemeClr>
-          </a:lnRef>
-          <a:fillRef idx="1">
-            <a:schemeClr val="accent1"/>
-          </a:fillRef>
-          <a:effectRef idx="0">
-            <a:schemeClr val="accent1"/>
-          </a:effectRef>
-          <a:fontRef idx="minor">
-            <a:schemeClr val="lt1"/>
-          </a:fontRef>
-        </p:style>
-        <p:txBody>
-          <a:bodyPr rtlCol="0" anchor="ctr"/>
-          <a:lstStyle/>
-          <a:p>
-            <a:pPr algn="ctr"/>
-            <a:endParaRPr lang="en-US"/>
-          </a:p>
-        </p:txBody>
-      </p:sp>
-      <p:sp>
-        <p:nvSpPr>
-          <p:cNvPr id="399" name="TextBox 398">
-            <a:extLst>
-              <a:ext uri="{FF2B5EF4-FFF2-40B4-BE49-F238E27FC236}">
-                <a16:creationId xmlns:a16="http://schemas.microsoft.com/office/drawing/2014/main" id="{DC7ABF65-2F7F-254C-977E-E4A0985F2EA9}"/>
-              </a:ext>
-            </a:extLst>
-          </p:cNvPr>
-          <p:cNvSpPr txBox="1"/>
-          <p:nvPr/>
-        </p:nvSpPr>
-        <p:spPr>
-          <a:xfrm>
-            <a:off x="10364667" y="3647154"/>
-            <a:ext cx="317716" cy="246221"/>
-          </a:xfrm>
-          <a:prstGeom prst="rect">
-            <a:avLst/>
-          </a:prstGeom>
-          <a:noFill/>
-        </p:spPr>
-        <p:txBody>
-          <a:bodyPr wrap="none" rtlCol="0">
-            <a:spAutoFit/>
-          </a:bodyPr>
-          <a:lstStyle/>
-          <a:p>
-            <a:r>
-              <a:rPr lang="en-US" sz="1000" dirty="0"/>
-              <a:t>b1</a:t>
-            </a:r>
-          </a:p>
-        </p:txBody>
-      </p:sp>
-      <p:sp>
-        <p:nvSpPr>
-          <p:cNvPr id="400" name="Rectangle 399">
-            <a:extLst>
-              <a:ext uri="{FF2B5EF4-FFF2-40B4-BE49-F238E27FC236}">
-                <a16:creationId xmlns:a16="http://schemas.microsoft.com/office/drawing/2014/main" id="{266E3CE2-5A38-F149-8FE0-D2A419704120}"/>
-              </a:ext>
-            </a:extLst>
-          </p:cNvPr>
-          <p:cNvSpPr/>
-          <p:nvPr/>
-        </p:nvSpPr>
-        <p:spPr>
-          <a:xfrm>
-            <a:off x="10384570" y="3647154"/>
-            <a:ext cx="45719" cy="246221"/>
-          </a:xfrm>
-          <a:prstGeom prst="rect">
-            <a:avLst/>
-          </a:prstGeom>
-          <a:solidFill>
-            <a:schemeClr val="accent4">
-              <a:lumMod val="75000"/>
-            </a:schemeClr>
-          </a:solidFill>
-          <a:ln>
-            <a:noFill/>
-          </a:ln>
-        </p:spPr>
-        <p:style>
-          <a:lnRef idx="2">
-            <a:schemeClr val="accent1">
-              <a:shade val="50000"/>
-            </a:schemeClr>
-          </a:lnRef>
-          <a:fillRef idx="1">
-            <a:schemeClr val="accent1"/>
-          </a:fillRef>
-          <a:effectRef idx="0">
-            <a:schemeClr val="accent1"/>
-          </a:effectRef>
-          <a:fontRef idx="minor">
-            <a:schemeClr val="lt1"/>
-          </a:fontRef>
-        </p:style>
-        <p:txBody>
-          <a:bodyPr rtlCol="0" anchor="ctr"/>
-          <a:lstStyle/>
-          <a:p>
-            <a:pPr algn="ctr"/>
-            <a:endParaRPr lang="en-US"/>
-          </a:p>
-        </p:txBody>
-      </p:sp>
-      <p:sp>
-        <p:nvSpPr>
-          <p:cNvPr id="401" name="TextBox 400">
-            <a:extLst>
-              <a:ext uri="{FF2B5EF4-FFF2-40B4-BE49-F238E27FC236}">
-                <a16:creationId xmlns:a16="http://schemas.microsoft.com/office/drawing/2014/main" id="{70E914F3-8830-1649-86F4-736336D51305}"/>
-              </a:ext>
-            </a:extLst>
-          </p:cNvPr>
-          <p:cNvSpPr txBox="1"/>
-          <p:nvPr/>
-        </p:nvSpPr>
-        <p:spPr>
-          <a:xfrm>
-            <a:off x="10640718" y="3890529"/>
-            <a:ext cx="317716" cy="246221"/>
-          </a:xfrm>
-          <a:prstGeom prst="rect">
-            <a:avLst/>
-          </a:prstGeom>
-          <a:noFill/>
-        </p:spPr>
-        <p:txBody>
-          <a:bodyPr wrap="none" rtlCol="0">
-            <a:spAutoFit/>
-          </a:bodyPr>
-          <a:lstStyle/>
-          <a:p>
-            <a:r>
-              <a:rPr lang="en-US" sz="1000" dirty="0"/>
-              <a:t>b2</a:t>
-            </a:r>
-          </a:p>
-        </p:txBody>
-      </p:sp>
-      <p:sp>
-        <p:nvSpPr>
-          <p:cNvPr id="402" name="Rectangle 401">
-            <a:extLst>
-              <a:ext uri="{FF2B5EF4-FFF2-40B4-BE49-F238E27FC236}">
-                <a16:creationId xmlns:a16="http://schemas.microsoft.com/office/drawing/2014/main" id="{B0DBEEDB-45EB-6C40-84B9-A296406608DD}"/>
-              </a:ext>
-            </a:extLst>
-          </p:cNvPr>
-          <p:cNvSpPr/>
-          <p:nvPr/>
-        </p:nvSpPr>
-        <p:spPr>
-          <a:xfrm>
-            <a:off x="10660621" y="3890529"/>
-            <a:ext cx="45719" cy="246221"/>
-          </a:xfrm>
-          <a:prstGeom prst="rect">
-            <a:avLst/>
-          </a:prstGeom>
-          <a:solidFill>
-            <a:schemeClr val="accent4">
-              <a:lumMod val="75000"/>
-            </a:schemeClr>
-          </a:solidFill>
-          <a:ln>
-            <a:noFill/>
-          </a:ln>
-        </p:spPr>
-        <p:style>
-          <a:lnRef idx="2">
-            <a:schemeClr val="accent1">
-              <a:shade val="50000"/>
-            </a:schemeClr>
-          </a:lnRef>
-          <a:fillRef idx="1">
-            <a:schemeClr val="accent1"/>
-          </a:fillRef>
-          <a:effectRef idx="0">
-            <a:schemeClr val="accent1"/>
-          </a:effectRef>
-          <a:fontRef idx="minor">
-            <a:schemeClr val="lt1"/>
-          </a:fontRef>
-        </p:style>
-        <p:txBody>
-          <a:bodyPr rtlCol="0" anchor="ctr"/>
-          <a:lstStyle/>
-          <a:p>
-            <a:pPr algn="ctr"/>
-            <a:endParaRPr lang="en-US"/>
-          </a:p>
-        </p:txBody>
-      </p:sp>
-      <p:sp>
-        <p:nvSpPr>
-          <p:cNvPr id="403" name="TextBox 402">
-            <a:extLst>
-              <a:ext uri="{FF2B5EF4-FFF2-40B4-BE49-F238E27FC236}">
-                <a16:creationId xmlns:a16="http://schemas.microsoft.com/office/drawing/2014/main" id="{6A841CD3-AFEA-8847-9BEE-11894198CD7E}"/>
-              </a:ext>
-            </a:extLst>
-          </p:cNvPr>
-          <p:cNvSpPr txBox="1"/>
-          <p:nvPr/>
-        </p:nvSpPr>
-        <p:spPr>
-          <a:xfrm>
-            <a:off x="10928326" y="4140590"/>
-            <a:ext cx="317716" cy="246221"/>
-          </a:xfrm>
-          <a:prstGeom prst="rect">
-            <a:avLst/>
-          </a:prstGeom>
-          <a:noFill/>
-        </p:spPr>
-        <p:txBody>
-          <a:bodyPr wrap="none" rtlCol="0">
-            <a:spAutoFit/>
-          </a:bodyPr>
-          <a:lstStyle/>
-          <a:p>
-            <a:r>
-              <a:rPr lang="en-US" sz="1000" dirty="0"/>
-              <a:t>b3</a:t>
-            </a:r>
-          </a:p>
-        </p:txBody>
-      </p:sp>
-      <p:sp>
-        <p:nvSpPr>
-          <p:cNvPr id="404" name="Rectangle 403">
-            <a:extLst>
-              <a:ext uri="{FF2B5EF4-FFF2-40B4-BE49-F238E27FC236}">
-                <a16:creationId xmlns:a16="http://schemas.microsoft.com/office/drawing/2014/main" id="{720B9F53-72A4-6443-9997-6C9D2C509020}"/>
-              </a:ext>
-            </a:extLst>
-          </p:cNvPr>
-          <p:cNvSpPr/>
-          <p:nvPr/>
-        </p:nvSpPr>
-        <p:spPr>
-          <a:xfrm>
-            <a:off x="10948229" y="4140590"/>
-            <a:ext cx="45719" cy="246221"/>
-          </a:xfrm>
-          <a:prstGeom prst="rect">
-            <a:avLst/>
-          </a:prstGeom>
-          <a:solidFill>
-            <a:schemeClr val="accent4">
-              <a:lumMod val="75000"/>
-            </a:schemeClr>
-          </a:solidFill>
-          <a:ln>
-            <a:noFill/>
-          </a:ln>
-        </p:spPr>
-        <p:style>
-          <a:lnRef idx="2">
-            <a:schemeClr val="accent1">
-              <a:shade val="50000"/>
-            </a:schemeClr>
-          </a:lnRef>
-          <a:fillRef idx="1">
-            <a:schemeClr val="accent1"/>
-          </a:fillRef>
-          <a:effectRef idx="0">
-            <a:schemeClr val="accent1"/>
-          </a:effectRef>
-          <a:fontRef idx="minor">
-            <a:schemeClr val="lt1"/>
-          </a:fontRef>
-        </p:style>
-        <p:txBody>
-          <a:bodyPr rtlCol="0" anchor="ctr"/>
-          <a:lstStyle/>
-          <a:p>
-            <a:pPr algn="ctr"/>
-            <a:endParaRPr lang="en-US"/>
-          </a:p>
-        </p:txBody>
-      </p:sp>
-      <p:sp>
-        <p:nvSpPr>
-          <p:cNvPr id="405" name="TextBox 404">
-            <a:extLst>
-              <a:ext uri="{FF2B5EF4-FFF2-40B4-BE49-F238E27FC236}">
-                <a16:creationId xmlns:a16="http://schemas.microsoft.com/office/drawing/2014/main" id="{ABB4C913-DFF0-C34D-A072-1DDF6509C246}"/>
-              </a:ext>
-            </a:extLst>
-          </p:cNvPr>
-          <p:cNvSpPr txBox="1"/>
-          <p:nvPr/>
-        </p:nvSpPr>
-        <p:spPr>
-          <a:xfrm>
-            <a:off x="11222609" y="4380789"/>
-            <a:ext cx="317716" cy="246221"/>
-          </a:xfrm>
-          <a:prstGeom prst="rect">
-            <a:avLst/>
-          </a:prstGeom>
-          <a:noFill/>
-        </p:spPr>
-        <p:txBody>
-          <a:bodyPr wrap="none" rtlCol="0">
-            <a:spAutoFit/>
-          </a:bodyPr>
-          <a:lstStyle/>
-          <a:p>
-            <a:r>
-              <a:rPr lang="en-US" sz="1000" dirty="0"/>
-              <a:t>b4</a:t>
-            </a:r>
-          </a:p>
-        </p:txBody>
-      </p:sp>
-      <p:sp>
-        <p:nvSpPr>
-          <p:cNvPr id="406" name="Rectangle 405">
-            <a:extLst>
-              <a:ext uri="{FF2B5EF4-FFF2-40B4-BE49-F238E27FC236}">
-                <a16:creationId xmlns:a16="http://schemas.microsoft.com/office/drawing/2014/main" id="{5AC8233A-CA53-FB46-89D2-A3DCA9C1E7A2}"/>
-              </a:ext>
-            </a:extLst>
-          </p:cNvPr>
-          <p:cNvSpPr/>
-          <p:nvPr/>
-        </p:nvSpPr>
-        <p:spPr>
-          <a:xfrm>
-            <a:off x="11242512" y="4371163"/>
-            <a:ext cx="45719" cy="246221"/>
-          </a:xfrm>
-          <a:prstGeom prst="rect">
-            <a:avLst/>
-          </a:prstGeom>
-          <a:solidFill>
-            <a:schemeClr val="accent4">
               <a:lumMod val="75000"/>
             </a:schemeClr>
           </a:solidFill>
@@ -11523,8 +10247,8 @@
         </p:nvSpPr>
         <p:spPr>
           <a:xfrm>
-            <a:off x="3581174" y="808825"/>
-            <a:ext cx="894298" cy="307777"/>
+            <a:off x="3463012" y="808825"/>
+            <a:ext cx="871869" cy="307777"/>
           </a:xfrm>
           <a:prstGeom prst="rect">
             <a:avLst/>
@@ -11559,8 +10283,8 @@
         </p:nvSpPr>
         <p:spPr>
           <a:xfrm>
-            <a:off x="4512506" y="811005"/>
-            <a:ext cx="489458" cy="307777"/>
+            <a:off x="4334881" y="811005"/>
+            <a:ext cx="579717" cy="307777"/>
           </a:xfrm>
           <a:prstGeom prst="rect">
             <a:avLst/>
@@ -14003,6 +12727,1282 @@
           </a:prstGeom>
           <a:solidFill>
             <a:schemeClr val="accent2">
+              <a:lumMod val="75000"/>
+            </a:schemeClr>
+          </a:solidFill>
+          <a:ln>
+            <a:noFill/>
+          </a:ln>
+        </p:spPr>
+        <p:style>
+          <a:lnRef idx="2">
+            <a:schemeClr val="accent1">
+              <a:shade val="50000"/>
+            </a:schemeClr>
+          </a:lnRef>
+          <a:fillRef idx="1">
+            <a:schemeClr val="accent1"/>
+          </a:fillRef>
+          <a:effectRef idx="0">
+            <a:schemeClr val="accent1"/>
+          </a:effectRef>
+          <a:fontRef idx="minor">
+            <a:schemeClr val="lt1"/>
+          </a:fontRef>
+        </p:style>
+        <p:txBody>
+          <a:bodyPr rtlCol="0" anchor="ctr"/>
+          <a:lstStyle/>
+          <a:p>
+            <a:pPr algn="ctr"/>
+            <a:endParaRPr lang="en-US"/>
+          </a:p>
+        </p:txBody>
+      </p:sp>
+      <p:sp>
+        <p:nvSpPr>
+          <p:cNvPr id="279" name="Rectangle 278">
+            <a:extLst>
+              <a:ext uri="{FF2B5EF4-FFF2-40B4-BE49-F238E27FC236}">
+                <a16:creationId xmlns:a16="http://schemas.microsoft.com/office/drawing/2014/main" id="{A5BA2299-988B-244D-8799-8ED00B386700}"/>
+              </a:ext>
+            </a:extLst>
+          </p:cNvPr>
+          <p:cNvSpPr/>
+          <p:nvPr/>
+        </p:nvSpPr>
+        <p:spPr>
+          <a:xfrm>
+            <a:off x="6922961" y="2397551"/>
+            <a:ext cx="864973" cy="975358"/>
+          </a:xfrm>
+          <a:prstGeom prst="rect">
+            <a:avLst/>
+          </a:prstGeom>
+          <a:solidFill>
+            <a:srgbClr val="FFC000">
+              <a:alpha val="50000"/>
+            </a:srgbClr>
+          </a:solidFill>
+          <a:ln>
+            <a:noFill/>
+          </a:ln>
+        </p:spPr>
+        <p:style>
+          <a:lnRef idx="2">
+            <a:schemeClr val="accent1">
+              <a:shade val="50000"/>
+            </a:schemeClr>
+          </a:lnRef>
+          <a:fillRef idx="1">
+            <a:schemeClr val="accent1"/>
+          </a:fillRef>
+          <a:effectRef idx="0">
+            <a:schemeClr val="accent1"/>
+          </a:effectRef>
+          <a:fontRef idx="minor">
+            <a:schemeClr val="lt1"/>
+          </a:fontRef>
+        </p:style>
+        <p:txBody>
+          <a:bodyPr rtlCol="0" anchor="ctr"/>
+          <a:lstStyle/>
+          <a:p>
+            <a:pPr algn="ctr"/>
+            <a:endParaRPr lang="en-US" dirty="0"/>
+          </a:p>
+        </p:txBody>
+      </p:sp>
+      <p:sp>
+        <p:nvSpPr>
+          <p:cNvPr id="280" name="Rectangle 279">
+            <a:extLst>
+              <a:ext uri="{FF2B5EF4-FFF2-40B4-BE49-F238E27FC236}">
+                <a16:creationId xmlns:a16="http://schemas.microsoft.com/office/drawing/2014/main" id="{64A9A17F-D186-E44E-BE8A-E14531B25A32}"/>
+              </a:ext>
+            </a:extLst>
+          </p:cNvPr>
+          <p:cNvSpPr/>
+          <p:nvPr/>
+        </p:nvSpPr>
+        <p:spPr>
+          <a:xfrm>
+            <a:off x="7784139" y="2395519"/>
+            <a:ext cx="594989" cy="977439"/>
+          </a:xfrm>
+          <a:prstGeom prst="rect">
+            <a:avLst/>
+          </a:prstGeom>
+          <a:solidFill>
+            <a:srgbClr val="FFFF00">
+              <a:alpha val="40000"/>
+            </a:srgbClr>
+          </a:solidFill>
+          <a:ln>
+            <a:noFill/>
+          </a:ln>
+        </p:spPr>
+        <p:style>
+          <a:lnRef idx="2">
+            <a:schemeClr val="accent1">
+              <a:shade val="50000"/>
+            </a:schemeClr>
+          </a:lnRef>
+          <a:fillRef idx="1">
+            <a:schemeClr val="accent1"/>
+          </a:fillRef>
+          <a:effectRef idx="0">
+            <a:schemeClr val="accent1"/>
+          </a:effectRef>
+          <a:fontRef idx="minor">
+            <a:schemeClr val="lt1"/>
+          </a:fontRef>
+        </p:style>
+        <p:txBody>
+          <a:bodyPr rtlCol="0" anchor="ctr"/>
+          <a:lstStyle/>
+          <a:p>
+            <a:pPr algn="ctr"/>
+            <a:endParaRPr lang="en-US"/>
+          </a:p>
+        </p:txBody>
+      </p:sp>
+      <p:sp>
+        <p:nvSpPr>
+          <p:cNvPr id="281" name="TextBox 280">
+            <a:extLst>
+              <a:ext uri="{FF2B5EF4-FFF2-40B4-BE49-F238E27FC236}">
+                <a16:creationId xmlns:a16="http://schemas.microsoft.com/office/drawing/2014/main" id="{7A2EB842-18E0-9D44-8FC8-A6B72102D56A}"/>
+              </a:ext>
+            </a:extLst>
+          </p:cNvPr>
+          <p:cNvSpPr txBox="1"/>
+          <p:nvPr/>
+        </p:nvSpPr>
+        <p:spPr>
+          <a:xfrm>
+            <a:off x="7767267" y="2395239"/>
+            <a:ext cx="368039" cy="246221"/>
+          </a:xfrm>
+          <a:prstGeom prst="rect">
+            <a:avLst/>
+          </a:prstGeom>
+          <a:noFill/>
+        </p:spPr>
+        <p:txBody>
+          <a:bodyPr wrap="square" rtlCol="0">
+            <a:spAutoFit/>
+          </a:bodyPr>
+          <a:lstStyle/>
+          <a:p>
+            <a:r>
+              <a:rPr lang="en-US" sz="1000" dirty="0"/>
+              <a:t>rc1</a:t>
+            </a:r>
+          </a:p>
+        </p:txBody>
+      </p:sp>
+      <p:sp>
+        <p:nvSpPr>
+          <p:cNvPr id="282" name="Rectangle 281">
+            <a:extLst>
+              <a:ext uri="{FF2B5EF4-FFF2-40B4-BE49-F238E27FC236}">
+                <a16:creationId xmlns:a16="http://schemas.microsoft.com/office/drawing/2014/main" id="{0265EBBC-0496-F644-B9D8-37F0720F40EE}"/>
+              </a:ext>
+            </a:extLst>
+          </p:cNvPr>
+          <p:cNvSpPr/>
+          <p:nvPr/>
+        </p:nvSpPr>
+        <p:spPr>
+          <a:xfrm>
+            <a:off x="7793947" y="2395239"/>
+            <a:ext cx="48106" cy="246221"/>
+          </a:xfrm>
+          <a:prstGeom prst="rect">
+            <a:avLst/>
+          </a:prstGeom>
+          <a:solidFill>
+            <a:schemeClr val="accent4"/>
+          </a:solidFill>
+          <a:ln>
+            <a:noFill/>
+          </a:ln>
+        </p:spPr>
+        <p:style>
+          <a:lnRef idx="2">
+            <a:schemeClr val="accent1">
+              <a:shade val="50000"/>
+            </a:schemeClr>
+          </a:lnRef>
+          <a:fillRef idx="1">
+            <a:schemeClr val="accent1"/>
+          </a:fillRef>
+          <a:effectRef idx="0">
+            <a:schemeClr val="accent1"/>
+          </a:effectRef>
+          <a:fontRef idx="minor">
+            <a:schemeClr val="lt1"/>
+          </a:fontRef>
+        </p:style>
+        <p:txBody>
+          <a:bodyPr rtlCol="0" anchor="ctr"/>
+          <a:lstStyle/>
+          <a:p>
+            <a:pPr algn="ctr"/>
+            <a:endParaRPr lang="en-US"/>
+          </a:p>
+        </p:txBody>
+      </p:sp>
+      <p:sp>
+        <p:nvSpPr>
+          <p:cNvPr id="283" name="TextBox 282">
+            <a:extLst>
+              <a:ext uri="{FF2B5EF4-FFF2-40B4-BE49-F238E27FC236}">
+                <a16:creationId xmlns:a16="http://schemas.microsoft.com/office/drawing/2014/main" id="{451EED03-214F-A345-B6A0-12C685C418A5}"/>
+              </a:ext>
+            </a:extLst>
+          </p:cNvPr>
+          <p:cNvSpPr txBox="1"/>
+          <p:nvPr/>
+        </p:nvSpPr>
+        <p:spPr>
+          <a:xfrm>
+            <a:off x="8050800" y="2646946"/>
+            <a:ext cx="368039" cy="246221"/>
+          </a:xfrm>
+          <a:prstGeom prst="rect">
+            <a:avLst/>
+          </a:prstGeom>
+          <a:noFill/>
+        </p:spPr>
+        <p:txBody>
+          <a:bodyPr wrap="square" rtlCol="0">
+            <a:spAutoFit/>
+          </a:bodyPr>
+          <a:lstStyle/>
+          <a:p>
+            <a:r>
+              <a:rPr lang="en-US" sz="1000" dirty="0"/>
+              <a:t>rc2</a:t>
+            </a:r>
+          </a:p>
+        </p:txBody>
+      </p:sp>
+      <p:sp>
+        <p:nvSpPr>
+          <p:cNvPr id="329" name="Rectangle 328">
+            <a:extLst>
+              <a:ext uri="{FF2B5EF4-FFF2-40B4-BE49-F238E27FC236}">
+                <a16:creationId xmlns:a16="http://schemas.microsoft.com/office/drawing/2014/main" id="{0E4211EE-8D5B-D34C-8AC2-A1300AE9F8A0}"/>
+              </a:ext>
+            </a:extLst>
+          </p:cNvPr>
+          <p:cNvSpPr/>
+          <p:nvPr/>
+        </p:nvSpPr>
+        <p:spPr>
+          <a:xfrm>
+            <a:off x="8077480" y="2646946"/>
+            <a:ext cx="48106" cy="246221"/>
+          </a:xfrm>
+          <a:prstGeom prst="rect">
+            <a:avLst/>
+          </a:prstGeom>
+          <a:solidFill>
+            <a:schemeClr val="accent4"/>
+          </a:solidFill>
+          <a:ln>
+            <a:noFill/>
+          </a:ln>
+        </p:spPr>
+        <p:style>
+          <a:lnRef idx="2">
+            <a:schemeClr val="accent1">
+              <a:shade val="50000"/>
+            </a:schemeClr>
+          </a:lnRef>
+          <a:fillRef idx="1">
+            <a:schemeClr val="accent1"/>
+          </a:fillRef>
+          <a:effectRef idx="0">
+            <a:schemeClr val="accent1"/>
+          </a:effectRef>
+          <a:fontRef idx="minor">
+            <a:schemeClr val="lt1"/>
+          </a:fontRef>
+        </p:style>
+        <p:txBody>
+          <a:bodyPr rtlCol="0" anchor="ctr"/>
+          <a:lstStyle/>
+          <a:p>
+            <a:pPr algn="ctr"/>
+            <a:endParaRPr lang="en-US"/>
+          </a:p>
+        </p:txBody>
+      </p:sp>
+      <p:sp>
+        <p:nvSpPr>
+          <p:cNvPr id="330" name="TextBox 329">
+            <a:extLst>
+              <a:ext uri="{FF2B5EF4-FFF2-40B4-BE49-F238E27FC236}">
+                <a16:creationId xmlns:a16="http://schemas.microsoft.com/office/drawing/2014/main" id="{1317A7CF-52F6-904C-99B4-41B51DC5E2CA}"/>
+              </a:ext>
+            </a:extLst>
+          </p:cNvPr>
+          <p:cNvSpPr txBox="1"/>
+          <p:nvPr/>
+        </p:nvSpPr>
+        <p:spPr>
+          <a:xfrm>
+            <a:off x="6903664" y="2399087"/>
+            <a:ext cx="317716" cy="246221"/>
+          </a:xfrm>
+          <a:prstGeom prst="rect">
+            <a:avLst/>
+          </a:prstGeom>
+          <a:noFill/>
+        </p:spPr>
+        <p:txBody>
+          <a:bodyPr wrap="square" rtlCol="0">
+            <a:spAutoFit/>
+          </a:bodyPr>
+          <a:lstStyle/>
+          <a:p>
+            <a:r>
+              <a:rPr lang="en-US" sz="1000" dirty="0"/>
+              <a:t>b1</a:t>
+            </a:r>
+          </a:p>
+        </p:txBody>
+      </p:sp>
+      <p:sp>
+        <p:nvSpPr>
+          <p:cNvPr id="331" name="Rectangle 330">
+            <a:extLst>
+              <a:ext uri="{FF2B5EF4-FFF2-40B4-BE49-F238E27FC236}">
+                <a16:creationId xmlns:a16="http://schemas.microsoft.com/office/drawing/2014/main" id="{FD5CE4DF-E1A1-AA47-9585-CD0FF0E2A5D8}"/>
+              </a:ext>
+            </a:extLst>
+          </p:cNvPr>
+          <p:cNvSpPr/>
+          <p:nvPr/>
+        </p:nvSpPr>
+        <p:spPr>
+          <a:xfrm>
+            <a:off x="6923566" y="2403900"/>
+            <a:ext cx="50400" cy="246221"/>
+          </a:xfrm>
+          <a:prstGeom prst="rect">
+            <a:avLst/>
+          </a:prstGeom>
+          <a:solidFill>
+            <a:schemeClr val="accent4">
+              <a:lumMod val="75000"/>
+            </a:schemeClr>
+          </a:solidFill>
+          <a:ln>
+            <a:noFill/>
+          </a:ln>
+        </p:spPr>
+        <p:style>
+          <a:lnRef idx="2">
+            <a:schemeClr val="accent1">
+              <a:shade val="50000"/>
+            </a:schemeClr>
+          </a:lnRef>
+          <a:fillRef idx="1">
+            <a:schemeClr val="accent1"/>
+          </a:fillRef>
+          <a:effectRef idx="0">
+            <a:schemeClr val="accent1"/>
+          </a:effectRef>
+          <a:fontRef idx="minor">
+            <a:schemeClr val="lt1"/>
+          </a:fontRef>
+        </p:style>
+        <p:txBody>
+          <a:bodyPr rtlCol="0" anchor="ctr"/>
+          <a:lstStyle/>
+          <a:p>
+            <a:pPr algn="ctr"/>
+            <a:endParaRPr lang="en-US"/>
+          </a:p>
+        </p:txBody>
+      </p:sp>
+      <p:sp>
+        <p:nvSpPr>
+          <p:cNvPr id="332" name="TextBox 331">
+            <a:extLst>
+              <a:ext uri="{FF2B5EF4-FFF2-40B4-BE49-F238E27FC236}">
+                <a16:creationId xmlns:a16="http://schemas.microsoft.com/office/drawing/2014/main" id="{AA1C2BE1-5B27-CE4F-B5B5-56618EEF29CA}"/>
+              </a:ext>
+            </a:extLst>
+          </p:cNvPr>
+          <p:cNvSpPr txBox="1"/>
+          <p:nvPr/>
+        </p:nvSpPr>
+        <p:spPr>
+          <a:xfrm>
+            <a:off x="7081319" y="2645308"/>
+            <a:ext cx="317716" cy="246221"/>
+          </a:xfrm>
+          <a:prstGeom prst="rect">
+            <a:avLst/>
+          </a:prstGeom>
+          <a:noFill/>
+        </p:spPr>
+        <p:txBody>
+          <a:bodyPr wrap="square" rtlCol="0">
+            <a:spAutoFit/>
+          </a:bodyPr>
+          <a:lstStyle/>
+          <a:p>
+            <a:r>
+              <a:rPr lang="en-US" sz="1000" dirty="0"/>
+              <a:t>b2</a:t>
+            </a:r>
+          </a:p>
+        </p:txBody>
+      </p:sp>
+      <p:sp>
+        <p:nvSpPr>
+          <p:cNvPr id="333" name="Rectangle 332">
+            <a:extLst>
+              <a:ext uri="{FF2B5EF4-FFF2-40B4-BE49-F238E27FC236}">
+                <a16:creationId xmlns:a16="http://schemas.microsoft.com/office/drawing/2014/main" id="{56376C49-D2CD-E642-A300-63BB6B48B6F0}"/>
+              </a:ext>
+            </a:extLst>
+          </p:cNvPr>
+          <p:cNvSpPr/>
+          <p:nvPr/>
+        </p:nvSpPr>
+        <p:spPr>
+          <a:xfrm>
+            <a:off x="7101221" y="2645308"/>
+            <a:ext cx="50400" cy="246221"/>
+          </a:xfrm>
+          <a:prstGeom prst="rect">
+            <a:avLst/>
+          </a:prstGeom>
+          <a:solidFill>
+            <a:schemeClr val="accent4">
+              <a:lumMod val="75000"/>
+            </a:schemeClr>
+          </a:solidFill>
+          <a:ln>
+            <a:noFill/>
+          </a:ln>
+        </p:spPr>
+        <p:style>
+          <a:lnRef idx="2">
+            <a:schemeClr val="accent1">
+              <a:shade val="50000"/>
+            </a:schemeClr>
+          </a:lnRef>
+          <a:fillRef idx="1">
+            <a:schemeClr val="accent1"/>
+          </a:fillRef>
+          <a:effectRef idx="0">
+            <a:schemeClr val="accent1"/>
+          </a:effectRef>
+          <a:fontRef idx="minor">
+            <a:schemeClr val="lt1"/>
+          </a:fontRef>
+        </p:style>
+        <p:txBody>
+          <a:bodyPr rtlCol="0" anchor="ctr"/>
+          <a:lstStyle/>
+          <a:p>
+            <a:pPr algn="ctr"/>
+            <a:endParaRPr lang="en-US"/>
+          </a:p>
+        </p:txBody>
+      </p:sp>
+      <p:sp>
+        <p:nvSpPr>
+          <p:cNvPr id="334" name="TextBox 333">
+            <a:extLst>
+              <a:ext uri="{FF2B5EF4-FFF2-40B4-BE49-F238E27FC236}">
+                <a16:creationId xmlns:a16="http://schemas.microsoft.com/office/drawing/2014/main" id="{D8803EA8-D3D4-084E-B662-A633EC1EB7EF}"/>
+              </a:ext>
+            </a:extLst>
+          </p:cNvPr>
+          <p:cNvSpPr txBox="1"/>
+          <p:nvPr/>
+        </p:nvSpPr>
+        <p:spPr>
+          <a:xfrm>
+            <a:off x="7320459" y="2886716"/>
+            <a:ext cx="317716" cy="246221"/>
+          </a:xfrm>
+          <a:prstGeom prst="rect">
+            <a:avLst/>
+          </a:prstGeom>
+          <a:noFill/>
+        </p:spPr>
+        <p:txBody>
+          <a:bodyPr wrap="square" rtlCol="0">
+            <a:spAutoFit/>
+          </a:bodyPr>
+          <a:lstStyle/>
+          <a:p>
+            <a:r>
+              <a:rPr lang="en-US" sz="1000" dirty="0"/>
+              <a:t>b3</a:t>
+            </a:r>
+          </a:p>
+        </p:txBody>
+      </p:sp>
+      <p:sp>
+        <p:nvSpPr>
+          <p:cNvPr id="335" name="Rectangle 334">
+            <a:extLst>
+              <a:ext uri="{FF2B5EF4-FFF2-40B4-BE49-F238E27FC236}">
+                <a16:creationId xmlns:a16="http://schemas.microsoft.com/office/drawing/2014/main" id="{35A46814-C58E-5048-8A34-DF0905A42399}"/>
+              </a:ext>
+            </a:extLst>
+          </p:cNvPr>
+          <p:cNvSpPr/>
+          <p:nvPr/>
+        </p:nvSpPr>
+        <p:spPr>
+          <a:xfrm>
+            <a:off x="7340362" y="2886716"/>
+            <a:ext cx="50400" cy="246221"/>
+          </a:xfrm>
+          <a:prstGeom prst="rect">
+            <a:avLst/>
+          </a:prstGeom>
+          <a:solidFill>
+            <a:schemeClr val="accent4">
+              <a:lumMod val="75000"/>
+            </a:schemeClr>
+          </a:solidFill>
+          <a:ln>
+            <a:noFill/>
+          </a:ln>
+        </p:spPr>
+        <p:style>
+          <a:lnRef idx="2">
+            <a:schemeClr val="accent1">
+              <a:shade val="50000"/>
+            </a:schemeClr>
+          </a:lnRef>
+          <a:fillRef idx="1">
+            <a:schemeClr val="accent1"/>
+          </a:fillRef>
+          <a:effectRef idx="0">
+            <a:schemeClr val="accent1"/>
+          </a:effectRef>
+          <a:fontRef idx="minor">
+            <a:schemeClr val="lt1"/>
+          </a:fontRef>
+        </p:style>
+        <p:txBody>
+          <a:bodyPr rtlCol="0" anchor="ctr"/>
+          <a:lstStyle/>
+          <a:p>
+            <a:pPr algn="ctr"/>
+            <a:endParaRPr lang="en-US"/>
+          </a:p>
+        </p:txBody>
+      </p:sp>
+      <p:sp>
+        <p:nvSpPr>
+          <p:cNvPr id="336" name="TextBox 335">
+            <a:extLst>
+              <a:ext uri="{FF2B5EF4-FFF2-40B4-BE49-F238E27FC236}">
+                <a16:creationId xmlns:a16="http://schemas.microsoft.com/office/drawing/2014/main" id="{2C313BF4-0C6A-3047-8D52-5782668893FA}"/>
+              </a:ext>
+            </a:extLst>
+          </p:cNvPr>
+          <p:cNvSpPr txBox="1"/>
+          <p:nvPr/>
+        </p:nvSpPr>
+        <p:spPr>
+          <a:xfrm>
+            <a:off x="7545702" y="3121043"/>
+            <a:ext cx="317716" cy="246221"/>
+          </a:xfrm>
+          <a:prstGeom prst="rect">
+            <a:avLst/>
+          </a:prstGeom>
+          <a:noFill/>
+        </p:spPr>
+        <p:txBody>
+          <a:bodyPr wrap="square" rtlCol="0">
+            <a:spAutoFit/>
+          </a:bodyPr>
+          <a:lstStyle/>
+          <a:p>
+            <a:r>
+              <a:rPr lang="en-US" sz="1000" dirty="0"/>
+              <a:t>b4</a:t>
+            </a:r>
+          </a:p>
+        </p:txBody>
+      </p:sp>
+      <p:sp>
+        <p:nvSpPr>
+          <p:cNvPr id="337" name="Rectangle 336">
+            <a:extLst>
+              <a:ext uri="{FF2B5EF4-FFF2-40B4-BE49-F238E27FC236}">
+                <a16:creationId xmlns:a16="http://schemas.microsoft.com/office/drawing/2014/main" id="{9493FA6A-5FD9-C141-8938-349A4A591CAC}"/>
+              </a:ext>
+            </a:extLst>
+          </p:cNvPr>
+          <p:cNvSpPr/>
+          <p:nvPr/>
+        </p:nvSpPr>
+        <p:spPr>
+          <a:xfrm>
+            <a:off x="7560687" y="3126359"/>
+            <a:ext cx="50400" cy="246550"/>
+          </a:xfrm>
+          <a:prstGeom prst="rect">
+            <a:avLst/>
+          </a:prstGeom>
+          <a:solidFill>
+            <a:schemeClr val="accent4">
+              <a:lumMod val="75000"/>
+            </a:schemeClr>
+          </a:solidFill>
+          <a:ln>
+            <a:noFill/>
+          </a:ln>
+        </p:spPr>
+        <p:style>
+          <a:lnRef idx="2">
+            <a:schemeClr val="accent1">
+              <a:shade val="50000"/>
+            </a:schemeClr>
+          </a:lnRef>
+          <a:fillRef idx="1">
+            <a:schemeClr val="accent1"/>
+          </a:fillRef>
+          <a:effectRef idx="0">
+            <a:schemeClr val="accent1"/>
+          </a:effectRef>
+          <a:fontRef idx="minor">
+            <a:schemeClr val="lt1"/>
+          </a:fontRef>
+        </p:style>
+        <p:txBody>
+          <a:bodyPr rtlCol="0" anchor="ctr"/>
+          <a:lstStyle/>
+          <a:p>
+            <a:pPr algn="ctr"/>
+            <a:endParaRPr lang="en-US"/>
+          </a:p>
+        </p:txBody>
+      </p:sp>
+      <p:sp>
+        <p:nvSpPr>
+          <p:cNvPr id="343" name="Rectangle 342">
+            <a:extLst>
+              <a:ext uri="{FF2B5EF4-FFF2-40B4-BE49-F238E27FC236}">
+                <a16:creationId xmlns:a16="http://schemas.microsoft.com/office/drawing/2014/main" id="{AAEE42AB-AD77-BB42-9CC8-6CCB1247CA62}"/>
+              </a:ext>
+            </a:extLst>
+          </p:cNvPr>
+          <p:cNvSpPr/>
+          <p:nvPr/>
+        </p:nvSpPr>
+        <p:spPr>
+          <a:xfrm>
+            <a:off x="10386802" y="3645922"/>
+            <a:ext cx="864973" cy="970660"/>
+          </a:xfrm>
+          <a:prstGeom prst="rect">
+            <a:avLst/>
+          </a:prstGeom>
+          <a:solidFill>
+            <a:srgbClr val="FFC000">
+              <a:alpha val="50000"/>
+            </a:srgbClr>
+          </a:solidFill>
+          <a:ln>
+            <a:noFill/>
+          </a:ln>
+        </p:spPr>
+        <p:style>
+          <a:lnRef idx="2">
+            <a:schemeClr val="accent1">
+              <a:shade val="50000"/>
+            </a:schemeClr>
+          </a:lnRef>
+          <a:fillRef idx="1">
+            <a:schemeClr val="accent1"/>
+          </a:fillRef>
+          <a:effectRef idx="0">
+            <a:schemeClr val="accent1"/>
+          </a:effectRef>
+          <a:fontRef idx="minor">
+            <a:schemeClr val="lt1"/>
+          </a:fontRef>
+        </p:style>
+        <p:txBody>
+          <a:bodyPr rtlCol="0" anchor="ctr"/>
+          <a:lstStyle/>
+          <a:p>
+            <a:pPr algn="ctr"/>
+            <a:endParaRPr lang="en-US" dirty="0"/>
+          </a:p>
+        </p:txBody>
+      </p:sp>
+      <p:sp>
+        <p:nvSpPr>
+          <p:cNvPr id="344" name="Rectangle 343">
+            <a:extLst>
+              <a:ext uri="{FF2B5EF4-FFF2-40B4-BE49-F238E27FC236}">
+                <a16:creationId xmlns:a16="http://schemas.microsoft.com/office/drawing/2014/main" id="{591D9CE5-5A92-6243-BAB8-CB73C54757ED}"/>
+              </a:ext>
+            </a:extLst>
+          </p:cNvPr>
+          <p:cNvSpPr/>
+          <p:nvPr/>
+        </p:nvSpPr>
+        <p:spPr>
+          <a:xfrm>
+            <a:off x="11247981" y="3643890"/>
+            <a:ext cx="583280" cy="963297"/>
+          </a:xfrm>
+          <a:prstGeom prst="rect">
+            <a:avLst/>
+          </a:prstGeom>
+          <a:solidFill>
+            <a:srgbClr val="FFFF00">
+              <a:alpha val="40000"/>
+            </a:srgbClr>
+          </a:solidFill>
+          <a:ln>
+            <a:noFill/>
+          </a:ln>
+        </p:spPr>
+        <p:style>
+          <a:lnRef idx="2">
+            <a:schemeClr val="accent1">
+              <a:shade val="50000"/>
+            </a:schemeClr>
+          </a:lnRef>
+          <a:fillRef idx="1">
+            <a:schemeClr val="accent1"/>
+          </a:fillRef>
+          <a:effectRef idx="0">
+            <a:schemeClr val="accent1"/>
+          </a:effectRef>
+          <a:fontRef idx="minor">
+            <a:schemeClr val="lt1"/>
+          </a:fontRef>
+        </p:style>
+        <p:txBody>
+          <a:bodyPr rtlCol="0" anchor="ctr"/>
+          <a:lstStyle/>
+          <a:p>
+            <a:pPr algn="ctr"/>
+            <a:endParaRPr lang="en-US"/>
+          </a:p>
+        </p:txBody>
+      </p:sp>
+      <p:sp>
+        <p:nvSpPr>
+          <p:cNvPr id="345" name="TextBox 344">
+            <a:extLst>
+              <a:ext uri="{FF2B5EF4-FFF2-40B4-BE49-F238E27FC236}">
+                <a16:creationId xmlns:a16="http://schemas.microsoft.com/office/drawing/2014/main" id="{50136647-C817-0E47-8EF2-ADF44F4F6EBF}"/>
+              </a:ext>
+            </a:extLst>
+          </p:cNvPr>
+          <p:cNvSpPr txBox="1"/>
+          <p:nvPr/>
+        </p:nvSpPr>
+        <p:spPr>
+          <a:xfrm>
+            <a:off x="11220476" y="3643610"/>
+            <a:ext cx="368039" cy="246221"/>
+          </a:xfrm>
+          <a:prstGeom prst="rect">
+            <a:avLst/>
+          </a:prstGeom>
+          <a:noFill/>
+        </p:spPr>
+        <p:txBody>
+          <a:bodyPr wrap="square" rtlCol="0">
+            <a:spAutoFit/>
+          </a:bodyPr>
+          <a:lstStyle/>
+          <a:p>
+            <a:r>
+              <a:rPr lang="en-US" sz="1000" dirty="0"/>
+              <a:t>rc1</a:t>
+            </a:r>
+          </a:p>
+        </p:txBody>
+      </p:sp>
+      <p:sp>
+        <p:nvSpPr>
+          <p:cNvPr id="346" name="Rectangle 345">
+            <a:extLst>
+              <a:ext uri="{FF2B5EF4-FFF2-40B4-BE49-F238E27FC236}">
+                <a16:creationId xmlns:a16="http://schemas.microsoft.com/office/drawing/2014/main" id="{CDC4CD46-A6F5-154C-9E14-EAAF761CF54E}"/>
+              </a:ext>
+            </a:extLst>
+          </p:cNvPr>
+          <p:cNvSpPr/>
+          <p:nvPr/>
+        </p:nvSpPr>
+        <p:spPr>
+          <a:xfrm>
+            <a:off x="11247156" y="3643610"/>
+            <a:ext cx="48106" cy="246221"/>
+          </a:xfrm>
+          <a:prstGeom prst="rect">
+            <a:avLst/>
+          </a:prstGeom>
+          <a:solidFill>
+            <a:schemeClr val="accent4"/>
+          </a:solidFill>
+          <a:ln>
+            <a:noFill/>
+          </a:ln>
+        </p:spPr>
+        <p:style>
+          <a:lnRef idx="2">
+            <a:schemeClr val="accent1">
+              <a:shade val="50000"/>
+            </a:schemeClr>
+          </a:lnRef>
+          <a:fillRef idx="1">
+            <a:schemeClr val="accent1"/>
+          </a:fillRef>
+          <a:effectRef idx="0">
+            <a:schemeClr val="accent1"/>
+          </a:effectRef>
+          <a:fontRef idx="minor">
+            <a:schemeClr val="lt1"/>
+          </a:fontRef>
+        </p:style>
+        <p:txBody>
+          <a:bodyPr rtlCol="0" anchor="ctr"/>
+          <a:lstStyle/>
+          <a:p>
+            <a:pPr algn="ctr"/>
+            <a:endParaRPr lang="en-US"/>
+          </a:p>
+        </p:txBody>
+      </p:sp>
+      <p:sp>
+        <p:nvSpPr>
+          <p:cNvPr id="347" name="TextBox 346">
+            <a:extLst>
+              <a:ext uri="{FF2B5EF4-FFF2-40B4-BE49-F238E27FC236}">
+                <a16:creationId xmlns:a16="http://schemas.microsoft.com/office/drawing/2014/main" id="{04F18F3F-44C7-8840-AC19-3A4E209C78BF}"/>
+              </a:ext>
+            </a:extLst>
+          </p:cNvPr>
+          <p:cNvSpPr txBox="1"/>
+          <p:nvPr/>
+        </p:nvSpPr>
+        <p:spPr>
+          <a:xfrm>
+            <a:off x="11504009" y="3895317"/>
+            <a:ext cx="368039" cy="246221"/>
+          </a:xfrm>
+          <a:prstGeom prst="rect">
+            <a:avLst/>
+          </a:prstGeom>
+          <a:noFill/>
+        </p:spPr>
+        <p:txBody>
+          <a:bodyPr wrap="square" rtlCol="0">
+            <a:spAutoFit/>
+          </a:bodyPr>
+          <a:lstStyle/>
+          <a:p>
+            <a:r>
+              <a:rPr lang="en-US" sz="1000" dirty="0"/>
+              <a:t>rc2</a:t>
+            </a:r>
+          </a:p>
+        </p:txBody>
+      </p:sp>
+      <p:sp>
+        <p:nvSpPr>
+          <p:cNvPr id="348" name="Rectangle 347">
+            <a:extLst>
+              <a:ext uri="{FF2B5EF4-FFF2-40B4-BE49-F238E27FC236}">
+                <a16:creationId xmlns:a16="http://schemas.microsoft.com/office/drawing/2014/main" id="{26D56B3E-0144-114F-937C-D0DE155E30B4}"/>
+              </a:ext>
+            </a:extLst>
+          </p:cNvPr>
+          <p:cNvSpPr/>
+          <p:nvPr/>
+        </p:nvSpPr>
+        <p:spPr>
+          <a:xfrm>
+            <a:off x="11530689" y="3895317"/>
+            <a:ext cx="48106" cy="246221"/>
+          </a:xfrm>
+          <a:prstGeom prst="rect">
+            <a:avLst/>
+          </a:prstGeom>
+          <a:solidFill>
+            <a:schemeClr val="accent4"/>
+          </a:solidFill>
+          <a:ln>
+            <a:noFill/>
+          </a:ln>
+        </p:spPr>
+        <p:style>
+          <a:lnRef idx="2">
+            <a:schemeClr val="accent1">
+              <a:shade val="50000"/>
+            </a:schemeClr>
+          </a:lnRef>
+          <a:fillRef idx="1">
+            <a:schemeClr val="accent1"/>
+          </a:fillRef>
+          <a:effectRef idx="0">
+            <a:schemeClr val="accent1"/>
+          </a:effectRef>
+          <a:fontRef idx="minor">
+            <a:schemeClr val="lt1"/>
+          </a:fontRef>
+        </p:style>
+        <p:txBody>
+          <a:bodyPr rtlCol="0" anchor="ctr"/>
+          <a:lstStyle/>
+          <a:p>
+            <a:pPr algn="ctr"/>
+            <a:endParaRPr lang="en-US"/>
+          </a:p>
+        </p:txBody>
+      </p:sp>
+      <p:sp>
+        <p:nvSpPr>
+          <p:cNvPr id="349" name="TextBox 348">
+            <a:extLst>
+              <a:ext uri="{FF2B5EF4-FFF2-40B4-BE49-F238E27FC236}">
+                <a16:creationId xmlns:a16="http://schemas.microsoft.com/office/drawing/2014/main" id="{18ED4A69-B76C-AD44-9764-EC627C8FBCED}"/>
+              </a:ext>
+            </a:extLst>
+          </p:cNvPr>
+          <p:cNvSpPr txBox="1"/>
+          <p:nvPr/>
+        </p:nvSpPr>
+        <p:spPr>
+          <a:xfrm>
+            <a:off x="10367505" y="3647458"/>
+            <a:ext cx="317716" cy="246221"/>
+          </a:xfrm>
+          <a:prstGeom prst="rect">
+            <a:avLst/>
+          </a:prstGeom>
+          <a:noFill/>
+        </p:spPr>
+        <p:txBody>
+          <a:bodyPr wrap="square" rtlCol="0">
+            <a:spAutoFit/>
+          </a:bodyPr>
+          <a:lstStyle/>
+          <a:p>
+            <a:r>
+              <a:rPr lang="en-US" sz="1000" dirty="0"/>
+              <a:t>b1</a:t>
+            </a:r>
+          </a:p>
+        </p:txBody>
+      </p:sp>
+      <p:sp>
+        <p:nvSpPr>
+          <p:cNvPr id="350" name="Rectangle 349">
+            <a:extLst>
+              <a:ext uri="{FF2B5EF4-FFF2-40B4-BE49-F238E27FC236}">
+                <a16:creationId xmlns:a16="http://schemas.microsoft.com/office/drawing/2014/main" id="{DBAD0314-9F0A-C742-94C4-EF361766842D}"/>
+              </a:ext>
+            </a:extLst>
+          </p:cNvPr>
+          <p:cNvSpPr/>
+          <p:nvPr/>
+        </p:nvSpPr>
+        <p:spPr>
+          <a:xfrm>
+            <a:off x="10382091" y="3652271"/>
+            <a:ext cx="50400" cy="246221"/>
+          </a:xfrm>
+          <a:prstGeom prst="rect">
+            <a:avLst/>
+          </a:prstGeom>
+          <a:solidFill>
+            <a:schemeClr val="accent4">
+              <a:lumMod val="75000"/>
+            </a:schemeClr>
+          </a:solidFill>
+          <a:ln>
+            <a:noFill/>
+          </a:ln>
+        </p:spPr>
+        <p:style>
+          <a:lnRef idx="2">
+            <a:schemeClr val="accent1">
+              <a:shade val="50000"/>
+            </a:schemeClr>
+          </a:lnRef>
+          <a:fillRef idx="1">
+            <a:schemeClr val="accent1"/>
+          </a:fillRef>
+          <a:effectRef idx="0">
+            <a:schemeClr val="accent1"/>
+          </a:effectRef>
+          <a:fontRef idx="minor">
+            <a:schemeClr val="lt1"/>
+          </a:fontRef>
+        </p:style>
+        <p:txBody>
+          <a:bodyPr rtlCol="0" anchor="ctr"/>
+          <a:lstStyle/>
+          <a:p>
+            <a:pPr algn="ctr"/>
+            <a:endParaRPr lang="en-US"/>
+          </a:p>
+        </p:txBody>
+      </p:sp>
+      <p:sp>
+        <p:nvSpPr>
+          <p:cNvPr id="359" name="TextBox 358">
+            <a:extLst>
+              <a:ext uri="{FF2B5EF4-FFF2-40B4-BE49-F238E27FC236}">
+                <a16:creationId xmlns:a16="http://schemas.microsoft.com/office/drawing/2014/main" id="{01E452E0-FAB7-8146-A3F4-EBEAA16C7270}"/>
+              </a:ext>
+            </a:extLst>
+          </p:cNvPr>
+          <p:cNvSpPr txBox="1"/>
+          <p:nvPr/>
+        </p:nvSpPr>
+        <p:spPr>
+          <a:xfrm>
+            <a:off x="10545160" y="3893679"/>
+            <a:ext cx="317716" cy="246221"/>
+          </a:xfrm>
+          <a:prstGeom prst="rect">
+            <a:avLst/>
+          </a:prstGeom>
+          <a:noFill/>
+        </p:spPr>
+        <p:txBody>
+          <a:bodyPr wrap="square" rtlCol="0">
+            <a:spAutoFit/>
+          </a:bodyPr>
+          <a:lstStyle/>
+          <a:p>
+            <a:r>
+              <a:rPr lang="en-US" sz="1000" dirty="0"/>
+              <a:t>b2</a:t>
+            </a:r>
+          </a:p>
+        </p:txBody>
+      </p:sp>
+      <p:sp>
+        <p:nvSpPr>
+          <p:cNvPr id="384" name="Rectangle 383">
+            <a:extLst>
+              <a:ext uri="{FF2B5EF4-FFF2-40B4-BE49-F238E27FC236}">
+                <a16:creationId xmlns:a16="http://schemas.microsoft.com/office/drawing/2014/main" id="{3A96540C-8827-F54D-A98B-B75D5CD499EF}"/>
+              </a:ext>
+            </a:extLst>
+          </p:cNvPr>
+          <p:cNvSpPr/>
+          <p:nvPr/>
+        </p:nvSpPr>
+        <p:spPr>
+          <a:xfrm>
+            <a:off x="10565062" y="3893679"/>
+            <a:ext cx="50400" cy="246221"/>
+          </a:xfrm>
+          <a:prstGeom prst="rect">
+            <a:avLst/>
+          </a:prstGeom>
+          <a:solidFill>
+            <a:schemeClr val="accent4">
+              <a:lumMod val="75000"/>
+            </a:schemeClr>
+          </a:solidFill>
+          <a:ln>
+            <a:noFill/>
+          </a:ln>
+        </p:spPr>
+        <p:style>
+          <a:lnRef idx="2">
+            <a:schemeClr val="accent1">
+              <a:shade val="50000"/>
+            </a:schemeClr>
+          </a:lnRef>
+          <a:fillRef idx="1">
+            <a:schemeClr val="accent1"/>
+          </a:fillRef>
+          <a:effectRef idx="0">
+            <a:schemeClr val="accent1"/>
+          </a:effectRef>
+          <a:fontRef idx="minor">
+            <a:schemeClr val="lt1"/>
+          </a:fontRef>
+        </p:style>
+        <p:txBody>
+          <a:bodyPr rtlCol="0" anchor="ctr"/>
+          <a:lstStyle/>
+          <a:p>
+            <a:pPr algn="ctr"/>
+            <a:endParaRPr lang="en-US"/>
+          </a:p>
+        </p:txBody>
+      </p:sp>
+      <p:sp>
+        <p:nvSpPr>
+          <p:cNvPr id="393" name="TextBox 392">
+            <a:extLst>
+              <a:ext uri="{FF2B5EF4-FFF2-40B4-BE49-F238E27FC236}">
+                <a16:creationId xmlns:a16="http://schemas.microsoft.com/office/drawing/2014/main" id="{0F57F7E2-6CA8-5E48-B8CD-AC2257A19C1E}"/>
+              </a:ext>
+            </a:extLst>
+          </p:cNvPr>
+          <p:cNvSpPr txBox="1"/>
+          <p:nvPr/>
+        </p:nvSpPr>
+        <p:spPr>
+          <a:xfrm>
+            <a:off x="10784300" y="4135087"/>
+            <a:ext cx="317716" cy="246221"/>
+          </a:xfrm>
+          <a:prstGeom prst="rect">
+            <a:avLst/>
+          </a:prstGeom>
+          <a:noFill/>
+        </p:spPr>
+        <p:txBody>
+          <a:bodyPr wrap="square" rtlCol="0">
+            <a:spAutoFit/>
+          </a:bodyPr>
+          <a:lstStyle/>
+          <a:p>
+            <a:r>
+              <a:rPr lang="en-US" sz="1000" dirty="0"/>
+              <a:t>b3</a:t>
+            </a:r>
+          </a:p>
+        </p:txBody>
+      </p:sp>
+      <p:sp>
+        <p:nvSpPr>
+          <p:cNvPr id="394" name="Rectangle 393">
+            <a:extLst>
+              <a:ext uri="{FF2B5EF4-FFF2-40B4-BE49-F238E27FC236}">
+                <a16:creationId xmlns:a16="http://schemas.microsoft.com/office/drawing/2014/main" id="{1F8CD2B0-E5FB-FD47-A2E0-C35DBF29D4A0}"/>
+              </a:ext>
+            </a:extLst>
+          </p:cNvPr>
+          <p:cNvSpPr/>
+          <p:nvPr/>
+        </p:nvSpPr>
+        <p:spPr>
+          <a:xfrm>
+            <a:off x="10804202" y="4135087"/>
+            <a:ext cx="50400" cy="246221"/>
+          </a:xfrm>
+          <a:prstGeom prst="rect">
+            <a:avLst/>
+          </a:prstGeom>
+          <a:solidFill>
+            <a:schemeClr val="accent4">
+              <a:lumMod val="75000"/>
+            </a:schemeClr>
+          </a:solidFill>
+          <a:ln>
+            <a:noFill/>
+          </a:ln>
+        </p:spPr>
+        <p:style>
+          <a:lnRef idx="2">
+            <a:schemeClr val="accent1">
+              <a:shade val="50000"/>
+            </a:schemeClr>
+          </a:lnRef>
+          <a:fillRef idx="1">
+            <a:schemeClr val="accent1"/>
+          </a:fillRef>
+          <a:effectRef idx="0">
+            <a:schemeClr val="accent1"/>
+          </a:effectRef>
+          <a:fontRef idx="minor">
+            <a:schemeClr val="lt1"/>
+          </a:fontRef>
+        </p:style>
+        <p:txBody>
+          <a:bodyPr rtlCol="0" anchor="ctr"/>
+          <a:lstStyle/>
+          <a:p>
+            <a:pPr algn="ctr"/>
+            <a:endParaRPr lang="en-US"/>
+          </a:p>
+        </p:txBody>
+      </p:sp>
+      <p:sp>
+        <p:nvSpPr>
+          <p:cNvPr id="395" name="TextBox 394">
+            <a:extLst>
+              <a:ext uri="{FF2B5EF4-FFF2-40B4-BE49-F238E27FC236}">
+                <a16:creationId xmlns:a16="http://schemas.microsoft.com/office/drawing/2014/main" id="{A22835F6-5B8B-0646-AA5C-B604D5D84897}"/>
+              </a:ext>
+            </a:extLst>
+          </p:cNvPr>
+          <p:cNvSpPr txBox="1"/>
+          <p:nvPr/>
+        </p:nvSpPr>
+        <p:spPr>
+          <a:xfrm>
+            <a:off x="11009543" y="4369414"/>
+            <a:ext cx="317716" cy="246221"/>
+          </a:xfrm>
+          <a:prstGeom prst="rect">
+            <a:avLst/>
+          </a:prstGeom>
+          <a:noFill/>
+        </p:spPr>
+        <p:txBody>
+          <a:bodyPr wrap="square" rtlCol="0">
+            <a:spAutoFit/>
+          </a:bodyPr>
+          <a:lstStyle/>
+          <a:p>
+            <a:r>
+              <a:rPr lang="en-US" sz="1000" dirty="0"/>
+              <a:t>b4</a:t>
+            </a:r>
+          </a:p>
+        </p:txBody>
+      </p:sp>
+      <p:sp>
+        <p:nvSpPr>
+          <p:cNvPr id="396" name="Rectangle 395">
+            <a:extLst>
+              <a:ext uri="{FF2B5EF4-FFF2-40B4-BE49-F238E27FC236}">
+                <a16:creationId xmlns:a16="http://schemas.microsoft.com/office/drawing/2014/main" id="{86876331-4737-374A-AACD-6620F258CF73}"/>
+              </a:ext>
+            </a:extLst>
+          </p:cNvPr>
+          <p:cNvSpPr/>
+          <p:nvPr/>
+        </p:nvSpPr>
+        <p:spPr>
+          <a:xfrm>
+            <a:off x="11016247" y="4374730"/>
+            <a:ext cx="50400" cy="241852"/>
+          </a:xfrm>
+          <a:prstGeom prst="rect">
+            <a:avLst/>
+          </a:prstGeom>
+          <a:solidFill>
+            <a:schemeClr val="accent4">
               <a:lumMod val="75000"/>
             </a:schemeClr>
           </a:solidFill>
